--- a/微前端的技术方案分析.pptx
+++ b/微前端的技术方案分析.pptx
@@ -17,12 +17,13 @@
     <p:sldId id="292" r:id="rId12"/>
     <p:sldId id="293" r:id="rId13"/>
     <p:sldId id="294" r:id="rId14"/>
-    <p:sldId id="295" r:id="rId15"/>
+    <p:sldId id="304" r:id="rId15"/>
+    <p:sldId id="303" r:id="rId16"/>
   </p:sldIdLst>
   <p:sldSz cx="12192000" cy="6858000"/>
   <p:notesSz cx="6858000" cy="9144000"/>
   <p:custDataLst>
-    <p:tags r:id="rId19"/>
+    <p:tags r:id="rId20"/>
   </p:custDataLst>
   <p:defaultTextStyle>
     <a:defPPr>
@@ -119,22 +120,6 @@
       </a:defRPr>
     </a:lvl9pPr>
   </p:defaultTextStyle>
-  <p:extLst>
-    <p:ext uri="{EFAFB233-063F-42B5-8137-9DF3F51BA10A}">
-      <p15:sldGuideLst xmlns:p15="http://schemas.microsoft.com/office/powerpoint/2012/main">
-        <p15:guide id="1" orient="horz" pos="2160" userDrawn="1">
-          <p15:clr>
-            <a:srgbClr val="A4A3A4"/>
-          </p15:clr>
-        </p15:guide>
-        <p15:guide id="2" pos="3822" userDrawn="1">
-          <p15:clr>
-            <a:srgbClr val="A4A3A4"/>
-          </p15:clr>
-        </p15:guide>
-      </p15:sldGuideLst>
-    </p:ext>
-  </p:extLst>
 </p:presentation>
 </file>
 
@@ -15006,7 +14991,7 @@
         </p:nvSpPr>
         <p:spPr>
           <a:xfrm>
-            <a:off x="608400" y="608400"/>
+            <a:off x="608400" y="596970"/>
             <a:ext cx="10969200" cy="705600"/>
           </a:xfrm>
         </p:spPr>
@@ -15074,7 +15059,7 @@
                 <a:latin typeface="汉仪旗黑-85S" charset="0"/>
                 <a:cs typeface="汉仪旗黑-85S" charset="0"/>
                 <a:sym typeface="+mn-ea"/>
-                <a:hlinkClick r:id="rId5" tooltip="" action="ppaction://hlinkfile"/>
+                <a:hlinkClick r:id="rId5" action="ppaction://hlinkfile"/>
               </a:rPr>
               <a:t>https://www.garfishjs.org/guide/</a:t>
             </a:r>
@@ -15097,8 +15082,8 @@
         </p:nvSpPr>
         <p:spPr>
           <a:xfrm>
-            <a:off x="811530" y="1680845"/>
-            <a:ext cx="10513060" cy="4582795"/>
+            <a:off x="686435" y="1458595"/>
+            <a:ext cx="10513060" cy="4916805"/>
           </a:xfrm>
           <a:prstGeom prst="rect">
             <a:avLst/>
@@ -15116,6 +15101,11 @@
               </a:rPr>
               <a:t>沙箱：默认情况下使用 VM 沙箱（VM 沙箱支持多实例），不使用快照沙箱。原理同上，但细节场景覆盖得更齐全。VMSandbox - 复制 window, document 等对象，使用 Object.defineProperty 冰冻 native window &amp; document，使用 proxy 拦截并收集。</a:t>
             </a:r>
+            <a:endParaRPr lang="zh-CN" altLang="en-US">
+              <a:sym typeface="+mn-ea"/>
+            </a:endParaRPr>
+          </a:p>
+          <a:p>
             <a:br>
               <a:rPr lang="zh-CN" altLang="en-US">
                 <a:sym typeface="+mn-ea"/>
@@ -15127,6 +15117,17 @@
               </a:rPr>
               <a:t>路由：</a:t>
             </a:r>
+            <a:r>
+              <a:rPr lang="zh-CN" altLang="en-US">
+                <a:sym typeface="+mn-ea"/>
+              </a:rPr>
+              <a:t>基于EventEmitter2拦截和重写路由，为不同子应用提供不同的 basename 用于隔离应用间的路由抢占问题，路由发生变化时能准确激活并触发应用视图更新</a:t>
+            </a:r>
+            <a:endParaRPr lang="zh-CN" altLang="en-US">
+              <a:sym typeface="+mn-ea"/>
+            </a:endParaRPr>
+          </a:p>
+          <a:p>
             <a:endParaRPr lang="zh-CN" altLang="en-US"/>
           </a:p>
           <a:p>
@@ -15136,32 +15137,53 @@
               </a:rPr>
               <a:t>通信：</a:t>
             </a:r>
+            <a:r>
+              <a:rPr lang="zh-CN" altLang="en-US">
+                <a:sym typeface="+mn-ea"/>
+              </a:rPr>
+              <a:t>Store 提供了一套简单的通信数据交换机制</a:t>
+            </a:r>
+            <a:endParaRPr lang="zh-CN" altLang="en-US">
+              <a:sym typeface="+mn-ea"/>
+            </a:endParaRPr>
+          </a:p>
+          <a:p>
             <a:endParaRPr lang="zh-CN" altLang="en-US"/>
           </a:p>
           <a:p>
             <a:r>
-              <a:rPr lang="en-US" altLang="zh-CN">
-                <a:sym typeface="+mn-ea"/>
-              </a:rPr>
-              <a:t>loader:</a:t>
+              <a:rPr lang="zh-CN" altLang="en-US"/>
+              <a:t>特性：</a:t>
             </a:r>
             <a:endParaRPr lang="zh-CN" altLang="en-US"/>
           </a:p>
           <a:p>
+            <a:pPr marL="742950" lvl="1" indent="-285750">
+              <a:buFont typeface="Arial" panose="020B0604020202020204" pitchFamily="34" charset="0"/>
+              <a:buChar char="•"/>
+            </a:pPr>
             <a:r>
               <a:rPr lang="zh-CN" altLang="en-US"/>
-              <a:t>自动记录用户应用加载习惯增加加载权重，应用切换时间极大缩短</a:t>
+              <a:t>预加载能力，自动记录用户应用加载习惯增加加载权重，应用切换时间极大缩短</a:t>
             </a:r>
             <a:endParaRPr lang="zh-CN" altLang="en-US"/>
           </a:p>
           <a:p>
+            <a:pPr marL="742950" lvl="1" indent="-285750">
+              <a:buFont typeface="Arial" panose="020B0604020202020204" pitchFamily="34" charset="0"/>
+              <a:buChar char="•"/>
+            </a:pPr>
             <a:r>
               <a:rPr lang="zh-CN" altLang="en-US"/>
-              <a:t>支持依赖共享，极大程度的降低整体的包体积，减少依赖的重复加载</a:t>
+              <a:t>支持依赖共享，减少依赖的重复加载</a:t>
             </a:r>
             <a:endParaRPr lang="zh-CN" altLang="en-US"/>
           </a:p>
           <a:p>
+            <a:pPr marL="742950" lvl="1" indent="-285750">
+              <a:buFont typeface="Arial" panose="020B0604020202020204" pitchFamily="34" charset="0"/>
+              <a:buChar char="•"/>
+            </a:pPr>
             <a:r>
               <a:rPr lang="zh-CN" altLang="en-US"/>
               <a:t>支持多实例能力，可在页面中同时运行多个子应用</a:t>
@@ -15169,6 +15191,10 @@
             <a:endParaRPr lang="zh-CN" altLang="en-US"/>
           </a:p>
           <a:p>
+            <a:pPr marL="742950" lvl="1" indent="-285750">
+              <a:buFont typeface="Arial" panose="020B0604020202020204" pitchFamily="34" charset="0"/>
+              <a:buChar char="•"/>
+            </a:pPr>
             <a:r>
               <a:rPr lang="zh-CN" altLang="en-US"/>
               <a:t>通过 Loader 核心模块支持 HTML entry、JS entry 的支持</a:t>
@@ -15176,27 +15202,37 @@
             <a:endParaRPr lang="zh-CN" altLang="en-US"/>
           </a:p>
           <a:p>
-            <a:r>
-              <a:rPr lang="zh-CN" altLang="en-US"/>
-              <a:t>Router 模块提供了路由驱动、主子路由隔离，用户仅需要配置路由表应用即可完成自主的渲染和销毁，无需关心内部逻辑</a:t>
-            </a:r>
-            <a:endParaRPr lang="zh-CN" altLang="en-US"/>
-          </a:p>
-          <a:p>
-            <a:r>
-              <a:rPr lang="zh-CN" altLang="en-US"/>
-              <a:t>Sandbox 模块为应用的 Runtime 提供运行时隔离能力，能有效隔离 JS、Style 对应用的副作用影响</a:t>
-            </a:r>
-            <a:endParaRPr lang="zh-CN" altLang="en-US"/>
-          </a:p>
-          <a:p>
-            <a:r>
-              <a:rPr lang="zh-CN" altLang="en-US"/>
-              <a:t>Store 提供了一套简单的通信数据交换机制</a:t>
-            </a:r>
-            <a:endParaRPr lang="zh-CN" altLang="en-US"/>
-          </a:p>
-          <a:p>
+            <a:pPr marL="742950" lvl="1" indent="-285750">
+              <a:buFont typeface="Arial" panose="020B0604020202020204" pitchFamily="34" charset="0"/>
+              <a:buChar char="•"/>
+            </a:pPr>
+            <a:r>
+              <a:rPr lang="zh-CN" altLang="en-US">
+                <a:sym typeface="+mn-ea"/>
+              </a:rPr>
+              <a:t>支持插件，</a:t>
+            </a:r>
+            <a:r>
+              <a:rPr lang="en-US" altLang="zh-CN">
+                <a:sym typeface="+mn-ea"/>
+              </a:rPr>
+              <a:t> </a:t>
+            </a:r>
+            <a:r>
+              <a:rPr lang="zh-CN" altLang="en-US">
+                <a:sym typeface="+mn-ea"/>
+              </a:rPr>
+              <a:t>不支持vite3</a:t>
+            </a:r>
+            <a:endParaRPr lang="zh-CN" altLang="en-US">
+              <a:sym typeface="+mn-ea"/>
+            </a:endParaRPr>
+          </a:p>
+          <a:p>
+            <a:pPr marL="742950" lvl="1" indent="-285750">
+              <a:buFont typeface="Arial" panose="020B0604020202020204" pitchFamily="34" charset="0"/>
+              <a:buChar char="•"/>
+            </a:pPr>
             <a:endParaRPr lang="zh-CN" altLang="en-US"/>
           </a:p>
           <a:p>
@@ -15229,12 +15265,6 @@
               <a:buFont typeface="Arial" panose="020B0604020202020204" pitchFamily="34" charset="0"/>
               <a:buNone/>
             </a:pPr>
-            <a:r>
-              <a:rPr lang="zh-CN" altLang="en-US">
-                <a:sym typeface="+mn-ea"/>
-              </a:rPr>
-              <a:t>改造成本：需要自己考虑微前端工程化问题，以及微前端平台运维。</a:t>
-            </a:r>
             <a:endParaRPr lang="zh-CN" altLang="en-US"/>
           </a:p>
           <a:p>
@@ -15552,7 +15582,7 @@
                 <a:latin typeface="汉仪旗黑-85S" charset="0"/>
                 <a:cs typeface="汉仪旗黑-85S" charset="0"/>
                 <a:sym typeface="+mn-ea"/>
-                <a:hlinkClick r:id="rId5" tooltip="" action="ppaction://hlinkfile"/>
+                <a:hlinkClick r:id="rId5" action="ppaction://hlinkfile"/>
               </a:rPr>
               <a:t>https://wujie-micro.github.io/doc/guide</a:t>
             </a:r>
@@ -15575,8 +15605,8 @@
         </p:nvSpPr>
         <p:spPr>
           <a:xfrm>
-            <a:off x="811530" y="1680845"/>
-            <a:ext cx="10619105" cy="4852670"/>
+            <a:off x="811530" y="1473200"/>
+            <a:ext cx="10619105" cy="5060315"/>
           </a:xfrm>
           <a:prstGeom prst="rect">
             <a:avLst/>
@@ -15588,16 +15618,29 @@
             <a:noAutofit/>
           </a:bodyPr>
           <a:p>
+            <a:pPr marL="0" lvl="1" indent="0">
+              <a:buFont typeface="Arial" panose="020B0604020202020204" pitchFamily="34" charset="0"/>
+              <a:buNone/>
+            </a:pPr>
+            <a:r>
+              <a:rPr lang="zh-CN" altLang="en-US">
+                <a:sym typeface="+mn-ea"/>
+              </a:rPr>
+              <a:t>沙箱：将子应用的js注入主应用同域的iframe中运行，采用webcomponent来实现页面的样式隔离，</a:t>
+            </a:r>
+            <a:r>
+              <a:rPr lang="zh-CN" altLang="en-US">
+                <a:sym typeface="+mn-ea"/>
+              </a:rPr>
+              <a:t>利用iframe的history和主应用的history在同一个top-level browsing context来搭建天然的路由同步机制</a:t>
+            </a:r>
+            <a:endParaRPr lang="zh-CN" altLang="en-US"/>
+          </a:p>
+          <a:p>
             <a:pPr indent="0">
               <a:buFont typeface="Arial" panose="020B0604020202020204" pitchFamily="34" charset="0"/>
               <a:buNone/>
             </a:pPr>
-            <a:r>
-              <a:rPr lang="zh-CN" altLang="en-US">
-                <a:sym typeface="+mn-ea"/>
-              </a:rPr>
-              <a:t>沙箱：</a:t>
-            </a:r>
             <a:br>
               <a:rPr lang="zh-CN" altLang="en-US">
                 <a:sym typeface="+mn-ea"/>
@@ -15607,21 +15650,17 @@
               <a:rPr lang="zh-CN" altLang="en-US">
                 <a:sym typeface="+mn-ea"/>
               </a:rPr>
-              <a:t>路由：</a:t>
-            </a:r>
-            <a:endParaRPr lang="zh-CN" altLang="en-US"/>
+              <a:t>路由：将子应用路径的path+query+hash，编码后挂载在主应用url的查询参数上</a:t>
+            </a:r>
+            <a:endParaRPr lang="zh-CN" altLang="en-US">
+              <a:sym typeface="+mn-ea"/>
+            </a:endParaRPr>
           </a:p>
           <a:p>
             <a:pPr indent="0">
               <a:buFont typeface="Arial" panose="020B0604020202020204" pitchFamily="34" charset="0"/>
               <a:buNone/>
             </a:pPr>
-            <a:r>
-              <a:rPr lang="zh-CN" altLang="en-US">
-                <a:sym typeface="+mn-ea"/>
-              </a:rPr>
-              <a:t>通信：</a:t>
-            </a:r>
             <a:endParaRPr lang="zh-CN" altLang="en-US"/>
           </a:p>
           <a:p>
@@ -15630,147 +15669,172 @@
               <a:buNone/>
             </a:pPr>
             <a:r>
+              <a:rPr lang="zh-CN" altLang="en-US">
+                <a:sym typeface="+mn-ea"/>
+              </a:rPr>
+              <a:t>通信：使用组件式</a:t>
+            </a:r>
+            <a:r>
               <a:rPr lang="en-US" altLang="zh-CN">
                 <a:sym typeface="+mn-ea"/>
               </a:rPr>
-              <a:t>loader:</a:t>
-            </a:r>
+              <a:t>props</a:t>
+            </a:r>
+            <a:r>
+              <a:rPr lang="zh-CN" altLang="en-US">
+                <a:sym typeface="+mn-ea"/>
+              </a:rPr>
+              <a:t>和全局的</a:t>
+            </a:r>
+            <a:r>
+              <a:rPr lang="en-US" altLang="zh-CN">
+                <a:sym typeface="+mn-ea"/>
+              </a:rPr>
+              <a:t>eventBus</a:t>
+            </a:r>
+            <a:r>
+              <a:rPr lang="zh-CN" altLang="en-US">
+                <a:sym typeface="+mn-ea"/>
+              </a:rPr>
+              <a:t>提供应用通信</a:t>
+            </a:r>
+            <a:endParaRPr lang="en-US" altLang="zh-CN">
+              <a:sym typeface="+mn-ea"/>
+            </a:endParaRPr>
+          </a:p>
+          <a:p>
+            <a:pPr indent="0">
+              <a:buFont typeface="Arial" panose="020B0604020202020204" pitchFamily="34" charset="0"/>
+              <a:buNone/>
+            </a:pPr>
             <a:endParaRPr lang="zh-CN" altLang="en-US">
               <a:sym typeface="+mn-ea"/>
             </a:endParaRPr>
           </a:p>
           <a:p>
-            <a:pPr marL="285750" indent="-285750">
+            <a:pPr indent="0">
+              <a:buFont typeface="Arial" panose="020B0604020202020204" pitchFamily="34" charset="0"/>
+              <a:buNone/>
+            </a:pPr>
+            <a:r>
+              <a:rPr lang="zh-CN" altLang="en-US">
+                <a:sym typeface="+mn-ea"/>
+              </a:rPr>
+              <a:t>特性：</a:t>
+            </a:r>
+            <a:endParaRPr lang="zh-CN" altLang="en-US">
+              <a:sym typeface="+mn-ea"/>
+            </a:endParaRPr>
+          </a:p>
+          <a:p>
+            <a:pPr marL="742950" lvl="1" indent="-285750">
               <a:buFont typeface="Arial" panose="020B0604020202020204" pitchFamily="34" charset="0"/>
               <a:buChar char="•"/>
             </a:pPr>
             <a:r>
-              <a:rPr lang="zh-CN" altLang="en-US">
-                <a:sym typeface="+mn-ea"/>
-              </a:rPr>
-              <a:t>借助iframe和webcomponent来实现沙箱，有效的减小了代码量</a:t>
+              <a:rPr lang="zh-CN" altLang="en-US"/>
+              <a:t>框架具备同时激活多应用，并保持这些应用路由同步的能力</a:t>
             </a:r>
             <a:endParaRPr lang="zh-CN" altLang="en-US"/>
           </a:p>
           <a:p>
-            <a:pPr marL="285750" indent="-285750">
+            <a:pPr marL="742950" lvl="1" indent="-285750">
               <a:buFont typeface="Arial" panose="020B0604020202020204" pitchFamily="34" charset="0"/>
               <a:buChar char="•"/>
             </a:pPr>
             <a:r>
               <a:rPr lang="zh-CN" altLang="en-US"/>
-              <a:t>框架具备同时激活多应用，并保持这些应用路由同步的能力</a:t>
+              <a:t>无需注册，更无需路由适配，在组件内使用，跟随组件装载、卸载</a:t>
             </a:r>
             <a:endParaRPr lang="zh-CN" altLang="en-US"/>
           </a:p>
           <a:p>
-            <a:pPr marL="285750" indent="-285750">
+            <a:pPr marL="742950" lvl="1" indent="-285750">
               <a:buFont typeface="Arial" panose="020B0604020202020204" pitchFamily="34" charset="0"/>
               <a:buChar char="•"/>
             </a:pPr>
             <a:r>
               <a:rPr lang="zh-CN" altLang="en-US"/>
-              <a:t>无需注册，更无需路由适配，在组件内使用，跟随组件装载、卸载</a:t>
-            </a:r>
-            <a:endParaRPr lang="zh-CN" altLang="en-US"/>
-          </a:p>
-          <a:p>
-            <a:pPr marL="285750" indent="-285750">
+              <a:t>父子应用无污染</a:t>
+            </a:r>
+            <a:r>
+              <a:rPr lang="en-US" altLang="zh-CN"/>
+              <a:t>, 应用级别的 keep-alive</a:t>
+            </a:r>
+            <a:endParaRPr lang="en-US" altLang="zh-CN"/>
+          </a:p>
+          <a:p>
+            <a:pPr marL="742950" lvl="1" indent="-285750">
               <a:buFont typeface="Arial" panose="020B0604020202020204" pitchFamily="34" charset="0"/>
               <a:buChar char="•"/>
             </a:pPr>
             <a:r>
               <a:rPr lang="zh-CN" altLang="en-US"/>
-              <a:t>子应用开启保活模式后，应用发生切换时整个子应用的状态可以保存下来不丢失，结合预执行模式可以获得类似ssr的打开体验</a:t>
+              <a:t>副作用局限在沙箱内部，子应用切换无需任何清理工作，没有额外的切换成本</a:t>
             </a:r>
             <a:endParaRPr lang="zh-CN" altLang="en-US"/>
           </a:p>
           <a:p>
-            <a:pPr marL="285750" indent="-285750">
+            <a:pPr marL="742950" lvl="1" indent="-285750">
               <a:buFont typeface="Arial" panose="020B0604020202020204" pitchFamily="34" charset="0"/>
               <a:buChar char="•"/>
             </a:pPr>
             <a:r>
               <a:rPr lang="zh-CN" altLang="en-US"/>
-              <a:t>无界利用iframe和webcomponent来搭建天然的js隔离沙箱和css隔离沙箱</a:t>
-            </a:r>
-            <a:r>
-              <a:rPr lang="en-US" altLang="zh-CN"/>
-              <a:t>,</a:t>
-            </a:r>
-            <a:r>
-              <a:rPr lang="zh-CN" altLang="en-US">
-                <a:sym typeface="+mn-ea"/>
-              </a:rPr>
-              <a:t>纯净无污染</a:t>
+              <a:t>子应用执行性能和原生一致，子应用实例instance运行在iframe的window上下文中，避免with(proxyWindow){code}这样指定代码执行上下文导致的性能下降，但是多了实例化iframe的一次性的开销，可以通过 proload 提前实例化</a:t>
             </a:r>
             <a:endParaRPr lang="zh-CN" altLang="en-US"/>
           </a:p>
           <a:p>
-            <a:pPr marL="285750" indent="-285750">
+            <a:pPr marL="742950" lvl="1" indent="-285750">
               <a:buFont typeface="Arial" panose="020B0604020202020204" pitchFamily="34" charset="0"/>
               <a:buChar char="•"/>
             </a:pPr>
             <a:r>
-              <a:rPr lang="zh-CN" altLang="en-US"/>
-              <a:t>利用iframe的history和主应用的history在同一个top-level browsing context来搭建天然的路由同步机制</a:t>
-            </a:r>
-            <a:endParaRPr lang="zh-CN" altLang="en-US"/>
-          </a:p>
-          <a:p>
-            <a:pPr marL="285750" indent="-285750">
-              <a:buFont typeface="Arial" panose="020B0604020202020204" pitchFamily="34" charset="0"/>
-              <a:buChar char="•"/>
-            </a:pPr>
-            <a:r>
-              <a:rPr lang="zh-CN" altLang="en-US"/>
-              <a:t>副作用局限在沙箱内部，子应用切换无需任何清理工作，没有额外的切换成本</a:t>
-            </a:r>
-            <a:endParaRPr lang="zh-CN" altLang="en-US"/>
-          </a:p>
-          <a:p>
-            <a:pPr marL="285750" indent="-285750">
-              <a:buFont typeface="Arial" panose="020B0604020202020204" pitchFamily="34" charset="0"/>
-              <a:buChar char="•"/>
-            </a:pPr>
-            <a:r>
-              <a:rPr lang="zh-CN" altLang="en-US"/>
-              <a:t>子应用执行性能和原生一致，子应用实例instance运行在iframe的window上下文中，避免with(proxyWindow){code}这样指定代码执行上下文导致的性能下降，但是多了实例化iframe的一次性的开销，可以通过 proload 提前实例化</a:t>
-            </a:r>
-            <a:endParaRPr lang="zh-CN" altLang="en-US"/>
-          </a:p>
-          <a:p>
-            <a:pPr marL="285750" indent="-285750">
-              <a:buFont typeface="Arial" panose="020B0604020202020204" pitchFamily="34" charset="0"/>
-              <a:buChar char="•"/>
-            </a:pPr>
-            <a:r>
-              <a:rPr lang="zh-CN" altLang="en-US">
-                <a:sym typeface="+mn-ea"/>
-              </a:rPr>
-              <a:t>性能和体积兼具</a:t>
-            </a:r>
-            <a:endParaRPr lang="zh-CN" altLang="en-US"/>
-          </a:p>
-          <a:p>
-            <a:pPr marL="285750" indent="-285750">
-              <a:buFont typeface="Arial" panose="020B0604020202020204" pitchFamily="34" charset="0"/>
-              <a:buChar char="•"/>
-            </a:pPr>
-            <a:r>
               <a:rPr lang="zh-CN" altLang="en-US">
                 <a:sym typeface="+mn-ea"/>
               </a:rPr>
               <a:t>支持vite</a:t>
             </a:r>
-            <a:endParaRPr lang="zh-CN" altLang="en-US"/>
-          </a:p>
-          <a:p>
-            <a:pPr marL="285750" indent="-285750">
+            <a:endParaRPr lang="zh-CN" altLang="en-US">
+              <a:sym typeface="+mn-ea"/>
+            </a:endParaRPr>
+          </a:p>
+          <a:p>
+            <a:pPr lvl="1" indent="0">
               <a:buFont typeface="Arial" panose="020B0604020202020204" pitchFamily="34" charset="0"/>
-              <a:buChar char="•"/>
+              <a:buNone/>
             </a:pPr>
             <a:endParaRPr lang="zh-CN" altLang="en-US"/>
+          </a:p>
+          <a:p>
+            <a:pPr indent="0">
+              <a:buFont typeface="Arial" panose="020B0604020202020204" pitchFamily="34" charset="0"/>
+              <a:buNone/>
+            </a:pPr>
+            <a:r>
+              <a:rPr lang="zh-CN" altLang="en-US"/>
+              <a:t>接入成本：</a:t>
+            </a:r>
+            <a:r>
+              <a:rPr lang="en-US" altLang="zh-CN"/>
+              <a:t> </a:t>
+            </a:r>
+            <a:r>
+              <a:rPr lang="zh-CN" altLang="en-US">
+                <a:sym typeface="+mn-ea"/>
+              </a:rPr>
+              <a:t>子应用无需改动，成本</a:t>
+            </a:r>
+            <a:r>
+              <a:rPr lang="zh-CN" altLang="en-US">
+                <a:sym typeface="+mn-ea"/>
+              </a:rPr>
+              <a:t>低</a:t>
+            </a:r>
+            <a:endParaRPr lang="zh-CN" altLang="en-US">
+              <a:sym typeface="+mn-ea"/>
+            </a:endParaRPr>
           </a:p>
         </p:txBody>
       </p:sp>
@@ -15786,6 +15850,2431 @@
 </file>
 
 <file path=ppt/slides/slide12.xml><?xml version="1.0" encoding="utf-8"?>
+<p:sld xmlns:a="http://schemas.openxmlformats.org/drawingml/2006/main" xmlns:r="http://schemas.openxmlformats.org/officeDocument/2006/relationships" xmlns:p="http://schemas.openxmlformats.org/presentationml/2006/main">
+  <p:cSld>
+    <p:bg>
+      <p:bgPr>
+        <a:solidFill>
+          <a:schemeClr val="bg2"/>
+        </a:solidFill>
+        <a:effectLst/>
+      </p:bgPr>
+    </p:bg>
+    <p:spTree>
+      <p:nvGrpSpPr>
+        <p:cNvPr id="1" name=""/>
+        <p:cNvGrpSpPr/>
+        <p:nvPr/>
+      </p:nvGrpSpPr>
+      <p:grpSpPr>
+        <a:xfrm>
+          <a:off x="0" y="0"/>
+          <a:ext cx="0" cy="0"/>
+          <a:chOff x="0" y="0"/>
+          <a:chExt cx="0" cy="0"/>
+        </a:xfrm>
+      </p:grpSpPr>
+      <p:grpSp>
+        <p:nvGrpSpPr>
+          <p:cNvPr id="8" name="组合 7"/>
+          <p:cNvGrpSpPr/>
+          <p:nvPr userDrawn="1">
+            <p:custDataLst>
+              <p:tags r:id="rId1"/>
+            </p:custDataLst>
+          </p:nvPr>
+        </p:nvGrpSpPr>
+        <p:grpSpPr>
+          <a:xfrm>
+            <a:off x="4001597" y="6045200"/>
+            <a:ext cx="8190403" cy="812800"/>
+            <a:chOff x="4001597" y="5613400"/>
+            <a:chExt cx="8190403" cy="1244600"/>
+          </a:xfrm>
+        </p:grpSpPr>
+        <p:sp>
+          <p:nvSpPr>
+            <p:cNvPr id="9" name="任意多边形: 形状 8"/>
+            <p:cNvSpPr/>
+            <p:nvPr>
+              <p:custDataLst>
+                <p:tags r:id="rId2"/>
+              </p:custDataLst>
+            </p:nvPr>
+          </p:nvSpPr>
+          <p:spPr>
+            <a:xfrm>
+              <a:off x="4001597" y="5613400"/>
+              <a:ext cx="8190402" cy="1244600"/>
+            </a:xfrm>
+            <a:custGeom>
+              <a:avLst/>
+              <a:gdLst>
+                <a:gd name="connsiteX0" fmla="*/ 8190402 w 8190402"/>
+                <a:gd name="connsiteY0" fmla="*/ 0 h 1244600"/>
+                <a:gd name="connsiteX1" fmla="*/ 8190402 w 8190402"/>
+                <a:gd name="connsiteY1" fmla="*/ 1155849 h 1244600"/>
+                <a:gd name="connsiteX2" fmla="*/ 4203232 w 8190402"/>
+                <a:gd name="connsiteY2" fmla="*/ 1244600 h 1244600"/>
+                <a:gd name="connsiteX3" fmla="*/ 0 w 8190402"/>
+                <a:gd name="connsiteY3" fmla="*/ 1244600 h 1244600"/>
+              </a:gdLst>
+              <a:ahLst/>
+              <a:cxnLst>
+                <a:cxn ang="0">
+                  <a:pos x="connsiteX0" y="connsiteY0"/>
+                </a:cxn>
+                <a:cxn ang="0">
+                  <a:pos x="connsiteX1" y="connsiteY1"/>
+                </a:cxn>
+                <a:cxn ang="0">
+                  <a:pos x="connsiteX2" y="connsiteY2"/>
+                </a:cxn>
+                <a:cxn ang="0">
+                  <a:pos x="connsiteX3" y="connsiteY3"/>
+                </a:cxn>
+              </a:cxnLst>
+              <a:rect l="l" t="t" r="r" b="b"/>
+              <a:pathLst>
+                <a:path w="8190402" h="1244600">
+                  <a:moveTo>
+                    <a:pt x="8190402" y="0"/>
+                  </a:moveTo>
+                  <a:lnTo>
+                    <a:pt x="8190402" y="1155849"/>
+                  </a:lnTo>
+                  <a:lnTo>
+                    <a:pt x="4203232" y="1244600"/>
+                  </a:lnTo>
+                  <a:lnTo>
+                    <a:pt x="0" y="1244600"/>
+                  </a:lnTo>
+                  <a:close/>
+                </a:path>
+              </a:pathLst>
+            </a:custGeom>
+            <a:solidFill>
+              <a:schemeClr val="accent1">
+                <a:lumMod val="40000"/>
+                <a:lumOff val="60000"/>
+              </a:schemeClr>
+            </a:solidFill>
+            <a:ln>
+              <a:noFill/>
+            </a:ln>
+          </p:spPr>
+          <p:style>
+            <a:lnRef idx="2">
+              <a:schemeClr val="accent1">
+                <a:shade val="50000"/>
+              </a:schemeClr>
+            </a:lnRef>
+            <a:fillRef idx="1">
+              <a:schemeClr val="accent1"/>
+            </a:fillRef>
+            <a:effectRef idx="0">
+              <a:schemeClr val="accent1"/>
+            </a:effectRef>
+            <a:fontRef idx="minor">
+              <a:schemeClr val="lt1"/>
+            </a:fontRef>
+          </p:style>
+          <p:txBody>
+            <a:bodyPr rtlCol="0" anchor="ctr"/>
+            <a:p>
+              <a:pPr algn="ctr"/>
+              <a:endParaRPr lang="zh-CN" altLang="en-US">
+                <a:solidFill>
+                  <a:schemeClr val="lt1"/>
+                </a:solidFill>
+                <a:latin typeface="微软雅黑" panose="020B0503020204020204" charset="-122"/>
+                <a:ea typeface="微软雅黑" panose="020B0503020204020204" charset="-122"/>
+              </a:endParaRPr>
+            </a:p>
+          </p:txBody>
+        </p:sp>
+        <p:sp>
+          <p:nvSpPr>
+            <p:cNvPr id="10" name="等腰三角形 9"/>
+            <p:cNvSpPr/>
+            <p:nvPr>
+              <p:custDataLst>
+                <p:tags r:id="rId3"/>
+              </p:custDataLst>
+            </p:nvPr>
+          </p:nvSpPr>
+          <p:spPr>
+            <a:xfrm>
+              <a:off x="5816600" y="5949254"/>
+              <a:ext cx="6375400" cy="908746"/>
+            </a:xfrm>
+            <a:prstGeom prst="triangle">
+              <a:avLst>
+                <a:gd name="adj" fmla="val 100000"/>
+              </a:avLst>
+            </a:prstGeom>
+            <a:solidFill>
+              <a:schemeClr val="accent1">
+                <a:lumMod val="60000"/>
+                <a:lumOff val="40000"/>
+              </a:schemeClr>
+            </a:solidFill>
+            <a:ln>
+              <a:noFill/>
+            </a:ln>
+          </p:spPr>
+          <p:style>
+            <a:lnRef idx="2">
+              <a:schemeClr val="accent1">
+                <a:shade val="50000"/>
+              </a:schemeClr>
+            </a:lnRef>
+            <a:fillRef idx="1">
+              <a:schemeClr val="accent1"/>
+            </a:fillRef>
+            <a:effectRef idx="0">
+              <a:schemeClr val="accent1"/>
+            </a:effectRef>
+            <a:fontRef idx="minor">
+              <a:schemeClr val="lt1"/>
+            </a:fontRef>
+          </p:style>
+          <p:txBody>
+            <a:bodyPr rtlCol="0" anchor="ctr"/>
+            <a:p>
+              <a:pPr algn="ctr"/>
+              <a:endParaRPr lang="zh-CN" altLang="en-US">
+                <a:solidFill>
+                  <a:schemeClr val="lt1"/>
+                </a:solidFill>
+                <a:latin typeface="微软雅黑" panose="020B0503020204020204" charset="-122"/>
+                <a:ea typeface="微软雅黑" panose="020B0503020204020204" charset="-122"/>
+              </a:endParaRPr>
+            </a:p>
+          </p:txBody>
+        </p:sp>
+      </p:grpSp>
+      <p:graphicFrame>
+        <p:nvGraphicFramePr>
+          <p:cNvPr id="5" name="表格 4"/>
+          <p:cNvGraphicFramePr/>
+          <p:nvPr>
+            <p:custDataLst>
+              <p:tags r:id="rId4"/>
+            </p:custDataLst>
+          </p:nvPr>
+        </p:nvGraphicFramePr>
+        <p:xfrm>
+          <a:off x="970915" y="1511935"/>
+          <a:ext cx="9439910" cy="4902200"/>
+        </p:xfrm>
+        <a:graphic>
+          <a:graphicData uri="http://schemas.openxmlformats.org/drawingml/2006/table">
+            <a:tbl>
+              <a:tblPr firstRow="1" bandRow="1">
+                <a:tableStyleId>{5C22544A-7EE6-4342-B048-85BDC9FD1C3A}</a:tableStyleId>
+              </a:tblPr>
+              <a:tblGrid>
+                <a:gridCol w="1275080"/>
+                <a:gridCol w="1522095"/>
+                <a:gridCol w="1504950"/>
+                <a:gridCol w="1701165"/>
+                <a:gridCol w="1435735"/>
+                <a:gridCol w="2000885"/>
+              </a:tblGrid>
+              <a:tr h="452120">
+                <a:tc>
+                  <a:txBody>
+                    <a:bodyPr/>
+                    <a:p>
+                      <a:pPr algn="ctr" fontAlgn="auto">
+                        <a:buNone/>
+                      </a:pPr>
+                      <a:endParaRPr lang="zh-CN" altLang="en-US" sz="1600"/>
+                    </a:p>
+                  </a:txBody>
+                  <a:tcPr/>
+                </a:tc>
+                <a:tc>
+                  <a:txBody>
+                    <a:bodyPr/>
+                    <a:p>
+                      <a:pPr algn="ctr" fontAlgn="auto">
+                        <a:buNone/>
+                      </a:pPr>
+                      <a:r>
+                        <a:rPr lang="en-US" altLang="zh-CN" sz="1600"/>
+                        <a:t>sandbox</a:t>
+                      </a:r>
+                      <a:endParaRPr lang="en-US" altLang="zh-CN" sz="1600"/>
+                    </a:p>
+                  </a:txBody>
+                  <a:tcPr/>
+                </a:tc>
+                <a:tc>
+                  <a:txBody>
+                    <a:bodyPr/>
+                    <a:p>
+                      <a:pPr algn="ctr" fontAlgn="auto">
+                        <a:buNone/>
+                      </a:pPr>
+                      <a:r>
+                        <a:rPr lang="en-US" altLang="zh-CN" sz="1600"/>
+                        <a:t>Router</a:t>
+                      </a:r>
+                      <a:endParaRPr lang="en-US" altLang="zh-CN" sz="1600"/>
+                    </a:p>
+                  </a:txBody>
+                  <a:tcPr/>
+                </a:tc>
+                <a:tc>
+                  <a:txBody>
+                    <a:bodyPr/>
+                    <a:p>
+                      <a:pPr algn="ctr" fontAlgn="auto">
+                        <a:buNone/>
+                      </a:pPr>
+                      <a:r>
+                        <a:rPr lang="en-US" altLang="zh-CN" sz="1600"/>
+                        <a:t>State|Event</a:t>
+                      </a:r>
+                      <a:endParaRPr lang="en-US" altLang="zh-CN" sz="1600"/>
+                    </a:p>
+                  </a:txBody>
+                  <a:tcPr/>
+                </a:tc>
+                <a:tc>
+                  <a:txBody>
+                    <a:bodyPr/>
+                    <a:p>
+                      <a:pPr algn="ctr" fontAlgn="auto">
+                        <a:buNone/>
+                      </a:pPr>
+                      <a:r>
+                        <a:rPr lang="en-US" altLang="zh-CN" sz="1600"/>
+                        <a:t>loader</a:t>
+                      </a:r>
+                      <a:endParaRPr lang="en-US" altLang="zh-CN" sz="1600"/>
+                    </a:p>
+                  </a:txBody>
+                  <a:tcPr/>
+                </a:tc>
+                <a:tc>
+                  <a:txBody>
+                    <a:bodyPr/>
+                    <a:p>
+                      <a:pPr algn="ctr" fontAlgn="auto">
+                        <a:buNone/>
+                      </a:pPr>
+                      <a:r>
+                        <a:rPr lang="en-US" altLang="zh-CN"/>
+                        <a:t>lifeCircle</a:t>
+                      </a:r>
+                      <a:endParaRPr lang="en-US" altLang="zh-CN"/>
+                    </a:p>
+                  </a:txBody>
+                  <a:tcPr/>
+                </a:tc>
+              </a:tr>
+              <a:tr h="944880">
+                <a:tc>
+                  <a:txBody>
+                    <a:bodyPr/>
+                    <a:p>
+                      <a:pPr algn="ctr" fontAlgn="auto">
+                        <a:buNone/>
+                      </a:pPr>
+                      <a:endParaRPr lang="en-US" altLang="zh-CN" sz="1600"/>
+                    </a:p>
+                  </a:txBody>
+                  <a:tcPr/>
+                </a:tc>
+                <a:tc>
+                  <a:txBody>
+                    <a:bodyPr/>
+                    <a:p>
+                      <a:pPr algn="ctr" fontAlgn="auto">
+                        <a:buNone/>
+                      </a:pPr>
+                      <a:endParaRPr lang="en-US" altLang="zh-CN" sz="1600"/>
+                    </a:p>
+                  </a:txBody>
+                  <a:tcPr/>
+                </a:tc>
+                <a:tc>
+                  <a:txBody>
+                    <a:bodyPr/>
+                    <a:p>
+                      <a:pPr algn="ctr" fontAlgn="auto">
+                        <a:buNone/>
+                      </a:pPr>
+                      <a:endParaRPr lang="en-US" altLang="zh-CN" sz="1600"/>
+                    </a:p>
+                  </a:txBody>
+                  <a:tcPr/>
+                </a:tc>
+                <a:tc>
+                  <a:txBody>
+                    <a:bodyPr/>
+                    <a:p>
+                      <a:pPr algn="ctr" fontAlgn="auto">
+                        <a:buNone/>
+                      </a:pPr>
+                      <a:r>
+                        <a:rPr lang="en-US" altLang="zh-CN" sz="1600"/>
+                        <a:t> </a:t>
+                      </a:r>
+                      <a:endParaRPr lang="en-US" altLang="zh-CN" sz="1600"/>
+                    </a:p>
+                  </a:txBody>
+                  <a:tcPr/>
+                </a:tc>
+                <a:tc>
+                  <a:txBody>
+                    <a:bodyPr/>
+                    <a:p>
+                      <a:pPr algn="ctr" fontAlgn="auto">
+                        <a:buNone/>
+                      </a:pPr>
+                      <a:r>
+                        <a:rPr lang="zh-CN" altLang="en-US" sz="1600"/>
+                        <a:t> </a:t>
+                      </a:r>
+                      <a:endParaRPr lang="zh-CN" altLang="en-US" sz="1600"/>
+                    </a:p>
+                  </a:txBody>
+                  <a:tcPr/>
+                </a:tc>
+                <a:tc>
+                  <a:txBody>
+                    <a:bodyPr/>
+                    <a:p>
+                      <a:pPr algn="ctr" fontAlgn="auto">
+                        <a:buNone/>
+                      </a:pPr>
+                      <a:r>
+                        <a:rPr lang="zh-CN" altLang="en-US" sz="1400"/>
+                        <a:t>bootstrap</a:t>
+                      </a:r>
+                      <a:endParaRPr lang="en-US" altLang="zh-CN" sz="1400"/>
+                    </a:p>
+                    <a:p>
+                      <a:pPr algn="ctr" fontAlgn="auto">
+                        <a:buNone/>
+                      </a:pPr>
+                      <a:r>
+                        <a:rPr lang="en-US" altLang="zh-CN" sz="1400"/>
+                        <a:t>mount </a:t>
+                      </a:r>
+                      <a:endParaRPr lang="en-US" altLang="zh-CN" sz="1400"/>
+                    </a:p>
+                    <a:p>
+                      <a:pPr algn="ctr" fontAlgn="auto">
+                        <a:buNone/>
+                      </a:pPr>
+                      <a:r>
+                        <a:rPr lang="en-US" altLang="zh-CN" sz="1400"/>
+                        <a:t>unmount</a:t>
+                      </a:r>
+                      <a:endParaRPr lang="en-US" altLang="zh-CN" sz="1400"/>
+                    </a:p>
+                    <a:p>
+                      <a:pPr algn="ctr" fontAlgn="auto">
+                        <a:buNone/>
+                      </a:pPr>
+                      <a:r>
+                        <a:rPr lang="en-US" altLang="zh-CN" sz="1400"/>
+                        <a:t>unload </a:t>
+                      </a:r>
+                      <a:endParaRPr lang="en-US" altLang="zh-CN" sz="1400"/>
+                    </a:p>
+                  </a:txBody>
+                  <a:tcPr/>
+                </a:tc>
+              </a:tr>
+              <a:tr h="1005840">
+                <a:tc>
+                  <a:txBody>
+                    <a:bodyPr/>
+                    <a:p>
+                      <a:pPr algn="just" fontAlgn="auto">
+                        <a:buNone/>
+                      </a:pPr>
+                      <a:endParaRPr lang="en-US" altLang="zh-CN" sz="1600"/>
+                    </a:p>
+                  </a:txBody>
+                  <a:tcPr/>
+                </a:tc>
+                <a:tc>
+                  <a:txBody>
+                    <a:bodyPr/>
+                    <a:p>
+                      <a:pPr algn="ctr" fontAlgn="auto">
+                        <a:buNone/>
+                      </a:pPr>
+                      <a:endParaRPr lang="zh-CN" altLang="en-US" sz="1600">
+                        <a:sym typeface="+mn-ea"/>
+                      </a:endParaRPr>
+                    </a:p>
+                  </a:txBody>
+                  <a:tcPr/>
+                </a:tc>
+                <a:tc>
+                  <a:txBody>
+                    <a:bodyPr/>
+                    <a:p>
+                      <a:pPr algn="ctr" fontAlgn="auto">
+                        <a:buNone/>
+                      </a:pPr>
+                      <a:endParaRPr lang="en-US" altLang="zh-CN" sz="1600"/>
+                    </a:p>
+                  </a:txBody>
+                  <a:tcPr/>
+                </a:tc>
+                <a:tc>
+                  <a:txBody>
+                    <a:bodyPr/>
+                    <a:p>
+                      <a:pPr algn="ctr" fontAlgn="auto">
+                        <a:buNone/>
+                      </a:pPr>
+                      <a:endParaRPr lang="en-US" altLang="zh-CN" sz="1600">
+                        <a:sym typeface="+mn-ea"/>
+                      </a:endParaRPr>
+                    </a:p>
+                  </a:txBody>
+                  <a:tcPr/>
+                </a:tc>
+                <a:tc>
+                  <a:txBody>
+                    <a:bodyPr/>
+                    <a:p>
+                      <a:pPr algn="ctr" fontAlgn="auto">
+                        <a:buNone/>
+                      </a:pPr>
+                      <a:r>
+                        <a:rPr lang="en-US" altLang="zh-CN" sz="1600"/>
+                        <a:t> </a:t>
+                      </a:r>
+                      <a:endParaRPr lang="en-US" altLang="zh-CN" sz="1600"/>
+                    </a:p>
+                  </a:txBody>
+                  <a:tcPr/>
+                </a:tc>
+                <a:tc>
+                  <a:txBody>
+                    <a:bodyPr/>
+                    <a:p>
+                      <a:pPr algn="ctr" fontAlgn="auto">
+                        <a:buNone/>
+                      </a:pPr>
+                      <a:r>
+                        <a:rPr lang="zh-CN" altLang="en-US" sz="1200"/>
+                        <a:t>created</a:t>
+                      </a:r>
+                      <a:endParaRPr lang="zh-CN" altLang="en-US" sz="1200"/>
+                    </a:p>
+                    <a:p>
+                      <a:pPr algn="ctr" fontAlgn="auto">
+                        <a:buNone/>
+                      </a:pPr>
+                      <a:r>
+                        <a:rPr lang="en-US" altLang="zh-CN" sz="1200"/>
+                        <a:t>beforemount</a:t>
+                      </a:r>
+                      <a:endParaRPr lang="en-US" altLang="zh-CN" sz="1200"/>
+                    </a:p>
+                    <a:p>
+                      <a:pPr algn="ctr" fontAlgn="auto">
+                        <a:buNone/>
+                      </a:pPr>
+                      <a:r>
+                        <a:rPr lang="en-US" altLang="zh-CN" sz="1200"/>
+                        <a:t>mounted</a:t>
+                      </a:r>
+                      <a:endParaRPr lang="en-US" altLang="zh-CN" sz="1200"/>
+                    </a:p>
+                    <a:p>
+                      <a:pPr algn="ctr" fontAlgn="auto">
+                        <a:buNone/>
+                      </a:pPr>
+                      <a:r>
+                        <a:rPr lang="en-US" altLang="zh-CN" sz="1200"/>
+                        <a:t>unmount</a:t>
+                      </a:r>
+                      <a:endParaRPr lang="en-US" altLang="zh-CN" sz="1200"/>
+                    </a:p>
+                    <a:p>
+                      <a:pPr algn="ctr" fontAlgn="auto">
+                        <a:buNone/>
+                      </a:pPr>
+                      <a:r>
+                        <a:rPr lang="en-US" altLang="zh-CN" sz="1200"/>
+                        <a:t>error</a:t>
+                      </a:r>
+                      <a:endParaRPr lang="en-US" altLang="zh-CN" sz="1200"/>
+                    </a:p>
+                  </a:txBody>
+                  <a:tcPr/>
+                </a:tc>
+              </a:tr>
+              <a:tr h="450215">
+                <a:tc>
+                  <a:txBody>
+                    <a:bodyPr/>
+                    <a:p>
+                      <a:pPr algn="just" fontAlgn="auto">
+                        <a:buNone/>
+                      </a:pPr>
+                      <a:endParaRPr lang="en-US" altLang="zh-CN" sz="1600"/>
+                    </a:p>
+                  </a:txBody>
+                  <a:tcPr/>
+                </a:tc>
+                <a:tc>
+                  <a:txBody>
+                    <a:bodyPr/>
+                    <a:p>
+                      <a:pPr algn="ctr" fontAlgn="auto">
+                        <a:buNone/>
+                      </a:pPr>
+                      <a:endParaRPr lang="en-US" altLang="zh-CN" sz="1600"/>
+                    </a:p>
+                  </a:txBody>
+                  <a:tcPr/>
+                </a:tc>
+                <a:tc>
+                  <a:txBody>
+                    <a:bodyPr/>
+                    <a:p>
+                      <a:pPr algn="ctr" fontAlgn="auto">
+                        <a:buNone/>
+                      </a:pPr>
+                      <a:endParaRPr lang="zh-CN" altLang="en-US" sz="1600"/>
+                    </a:p>
+                  </a:txBody>
+                  <a:tcPr/>
+                </a:tc>
+                <a:tc>
+                  <a:txBody>
+                    <a:bodyPr/>
+                    <a:p>
+                      <a:pPr algn="ctr" fontAlgn="auto">
+                        <a:buNone/>
+                      </a:pPr>
+                      <a:endParaRPr lang="zh-CN" altLang="en-US" sz="1600">
+                        <a:sym typeface="+mn-ea"/>
+                      </a:endParaRPr>
+                    </a:p>
+                  </a:txBody>
+                  <a:tcPr/>
+                </a:tc>
+                <a:tc>
+                  <a:txBody>
+                    <a:bodyPr/>
+                    <a:p>
+                      <a:pPr algn="ctr" fontAlgn="auto">
+                        <a:buNone/>
+                      </a:pPr>
+                      <a:r>
+                        <a:rPr lang="zh-CN" altLang="en-US" sz="1600">
+                          <a:sym typeface="+mn-ea"/>
+                        </a:rPr>
+                        <a:t> </a:t>
+                      </a:r>
+                      <a:endParaRPr lang="zh-CN" altLang="en-US" sz="1600"/>
+                    </a:p>
+                  </a:txBody>
+                  <a:tcPr/>
+                </a:tc>
+                <a:tc>
+                  <a:txBody>
+                    <a:bodyPr/>
+                    <a:p>
+                      <a:pPr algn="ctr" fontAlgn="auto">
+                        <a:buNone/>
+                      </a:pPr>
+                      <a:r>
+                        <a:rPr lang="zh-CN" altLang="en-US" sz="1400"/>
+                        <a:t>mount</a:t>
+                      </a:r>
+                      <a:endParaRPr lang="zh-CN" altLang="en-US" sz="1400"/>
+                    </a:p>
+                    <a:p>
+                      <a:pPr algn="ctr" fontAlgn="auto">
+                        <a:buNone/>
+                      </a:pPr>
+                      <a:r>
+                        <a:rPr lang="zh-CN" altLang="en-US" sz="1400"/>
+                        <a:t>unmount</a:t>
+                      </a:r>
+                      <a:endParaRPr lang="zh-CN" altLang="en-US" sz="1400"/>
+                    </a:p>
+                    <a:p>
+                      <a:pPr algn="ctr" fontAlgn="auto">
+                        <a:buNone/>
+                      </a:pPr>
+                      <a:r>
+                        <a:rPr lang="zh-CN" altLang="en-US" sz="1400"/>
+                        <a:t>show</a:t>
+                      </a:r>
+                      <a:endParaRPr lang="zh-CN" altLang="en-US" sz="1400"/>
+                    </a:p>
+                    <a:p>
+                      <a:pPr algn="ctr" fontAlgn="auto">
+                        <a:buNone/>
+                      </a:pPr>
+                      <a:r>
+                        <a:rPr lang="zh-CN" altLang="en-US" sz="1400"/>
+                        <a:t>hide</a:t>
+                      </a:r>
+                      <a:endParaRPr lang="zh-CN" altLang="en-US" sz="1400"/>
+                    </a:p>
+                  </a:txBody>
+                  <a:tcPr/>
+                </a:tc>
+              </a:tr>
+              <a:tr h="450215">
+                <a:tc>
+                  <a:txBody>
+                    <a:bodyPr/>
+                    <a:p>
+                      <a:pPr algn="ctr" fontAlgn="auto">
+                        <a:buNone/>
+                      </a:pPr>
+                      <a:endParaRPr lang="en-US" altLang="zh-CN" sz="1600"/>
+                    </a:p>
+                  </a:txBody>
+                  <a:tcPr/>
+                </a:tc>
+                <a:tc>
+                  <a:txBody>
+                    <a:bodyPr/>
+                    <a:p>
+                      <a:pPr algn="ctr" fontAlgn="auto">
+                        <a:buNone/>
+                      </a:pPr>
+                      <a:endParaRPr lang="en-US" altLang="zh-CN" sz="1600"/>
+                    </a:p>
+                  </a:txBody>
+                  <a:tcPr/>
+                </a:tc>
+                <a:tc>
+                  <a:txBody>
+                    <a:bodyPr/>
+                    <a:p>
+                      <a:pPr algn="ctr" fontAlgn="auto">
+                        <a:buNone/>
+                      </a:pPr>
+                      <a:endParaRPr lang="en-US" altLang="zh-CN" sz="1600"/>
+                    </a:p>
+                  </a:txBody>
+                  <a:tcPr/>
+                </a:tc>
+                <a:tc>
+                  <a:txBody>
+                    <a:bodyPr/>
+                    <a:p>
+                      <a:pPr algn="ctr" fontAlgn="auto">
+                        <a:buNone/>
+                      </a:pPr>
+                      <a:endParaRPr lang="en-US" altLang="zh-CN" sz="1600"/>
+                    </a:p>
+                  </a:txBody>
+                  <a:tcPr/>
+                </a:tc>
+                <a:tc>
+                  <a:txBody>
+                    <a:bodyPr/>
+                    <a:p>
+                      <a:pPr algn="ctr" fontAlgn="auto">
+                        <a:buNone/>
+                      </a:pPr>
+                      <a:endParaRPr lang="en-US" altLang="zh-CN" sz="1600">
+                        <a:sym typeface="+mn-ea"/>
+                      </a:endParaRPr>
+                    </a:p>
+                  </a:txBody>
+                  <a:tcPr/>
+                </a:tc>
+                <a:tc>
+                  <a:txBody>
+                    <a:bodyPr/>
+                    <a:p>
+                      <a:pPr algn="ctr" fontAlgn="auto">
+                        <a:buNone/>
+                      </a:pPr>
+                      <a:r>
+                        <a:rPr lang="zh-CN" altLang="en-US" sz="1200"/>
+                        <a:t>beforeLoad</a:t>
+                      </a:r>
+                      <a:endParaRPr lang="zh-CN" altLang="en-US" sz="1200"/>
+                    </a:p>
+                    <a:p>
+                      <a:pPr algn="ctr" fontAlgn="auto">
+                        <a:buNone/>
+                      </a:pPr>
+                      <a:r>
+                        <a:rPr lang="zh-CN" altLang="en-US" sz="1200"/>
+                        <a:t>beforeMount</a:t>
+                      </a:r>
+                      <a:endParaRPr lang="zh-CN" altLang="en-US" sz="1200"/>
+                    </a:p>
+                    <a:p>
+                      <a:pPr algn="ctr" fontAlgn="auto">
+                        <a:buNone/>
+                      </a:pPr>
+                      <a:r>
+                        <a:rPr lang="zh-CN" altLang="en-US" sz="1200"/>
+                        <a:t>afterMount</a:t>
+                      </a:r>
+                      <a:endParaRPr lang="zh-CN" altLang="en-US" sz="1200"/>
+                    </a:p>
+                    <a:p>
+                      <a:pPr algn="ctr" fontAlgn="auto">
+                        <a:buNone/>
+                      </a:pPr>
+                      <a:r>
+                        <a:rPr lang="zh-CN" altLang="en-US" sz="1200"/>
+                        <a:t>beforeUnmount</a:t>
+                      </a:r>
+                      <a:endParaRPr lang="zh-CN" altLang="en-US" sz="1200"/>
+                    </a:p>
+                    <a:p>
+                      <a:pPr algn="ctr" fontAlgn="auto">
+                        <a:buNone/>
+                      </a:pPr>
+                      <a:r>
+                        <a:rPr lang="zh-CN" altLang="en-US" sz="1200"/>
+                        <a:t>afterUnmount</a:t>
+                      </a:r>
+                      <a:endParaRPr lang="zh-CN" altLang="en-US" sz="1200"/>
+                    </a:p>
+                    <a:p>
+                      <a:pPr algn="ctr" fontAlgn="auto">
+                        <a:buNone/>
+                      </a:pPr>
+                      <a:r>
+                        <a:rPr lang="zh-CN" altLang="en-US" sz="1200"/>
+                        <a:t>activated</a:t>
+                      </a:r>
+                      <a:endParaRPr lang="zh-CN" altLang="en-US" sz="1200"/>
+                    </a:p>
+                    <a:p>
+                      <a:pPr algn="ctr" fontAlgn="auto">
+                        <a:buNone/>
+                      </a:pPr>
+                      <a:r>
+                        <a:rPr lang="zh-CN" altLang="en-US" sz="1200"/>
+                        <a:t>deactivated</a:t>
+                      </a:r>
+                      <a:endParaRPr lang="zh-CN" altLang="en-US" sz="1200"/>
+                    </a:p>
+                    <a:p>
+                      <a:pPr algn="ctr" fontAlgn="auto">
+                        <a:buNone/>
+                      </a:pPr>
+                      <a:r>
+                        <a:rPr lang="zh-CN" altLang="en-US" sz="1200"/>
+                        <a:t>loadError</a:t>
+                      </a:r>
+                      <a:endParaRPr lang="zh-CN" altLang="en-US" sz="1200"/>
+                    </a:p>
+                  </a:txBody>
+                  <a:tcPr/>
+                </a:tc>
+              </a:tr>
+            </a:tbl>
+          </a:graphicData>
+        </a:graphic>
+      </p:graphicFrame>
+      <p:sp>
+        <p:nvSpPr>
+          <p:cNvPr id="3" name="标题 2"/>
+          <p:cNvSpPr>
+            <a:spLocks noGrp="1"/>
+          </p:cNvSpPr>
+          <p:nvPr>
+            <p:ph type="title" idx="4294967295"/>
+            <p:custDataLst>
+              <p:tags r:id="rId5"/>
+            </p:custDataLst>
+          </p:nvPr>
+        </p:nvSpPr>
+        <p:spPr>
+          <a:xfrm>
+            <a:off x="970915" y="2099310"/>
+            <a:ext cx="1264285" cy="705485"/>
+          </a:xfrm>
+        </p:spPr>
+        <p:txBody>
+          <a:bodyPr vert="horz" lIns="90000" tIns="46800" rIns="90000" bIns="46800" rtlCol="0" anchor="ctr" anchorCtr="0">
+            <a:normAutofit/>
+          </a:bodyPr>
+          <a:lstStyle>
+            <a:lvl1pPr marL="0" marR="0" algn="l" defTabSz="914400" rtl="0" eaLnBrk="1" fontAlgn="auto" latinLnBrk="0" hangingPunct="1">
+              <a:lnSpc>
+                <a:spcPct val="100000"/>
+              </a:lnSpc>
+              <a:spcBef>
+                <a:spcPct val="0"/>
+              </a:spcBef>
+              <a:buNone/>
+              <a:defRPr kumimoji="0" lang="zh-CN" altLang="en-US" sz="3600" b="1" i="0" u="none" strike="noStrike" kern="1200" cap="none" spc="300" normalizeH="0" baseline="0" noProof="1" dirty="0">
+                <a:solidFill>
+                  <a:schemeClr val="tx1">
+                    <a:lumMod val="85000"/>
+                    <a:lumOff val="15000"/>
+                  </a:schemeClr>
+                </a:solidFill>
+                <a:uFillTx/>
+                <a:latin typeface="Arial" panose="020B0604020202020204" pitchFamily="34" charset="0"/>
+                <a:ea typeface="微软雅黑" panose="020B0503020204020204" charset="-122"/>
+                <a:cs typeface="+mj-cs"/>
+                <a:sym typeface="+mn-ea"/>
+              </a:defRPr>
+            </a:lvl1pPr>
+          </a:lstStyle>
+          <a:p>
+            <a:pPr lvl="0" algn="ctr">
+              <a:lnSpc>
+                <a:spcPct val="100000"/>
+              </a:lnSpc>
+              <a:buClrTx/>
+              <a:buSzTx/>
+              <a:buFontTx/>
+            </a:pPr>
+            <a:r>
+              <a:rPr lang="en-US" altLang="zh-CN" sz="1780" b="0">
+                <a:sym typeface="+mn-ea"/>
+              </a:rPr>
+              <a:t>qiankun</a:t>
+            </a:r>
+            <a:endParaRPr sz="1780" b="0">
+              <a:solidFill>
+                <a:schemeClr val="accent1"/>
+              </a:solidFill>
+              <a:latin typeface="汉仪旗黑-85S" charset="0"/>
+              <a:cs typeface="汉仪旗黑-85S" charset="0"/>
+              <a:sym typeface="+mn-ea"/>
+            </a:endParaRPr>
+          </a:p>
+        </p:txBody>
+      </p:sp>
+      <p:sp>
+        <p:nvSpPr>
+          <p:cNvPr id="7" name="标题 2"/>
+          <p:cNvSpPr>
+            <a:spLocks noGrp="1"/>
+          </p:cNvSpPr>
+          <p:nvPr>
+            <p:custDataLst>
+              <p:tags r:id="rId6"/>
+            </p:custDataLst>
+          </p:nvPr>
+        </p:nvSpPr>
+        <p:spPr>
+          <a:xfrm>
+            <a:off x="738575" y="735400"/>
+            <a:ext cx="10969200" cy="705600"/>
+          </a:xfrm>
+          <a:prstGeom prst="rect">
+            <a:avLst/>
+          </a:prstGeom>
+        </p:spPr>
+        <p:txBody>
+          <a:bodyPr vert="horz" lIns="90000" tIns="46800" rIns="90000" bIns="46800" rtlCol="0" anchor="ctr" anchorCtr="0">
+            <a:normAutofit/>
+          </a:bodyPr>
+          <a:lstStyle>
+            <a:lvl1pPr marL="0" marR="0" algn="l" defTabSz="914400" rtl="0" eaLnBrk="1" fontAlgn="auto" latinLnBrk="0" hangingPunct="1">
+              <a:lnSpc>
+                <a:spcPct val="100000"/>
+              </a:lnSpc>
+              <a:spcBef>
+                <a:spcPct val="0"/>
+              </a:spcBef>
+              <a:buNone/>
+              <a:defRPr kumimoji="0" lang="zh-CN" altLang="en-US" sz="3600" b="1" i="0" u="none" strike="noStrike" kern="1200" cap="none" spc="300" normalizeH="0" baseline="0" noProof="1" dirty="0">
+                <a:solidFill>
+                  <a:schemeClr val="tx1">
+                    <a:lumMod val="85000"/>
+                    <a:lumOff val="15000"/>
+                  </a:schemeClr>
+                </a:solidFill>
+                <a:uFillTx/>
+                <a:latin typeface="Arial" panose="020B0604020202020204" pitchFamily="34" charset="0"/>
+                <a:ea typeface="微软雅黑" panose="020B0503020204020204" charset="-122"/>
+                <a:cs typeface="+mj-cs"/>
+                <a:sym typeface="+mn-ea"/>
+              </a:defRPr>
+            </a:lvl1pPr>
+          </a:lstStyle>
+          <a:p>
+            <a:pPr lvl="0" algn="l">
+              <a:buClrTx/>
+              <a:buSzTx/>
+              <a:buFontTx/>
+            </a:pPr>
+            <a:r>
+              <a:rPr>
+                <a:solidFill>
+                  <a:schemeClr val="accent1"/>
+                </a:solidFill>
+                <a:latin typeface="汉仪旗黑-85S" charset="0"/>
+                <a:cs typeface="汉仪旗黑-85S" charset="0"/>
+                <a:sym typeface="+mn-ea"/>
+              </a:rPr>
+              <a:t>方案对比</a:t>
+            </a:r>
+            <a:endParaRPr>
+              <a:solidFill>
+                <a:schemeClr val="accent1"/>
+              </a:solidFill>
+              <a:latin typeface="汉仪旗黑-85S" charset="0"/>
+              <a:cs typeface="汉仪旗黑-85S" charset="0"/>
+              <a:sym typeface="+mn-ea"/>
+            </a:endParaRPr>
+          </a:p>
+        </p:txBody>
+      </p:sp>
+      <p:sp>
+        <p:nvSpPr>
+          <p:cNvPr id="11" name="标题 2"/>
+          <p:cNvSpPr>
+            <a:spLocks noGrp="1"/>
+          </p:cNvSpPr>
+          <p:nvPr>
+            <p:custDataLst>
+              <p:tags r:id="rId7"/>
+            </p:custDataLst>
+          </p:nvPr>
+        </p:nvSpPr>
+        <p:spPr>
+          <a:xfrm>
+            <a:off x="2428240" y="2191385"/>
+            <a:ext cx="1264285" cy="705485"/>
+          </a:xfrm>
+          <a:prstGeom prst="rect">
+            <a:avLst/>
+          </a:prstGeom>
+        </p:spPr>
+        <p:txBody>
+          <a:bodyPr vert="horz" lIns="90000" tIns="46800" rIns="90000" bIns="46800" rtlCol="0" anchor="ctr" anchorCtr="0">
+            <a:normAutofit/>
+          </a:bodyPr>
+          <a:lstStyle>
+            <a:lvl1pPr marL="0" marR="0" algn="l" defTabSz="914400" rtl="0" eaLnBrk="1" fontAlgn="auto" latinLnBrk="0" hangingPunct="1">
+              <a:lnSpc>
+                <a:spcPct val="100000"/>
+              </a:lnSpc>
+              <a:spcBef>
+                <a:spcPct val="0"/>
+              </a:spcBef>
+              <a:buNone/>
+              <a:defRPr kumimoji="0" lang="zh-CN" altLang="en-US" sz="3600" b="1" i="0" u="none" strike="noStrike" kern="1200" cap="none" spc="300" normalizeH="0" baseline="0" noProof="1" dirty="0">
+                <a:solidFill>
+                  <a:schemeClr val="tx1">
+                    <a:lumMod val="85000"/>
+                    <a:lumOff val="15000"/>
+                  </a:schemeClr>
+                </a:solidFill>
+                <a:uFillTx/>
+                <a:latin typeface="Arial" panose="020B0604020202020204" pitchFamily="34" charset="0"/>
+                <a:ea typeface="微软雅黑" panose="020B0503020204020204" charset="-122"/>
+                <a:cs typeface="+mj-cs"/>
+                <a:sym typeface="+mn-ea"/>
+              </a:defRPr>
+            </a:lvl1pPr>
+          </a:lstStyle>
+          <a:p>
+            <a:pPr lvl="0" algn="ctr">
+              <a:lnSpc>
+                <a:spcPct val="100000"/>
+              </a:lnSpc>
+              <a:buClrTx/>
+              <a:buSzTx/>
+              <a:buFontTx/>
+            </a:pPr>
+            <a:endParaRPr sz="1780" b="0">
+              <a:solidFill>
+                <a:schemeClr val="accent1"/>
+              </a:solidFill>
+              <a:latin typeface="汉仪旗黑-85S" charset="0"/>
+              <a:cs typeface="汉仪旗黑-85S" charset="0"/>
+              <a:sym typeface="+mn-ea"/>
+            </a:endParaRPr>
+          </a:p>
+        </p:txBody>
+      </p:sp>
+      <p:sp>
+        <p:nvSpPr>
+          <p:cNvPr id="12" name="标题 2"/>
+          <p:cNvSpPr>
+            <a:spLocks noGrp="1"/>
+          </p:cNvSpPr>
+          <p:nvPr>
+            <p:custDataLst>
+              <p:tags r:id="rId8"/>
+            </p:custDataLst>
+          </p:nvPr>
+        </p:nvSpPr>
+        <p:spPr>
+          <a:xfrm>
+            <a:off x="947420" y="3099435"/>
+            <a:ext cx="1458595" cy="705485"/>
+          </a:xfrm>
+          <a:prstGeom prst="rect">
+            <a:avLst/>
+          </a:prstGeom>
+        </p:spPr>
+        <p:txBody>
+          <a:bodyPr vert="horz" lIns="90000" tIns="46800" rIns="90000" bIns="46800" rtlCol="0" anchor="ctr" anchorCtr="0">
+            <a:normAutofit/>
+          </a:bodyPr>
+          <a:lstStyle>
+            <a:lvl1pPr marL="0" marR="0" algn="l" defTabSz="914400" rtl="0" eaLnBrk="1" fontAlgn="auto" latinLnBrk="0" hangingPunct="1">
+              <a:lnSpc>
+                <a:spcPct val="100000"/>
+              </a:lnSpc>
+              <a:spcBef>
+                <a:spcPct val="0"/>
+              </a:spcBef>
+              <a:buNone/>
+              <a:defRPr kumimoji="0" lang="zh-CN" altLang="en-US" sz="3600" b="1" i="0" u="none" strike="noStrike" kern="1200" cap="none" spc="300" normalizeH="0" baseline="0" noProof="1" dirty="0">
+                <a:solidFill>
+                  <a:schemeClr val="tx1">
+                    <a:lumMod val="85000"/>
+                    <a:lumOff val="15000"/>
+                  </a:schemeClr>
+                </a:solidFill>
+                <a:uFillTx/>
+                <a:latin typeface="Arial" panose="020B0604020202020204" pitchFamily="34" charset="0"/>
+                <a:ea typeface="微软雅黑" panose="020B0503020204020204" charset="-122"/>
+                <a:cs typeface="+mj-cs"/>
+                <a:sym typeface="+mn-ea"/>
+              </a:defRPr>
+            </a:lvl1pPr>
+          </a:lstStyle>
+          <a:p>
+            <a:pPr algn="just" fontAlgn="auto">
+              <a:buNone/>
+            </a:pPr>
+            <a:r>
+              <a:rPr lang="en-US" altLang="zh-CN" sz="1600" b="0">
+                <a:sym typeface="+mn-ea"/>
+              </a:rPr>
+              <a:t>microApp</a:t>
+            </a:r>
+            <a:endParaRPr sz="1600" b="0">
+              <a:solidFill>
+                <a:schemeClr val="accent1"/>
+              </a:solidFill>
+              <a:latin typeface="汉仪旗黑-85S" charset="0"/>
+              <a:cs typeface="汉仪旗黑-85S" charset="0"/>
+              <a:sym typeface="+mn-ea"/>
+            </a:endParaRPr>
+          </a:p>
+        </p:txBody>
+      </p:sp>
+      <p:sp>
+        <p:nvSpPr>
+          <p:cNvPr id="13" name="标题 2"/>
+          <p:cNvSpPr>
+            <a:spLocks noGrp="1"/>
+          </p:cNvSpPr>
+          <p:nvPr>
+            <p:custDataLst>
+              <p:tags r:id="rId9"/>
+            </p:custDataLst>
+          </p:nvPr>
+        </p:nvSpPr>
+        <p:spPr>
+          <a:xfrm>
+            <a:off x="992505" y="4099560"/>
+            <a:ext cx="1264285" cy="705485"/>
+          </a:xfrm>
+          <a:prstGeom prst="rect">
+            <a:avLst/>
+          </a:prstGeom>
+        </p:spPr>
+        <p:txBody>
+          <a:bodyPr vert="horz" lIns="90000" tIns="46800" rIns="90000" bIns="46800" rtlCol="0" anchor="ctr" anchorCtr="0">
+            <a:normAutofit/>
+          </a:bodyPr>
+          <a:lstStyle>
+            <a:lvl1pPr marL="0" marR="0" algn="l" defTabSz="914400" rtl="0" eaLnBrk="1" fontAlgn="auto" latinLnBrk="0" hangingPunct="1">
+              <a:lnSpc>
+                <a:spcPct val="100000"/>
+              </a:lnSpc>
+              <a:spcBef>
+                <a:spcPct val="0"/>
+              </a:spcBef>
+              <a:buNone/>
+              <a:defRPr kumimoji="0" lang="zh-CN" altLang="en-US" sz="3600" b="1" i="0" u="none" strike="noStrike" kern="1200" cap="none" spc="300" normalizeH="0" baseline="0" noProof="1" dirty="0">
+                <a:solidFill>
+                  <a:schemeClr val="tx1">
+                    <a:lumMod val="85000"/>
+                    <a:lumOff val="15000"/>
+                  </a:schemeClr>
+                </a:solidFill>
+                <a:uFillTx/>
+                <a:latin typeface="Arial" panose="020B0604020202020204" pitchFamily="34" charset="0"/>
+                <a:ea typeface="微软雅黑" panose="020B0503020204020204" charset="-122"/>
+                <a:cs typeface="+mj-cs"/>
+                <a:sym typeface="+mn-ea"/>
+              </a:defRPr>
+            </a:lvl1pPr>
+          </a:lstStyle>
+          <a:p>
+            <a:pPr algn="ctr" fontAlgn="auto">
+              <a:buNone/>
+            </a:pPr>
+            <a:r>
+              <a:rPr lang="en-US" altLang="zh-CN" sz="1600" b="0">
+                <a:sym typeface="+mn-ea"/>
+              </a:rPr>
+              <a:t>garfish</a:t>
+            </a:r>
+            <a:endParaRPr sz="1600" b="0">
+              <a:solidFill>
+                <a:schemeClr val="accent1"/>
+              </a:solidFill>
+              <a:latin typeface="汉仪旗黑-85S" charset="0"/>
+              <a:cs typeface="汉仪旗黑-85S" charset="0"/>
+              <a:sym typeface="+mn-ea"/>
+            </a:endParaRPr>
+          </a:p>
+        </p:txBody>
+      </p:sp>
+      <p:sp>
+        <p:nvSpPr>
+          <p:cNvPr id="14" name="标题 2"/>
+          <p:cNvSpPr>
+            <a:spLocks noGrp="1"/>
+          </p:cNvSpPr>
+          <p:nvPr>
+            <p:custDataLst>
+              <p:tags r:id="rId10"/>
+            </p:custDataLst>
+          </p:nvPr>
+        </p:nvSpPr>
+        <p:spPr>
+          <a:xfrm>
+            <a:off x="970915" y="5339715"/>
+            <a:ext cx="1264285" cy="705485"/>
+          </a:xfrm>
+          <a:prstGeom prst="rect">
+            <a:avLst/>
+          </a:prstGeom>
+        </p:spPr>
+        <p:txBody>
+          <a:bodyPr vert="horz" lIns="90000" tIns="46800" rIns="90000" bIns="46800" rtlCol="0" anchor="ctr" anchorCtr="0">
+            <a:normAutofit/>
+          </a:bodyPr>
+          <a:lstStyle>
+            <a:lvl1pPr marL="0" marR="0" algn="l" defTabSz="914400" rtl="0" eaLnBrk="1" fontAlgn="auto" latinLnBrk="0" hangingPunct="1">
+              <a:lnSpc>
+                <a:spcPct val="100000"/>
+              </a:lnSpc>
+              <a:spcBef>
+                <a:spcPct val="0"/>
+              </a:spcBef>
+              <a:buNone/>
+              <a:defRPr kumimoji="0" lang="zh-CN" altLang="en-US" sz="3600" b="1" i="0" u="none" strike="noStrike" kern="1200" cap="none" spc="300" normalizeH="0" baseline="0" noProof="1" dirty="0">
+                <a:solidFill>
+                  <a:schemeClr val="tx1">
+                    <a:lumMod val="85000"/>
+                    <a:lumOff val="15000"/>
+                  </a:schemeClr>
+                </a:solidFill>
+                <a:uFillTx/>
+                <a:latin typeface="Arial" panose="020B0604020202020204" pitchFamily="34" charset="0"/>
+                <a:ea typeface="微软雅黑" panose="020B0503020204020204" charset="-122"/>
+                <a:cs typeface="+mj-cs"/>
+                <a:sym typeface="+mn-ea"/>
+              </a:defRPr>
+            </a:lvl1pPr>
+          </a:lstStyle>
+          <a:p>
+            <a:pPr algn="ctr" fontAlgn="auto">
+              <a:buNone/>
+            </a:pPr>
+            <a:r>
+              <a:rPr lang="en-US" altLang="zh-CN" sz="1600" b="0">
+                <a:sym typeface="+mn-ea"/>
+              </a:rPr>
+              <a:t>wujie</a:t>
+            </a:r>
+            <a:endParaRPr sz="1600" b="0">
+              <a:solidFill>
+                <a:schemeClr val="accent1"/>
+              </a:solidFill>
+              <a:latin typeface="汉仪旗黑-85S" charset="0"/>
+              <a:cs typeface="汉仪旗黑-85S" charset="0"/>
+              <a:sym typeface="+mn-ea"/>
+            </a:endParaRPr>
+          </a:p>
+        </p:txBody>
+      </p:sp>
+      <p:sp>
+        <p:nvSpPr>
+          <p:cNvPr id="15" name="标题 2"/>
+          <p:cNvSpPr>
+            <a:spLocks noGrp="1"/>
+          </p:cNvSpPr>
+          <p:nvPr>
+            <p:custDataLst>
+              <p:tags r:id="rId11"/>
+            </p:custDataLst>
+          </p:nvPr>
+        </p:nvSpPr>
+        <p:spPr>
+          <a:xfrm>
+            <a:off x="2403475" y="4043045"/>
+            <a:ext cx="1264285" cy="705485"/>
+          </a:xfrm>
+          <a:prstGeom prst="rect">
+            <a:avLst/>
+          </a:prstGeom>
+        </p:spPr>
+        <p:txBody>
+          <a:bodyPr vert="horz" lIns="90000" tIns="46800" rIns="90000" bIns="46800" rtlCol="0" anchor="ctr" anchorCtr="0">
+            <a:normAutofit/>
+          </a:bodyPr>
+          <a:lstStyle>
+            <a:lvl1pPr marL="0" marR="0" algn="l" defTabSz="914400" rtl="0" eaLnBrk="1" fontAlgn="auto" latinLnBrk="0" hangingPunct="1">
+              <a:lnSpc>
+                <a:spcPct val="100000"/>
+              </a:lnSpc>
+              <a:spcBef>
+                <a:spcPct val="0"/>
+              </a:spcBef>
+              <a:buNone/>
+              <a:defRPr kumimoji="0" lang="zh-CN" altLang="en-US" sz="3600" b="1" i="0" u="none" strike="noStrike" kern="1200" cap="none" spc="300" normalizeH="0" baseline="0" noProof="1" dirty="0">
+                <a:solidFill>
+                  <a:schemeClr val="tx1">
+                    <a:lumMod val="85000"/>
+                    <a:lumOff val="15000"/>
+                  </a:schemeClr>
+                </a:solidFill>
+                <a:uFillTx/>
+                <a:latin typeface="Arial" panose="020B0604020202020204" pitchFamily="34" charset="0"/>
+                <a:ea typeface="微软雅黑" panose="020B0503020204020204" charset="-122"/>
+                <a:cs typeface="+mj-cs"/>
+                <a:sym typeface="+mn-ea"/>
+              </a:defRPr>
+            </a:lvl1pPr>
+          </a:lstStyle>
+          <a:p>
+            <a:pPr algn="ctr" fontAlgn="auto">
+              <a:buNone/>
+            </a:pPr>
+            <a:r>
+              <a:rPr lang="en-US" altLang="zh-CN" sz="1600" b="0">
+                <a:sym typeface="+mn-ea"/>
+              </a:rPr>
+              <a:t>vm sandBox</a:t>
+            </a:r>
+            <a:endParaRPr sz="1600" b="0">
+              <a:solidFill>
+                <a:schemeClr val="accent1"/>
+              </a:solidFill>
+              <a:latin typeface="汉仪旗黑-85S" charset="0"/>
+              <a:cs typeface="汉仪旗黑-85S" charset="0"/>
+              <a:sym typeface="+mn-ea"/>
+            </a:endParaRPr>
+          </a:p>
+        </p:txBody>
+      </p:sp>
+      <p:sp>
+        <p:nvSpPr>
+          <p:cNvPr id="16" name="标题 2"/>
+          <p:cNvSpPr>
+            <a:spLocks noGrp="1"/>
+          </p:cNvSpPr>
+          <p:nvPr>
+            <p:custDataLst>
+              <p:tags r:id="rId12"/>
+            </p:custDataLst>
+          </p:nvPr>
+        </p:nvSpPr>
+        <p:spPr>
+          <a:xfrm>
+            <a:off x="3923665" y="3099435"/>
+            <a:ext cx="1264285" cy="705485"/>
+          </a:xfrm>
+          <a:prstGeom prst="rect">
+            <a:avLst/>
+          </a:prstGeom>
+        </p:spPr>
+        <p:txBody>
+          <a:bodyPr vert="horz" lIns="90000" tIns="46800" rIns="90000" bIns="46800" rtlCol="0" anchor="ctr" anchorCtr="0">
+            <a:normAutofit/>
+          </a:bodyPr>
+          <a:lstStyle>
+            <a:lvl1pPr marL="0" marR="0" algn="l" defTabSz="914400" rtl="0" eaLnBrk="1" fontAlgn="auto" latinLnBrk="0" hangingPunct="1">
+              <a:lnSpc>
+                <a:spcPct val="100000"/>
+              </a:lnSpc>
+              <a:spcBef>
+                <a:spcPct val="0"/>
+              </a:spcBef>
+              <a:buNone/>
+              <a:defRPr kumimoji="0" lang="zh-CN" altLang="en-US" sz="3600" b="1" i="0" u="none" strike="noStrike" kern="1200" cap="none" spc="300" normalizeH="0" baseline="0" noProof="1" dirty="0">
+                <a:solidFill>
+                  <a:schemeClr val="tx1">
+                    <a:lumMod val="85000"/>
+                    <a:lumOff val="15000"/>
+                  </a:schemeClr>
+                </a:solidFill>
+                <a:uFillTx/>
+                <a:latin typeface="Arial" panose="020B0604020202020204" pitchFamily="34" charset="0"/>
+                <a:ea typeface="微软雅黑" panose="020B0503020204020204" charset="-122"/>
+                <a:cs typeface="+mj-cs"/>
+                <a:sym typeface="+mn-ea"/>
+              </a:defRPr>
+            </a:lvl1pPr>
+          </a:lstStyle>
+          <a:p>
+            <a:pPr algn="ctr" fontAlgn="auto">
+              <a:buNone/>
+            </a:pPr>
+            <a:r>
+              <a:rPr lang="en-US" altLang="zh-CN" sz="1600" b="0">
+                <a:sym typeface="+mn-ea"/>
+              </a:rPr>
+              <a:t>-</a:t>
+            </a:r>
+            <a:endParaRPr sz="1600" b="0">
+              <a:solidFill>
+                <a:schemeClr val="accent1"/>
+              </a:solidFill>
+              <a:latin typeface="汉仪旗黑-85S" charset="0"/>
+              <a:cs typeface="汉仪旗黑-85S" charset="0"/>
+              <a:sym typeface="+mn-ea"/>
+            </a:endParaRPr>
+          </a:p>
+        </p:txBody>
+      </p:sp>
+      <p:sp>
+        <p:nvSpPr>
+          <p:cNvPr id="17" name="标题 2"/>
+          <p:cNvSpPr>
+            <a:spLocks noGrp="1"/>
+          </p:cNvSpPr>
+          <p:nvPr>
+            <p:custDataLst>
+              <p:tags r:id="rId13"/>
+            </p:custDataLst>
+          </p:nvPr>
+        </p:nvSpPr>
+        <p:spPr>
+          <a:xfrm>
+            <a:off x="3885565" y="2099310"/>
+            <a:ext cx="1264285" cy="705485"/>
+          </a:xfrm>
+          <a:prstGeom prst="rect">
+            <a:avLst/>
+          </a:prstGeom>
+        </p:spPr>
+        <p:txBody>
+          <a:bodyPr vert="horz" lIns="90000" tIns="46800" rIns="90000" bIns="46800" rtlCol="0" anchor="ctr" anchorCtr="0">
+            <a:normAutofit/>
+          </a:bodyPr>
+          <a:lstStyle>
+            <a:lvl1pPr marL="0" marR="0" algn="l" defTabSz="914400" rtl="0" eaLnBrk="1" fontAlgn="auto" latinLnBrk="0" hangingPunct="1">
+              <a:lnSpc>
+                <a:spcPct val="100000"/>
+              </a:lnSpc>
+              <a:spcBef>
+                <a:spcPct val="0"/>
+              </a:spcBef>
+              <a:buNone/>
+              <a:defRPr kumimoji="0" lang="zh-CN" altLang="en-US" sz="3600" b="1" i="0" u="none" strike="noStrike" kern="1200" cap="none" spc="300" normalizeH="0" baseline="0" noProof="1" dirty="0">
+                <a:solidFill>
+                  <a:schemeClr val="tx1">
+                    <a:lumMod val="85000"/>
+                    <a:lumOff val="15000"/>
+                  </a:schemeClr>
+                </a:solidFill>
+                <a:uFillTx/>
+                <a:latin typeface="Arial" panose="020B0604020202020204" pitchFamily="34" charset="0"/>
+                <a:ea typeface="微软雅黑" panose="020B0503020204020204" charset="-122"/>
+                <a:cs typeface="+mj-cs"/>
+                <a:sym typeface="+mn-ea"/>
+              </a:defRPr>
+            </a:lvl1pPr>
+          </a:lstStyle>
+          <a:p>
+            <a:pPr algn="ctr" fontAlgn="auto">
+              <a:buNone/>
+            </a:pPr>
+            <a:r>
+              <a:rPr lang="en-US" altLang="zh-CN" sz="1600" b="0">
+                <a:sym typeface="+mn-ea"/>
+              </a:rPr>
+              <a:t>-</a:t>
+            </a:r>
+            <a:endParaRPr sz="1600" b="0">
+              <a:solidFill>
+                <a:schemeClr val="accent1"/>
+              </a:solidFill>
+              <a:latin typeface="汉仪旗黑-85S" charset="0"/>
+              <a:cs typeface="汉仪旗黑-85S" charset="0"/>
+              <a:sym typeface="+mn-ea"/>
+            </a:endParaRPr>
+          </a:p>
+        </p:txBody>
+      </p:sp>
+      <p:sp>
+        <p:nvSpPr>
+          <p:cNvPr id="18" name="标题 2"/>
+          <p:cNvSpPr>
+            <a:spLocks noGrp="1"/>
+          </p:cNvSpPr>
+          <p:nvPr>
+            <p:custDataLst>
+              <p:tags r:id="rId14"/>
+            </p:custDataLst>
+          </p:nvPr>
+        </p:nvSpPr>
+        <p:spPr>
+          <a:xfrm>
+            <a:off x="3765550" y="4072255"/>
+            <a:ext cx="1595755" cy="705485"/>
+          </a:xfrm>
+          <a:prstGeom prst="rect">
+            <a:avLst/>
+          </a:prstGeom>
+        </p:spPr>
+        <p:txBody>
+          <a:bodyPr vert="horz" lIns="90000" tIns="46800" rIns="90000" bIns="46800" rtlCol="0" anchor="ctr" anchorCtr="0">
+            <a:normAutofit/>
+          </a:bodyPr>
+          <a:lstStyle>
+            <a:lvl1pPr marL="0" marR="0" algn="l" defTabSz="914400" rtl="0" eaLnBrk="1" fontAlgn="auto" latinLnBrk="0" hangingPunct="1">
+              <a:lnSpc>
+                <a:spcPct val="100000"/>
+              </a:lnSpc>
+              <a:spcBef>
+                <a:spcPct val="0"/>
+              </a:spcBef>
+              <a:buNone/>
+              <a:defRPr kumimoji="0" lang="zh-CN" altLang="en-US" sz="3600" b="1" i="0" u="none" strike="noStrike" kern="1200" cap="none" spc="300" normalizeH="0" baseline="0" noProof="1" dirty="0">
+                <a:solidFill>
+                  <a:schemeClr val="tx1">
+                    <a:lumMod val="85000"/>
+                    <a:lumOff val="15000"/>
+                  </a:schemeClr>
+                </a:solidFill>
+                <a:uFillTx/>
+                <a:latin typeface="Arial" panose="020B0604020202020204" pitchFamily="34" charset="0"/>
+                <a:ea typeface="微软雅黑" panose="020B0503020204020204" charset="-122"/>
+                <a:cs typeface="+mj-cs"/>
+                <a:sym typeface="+mn-ea"/>
+              </a:defRPr>
+            </a:lvl1pPr>
+          </a:lstStyle>
+          <a:p>
+            <a:pPr algn="l" fontAlgn="auto">
+              <a:buNone/>
+            </a:pPr>
+            <a:r>
+              <a:rPr sz="1400" b="0">
+                <a:sym typeface="+mn-ea"/>
+              </a:rPr>
+              <a:t>EventEmitter2</a:t>
+            </a:r>
+            <a:endParaRPr sz="1400" b="0">
+              <a:solidFill>
+                <a:schemeClr val="accent1"/>
+              </a:solidFill>
+              <a:latin typeface="汉仪旗黑-85S" charset="0"/>
+              <a:cs typeface="汉仪旗黑-85S" charset="0"/>
+              <a:sym typeface="+mn-ea"/>
+            </a:endParaRPr>
+          </a:p>
+        </p:txBody>
+      </p:sp>
+      <p:sp>
+        <p:nvSpPr>
+          <p:cNvPr id="19" name="标题 2"/>
+          <p:cNvSpPr>
+            <a:spLocks noGrp="1"/>
+          </p:cNvSpPr>
+          <p:nvPr>
+            <p:custDataLst>
+              <p:tags r:id="rId15"/>
+            </p:custDataLst>
+          </p:nvPr>
+        </p:nvSpPr>
+        <p:spPr>
+          <a:xfrm>
+            <a:off x="2235200" y="3099435"/>
+            <a:ext cx="1508760" cy="705485"/>
+          </a:xfrm>
+          <a:prstGeom prst="rect">
+            <a:avLst/>
+          </a:prstGeom>
+        </p:spPr>
+        <p:txBody>
+          <a:bodyPr vert="horz" lIns="90000" tIns="46800" rIns="90000" bIns="46800" rtlCol="0" anchor="ctr" anchorCtr="0">
+            <a:normAutofit/>
+          </a:bodyPr>
+          <a:lstStyle>
+            <a:lvl1pPr marL="0" marR="0" algn="l" defTabSz="914400" rtl="0" eaLnBrk="1" fontAlgn="auto" latinLnBrk="0" hangingPunct="1">
+              <a:lnSpc>
+                <a:spcPct val="100000"/>
+              </a:lnSpc>
+              <a:spcBef>
+                <a:spcPct val="0"/>
+              </a:spcBef>
+              <a:buNone/>
+              <a:defRPr kumimoji="0" lang="zh-CN" altLang="en-US" sz="3600" b="1" i="0" u="none" strike="noStrike" kern="1200" cap="none" spc="300" normalizeH="0" baseline="0" noProof="1" dirty="0">
+                <a:solidFill>
+                  <a:schemeClr val="tx1">
+                    <a:lumMod val="85000"/>
+                    <a:lumOff val="15000"/>
+                  </a:schemeClr>
+                </a:solidFill>
+                <a:uFillTx/>
+                <a:latin typeface="Arial" panose="020B0604020202020204" pitchFamily="34" charset="0"/>
+                <a:ea typeface="微软雅黑" panose="020B0503020204020204" charset="-122"/>
+                <a:cs typeface="+mj-cs"/>
+                <a:sym typeface="+mn-ea"/>
+              </a:defRPr>
+            </a:lvl1pPr>
+          </a:lstStyle>
+          <a:p>
+            <a:pPr algn="ctr" fontAlgn="auto">
+              <a:buNone/>
+            </a:pPr>
+            <a:r>
+              <a:rPr sz="1600" b="0">
+                <a:sym typeface="+mn-ea"/>
+              </a:rPr>
+              <a:t>WebComponent</a:t>
+            </a:r>
+            <a:endParaRPr sz="1600" b="0">
+              <a:solidFill>
+                <a:schemeClr val="accent1"/>
+              </a:solidFill>
+              <a:latin typeface="汉仪旗黑-85S" charset="0"/>
+              <a:cs typeface="汉仪旗黑-85S" charset="0"/>
+              <a:sym typeface="+mn-ea"/>
+            </a:endParaRPr>
+          </a:p>
+        </p:txBody>
+      </p:sp>
+      <p:sp>
+        <p:nvSpPr>
+          <p:cNvPr id="20" name="标题 2"/>
+          <p:cNvSpPr>
+            <a:spLocks noGrp="1"/>
+          </p:cNvSpPr>
+          <p:nvPr>
+            <p:custDataLst>
+              <p:tags r:id="rId16"/>
+            </p:custDataLst>
+          </p:nvPr>
+        </p:nvSpPr>
+        <p:spPr>
+          <a:xfrm>
+            <a:off x="3872865" y="5269230"/>
+            <a:ext cx="1264285" cy="705485"/>
+          </a:xfrm>
+          <a:prstGeom prst="rect">
+            <a:avLst/>
+          </a:prstGeom>
+        </p:spPr>
+        <p:txBody>
+          <a:bodyPr vert="horz" lIns="90000" tIns="46800" rIns="90000" bIns="46800" rtlCol="0" anchor="ctr" anchorCtr="0">
+            <a:normAutofit/>
+          </a:bodyPr>
+          <a:lstStyle>
+            <a:lvl1pPr marL="0" marR="0" algn="l" defTabSz="914400" rtl="0" eaLnBrk="1" fontAlgn="auto" latinLnBrk="0" hangingPunct="1">
+              <a:lnSpc>
+                <a:spcPct val="100000"/>
+              </a:lnSpc>
+              <a:spcBef>
+                <a:spcPct val="0"/>
+              </a:spcBef>
+              <a:buNone/>
+              <a:defRPr kumimoji="0" lang="zh-CN" altLang="en-US" sz="3600" b="1" i="0" u="none" strike="noStrike" kern="1200" cap="none" spc="300" normalizeH="0" baseline="0" noProof="1" dirty="0">
+                <a:solidFill>
+                  <a:schemeClr val="tx1">
+                    <a:lumMod val="85000"/>
+                    <a:lumOff val="15000"/>
+                  </a:schemeClr>
+                </a:solidFill>
+                <a:uFillTx/>
+                <a:latin typeface="Arial" panose="020B0604020202020204" pitchFamily="34" charset="0"/>
+                <a:ea typeface="微软雅黑" panose="020B0503020204020204" charset="-122"/>
+                <a:cs typeface="+mj-cs"/>
+                <a:sym typeface="+mn-ea"/>
+              </a:defRPr>
+            </a:lvl1pPr>
+          </a:lstStyle>
+          <a:p>
+            <a:pPr algn="ctr" fontAlgn="auto">
+              <a:buNone/>
+            </a:pPr>
+            <a:r>
+              <a:rPr lang="en-US" altLang="zh-CN" sz="1600" b="0">
+                <a:sym typeface="+mn-ea"/>
+              </a:rPr>
+              <a:t>-</a:t>
+            </a:r>
+            <a:endParaRPr sz="1600" b="0">
+              <a:solidFill>
+                <a:schemeClr val="accent1"/>
+              </a:solidFill>
+              <a:latin typeface="汉仪旗黑-85S" charset="0"/>
+              <a:cs typeface="汉仪旗黑-85S" charset="0"/>
+              <a:sym typeface="+mn-ea"/>
+            </a:endParaRPr>
+          </a:p>
+        </p:txBody>
+      </p:sp>
+      <p:sp>
+        <p:nvSpPr>
+          <p:cNvPr id="21" name="标题 2"/>
+          <p:cNvSpPr>
+            <a:spLocks noGrp="1"/>
+          </p:cNvSpPr>
+          <p:nvPr>
+            <p:custDataLst>
+              <p:tags r:id="rId17"/>
+            </p:custDataLst>
+          </p:nvPr>
+        </p:nvSpPr>
+        <p:spPr>
+          <a:xfrm>
+            <a:off x="2296795" y="5120640"/>
+            <a:ext cx="1631315" cy="1017270"/>
+          </a:xfrm>
+          <a:prstGeom prst="rect">
+            <a:avLst/>
+          </a:prstGeom>
+        </p:spPr>
+        <p:txBody>
+          <a:bodyPr vert="horz" lIns="90000" tIns="46800" rIns="90000" bIns="46800" rtlCol="0" anchor="ctr" anchorCtr="0">
+            <a:noAutofit/>
+          </a:bodyPr>
+          <a:lstStyle>
+            <a:lvl1pPr marL="0" marR="0" algn="l" defTabSz="914400" rtl="0" eaLnBrk="1" fontAlgn="auto" latinLnBrk="0" hangingPunct="1">
+              <a:lnSpc>
+                <a:spcPct val="100000"/>
+              </a:lnSpc>
+              <a:spcBef>
+                <a:spcPct val="0"/>
+              </a:spcBef>
+              <a:buNone/>
+              <a:defRPr kumimoji="0" lang="zh-CN" altLang="en-US" sz="3600" b="1" i="0" u="none" strike="noStrike" kern="1200" cap="none" spc="300" normalizeH="0" baseline="0" noProof="1" dirty="0">
+                <a:solidFill>
+                  <a:schemeClr val="tx1">
+                    <a:lumMod val="85000"/>
+                    <a:lumOff val="15000"/>
+                  </a:schemeClr>
+                </a:solidFill>
+                <a:uFillTx/>
+                <a:latin typeface="Arial" panose="020B0604020202020204" pitchFamily="34" charset="0"/>
+                <a:ea typeface="微软雅黑" panose="020B0503020204020204" charset="-122"/>
+                <a:cs typeface="+mj-cs"/>
+                <a:sym typeface="+mn-ea"/>
+              </a:defRPr>
+            </a:lvl1pPr>
+          </a:lstStyle>
+          <a:p>
+            <a:pPr algn="ctr" fontAlgn="auto">
+              <a:buNone/>
+            </a:pPr>
+            <a:r>
+              <a:rPr lang="en-US" altLang="zh-CN" sz="1600" b="0">
+                <a:sym typeface="+mn-ea"/>
+              </a:rPr>
+              <a:t>webComponent &amp; iframe</a:t>
+            </a:r>
+            <a:endParaRPr lang="en-US" altLang="zh-CN" sz="1400" b="0">
+              <a:solidFill>
+                <a:schemeClr val="accent1"/>
+              </a:solidFill>
+              <a:latin typeface="汉仪旗黑-85S" charset="0"/>
+              <a:cs typeface="汉仪旗黑-85S" charset="0"/>
+              <a:sym typeface="+mn-ea"/>
+            </a:endParaRPr>
+          </a:p>
+        </p:txBody>
+      </p:sp>
+      <p:sp>
+        <p:nvSpPr>
+          <p:cNvPr id="22" name="标题 2"/>
+          <p:cNvSpPr>
+            <a:spLocks noGrp="1"/>
+          </p:cNvSpPr>
+          <p:nvPr>
+            <p:custDataLst>
+              <p:tags r:id="rId18"/>
+            </p:custDataLst>
+          </p:nvPr>
+        </p:nvSpPr>
+        <p:spPr>
+          <a:xfrm>
+            <a:off x="2428240" y="2157730"/>
+            <a:ext cx="1264285" cy="647065"/>
+          </a:xfrm>
+          <a:prstGeom prst="rect">
+            <a:avLst/>
+          </a:prstGeom>
+        </p:spPr>
+        <p:txBody>
+          <a:bodyPr vert="horz" lIns="90000" tIns="46800" rIns="90000" bIns="46800" rtlCol="0" anchor="ctr" anchorCtr="0">
+            <a:normAutofit lnSpcReduction="20000"/>
+          </a:bodyPr>
+          <a:lstStyle>
+            <a:lvl1pPr marL="0" marR="0" algn="l" defTabSz="914400" rtl="0" eaLnBrk="1" fontAlgn="auto" latinLnBrk="0" hangingPunct="1">
+              <a:lnSpc>
+                <a:spcPct val="100000"/>
+              </a:lnSpc>
+              <a:spcBef>
+                <a:spcPct val="0"/>
+              </a:spcBef>
+              <a:buNone/>
+              <a:defRPr kumimoji="0" lang="zh-CN" altLang="en-US" sz="3600" b="1" i="0" u="none" strike="noStrike" kern="1200" cap="none" spc="300" normalizeH="0" baseline="0" noProof="1" dirty="0">
+                <a:solidFill>
+                  <a:schemeClr val="tx1">
+                    <a:lumMod val="85000"/>
+                    <a:lumOff val="15000"/>
+                  </a:schemeClr>
+                </a:solidFill>
+                <a:uFillTx/>
+                <a:latin typeface="Arial" panose="020B0604020202020204" pitchFamily="34" charset="0"/>
+                <a:ea typeface="微软雅黑" panose="020B0503020204020204" charset="-122"/>
+                <a:cs typeface="+mj-cs"/>
+                <a:sym typeface="+mn-ea"/>
+              </a:defRPr>
+            </a:lvl1pPr>
+          </a:lstStyle>
+          <a:p>
+            <a:pPr algn="ctr" fontAlgn="auto">
+              <a:buNone/>
+            </a:pPr>
+            <a:r>
+              <a:rPr lang="en-US" altLang="zh-CN" sz="1600" b="0">
+                <a:sym typeface="+mn-ea"/>
+              </a:rPr>
+              <a:t>single-spa</a:t>
+            </a:r>
+            <a:endParaRPr sz="1600" b="0">
+              <a:solidFill>
+                <a:schemeClr val="accent1"/>
+              </a:solidFill>
+              <a:latin typeface="汉仪旗黑-85S" charset="0"/>
+              <a:cs typeface="汉仪旗黑-85S" charset="0"/>
+              <a:sym typeface="+mn-ea"/>
+            </a:endParaRPr>
+          </a:p>
+        </p:txBody>
+      </p:sp>
+      <p:sp>
+        <p:nvSpPr>
+          <p:cNvPr id="23" name="标题 2"/>
+          <p:cNvSpPr>
+            <a:spLocks noGrp="1"/>
+          </p:cNvSpPr>
+          <p:nvPr>
+            <p:custDataLst>
+              <p:tags r:id="rId19"/>
+            </p:custDataLst>
+          </p:nvPr>
+        </p:nvSpPr>
+        <p:spPr>
+          <a:xfrm>
+            <a:off x="5480050" y="2153920"/>
+            <a:ext cx="1264285" cy="705485"/>
+          </a:xfrm>
+          <a:prstGeom prst="rect">
+            <a:avLst/>
+          </a:prstGeom>
+        </p:spPr>
+        <p:txBody>
+          <a:bodyPr vert="horz" lIns="90000" tIns="46800" rIns="90000" bIns="46800" rtlCol="0" anchor="ctr" anchorCtr="0">
+            <a:normAutofit/>
+          </a:bodyPr>
+          <a:lstStyle>
+            <a:lvl1pPr marL="0" marR="0" algn="l" defTabSz="914400" rtl="0" eaLnBrk="1" fontAlgn="auto" latinLnBrk="0" hangingPunct="1">
+              <a:lnSpc>
+                <a:spcPct val="100000"/>
+              </a:lnSpc>
+              <a:spcBef>
+                <a:spcPct val="0"/>
+              </a:spcBef>
+              <a:buNone/>
+              <a:defRPr kumimoji="0" lang="zh-CN" altLang="en-US" sz="3600" b="1" i="0" u="none" strike="noStrike" kern="1200" cap="none" spc="300" normalizeH="0" baseline="0" noProof="1" dirty="0">
+                <a:solidFill>
+                  <a:schemeClr val="tx1">
+                    <a:lumMod val="85000"/>
+                    <a:lumOff val="15000"/>
+                  </a:schemeClr>
+                </a:solidFill>
+                <a:uFillTx/>
+                <a:latin typeface="Arial" panose="020B0604020202020204" pitchFamily="34" charset="0"/>
+                <a:ea typeface="微软雅黑" panose="020B0503020204020204" charset="-122"/>
+                <a:cs typeface="+mj-cs"/>
+                <a:sym typeface="+mn-ea"/>
+              </a:defRPr>
+            </a:lvl1pPr>
+          </a:lstStyle>
+          <a:p>
+            <a:pPr algn="ctr" fontAlgn="auto">
+              <a:buNone/>
+            </a:pPr>
+            <a:r>
+              <a:rPr lang="en-US" altLang="zh-CN" sz="1600" b="0">
+                <a:sym typeface="+mn-ea"/>
+              </a:rPr>
+              <a:t>CustomEvent</a:t>
+            </a:r>
+            <a:endParaRPr sz="1600" b="0">
+              <a:solidFill>
+                <a:schemeClr val="accent1"/>
+              </a:solidFill>
+              <a:latin typeface="汉仪旗黑-85S" charset="0"/>
+              <a:cs typeface="汉仪旗黑-85S" charset="0"/>
+              <a:sym typeface="+mn-ea"/>
+            </a:endParaRPr>
+          </a:p>
+        </p:txBody>
+      </p:sp>
+      <p:sp>
+        <p:nvSpPr>
+          <p:cNvPr id="24" name="标题 2"/>
+          <p:cNvSpPr>
+            <a:spLocks noGrp="1"/>
+          </p:cNvSpPr>
+          <p:nvPr>
+            <p:custDataLst>
+              <p:tags r:id="rId20"/>
+            </p:custDataLst>
+          </p:nvPr>
+        </p:nvSpPr>
+        <p:spPr>
+          <a:xfrm>
+            <a:off x="5287010" y="3065145"/>
+            <a:ext cx="1678305" cy="705485"/>
+          </a:xfrm>
+          <a:prstGeom prst="rect">
+            <a:avLst/>
+          </a:prstGeom>
+        </p:spPr>
+        <p:txBody>
+          <a:bodyPr vert="horz" lIns="90000" tIns="46800" rIns="90000" bIns="46800" rtlCol="0" anchor="ctr" anchorCtr="0">
+            <a:noAutofit/>
+          </a:bodyPr>
+          <a:lstStyle>
+            <a:lvl1pPr marL="0" marR="0" algn="l" defTabSz="914400" rtl="0" eaLnBrk="1" fontAlgn="auto" latinLnBrk="0" hangingPunct="1">
+              <a:lnSpc>
+                <a:spcPct val="100000"/>
+              </a:lnSpc>
+              <a:spcBef>
+                <a:spcPct val="0"/>
+              </a:spcBef>
+              <a:buNone/>
+              <a:defRPr kumimoji="0" lang="zh-CN" altLang="en-US" sz="3600" b="1" i="0" u="none" strike="noStrike" kern="1200" cap="none" spc="300" normalizeH="0" baseline="0" noProof="1" dirty="0">
+                <a:solidFill>
+                  <a:schemeClr val="tx1">
+                    <a:lumMod val="85000"/>
+                    <a:lumOff val="15000"/>
+                  </a:schemeClr>
+                </a:solidFill>
+                <a:uFillTx/>
+                <a:latin typeface="Arial" panose="020B0604020202020204" pitchFamily="34" charset="0"/>
+                <a:ea typeface="微软雅黑" panose="020B0503020204020204" charset="-122"/>
+                <a:cs typeface="+mj-cs"/>
+                <a:sym typeface="+mn-ea"/>
+              </a:defRPr>
+            </a:lvl1pPr>
+          </a:lstStyle>
+          <a:p>
+            <a:pPr algn="ctr" fontAlgn="auto">
+              <a:buNone/>
+            </a:pPr>
+            <a:r>
+              <a:rPr lang="en-US" altLang="zh-CN" sz="1600" b="0">
+                <a:sym typeface="+mn-ea"/>
+              </a:rPr>
+              <a:t>props CustomEvent</a:t>
+            </a:r>
+            <a:endParaRPr lang="en-US" altLang="zh-CN" sz="1400" b="0">
+              <a:solidFill>
+                <a:schemeClr val="accent1"/>
+              </a:solidFill>
+              <a:latin typeface="汉仪旗黑-85S" charset="0"/>
+              <a:cs typeface="汉仪旗黑-85S" charset="0"/>
+              <a:sym typeface="+mn-ea"/>
+            </a:endParaRPr>
+          </a:p>
+        </p:txBody>
+      </p:sp>
+      <p:sp>
+        <p:nvSpPr>
+          <p:cNvPr id="25" name="标题 2"/>
+          <p:cNvSpPr>
+            <a:spLocks noGrp="1"/>
+          </p:cNvSpPr>
+          <p:nvPr>
+            <p:custDataLst>
+              <p:tags r:id="rId21"/>
+            </p:custDataLst>
+          </p:nvPr>
+        </p:nvSpPr>
+        <p:spPr>
+          <a:xfrm>
+            <a:off x="7028815" y="2108835"/>
+            <a:ext cx="1384300" cy="705485"/>
+          </a:xfrm>
+          <a:prstGeom prst="rect">
+            <a:avLst/>
+          </a:prstGeom>
+        </p:spPr>
+        <p:txBody>
+          <a:bodyPr vert="horz" lIns="90000" tIns="46800" rIns="90000" bIns="46800" rtlCol="0" anchor="ctr" anchorCtr="0">
+            <a:normAutofit/>
+          </a:bodyPr>
+          <a:lstStyle>
+            <a:lvl1pPr marL="0" marR="0" algn="l" defTabSz="914400" rtl="0" eaLnBrk="1" fontAlgn="auto" latinLnBrk="0" hangingPunct="1">
+              <a:lnSpc>
+                <a:spcPct val="100000"/>
+              </a:lnSpc>
+              <a:spcBef>
+                <a:spcPct val="0"/>
+              </a:spcBef>
+              <a:buNone/>
+              <a:defRPr kumimoji="0" lang="zh-CN" altLang="en-US" sz="3600" b="1" i="0" u="none" strike="noStrike" kern="1200" cap="none" spc="300" normalizeH="0" baseline="0" noProof="1" dirty="0">
+                <a:solidFill>
+                  <a:schemeClr val="tx1">
+                    <a:lumMod val="85000"/>
+                    <a:lumOff val="15000"/>
+                  </a:schemeClr>
+                </a:solidFill>
+                <a:uFillTx/>
+                <a:latin typeface="Arial" panose="020B0604020202020204" pitchFamily="34" charset="0"/>
+                <a:ea typeface="微软雅黑" panose="020B0503020204020204" charset="-122"/>
+                <a:cs typeface="+mj-cs"/>
+                <a:sym typeface="+mn-ea"/>
+              </a:defRPr>
+            </a:lvl1pPr>
+          </a:lstStyle>
+          <a:p>
+            <a:pPr algn="ctr" fontAlgn="auto">
+              <a:buNone/>
+            </a:pPr>
+            <a:r>
+              <a:rPr lang="en-US" altLang="zh-CN" sz="1600" b="0">
+                <a:sym typeface="+mn-ea"/>
+              </a:rPr>
+              <a:t>htmlEntry</a:t>
+            </a:r>
+            <a:endParaRPr sz="1600" b="0">
+              <a:solidFill>
+                <a:schemeClr val="accent1"/>
+              </a:solidFill>
+              <a:latin typeface="汉仪旗黑-85S" charset="0"/>
+              <a:cs typeface="汉仪旗黑-85S" charset="0"/>
+              <a:sym typeface="+mn-ea"/>
+            </a:endParaRPr>
+          </a:p>
+        </p:txBody>
+      </p:sp>
+      <p:sp>
+        <p:nvSpPr>
+          <p:cNvPr id="26" name="标题 2"/>
+          <p:cNvSpPr>
+            <a:spLocks noGrp="1"/>
+          </p:cNvSpPr>
+          <p:nvPr>
+            <p:custDataLst>
+              <p:tags r:id="rId22"/>
+            </p:custDataLst>
+          </p:nvPr>
+        </p:nvSpPr>
+        <p:spPr>
+          <a:xfrm>
+            <a:off x="5187950" y="4099560"/>
+            <a:ext cx="1870075" cy="705485"/>
+          </a:xfrm>
+          <a:prstGeom prst="rect">
+            <a:avLst/>
+          </a:prstGeom>
+        </p:spPr>
+        <p:txBody>
+          <a:bodyPr vert="horz" lIns="90000" tIns="46800" rIns="90000" bIns="46800" rtlCol="0" anchor="ctr" anchorCtr="0">
+            <a:noAutofit/>
+          </a:bodyPr>
+          <a:lstStyle>
+            <a:lvl1pPr marL="0" marR="0" algn="l" defTabSz="914400" rtl="0" eaLnBrk="1" fontAlgn="auto" latinLnBrk="0" hangingPunct="1">
+              <a:lnSpc>
+                <a:spcPct val="100000"/>
+              </a:lnSpc>
+              <a:spcBef>
+                <a:spcPct val="0"/>
+              </a:spcBef>
+              <a:buNone/>
+              <a:defRPr kumimoji="0" lang="zh-CN" altLang="en-US" sz="3600" b="1" i="0" u="none" strike="noStrike" kern="1200" cap="none" spc="300" normalizeH="0" baseline="0" noProof="1" dirty="0">
+                <a:solidFill>
+                  <a:schemeClr val="tx1">
+                    <a:lumMod val="85000"/>
+                    <a:lumOff val="15000"/>
+                  </a:schemeClr>
+                </a:solidFill>
+                <a:uFillTx/>
+                <a:latin typeface="Arial" panose="020B0604020202020204" pitchFamily="34" charset="0"/>
+                <a:ea typeface="微软雅黑" panose="020B0503020204020204" charset="-122"/>
+                <a:cs typeface="+mj-cs"/>
+                <a:sym typeface="+mn-ea"/>
+              </a:defRPr>
+            </a:lvl1pPr>
+          </a:lstStyle>
+          <a:p>
+            <a:pPr algn="ctr" fontAlgn="auto">
+              <a:buNone/>
+            </a:pPr>
+            <a:r>
+              <a:rPr lang="en-US" altLang="zh-CN" sz="1600" b="0">
+                <a:sym typeface="+mn-ea"/>
+              </a:rPr>
+              <a:t>CustomEvent</a:t>
+            </a:r>
+            <a:endParaRPr lang="zh-CN" altLang="en-US" sz="1600" b="0">
+              <a:sym typeface="+mn-ea"/>
+            </a:endParaRPr>
+          </a:p>
+          <a:p>
+            <a:pPr algn="ctr" fontAlgn="auto">
+              <a:buNone/>
+            </a:pPr>
+            <a:r>
+              <a:rPr sz="1600" b="0">
+                <a:sym typeface="+mn-ea"/>
+              </a:rPr>
+              <a:t>Store </a:t>
+            </a:r>
+            <a:endParaRPr sz="1400" b="0">
+              <a:solidFill>
+                <a:schemeClr val="accent1"/>
+              </a:solidFill>
+              <a:latin typeface="汉仪旗黑-85S" charset="0"/>
+              <a:cs typeface="汉仪旗黑-85S" charset="0"/>
+              <a:sym typeface="+mn-ea"/>
+            </a:endParaRPr>
+          </a:p>
+        </p:txBody>
+      </p:sp>
+      <p:sp>
+        <p:nvSpPr>
+          <p:cNvPr id="27" name="标题 2"/>
+          <p:cNvSpPr>
+            <a:spLocks noGrp="1"/>
+          </p:cNvSpPr>
+          <p:nvPr>
+            <p:custDataLst>
+              <p:tags r:id="rId23"/>
+            </p:custDataLst>
+          </p:nvPr>
+        </p:nvSpPr>
+        <p:spPr>
+          <a:xfrm>
+            <a:off x="5361305" y="5269230"/>
+            <a:ext cx="1564640" cy="705485"/>
+          </a:xfrm>
+          <a:prstGeom prst="rect">
+            <a:avLst/>
+          </a:prstGeom>
+        </p:spPr>
+        <p:txBody>
+          <a:bodyPr vert="horz" lIns="90000" tIns="46800" rIns="90000" bIns="46800" rtlCol="0" anchor="ctr" anchorCtr="0">
+            <a:noAutofit/>
+          </a:bodyPr>
+          <a:lstStyle>
+            <a:lvl1pPr marL="0" marR="0" algn="l" defTabSz="914400" rtl="0" eaLnBrk="1" fontAlgn="auto" latinLnBrk="0" hangingPunct="1">
+              <a:lnSpc>
+                <a:spcPct val="100000"/>
+              </a:lnSpc>
+              <a:spcBef>
+                <a:spcPct val="0"/>
+              </a:spcBef>
+              <a:buNone/>
+              <a:defRPr kumimoji="0" lang="zh-CN" altLang="en-US" sz="3600" b="1" i="0" u="none" strike="noStrike" kern="1200" cap="none" spc="300" normalizeH="0" baseline="0" noProof="1" dirty="0">
+                <a:solidFill>
+                  <a:schemeClr val="tx1">
+                    <a:lumMod val="85000"/>
+                    <a:lumOff val="15000"/>
+                  </a:schemeClr>
+                </a:solidFill>
+                <a:uFillTx/>
+                <a:latin typeface="Arial" panose="020B0604020202020204" pitchFamily="34" charset="0"/>
+                <a:ea typeface="微软雅黑" panose="020B0503020204020204" charset="-122"/>
+                <a:cs typeface="+mj-cs"/>
+                <a:sym typeface="+mn-ea"/>
+              </a:defRPr>
+            </a:lvl1pPr>
+          </a:lstStyle>
+          <a:p>
+            <a:pPr algn="ctr" fontAlgn="auto">
+              <a:buNone/>
+            </a:pPr>
+            <a:r>
+              <a:rPr sz="1600" b="0">
+                <a:sym typeface="+mn-ea"/>
+              </a:rPr>
+              <a:t>props</a:t>
+            </a:r>
+            <a:r>
+              <a:rPr lang="en-US" altLang="zh-CN" sz="1600" b="0">
+                <a:sym typeface="+mn-ea"/>
+              </a:rPr>
+              <a:t> eventBus</a:t>
+            </a:r>
+            <a:endParaRPr lang="en-US" altLang="zh-CN" sz="1400" b="0">
+              <a:solidFill>
+                <a:schemeClr val="accent1"/>
+              </a:solidFill>
+              <a:latin typeface="汉仪旗黑-85S" charset="0"/>
+              <a:cs typeface="汉仪旗黑-85S" charset="0"/>
+              <a:sym typeface="+mn-ea"/>
+            </a:endParaRPr>
+          </a:p>
+        </p:txBody>
+      </p:sp>
+      <p:sp>
+        <p:nvSpPr>
+          <p:cNvPr id="28" name="标题 2"/>
+          <p:cNvSpPr>
+            <a:spLocks noGrp="1"/>
+          </p:cNvSpPr>
+          <p:nvPr>
+            <p:custDataLst>
+              <p:tags r:id="rId24"/>
+            </p:custDataLst>
+          </p:nvPr>
+        </p:nvSpPr>
+        <p:spPr>
+          <a:xfrm>
+            <a:off x="7058025" y="3075940"/>
+            <a:ext cx="1264285" cy="705485"/>
+          </a:xfrm>
+          <a:prstGeom prst="rect">
+            <a:avLst/>
+          </a:prstGeom>
+        </p:spPr>
+        <p:txBody>
+          <a:bodyPr vert="horz" lIns="90000" tIns="46800" rIns="90000" bIns="46800" rtlCol="0" anchor="ctr" anchorCtr="0">
+            <a:normAutofit/>
+          </a:bodyPr>
+          <a:lstStyle>
+            <a:lvl1pPr marL="0" marR="0" algn="l" defTabSz="914400" rtl="0" eaLnBrk="1" fontAlgn="auto" latinLnBrk="0" hangingPunct="1">
+              <a:lnSpc>
+                <a:spcPct val="100000"/>
+              </a:lnSpc>
+              <a:spcBef>
+                <a:spcPct val="0"/>
+              </a:spcBef>
+              <a:buNone/>
+              <a:defRPr kumimoji="0" lang="zh-CN" altLang="en-US" sz="3600" b="1" i="0" u="none" strike="noStrike" kern="1200" cap="none" spc="300" normalizeH="0" baseline="0" noProof="1" dirty="0">
+                <a:solidFill>
+                  <a:schemeClr val="tx1">
+                    <a:lumMod val="85000"/>
+                    <a:lumOff val="15000"/>
+                  </a:schemeClr>
+                </a:solidFill>
+                <a:uFillTx/>
+                <a:latin typeface="Arial" panose="020B0604020202020204" pitchFamily="34" charset="0"/>
+                <a:ea typeface="微软雅黑" panose="020B0503020204020204" charset="-122"/>
+                <a:cs typeface="+mj-cs"/>
+                <a:sym typeface="+mn-ea"/>
+              </a:defRPr>
+            </a:lvl1pPr>
+          </a:lstStyle>
+          <a:p>
+            <a:pPr algn="ctr" fontAlgn="auto">
+              <a:buNone/>
+            </a:pPr>
+            <a:r>
+              <a:rPr lang="en-US" altLang="zh-CN" sz="1600" b="0">
+                <a:sym typeface="+mn-ea"/>
+              </a:rPr>
+              <a:t> custom</a:t>
+            </a:r>
+            <a:endParaRPr sz="1600" b="0">
+              <a:solidFill>
+                <a:schemeClr val="accent1"/>
+              </a:solidFill>
+              <a:latin typeface="汉仪旗黑-85S" charset="0"/>
+              <a:cs typeface="汉仪旗黑-85S" charset="0"/>
+              <a:sym typeface="+mn-ea"/>
+            </a:endParaRPr>
+          </a:p>
+        </p:txBody>
+      </p:sp>
+      <p:sp>
+        <p:nvSpPr>
+          <p:cNvPr id="29" name="标题 2"/>
+          <p:cNvSpPr>
+            <a:spLocks noGrp="1"/>
+          </p:cNvSpPr>
+          <p:nvPr>
+            <p:custDataLst>
+              <p:tags r:id="rId25"/>
+            </p:custDataLst>
+          </p:nvPr>
+        </p:nvSpPr>
+        <p:spPr>
+          <a:xfrm>
+            <a:off x="6965315" y="4043045"/>
+            <a:ext cx="1449070" cy="705485"/>
+          </a:xfrm>
+          <a:prstGeom prst="rect">
+            <a:avLst/>
+          </a:prstGeom>
+        </p:spPr>
+        <p:txBody>
+          <a:bodyPr vert="horz" lIns="90000" tIns="46800" rIns="90000" bIns="46800" rtlCol="0" anchor="ctr" anchorCtr="0">
+            <a:normAutofit/>
+          </a:bodyPr>
+          <a:lstStyle>
+            <a:lvl1pPr marL="0" marR="0" algn="l" defTabSz="914400" rtl="0" eaLnBrk="1" fontAlgn="auto" latinLnBrk="0" hangingPunct="1">
+              <a:lnSpc>
+                <a:spcPct val="100000"/>
+              </a:lnSpc>
+              <a:spcBef>
+                <a:spcPct val="0"/>
+              </a:spcBef>
+              <a:buNone/>
+              <a:defRPr kumimoji="0" lang="zh-CN" altLang="en-US" sz="3600" b="1" i="0" u="none" strike="noStrike" kern="1200" cap="none" spc="300" normalizeH="0" baseline="0" noProof="1" dirty="0">
+                <a:solidFill>
+                  <a:schemeClr val="tx1">
+                    <a:lumMod val="85000"/>
+                    <a:lumOff val="15000"/>
+                  </a:schemeClr>
+                </a:solidFill>
+                <a:uFillTx/>
+                <a:latin typeface="Arial" panose="020B0604020202020204" pitchFamily="34" charset="0"/>
+                <a:ea typeface="微软雅黑" panose="020B0503020204020204" charset="-122"/>
+                <a:cs typeface="+mj-cs"/>
+                <a:sym typeface="+mn-ea"/>
+              </a:defRPr>
+            </a:lvl1pPr>
+          </a:lstStyle>
+          <a:p>
+            <a:pPr algn="ctr" fontAlgn="auto">
+              <a:buNone/>
+            </a:pPr>
+            <a:r>
+              <a:rPr lang="en-US" altLang="zh-CN" sz="1600" b="0">
+                <a:sym typeface="+mn-ea"/>
+              </a:rPr>
+              <a:t>js</a:t>
+            </a:r>
+            <a:r>
+              <a:rPr lang="en-US" altLang="zh-CN" sz="1600" b="0">
+                <a:sym typeface="+mn-ea"/>
+              </a:rPr>
+              <a:t>Entry htmlEntry</a:t>
+            </a:r>
+            <a:endParaRPr sz="1600" b="0">
+              <a:solidFill>
+                <a:schemeClr val="accent1"/>
+              </a:solidFill>
+              <a:latin typeface="汉仪旗黑-85S" charset="0"/>
+              <a:cs typeface="汉仪旗黑-85S" charset="0"/>
+              <a:sym typeface="+mn-ea"/>
+            </a:endParaRPr>
+          </a:p>
+        </p:txBody>
+      </p:sp>
+      <p:sp>
+        <p:nvSpPr>
+          <p:cNvPr id="30" name="标题 2"/>
+          <p:cNvSpPr>
+            <a:spLocks noGrp="1"/>
+          </p:cNvSpPr>
+          <p:nvPr>
+            <p:custDataLst>
+              <p:tags r:id="rId26"/>
+            </p:custDataLst>
+          </p:nvPr>
+        </p:nvSpPr>
+        <p:spPr>
+          <a:xfrm>
+            <a:off x="7092950" y="5292090"/>
+            <a:ext cx="1264285" cy="705485"/>
+          </a:xfrm>
+          <a:prstGeom prst="rect">
+            <a:avLst/>
+          </a:prstGeom>
+        </p:spPr>
+        <p:txBody>
+          <a:bodyPr vert="horz" lIns="90000" tIns="46800" rIns="90000" bIns="46800" rtlCol="0" anchor="ctr" anchorCtr="0">
+            <a:normAutofit/>
+          </a:bodyPr>
+          <a:lstStyle>
+            <a:lvl1pPr marL="0" marR="0" algn="l" defTabSz="914400" rtl="0" eaLnBrk="1" fontAlgn="auto" latinLnBrk="0" hangingPunct="1">
+              <a:lnSpc>
+                <a:spcPct val="100000"/>
+              </a:lnSpc>
+              <a:spcBef>
+                <a:spcPct val="0"/>
+              </a:spcBef>
+              <a:buNone/>
+              <a:defRPr kumimoji="0" lang="zh-CN" altLang="en-US" sz="3600" b="1" i="0" u="none" strike="noStrike" kern="1200" cap="none" spc="300" normalizeH="0" baseline="0" noProof="1" dirty="0">
+                <a:solidFill>
+                  <a:schemeClr val="tx1">
+                    <a:lumMod val="85000"/>
+                    <a:lumOff val="15000"/>
+                  </a:schemeClr>
+                </a:solidFill>
+                <a:uFillTx/>
+                <a:latin typeface="Arial" panose="020B0604020202020204" pitchFamily="34" charset="0"/>
+                <a:ea typeface="微软雅黑" panose="020B0503020204020204" charset="-122"/>
+                <a:cs typeface="+mj-cs"/>
+                <a:sym typeface="+mn-ea"/>
+              </a:defRPr>
+            </a:lvl1pPr>
+          </a:lstStyle>
+          <a:p>
+            <a:pPr algn="ctr" fontAlgn="auto">
+              <a:buNone/>
+            </a:pPr>
+            <a:r>
+              <a:rPr lang="en-US" altLang="zh-CN" sz="1600" b="0">
+                <a:sym typeface="+mn-ea"/>
+              </a:rPr>
+              <a:t>custom</a:t>
+            </a:r>
+            <a:endParaRPr sz="1600" b="0">
+              <a:solidFill>
+                <a:schemeClr val="accent1"/>
+              </a:solidFill>
+              <a:latin typeface="汉仪旗黑-85S" charset="0"/>
+              <a:cs typeface="汉仪旗黑-85S" charset="0"/>
+              <a:sym typeface="+mn-ea"/>
+            </a:endParaRPr>
+          </a:p>
+        </p:txBody>
+      </p:sp>
+    </p:spTree>
+    <p:custDataLst>
+      <p:tags r:id="rId27"/>
+    </p:custDataLst>
+  </p:cSld>
+  <p:clrMapOvr>
+    <a:masterClrMapping/>
+  </p:clrMapOvr>
+</p:sld>
+</file>
+
+<file path=ppt/slides/slide13.xml><?xml version="1.0" encoding="utf-8"?>
 <p:sld xmlns:a="http://schemas.openxmlformats.org/drawingml/2006/main" xmlns:r="http://schemas.openxmlformats.org/officeDocument/2006/relationships" xmlns:p="http://schemas.openxmlformats.org/presentationml/2006/main">
   <p:cSld>
     <p:spTree>
@@ -15804,45 +18293,6 @@
       </p:grpSpPr>
       <p:sp>
         <p:nvSpPr>
-          <p:cNvPr id="2" name="内容占位符 1"/>
-          <p:cNvSpPr>
-            <a:spLocks noGrp="1"/>
-          </p:cNvSpPr>
-          <p:nvPr>
-            <p:ph idx="1"/>
-            <p:custDataLst>
-              <p:tags r:id="rId1"/>
-            </p:custDataLst>
-          </p:nvPr>
-        </p:nvSpPr>
-        <p:spPr/>
-        <p:txBody>
-          <a:bodyPr/>
-          <a:p>
-            <a:r>
-              <a:rPr lang="zh-CN" altLang="en-US" sz="2200" dirty="0">
-                <a:solidFill>
-                  <a:schemeClr val="dk1">
-                    <a:lumMod val="75000"/>
-                    <a:lumOff val="25000"/>
-                  </a:schemeClr>
-                </a:solidFill>
-              </a:rPr>
-              <a:t>单击此处添加正文</a:t>
-            </a:r>
-            <a:endParaRPr lang="zh-CN" altLang="en-US" sz="2200" dirty="0">
-              <a:solidFill>
-                <a:schemeClr val="dk1">
-                  <a:lumMod val="75000"/>
-                  <a:lumOff val="25000"/>
-                </a:schemeClr>
-              </a:solidFill>
-            </a:endParaRPr>
-          </a:p>
-        </p:txBody>
-      </p:sp>
-      <p:sp>
-        <p:nvSpPr>
           <p:cNvPr id="6" name="标题 5"/>
           <p:cNvSpPr>
             <a:spLocks noGrp="1"/>
@@ -15850,7 +18300,7 @@
           <p:nvPr>
             <p:ph type="title"/>
             <p:custDataLst>
-              <p:tags r:id="rId2"/>
+              <p:tags r:id="rId1"/>
             </p:custDataLst>
           </p:nvPr>
         </p:nvSpPr>
@@ -15877,7 +18327,7 @@
                   <a:schemeClr val="accent1"/>
                 </a:solidFill>
               </a:rPr>
-              <a:t>总结</a:t>
+              <a:t>谢谢</a:t>
             </a:r>
             <a:endParaRPr sz="8000" noProof="0">
               <a:solidFill>
@@ -15889,7 +18339,7 @@
       </p:sp>
     </p:spTree>
     <p:custDataLst>
-      <p:tags r:id="rId3"/>
+      <p:tags r:id="rId2"/>
     </p:custDataLst>
   </p:cSld>
   <p:clrMapOvr>
@@ -16204,8 +18654,8 @@
         </p:nvSpPr>
         <p:spPr>
           <a:xfrm>
-            <a:off x="608400" y="1490400"/>
-            <a:ext cx="10969200" cy="4759200"/>
+            <a:off x="608330" y="1698625"/>
+            <a:ext cx="10968990" cy="4551045"/>
           </a:xfrm>
         </p:spPr>
         <p:txBody>
@@ -16591,6 +19041,20 @@
               <a:buSzTx/>
               <a:buNone/>
             </a:pPr>
+            <a:r>
+              <a:rPr lang="en-US" altLang="zh-CN" dirty="0">
+                <a:solidFill>
+                  <a:schemeClr val="dk1">
+                    <a:lumMod val="75000"/>
+                    <a:lumOff val="25000"/>
+                  </a:schemeClr>
+                </a:solidFill>
+                <a:latin typeface="微软雅黑" panose="020B0503020204020204" charset="-122"/>
+                <a:cs typeface="微软雅黑" panose="020B0503020204020204" charset="-122"/>
+                <a:sym typeface="+mn-ea"/>
+              </a:rPr>
+              <a:t>    </a:t>
+            </a:r>
             <a:r>
               <a:rPr lang="zh-CN" altLang="en-US" dirty="0">
                 <a:solidFill>
@@ -19961,7 +22425,7 @@
                 <a:cs typeface="微软雅黑" panose="020B0503020204020204" charset="-122"/>
                 <a:sym typeface="+mn-ea"/>
               </a:rPr>
-              <a:t>4.State/EventCommunication跨应用数据通信</a:t>
+              <a:t>4. State/EventCommunication跨应用数据通信</a:t>
             </a:r>
             <a:endParaRPr lang="en-US" altLang="zh-CN">
               <a:solidFill>
@@ -20473,191 +22937,237 @@
             <a:noAutofit/>
           </a:bodyPr>
           <a:p>
+            <a:pPr>
+              <a:lnSpc>
+                <a:spcPct val="100000"/>
+              </a:lnSpc>
+              <a:spcBef>
+                <a:spcPts val="0"/>
+              </a:spcBef>
+              <a:spcAft>
+                <a:spcPts val="0"/>
+              </a:spcAft>
+            </a:pPr>
+            <a:r>
+              <a:rPr lang="zh-CN" altLang="en-US">
+                <a:sym typeface="+mn-ea"/>
+              </a:rPr>
+              <a:t>乾坤微前端架构基于single-spa方案并进行完善：</a:t>
+            </a:r>
+            <a:endParaRPr lang="zh-CN" altLang="en-US">
+              <a:sym typeface="+mn-ea"/>
+            </a:endParaRPr>
+          </a:p>
+          <a:p>
+            <a:pPr>
+              <a:lnSpc>
+                <a:spcPct val="100000"/>
+              </a:lnSpc>
+              <a:spcBef>
+                <a:spcPts val="0"/>
+              </a:spcBef>
+              <a:spcAft>
+                <a:spcPts val="0"/>
+              </a:spcAft>
+            </a:pPr>
+            <a:endParaRPr lang="zh-CN" altLang="en-US"/>
+          </a:p>
+          <a:p>
+            <a:pPr>
+              <a:lnSpc>
+                <a:spcPct val="100000"/>
+              </a:lnSpc>
+              <a:spcBef>
+                <a:spcPts val="0"/>
+              </a:spcBef>
+              <a:spcAft>
+                <a:spcPts val="0"/>
+              </a:spcAft>
+            </a:pPr>
             <a:r>
               <a:rPr lang="zh-CN" altLang="en-US"/>
-              <a:t>沙箱：ProxySandbox - 使用 proxy 拦截，并在 active/inActive 时分别从缓存的 map 中 set/delete 相关 modified/added 属性。</a:t>
-            </a:r>
+              <a:t>沙箱：ProxySandbox - 使用 proxy 拦截，并在 active/inActive 时分别从缓存的 map 中 set/delete 相关 </a:t>
+            </a:r>
+            <a:r>
+              <a:rPr lang="en-US" altLang="zh-CN"/>
+              <a:t>   </a:t>
+            </a:r>
+            <a:r>
+              <a:rPr lang="zh-CN" altLang="en-US"/>
+              <a:t>modified/added 属性。</a:t>
+            </a:r>
+            <a:r>
+              <a:rPr lang="zh-CN" altLang="en-US">
+                <a:sym typeface="+mn-ea"/>
+              </a:rPr>
+              <a:t>SnapshotSandbox - 基于 diff 方式实现的沙箱，用于不支持 Proxy 的低版本浏览器，</a:t>
+            </a:r>
+            <a:r>
+              <a:rPr lang="zh-CN" altLang="en-US">
+                <a:sym typeface="+mn-ea"/>
+              </a:rPr>
+              <a:t>css 沙箱无法绝对的隔离，js 沙箱在某些场景下执行性能下降严重</a:t>
+            </a:r>
+            <a:endParaRPr lang="zh-CN" altLang="en-US">
+              <a:sym typeface="+mn-ea"/>
+            </a:endParaRPr>
+          </a:p>
+          <a:p>
+            <a:pPr>
+              <a:lnSpc>
+                <a:spcPct val="100000"/>
+              </a:lnSpc>
+              <a:spcBef>
+                <a:spcPts val="0"/>
+              </a:spcBef>
+              <a:spcAft>
+                <a:spcPts val="0"/>
+              </a:spcAft>
+            </a:pPr>
+            <a:endParaRPr lang="zh-CN" altLang="en-US">
+              <a:sym typeface="+mn-ea"/>
+            </a:endParaRPr>
+          </a:p>
+          <a:p>
+            <a:pPr>
+              <a:lnSpc>
+                <a:spcPct val="100000"/>
+              </a:lnSpc>
+              <a:spcBef>
+                <a:spcPts val="0"/>
+              </a:spcBef>
+              <a:spcAft>
+                <a:spcPts val="0"/>
+              </a:spcAft>
+            </a:pPr>
+            <a:r>
+              <a:rPr lang="zh-CN" altLang="en-US">
+                <a:sym typeface="+mn-ea"/>
+              </a:rPr>
+              <a:t>路由：</a:t>
+            </a:r>
+            <a:r>
+              <a:rPr lang="zh-CN" altLang="en-US">
+                <a:sym typeface="+mn-ea"/>
+              </a:rPr>
+              <a:t>监听路由对当前路由对应的子应用进行加载和卸载，无法同时激活多个子应用，不支持子应用保活</a:t>
+            </a:r>
+            <a:endParaRPr lang="zh-CN" altLang="en-US">
+              <a:sym typeface="+mn-ea"/>
+            </a:endParaRPr>
+          </a:p>
+          <a:p>
+            <a:pPr>
+              <a:lnSpc>
+                <a:spcPct val="100000"/>
+              </a:lnSpc>
+              <a:spcBef>
+                <a:spcPts val="0"/>
+              </a:spcBef>
+              <a:spcAft>
+                <a:spcPts val="0"/>
+              </a:spcAft>
+            </a:pPr>
             <a:endParaRPr lang="zh-CN" altLang="en-US"/>
           </a:p>
           <a:p>
-            <a:pPr indent="457200"/>
+            <a:pPr>
+              <a:lnSpc>
+                <a:spcPct val="100000"/>
+              </a:lnSpc>
+              <a:spcBef>
+                <a:spcPts val="0"/>
+              </a:spcBef>
+              <a:spcAft>
+                <a:spcPts val="0"/>
+              </a:spcAft>
+            </a:pPr>
+            <a:r>
+              <a:rPr lang="zh-CN" altLang="en-US"/>
+              <a:t>通信：使用全局注入，</a:t>
+            </a:r>
             <a:r>
               <a:rPr lang="zh-CN" altLang="en-US">
                 <a:sym typeface="+mn-ea"/>
               </a:rPr>
-              <a:t>SnapshotSandbox - 基于 diff 方式实现的沙箱，用于不支持 Proxy 的低版本浏览器</a:t>
-            </a:r>
+              <a:t>window.dispatchEvent, CustomEvent</a:t>
+            </a:r>
+            <a:endParaRPr lang="zh-CN" altLang="en-US">
+              <a:sym typeface="+mn-ea"/>
+            </a:endParaRPr>
+          </a:p>
+          <a:p>
+            <a:pPr>
+              <a:lnSpc>
+                <a:spcPct val="100000"/>
+              </a:lnSpc>
+              <a:spcBef>
+                <a:spcPts val="0"/>
+              </a:spcBef>
+              <a:spcAft>
+                <a:spcPts val="0"/>
+              </a:spcAft>
+            </a:pPr>
             <a:endParaRPr lang="zh-CN" altLang="en-US"/>
           </a:p>
           <a:p>
-            <a:pPr indent="457200"/>
-            <a:br>
+            <a:pPr indent="0">
+              <a:lnSpc>
+                <a:spcPct val="100000"/>
+              </a:lnSpc>
+              <a:spcBef>
+                <a:spcPts val="0"/>
+              </a:spcBef>
+              <a:spcAft>
+                <a:spcPts val="0"/>
+              </a:spcAft>
+              <a:buFont typeface="Arial" panose="020B0604020202020204" pitchFamily="34" charset="0"/>
+              <a:buNone/>
+            </a:pPr>
+            <a:r>
               <a:rPr lang="zh-CN" altLang="en-US"/>
-            </a:br>
-            <a:r>
-              <a:rPr lang="zh-CN" altLang="en-US"/>
-              <a:t>路由：</a:t>
+              <a:t>缺点</a:t>
             </a:r>
             <a:endParaRPr lang="zh-CN" altLang="en-US"/>
           </a:p>
           <a:p>
-            <a:r>
-              <a:rPr lang="zh-CN" altLang="en-US"/>
-              <a:t>通信：</a:t>
-            </a:r>
-            <a:endParaRPr lang="zh-CN" altLang="en-US"/>
-          </a:p>
-          <a:p>
-            <a:r>
-              <a:rPr lang="en-US" altLang="zh-CN"/>
-              <a:t>loader:</a:t>
-            </a:r>
-            <a:endParaRPr lang="zh-CN" altLang="en-US"/>
-          </a:p>
-          <a:p>
-            <a:r>
-              <a:rPr lang="zh-CN" altLang="en-US"/>
-              <a:t>ProxySandbox - 使用 proxy 拦截，并在 active/inActive 时分别从缓存的 map 中 set/delete 相关 modified/added 属性。</a:t>
-            </a:r>
-            <a:endParaRPr lang="zh-CN" altLang="en-US"/>
-          </a:p>
-          <a:p>
-            <a:r>
-              <a:rPr lang="zh-CN" altLang="en-US"/>
-              <a:t>乾坤微前端架构基于single-spa方案</a:t>
-            </a:r>
-            <a:r>
-              <a:rPr lang="zh-CN" altLang="en-US"/>
-              <a:t>并进行完善：</a:t>
-            </a:r>
-            <a:endParaRPr lang="zh-CN" altLang="en-US"/>
-          </a:p>
-          <a:p>
             <a:pPr marL="285750" indent="-285750">
+              <a:lnSpc>
+                <a:spcPct val="100000"/>
+              </a:lnSpc>
+              <a:spcBef>
+                <a:spcPts val="0"/>
+              </a:spcBef>
+              <a:spcAft>
+                <a:spcPts val="0"/>
+              </a:spcAft>
               <a:buFont typeface="Arial" panose="020B0604020202020204" pitchFamily="34" charset="0"/>
               <a:buChar char="•"/>
             </a:pPr>
             <a:r>
               <a:rPr lang="zh-CN" altLang="en-US"/>
-              <a:t>监听路由自动的加载、卸载当前路由对应的子应用</a:t>
+              <a:t>改造成本较大，从 webpack、代码、路由等等都要做一系列的适配</a:t>
             </a:r>
             <a:endParaRPr lang="zh-CN" altLang="en-US"/>
           </a:p>
           <a:p>
             <a:pPr marL="285750" indent="-285750">
+              <a:lnSpc>
+                <a:spcPct val="100000"/>
+              </a:lnSpc>
+              <a:spcBef>
+                <a:spcPts val="0"/>
+              </a:spcBef>
+              <a:spcAft>
+                <a:spcPts val="0"/>
+              </a:spcAft>
               <a:buFont typeface="Arial" panose="020B0604020202020204" pitchFamily="34" charset="0"/>
               <a:buChar char="•"/>
             </a:pPr>
             <a:r>
               <a:rPr lang="zh-CN" altLang="en-US"/>
-              <a:t>完备的沙箱方案，js沙箱做了SnapshotSandbox、LegacySandbox、ProxySandbox三套渐进增强方案，css沙箱做了两套strictStyleIsolation、experimentalStyleIsolation两套适用不同场景的方案</a:t>
-            </a:r>
-            <a:endParaRPr lang="zh-CN" altLang="en-US"/>
-          </a:p>
-          <a:p>
-            <a:pPr marL="285750" indent="-285750">
-              <a:buFont typeface="Arial" panose="020B0604020202020204" pitchFamily="34" charset="0"/>
-              <a:buChar char="•"/>
-            </a:pPr>
-            <a:r>
-              <a:rPr lang="zh-CN" altLang="en-US"/>
-              <a:t>路由保持，浏览器刷新、前进、后退，都可以作用到子应用</a:t>
-            </a:r>
-            <a:endParaRPr lang="zh-CN" altLang="en-US"/>
-          </a:p>
-          <a:p>
-            <a:pPr marL="285750" indent="-285750">
-              <a:buFont typeface="Arial" panose="020B0604020202020204" pitchFamily="34" charset="0"/>
-              <a:buChar char="•"/>
-            </a:pPr>
-            <a:r>
-              <a:rPr lang="zh-CN" altLang="en-US"/>
-              <a:t>应用间通信简单，全局注入</a:t>
-            </a:r>
-            <a:endParaRPr lang="zh-CN" altLang="en-US"/>
-          </a:p>
-          <a:p>
-            <a:pPr indent="0">
-              <a:buFont typeface="Arial" panose="020B0604020202020204" pitchFamily="34" charset="0"/>
-              <a:buNone/>
-            </a:pPr>
-            <a:r>
-              <a:rPr lang="zh-CN" altLang="en-US"/>
-              <a:t>缺点</a:t>
-            </a:r>
-            <a:endParaRPr lang="zh-CN" altLang="en-US"/>
-          </a:p>
-          <a:p>
-            <a:pPr marL="285750" indent="-285750">
-              <a:buFont typeface="Arial" panose="020B0604020202020204" pitchFamily="34" charset="0"/>
-              <a:buChar char="•"/>
-            </a:pPr>
-            <a:r>
-              <a:rPr lang="zh-CN" altLang="en-US"/>
-              <a:t>基于路由匹配，无法同时激活多个子应用，也不支持子应用保活</a:t>
-            </a:r>
-            <a:endParaRPr lang="zh-CN" altLang="en-US"/>
-          </a:p>
-          <a:p>
-            <a:pPr marL="285750" indent="-285750">
-              <a:buFont typeface="Arial" panose="020B0604020202020204" pitchFamily="34" charset="0"/>
-              <a:buChar char="•"/>
-            </a:pPr>
-            <a:r>
-              <a:rPr lang="zh-CN" altLang="en-US"/>
-              <a:t>改造成本较大，从 webpack、代码、路由等等都要做一系列的适配</a:t>
-            </a:r>
-            <a:endParaRPr lang="zh-CN" altLang="en-US"/>
-          </a:p>
-          <a:p>
-            <a:pPr marL="285750" indent="-285750">
-              <a:buFont typeface="Arial" panose="020B0604020202020204" pitchFamily="34" charset="0"/>
-              <a:buChar char="•"/>
-            </a:pPr>
-            <a:r>
-              <a:rPr lang="zh-CN" altLang="en-US"/>
-              <a:t>css 沙箱无法绝对的隔离，js 沙箱在某些场景下执行性能下降严重</a:t>
-            </a:r>
-            <a:endParaRPr lang="zh-CN" altLang="en-US"/>
-          </a:p>
-          <a:p>
-            <a:pPr marL="285750" indent="-285750">
-              <a:buFont typeface="Arial" panose="020B0604020202020204" pitchFamily="34" charset="0"/>
-              <a:buChar char="•"/>
-            </a:pPr>
-            <a:r>
-              <a:rPr lang="zh-CN" altLang="en-US"/>
               <a:t>无法支持 vite 等 ESM 脚本运行</a:t>
             </a:r>
-            <a:endParaRPr lang="zh-CN" altLang="en-US"/>
-          </a:p>
-          <a:p>
-            <a:pPr indent="0">
-              <a:buFont typeface="Arial" panose="020B0604020202020204" pitchFamily="34" charset="0"/>
-              <a:buNone/>
-            </a:pPr>
-            <a:r>
-              <a:rPr lang="zh-CN" altLang="en-US"/>
-              <a:t>接入成本</a:t>
-            </a:r>
-            <a:endParaRPr lang="zh-CN" altLang="en-US"/>
-          </a:p>
-          <a:p>
-            <a:pPr indent="457200">
-              <a:buFont typeface="Arial" panose="020B0604020202020204" pitchFamily="34" charset="0"/>
-              <a:buNone/>
-            </a:pPr>
-            <a:r>
-              <a:rPr lang="zh-CN" altLang="en-US"/>
-              <a:t>子应用需要接入生命周期代码；主应用需要接入注册微应用代码</a:t>
-            </a:r>
-            <a:endParaRPr lang="zh-CN" altLang="en-US"/>
-          </a:p>
-          <a:p>
-            <a:pPr indent="0">
-              <a:buFont typeface="Arial" panose="020B0604020202020204" pitchFamily="34" charset="0"/>
-              <a:buNone/>
-            </a:pPr>
             <a:endParaRPr lang="zh-CN" altLang="en-US"/>
           </a:p>
         </p:txBody>
@@ -20950,7 +23460,7 @@
                 <a:latin typeface="汉仪旗黑-85S" charset="0"/>
                 <a:cs typeface="汉仪旗黑-85S" charset="0"/>
                 <a:sym typeface="+mn-ea"/>
-                <a:hlinkClick r:id="rId5" tooltip="" action="ppaction://hlinkfile"/>
+                <a:hlinkClick r:id="rId5" action="ppaction://hlinkfile"/>
               </a:rPr>
               <a:t>https://micro-zoe.github.io/micro-app/docs.html</a:t>
             </a:r>
@@ -20973,7 +23483,7 @@
         </p:nvSpPr>
         <p:spPr>
           <a:xfrm>
-            <a:off x="811530" y="1680845"/>
+            <a:off x="700405" y="1602740"/>
             <a:ext cx="10513060" cy="4582795"/>
           </a:xfrm>
           <a:prstGeom prst="rect">
@@ -20994,161 +23504,190 @@
               <a:rPr lang="zh-CN" altLang="en-US">
                 <a:sym typeface="+mn-ea"/>
               </a:rPr>
-              <a:t>沙箱：</a:t>
-            </a:r>
-            <a:br>
+              <a:t>沙箱：通过CustomElement结合自定义的ShadowDom，将微前端封装成一个类WebComponent组件，</a:t>
+            </a:r>
+            <a:r>
+              <a:rPr lang="en-US" altLang="zh-CN">
+                <a:sym typeface="+mn-ea"/>
+              </a:rPr>
+              <a:t>        </a:t>
+            </a:r>
+            <a:r>
               <a:rPr lang="zh-CN" altLang="en-US">
                 <a:sym typeface="+mn-ea"/>
               </a:rPr>
-            </a:br>
+              <a:t>从而实现微前端的组件化渲染</a:t>
+            </a:r>
+            <a:r>
+              <a:rPr lang="en-US" altLang="zh-CN">
+                <a:sym typeface="+mn-ea"/>
+              </a:rPr>
+              <a:t>,</a:t>
+            </a:r>
             <a:r>
               <a:rPr lang="zh-CN" altLang="en-US">
                 <a:sym typeface="+mn-ea"/>
               </a:rPr>
-              <a:t>路由：</a:t>
-            </a:r>
-            <a:endParaRPr lang="zh-CN" altLang="en-US"/>
+              <a:t>基于CustomElement和样式隔离、js隔离来实现微应用的加载，所以子应用无需改动就可以接入</a:t>
+            </a:r>
+            <a:endParaRPr lang="zh-CN" altLang="en-US">
+              <a:sym typeface="+mn-ea"/>
+            </a:endParaRPr>
           </a:p>
           <a:p>
             <a:pPr indent="0">
               <a:buFont typeface="Arial" panose="020B0604020202020204" pitchFamily="34" charset="0"/>
               <a:buNone/>
             </a:pPr>
-            <a:r>
+            <a:br>
               <a:rPr lang="zh-CN" altLang="en-US">
                 <a:sym typeface="+mn-ea"/>
               </a:rPr>
-              <a:t>通信：</a:t>
-            </a:r>
-            <a:endParaRPr lang="zh-CN" altLang="en-US"/>
+            </a:br>
+            <a:r>
+              <a:rPr lang="zh-CN" altLang="en-US">
+                <a:sym typeface="+mn-ea"/>
+              </a:rPr>
+              <a:t>路由：</a:t>
+            </a:r>
+            <a:r>
+              <a:rPr lang="zh-CN" altLang="en-US">
+                <a:sym typeface="+mn-ea"/>
+              </a:rPr>
+              <a:t>类似</a:t>
+            </a:r>
+            <a:r>
+              <a:rPr lang="en-US" altLang="zh-CN">
+                <a:sym typeface="+mn-ea"/>
+              </a:rPr>
+              <a:t>qiankun, 路由依然存在依赖；多应用激活后无法保持各子应用的路由状态，刷新后全部丢失</a:t>
+            </a:r>
+            <a:endParaRPr lang="en-US" altLang="zh-CN">
+              <a:sym typeface="+mn-ea"/>
+            </a:endParaRPr>
           </a:p>
           <a:p>
             <a:pPr indent="0">
               <a:buFont typeface="Arial" panose="020B0604020202020204" pitchFamily="34" charset="0"/>
               <a:buNone/>
             </a:pPr>
+            <a:endParaRPr lang="zh-CN" altLang="en-US"/>
+          </a:p>
+          <a:p>
+            <a:pPr indent="0">
+              <a:buFont typeface="Arial" panose="020B0604020202020204" pitchFamily="34" charset="0"/>
+              <a:buNone/>
+            </a:pPr>
+            <a:r>
+              <a:rPr lang="zh-CN" altLang="en-US">
+                <a:sym typeface="+mn-ea"/>
+              </a:rPr>
+              <a:t>通信：</a:t>
+            </a:r>
             <a:r>
               <a:rPr lang="en-US" altLang="zh-CN">
                 <a:sym typeface="+mn-ea"/>
               </a:rPr>
-              <a:t>loader:</a:t>
-            </a:r>
+              <a:t>props, </a:t>
+            </a:r>
+            <a:r>
+              <a:rPr lang="zh-CN" altLang="en-US">
+                <a:sym typeface="+mn-ea"/>
+              </a:rPr>
+              <a:t>window.dispatchEvent, CustomEvent</a:t>
+            </a:r>
+            <a:endParaRPr lang="zh-CN" altLang="en-US">
+              <a:sym typeface="+mn-ea"/>
+            </a:endParaRPr>
+          </a:p>
+          <a:p>
+            <a:pPr indent="0">
+              <a:buFont typeface="Arial" panose="020B0604020202020204" pitchFamily="34" charset="0"/>
+              <a:buNone/>
+            </a:pPr>
             <a:endParaRPr lang="zh-CN" altLang="en-US"/>
           </a:p>
           <a:p>
-            <a:pPr marL="285750" indent="-285750">
+            <a:pPr indent="0">
+              <a:buFont typeface="Arial" panose="020B0604020202020204" pitchFamily="34" charset="0"/>
+              <a:buNone/>
+            </a:pPr>
+            <a:r>
+              <a:rPr lang="zh-CN" altLang="en-US"/>
+              <a:t>特性：</a:t>
+            </a:r>
+            <a:endParaRPr lang="zh-CN" altLang="en-US"/>
+          </a:p>
+          <a:p>
+            <a:pPr marL="742950" lvl="1" indent="-285750">
               <a:buFont typeface="Arial" panose="020B0604020202020204" pitchFamily="34" charset="0"/>
               <a:buChar char="•"/>
             </a:pPr>
             <a:r>
               <a:rPr lang="zh-CN" altLang="en-US"/>
-              <a:t>抛弃了路由劫持的思路，选用类web component的方案</a:t>
+              <a:t>通过劫持底层接口实现了元素隔离</a:t>
             </a:r>
             <a:endParaRPr lang="zh-CN" altLang="en-US"/>
           </a:p>
           <a:p>
-            <a:pPr marL="285750" indent="-285750">
+            <a:pPr marL="742950" lvl="1" indent="-285750">
               <a:buFont typeface="Arial" panose="020B0604020202020204" pitchFamily="34" charset="0"/>
               <a:buChar char="•"/>
             </a:pPr>
             <a:r>
               <a:rPr lang="zh-CN" altLang="en-US"/>
-              <a:t>基于CustomElement和样式隔离、js隔离来实现微应用的加载，所以子应用无需改动就可以接入</a:t>
+              <a:t>提供了插件系统</a:t>
             </a:r>
             <a:endParaRPr lang="zh-CN" altLang="en-US"/>
           </a:p>
           <a:p>
-            <a:pPr marL="285750" indent="-285750">
+            <a:pPr marL="742950" lvl="1" indent="-285750">
               <a:buFont typeface="Arial" panose="020B0604020202020204" pitchFamily="34" charset="0"/>
               <a:buChar char="•"/>
             </a:pPr>
             <a:r>
               <a:rPr lang="zh-CN" altLang="en-US"/>
-              <a:t>支持应用隔离</a:t>
+              <a:t>支持预加载</a:t>
             </a:r>
             <a:endParaRPr lang="zh-CN" altLang="en-US"/>
           </a:p>
           <a:p>
-            <a:pPr marL="285750" indent="-285750">
+            <a:pPr marL="742950" lvl="1" indent="-285750">
               <a:buFont typeface="Arial" panose="020B0604020202020204" pitchFamily="34" charset="0"/>
               <a:buChar char="•"/>
             </a:pPr>
             <a:r>
               <a:rPr lang="zh-CN" altLang="en-US"/>
-              <a:t>通过劫持底层接口实现了元素隔离</a:t>
+              <a:t>没有考虑工程化问题：如公用依赖，组件复用</a:t>
             </a:r>
             <a:endParaRPr lang="zh-CN" altLang="en-US"/>
           </a:p>
           <a:p>
-            <a:pPr marL="285750" indent="-285750">
+            <a:pPr marL="742950" lvl="1" indent="-285750">
               <a:buFont typeface="Arial" panose="020B0604020202020204" pitchFamily="34" charset="0"/>
               <a:buChar char="•"/>
             </a:pPr>
             <a:r>
               <a:rPr lang="zh-CN" altLang="en-US"/>
-              <a:t>提供了插件系统</a:t>
+              <a:t>不支持vite3</a:t>
             </a:r>
             <a:endParaRPr lang="zh-CN" altLang="en-US"/>
           </a:p>
           <a:p>
-            <a:pPr marL="285750" indent="-285750">
-              <a:buFont typeface="Arial" panose="020B0604020202020204" pitchFamily="34" charset="0"/>
-              <a:buChar char="•"/>
-            </a:pPr>
+            <a:endParaRPr lang="zh-CN" altLang="en-US"/>
+          </a:p>
+          <a:p>
             <a:r>
               <a:rPr lang="zh-CN" altLang="en-US"/>
-              <a:t>支持预加载</a:t>
+              <a:t>接入成本：子应用改动</a:t>
+            </a:r>
+            <a:r>
+              <a:rPr lang="zh-CN" altLang="en-US"/>
+              <a:t>小，主应用需要接入微应用代码</a:t>
             </a:r>
             <a:endParaRPr lang="zh-CN" altLang="en-US"/>
           </a:p>
           <a:p>
-            <a:pPr marL="285750" indent="-285750">
-              <a:buFont typeface="Arial" panose="020B0604020202020204" pitchFamily="34" charset="0"/>
-              <a:buChar char="•"/>
-            </a:pPr>
-            <a:r>
-              <a:rPr lang="zh-CN" altLang="en-US"/>
-              <a:t>没有考虑工程化问题：如公用依赖，组件复用</a:t>
-            </a:r>
-            <a:endParaRPr lang="zh-CN" altLang="en-US"/>
-          </a:p>
-          <a:p>
-            <a:pPr marL="285750" indent="-285750">
-              <a:buFont typeface="Arial" panose="020B0604020202020204" pitchFamily="34" charset="0"/>
-              <a:buChar char="•"/>
-            </a:pPr>
-            <a:r>
-              <a:rPr lang="zh-CN" altLang="en-US"/>
-              <a:t>没有考虑到微前端平台运维</a:t>
-            </a:r>
-            <a:endParaRPr lang="zh-CN" altLang="en-US"/>
-          </a:p>
-          <a:p>
-            <a:pPr marL="285750" indent="-285750">
-              <a:buFont typeface="Arial" panose="020B0604020202020204" pitchFamily="34" charset="0"/>
-              <a:buChar char="•"/>
-            </a:pPr>
-            <a:r>
-              <a:rPr lang="zh-CN" altLang="en-US"/>
-              <a:t>不支持vite3</a:t>
-            </a:r>
-            <a:endParaRPr lang="zh-CN" altLang="en-US"/>
-          </a:p>
-          <a:p>
-            <a:endParaRPr lang="zh-CN" altLang="en-US"/>
-          </a:p>
-          <a:p>
-            <a:r>
-              <a:rPr lang="zh-CN" altLang="en-US"/>
-              <a:t>接入成本：子应用无需改动，主应用需要接入微应用代码</a:t>
-            </a:r>
-            <a:endParaRPr lang="zh-CN" altLang="en-US"/>
-          </a:p>
-          <a:p>
-            <a:r>
-              <a:rPr lang="zh-CN" altLang="en-US"/>
-              <a:t>改造成本：需要自己考虑微前端工程化问题，以及微前端平台运维</a:t>
-            </a:r>
             <a:endParaRPr lang="zh-CN" altLang="en-US"/>
           </a:p>
         </p:txBody>
@@ -24498,29 +27037,640 @@
 
 <file path=ppt/tags/tag282.xml><?xml version="1.0" encoding="utf-8"?>
 <p:tagLst xmlns:p="http://schemas.openxmlformats.org/presentationml/2006/main">
-  <p:tag name="KSO_WM_UNIT_PRESET_TEXT" val="单击此处添加正文"/>
+  <p:tag name="KSO_WM_SLIDE_BACKGROUND_TYPE" val="general"/>
+  <p:tag name="KSO_WM_SLIDE_BK_DARK_LIGHT" val="2"/>
+  <p:tag name="KSO_WM_UNIT_HIGHLIGHT" val="0"/>
+  <p:tag name="KSO_WM_UNIT_COMPATIBLE" val="0"/>
+  <p:tag name="KSO_WM_UNIT_DIAGRAM_ISNUMVISUAL" val="0"/>
+  <p:tag name="KSO_WM_UNIT_DIAGRAM_ISREFERUNIT" val="0"/>
+  <p:tag name="KSO_WM_UNIT_ID" val="_12**"/>
+  <p:tag name="KSO_WM_UNIT_LAYERLEVEL" val="1"/>
+  <p:tag name="KSO_WM_TAG_VERSION" val="1.0"/>
+  <p:tag name="KSO_WM_BEAUTIFY_FLAG" val="#wm#"/>
+  <p:tag name="WM_BEAUTIFY_SHAPE_IDENTITY" val="{7da68a40-0186-4a83-8e16-7eed7e615ac2}"/>
+  <p:tag name="KSO_WM_UNIT_TYPE" val="i"/>
+</p:tagLst>
+</file>
+
+<file path=ppt/tags/tag283.xml><?xml version="1.0" encoding="utf-8"?>
+<p:tagLst xmlns:p="http://schemas.openxmlformats.org/presentationml/2006/main">
+  <p:tag name="KSO_WM_SLIDE_BACKGROUND_TYPE" val="general"/>
+  <p:tag name="KSO_WM_SLIDE_BK_DARK_LIGHT" val="2"/>
+  <p:tag name="KSO_WM_UNIT_HIGHLIGHT" val="0"/>
+  <p:tag name="KSO_WM_UNIT_COMPATIBLE" val="0"/>
+  <p:tag name="KSO_WM_UNIT_DIAGRAM_ISNUMVISUAL" val="0"/>
+  <p:tag name="KSO_WM_UNIT_DIAGRAM_ISREFERUNIT" val="0"/>
+  <p:tag name="KSO_WM_UNIT_ID" val="_12**"/>
+  <p:tag name="KSO_WM_UNIT_LAYERLEVEL" val="1"/>
+  <p:tag name="KSO_WM_TAG_VERSION" val="1.0"/>
+  <p:tag name="KSO_WM_BEAUTIFY_FLAG" val="#wm#"/>
+  <p:tag name="KSO_WM_UNIT_FILL_FORE_SCHEMECOLOR_INDEX_BRIGHTNESS" val="0.6"/>
+  <p:tag name="KSO_WM_UNIT_FILL_FORE_SCHEMECOLOR_INDEX" val="5"/>
+  <p:tag name="KSO_WM_UNIT_FILL_TYPE" val="1"/>
+  <p:tag name="KSO_WM_UNIT_TEXT_FILL_FORE_SCHEMECOLOR_INDEX_BRIGHTNESS" val="0"/>
+  <p:tag name="KSO_WM_UNIT_TEXT_FILL_FORE_SCHEMECOLOR_INDEX" val="2"/>
+  <p:tag name="KSO_WM_UNIT_TEXT_FILL_TYPE" val="1"/>
+</p:tagLst>
+</file>
+
+<file path=ppt/tags/tag284.xml><?xml version="1.0" encoding="utf-8"?>
+<p:tagLst xmlns:p="http://schemas.openxmlformats.org/presentationml/2006/main">
+  <p:tag name="KSO_WM_SLIDE_BACKGROUND_TYPE" val="general"/>
+  <p:tag name="KSO_WM_SLIDE_BK_DARK_LIGHT" val="2"/>
+  <p:tag name="KSO_WM_UNIT_HIGHLIGHT" val="0"/>
+  <p:tag name="KSO_WM_UNIT_COMPATIBLE" val="0"/>
+  <p:tag name="KSO_WM_UNIT_DIAGRAM_ISNUMVISUAL" val="0"/>
+  <p:tag name="KSO_WM_UNIT_DIAGRAM_ISREFERUNIT" val="0"/>
+  <p:tag name="KSO_WM_UNIT_ID" val="_12**"/>
+  <p:tag name="KSO_WM_UNIT_LAYERLEVEL" val="1"/>
+  <p:tag name="KSO_WM_TAG_VERSION" val="1.0"/>
+  <p:tag name="KSO_WM_BEAUTIFY_FLAG" val="#wm#"/>
+  <p:tag name="KSO_WM_UNIT_FILL_FORE_SCHEMECOLOR_INDEX_BRIGHTNESS" val="0.4"/>
+  <p:tag name="KSO_WM_UNIT_FILL_FORE_SCHEMECOLOR_INDEX" val="5"/>
+  <p:tag name="KSO_WM_UNIT_FILL_TYPE" val="1"/>
+  <p:tag name="KSO_WM_UNIT_TEXT_FILL_FORE_SCHEMECOLOR_INDEX_BRIGHTNESS" val="0"/>
+  <p:tag name="KSO_WM_UNIT_TEXT_FILL_FORE_SCHEMECOLOR_INDEX" val="2"/>
+  <p:tag name="KSO_WM_UNIT_TEXT_FILL_TYPE" val="1"/>
+</p:tagLst>
+</file>
+
+<file path=ppt/tags/tag285.xml><?xml version="1.0" encoding="utf-8"?>
+<p:tagLst xmlns:p="http://schemas.openxmlformats.org/presentationml/2006/main">
+  <p:tag name="TABLE_ENDDRAG_ORIGIN_RECT" val="883*224"/>
+  <p:tag name="TABLE_ENDDRAG_RECT" val="35*161*883*224"/>
+</p:tagLst>
+</file>
+
+<file path=ppt/tags/tag286.xml><?xml version="1.0" encoding="utf-8"?>
+<p:tagLst xmlns:p="http://schemas.openxmlformats.org/presentationml/2006/main">
+  <p:tag name="KSO_WM_UNIT_ISCONTENTSTITLE" val="0"/>
+  <p:tag name="KSO_WM_UNIT_PRESET_TEXT" val="单击此处添加标题"/>
   <p:tag name="KSO_WM_UNIT_NOCLEAR" val="0"/>
   <p:tag name="KSO_WM_UNIT_SHOW_EDIT_AREA_INDICATION" val="1"/>
-  <p:tag name="KSO_WM_UNIT_VALUE" val="689"/>
-  <p:tag name="KSO_WM_UNIT_HIGHLIGHT" val="0"/>
-  <p:tag name="KSO_WM_UNIT_COMPATIBLE" val="0"/>
-  <p:tag name="KSO_WM_UNIT_DIAGRAM_ISNUMVISUAL" val="0"/>
-  <p:tag name="KSO_WM_UNIT_DIAGRAM_ISREFERUNIT" val="0"/>
-  <p:tag name="KSO_WM_UNIT_TYPE" val="f"/>
+  <p:tag name="KSO_WM_UNIT_VALUE" val="26"/>
+  <p:tag name="KSO_WM_UNIT_HIGHLIGHT" val="0"/>
+  <p:tag name="KSO_WM_UNIT_COMPATIBLE" val="0"/>
+  <p:tag name="KSO_WM_UNIT_DIAGRAM_ISNUMVISUAL" val="0"/>
+  <p:tag name="KSO_WM_UNIT_DIAGRAM_ISREFERUNIT" val="0"/>
+  <p:tag name="KSO_WM_UNIT_TYPE" val="a"/>
   <p:tag name="KSO_WM_UNIT_INDEX" val="1"/>
-  <p:tag name="KSO_WM_UNIT_ID" val="custom20205176_13*f*1"/>
+  <p:tag name="KSO_WM_UNIT_ID" val="custom20205176_13*a*1"/>
   <p:tag name="KSO_WM_TEMPLATE_CATEGORY" val="custom"/>
   <p:tag name="KSO_WM_TEMPLATE_INDEX" val="20205176"/>
   <p:tag name="KSO_WM_UNIT_LAYERLEVEL" val="1"/>
   <p:tag name="KSO_WM_TAG_VERSION" val="1.0"/>
   <p:tag name="KSO_WM_BEAUTIFY_FLAG" val="#wm#"/>
-  <p:tag name="KSO_WM_UNIT_TEXT_FILL_FORE_SCHEMECOLOR_INDEX_BRIGHTNESS" val="0.25"/>
-  <p:tag name="KSO_WM_UNIT_TEXT_FILL_FORE_SCHEMECOLOR_INDEX" val="13"/>
-  <p:tag name="KSO_WM_UNIT_TEXT_FILL_TYPE" val="1"/>
-</p:tagLst>
-</file>
-
-<file path=ppt/tags/tag283.xml><?xml version="1.0" encoding="utf-8"?>
+  <p:tag name="KSO_WM_UNIT_ISNUMDGMTITLE" val="0"/>
+</p:tagLst>
+</file>
+
+<file path=ppt/tags/tag287.xml><?xml version="1.0" encoding="utf-8"?>
+<p:tagLst xmlns:p="http://schemas.openxmlformats.org/presentationml/2006/main">
+  <p:tag name="KSO_WM_UNIT_ISCONTENTSTITLE" val="0"/>
+  <p:tag name="KSO_WM_UNIT_PRESET_TEXT" val="单击此处添加标题"/>
+  <p:tag name="KSO_WM_UNIT_NOCLEAR" val="0"/>
+  <p:tag name="KSO_WM_UNIT_SHOW_EDIT_AREA_INDICATION" val="1"/>
+  <p:tag name="KSO_WM_UNIT_VALUE" val="26"/>
+  <p:tag name="KSO_WM_UNIT_HIGHLIGHT" val="0"/>
+  <p:tag name="KSO_WM_UNIT_COMPATIBLE" val="0"/>
+  <p:tag name="KSO_WM_UNIT_DIAGRAM_ISNUMVISUAL" val="0"/>
+  <p:tag name="KSO_WM_UNIT_DIAGRAM_ISREFERUNIT" val="0"/>
+  <p:tag name="KSO_WM_UNIT_TYPE" val="a"/>
+  <p:tag name="KSO_WM_UNIT_INDEX" val="1"/>
+  <p:tag name="KSO_WM_UNIT_ID" val="custom20205176_13*a*1"/>
+  <p:tag name="KSO_WM_TEMPLATE_CATEGORY" val="custom"/>
+  <p:tag name="KSO_WM_TEMPLATE_INDEX" val="20205176"/>
+  <p:tag name="KSO_WM_UNIT_LAYERLEVEL" val="1"/>
+  <p:tag name="KSO_WM_TAG_VERSION" val="1.0"/>
+  <p:tag name="KSO_WM_BEAUTIFY_FLAG" val="#wm#"/>
+  <p:tag name="KSO_WM_UNIT_ISNUMDGMTITLE" val="0"/>
+</p:tagLst>
+</file>
+
+<file path=ppt/tags/tag288.xml><?xml version="1.0" encoding="utf-8"?>
+<p:tagLst xmlns:p="http://schemas.openxmlformats.org/presentationml/2006/main">
+  <p:tag name="KSO_WM_UNIT_ISCONTENTSTITLE" val="0"/>
+  <p:tag name="KSO_WM_UNIT_PRESET_TEXT" val="单击此处添加标题"/>
+  <p:tag name="KSO_WM_UNIT_NOCLEAR" val="0"/>
+  <p:tag name="KSO_WM_UNIT_SHOW_EDIT_AREA_INDICATION" val="1"/>
+  <p:tag name="KSO_WM_UNIT_VALUE" val="26"/>
+  <p:tag name="KSO_WM_UNIT_HIGHLIGHT" val="0"/>
+  <p:tag name="KSO_WM_UNIT_COMPATIBLE" val="0"/>
+  <p:tag name="KSO_WM_UNIT_DIAGRAM_ISNUMVISUAL" val="0"/>
+  <p:tag name="KSO_WM_UNIT_DIAGRAM_ISREFERUNIT" val="0"/>
+  <p:tag name="KSO_WM_UNIT_TYPE" val="a"/>
+  <p:tag name="KSO_WM_UNIT_INDEX" val="1"/>
+  <p:tag name="KSO_WM_UNIT_ID" val="custom20205176_13*a*1"/>
+  <p:tag name="KSO_WM_TEMPLATE_CATEGORY" val="custom"/>
+  <p:tag name="KSO_WM_TEMPLATE_INDEX" val="20205176"/>
+  <p:tag name="KSO_WM_UNIT_LAYERLEVEL" val="1"/>
+  <p:tag name="KSO_WM_TAG_VERSION" val="1.0"/>
+  <p:tag name="KSO_WM_BEAUTIFY_FLAG" val="#wm#"/>
+  <p:tag name="KSO_WM_UNIT_ISNUMDGMTITLE" val="0"/>
+</p:tagLst>
+</file>
+
+<file path=ppt/tags/tag289.xml><?xml version="1.0" encoding="utf-8"?>
+<p:tagLst xmlns:p="http://schemas.openxmlformats.org/presentationml/2006/main">
+  <p:tag name="KSO_WM_UNIT_ISCONTENTSTITLE" val="0"/>
+  <p:tag name="KSO_WM_UNIT_PRESET_TEXT" val="单击此处添加标题"/>
+  <p:tag name="KSO_WM_UNIT_NOCLEAR" val="0"/>
+  <p:tag name="KSO_WM_UNIT_SHOW_EDIT_AREA_INDICATION" val="1"/>
+  <p:tag name="KSO_WM_UNIT_VALUE" val="26"/>
+  <p:tag name="KSO_WM_UNIT_HIGHLIGHT" val="0"/>
+  <p:tag name="KSO_WM_UNIT_COMPATIBLE" val="0"/>
+  <p:tag name="KSO_WM_UNIT_DIAGRAM_ISNUMVISUAL" val="0"/>
+  <p:tag name="KSO_WM_UNIT_DIAGRAM_ISREFERUNIT" val="0"/>
+  <p:tag name="KSO_WM_UNIT_TYPE" val="a"/>
+  <p:tag name="KSO_WM_UNIT_INDEX" val="1"/>
+  <p:tag name="KSO_WM_UNIT_ID" val="custom20205176_13*a*1"/>
+  <p:tag name="KSO_WM_TEMPLATE_CATEGORY" val="custom"/>
+  <p:tag name="KSO_WM_TEMPLATE_INDEX" val="20205176"/>
+  <p:tag name="KSO_WM_UNIT_LAYERLEVEL" val="1"/>
+  <p:tag name="KSO_WM_TAG_VERSION" val="1.0"/>
+  <p:tag name="KSO_WM_BEAUTIFY_FLAG" val="#wm#"/>
+  <p:tag name="KSO_WM_UNIT_ISNUMDGMTITLE" val="0"/>
+</p:tagLst>
+</file>
+
+<file path=ppt/tags/tag29.xml><?xml version="1.0" encoding="utf-8"?>
+<p:tagLst xmlns:p="http://schemas.openxmlformats.org/presentationml/2006/main">
+  <p:tag name="KSO_WM_UNIT_HIGHLIGHT" val="0"/>
+  <p:tag name="KSO_WM_UNIT_COMPATIBLE" val="0"/>
+  <p:tag name="KSO_WM_UNIT_DIAGRAM_ISNUMVISUAL" val="0"/>
+  <p:tag name="KSO_WM_UNIT_DIAGRAM_ISREFERUNIT" val="0"/>
+  <p:tag name="KSO_WM_UNIT_ID" val="_5**"/>
+  <p:tag name="KSO_WM_UNIT_LAYERLEVEL" val="1"/>
+  <p:tag name="KSO_WM_TAG_VERSION" val="1.0"/>
+  <p:tag name="KSO_WM_BEAUTIFY_FLAG" val="#wm#"/>
+</p:tagLst>
+</file>
+
+<file path=ppt/tags/tag290.xml><?xml version="1.0" encoding="utf-8"?>
+<p:tagLst xmlns:p="http://schemas.openxmlformats.org/presentationml/2006/main">
+  <p:tag name="KSO_WM_UNIT_ISCONTENTSTITLE" val="0"/>
+  <p:tag name="KSO_WM_UNIT_PRESET_TEXT" val="单击此处添加标题"/>
+  <p:tag name="KSO_WM_UNIT_NOCLEAR" val="0"/>
+  <p:tag name="KSO_WM_UNIT_SHOW_EDIT_AREA_INDICATION" val="1"/>
+  <p:tag name="KSO_WM_UNIT_VALUE" val="26"/>
+  <p:tag name="KSO_WM_UNIT_HIGHLIGHT" val="0"/>
+  <p:tag name="KSO_WM_UNIT_COMPATIBLE" val="0"/>
+  <p:tag name="KSO_WM_UNIT_DIAGRAM_ISNUMVISUAL" val="0"/>
+  <p:tag name="KSO_WM_UNIT_DIAGRAM_ISREFERUNIT" val="0"/>
+  <p:tag name="KSO_WM_UNIT_TYPE" val="a"/>
+  <p:tag name="KSO_WM_UNIT_INDEX" val="1"/>
+  <p:tag name="KSO_WM_UNIT_ID" val="custom20205176_13*a*1"/>
+  <p:tag name="KSO_WM_TEMPLATE_CATEGORY" val="custom"/>
+  <p:tag name="KSO_WM_TEMPLATE_INDEX" val="20205176"/>
+  <p:tag name="KSO_WM_UNIT_LAYERLEVEL" val="1"/>
+  <p:tag name="KSO_WM_TAG_VERSION" val="1.0"/>
+  <p:tag name="KSO_WM_BEAUTIFY_FLAG" val="#wm#"/>
+  <p:tag name="KSO_WM_UNIT_ISNUMDGMTITLE" val="0"/>
+</p:tagLst>
+</file>
+
+<file path=ppt/tags/tag291.xml><?xml version="1.0" encoding="utf-8"?>
+<p:tagLst xmlns:p="http://schemas.openxmlformats.org/presentationml/2006/main">
+  <p:tag name="KSO_WM_UNIT_ISCONTENTSTITLE" val="0"/>
+  <p:tag name="KSO_WM_UNIT_PRESET_TEXT" val="单击此处添加标题"/>
+  <p:tag name="KSO_WM_UNIT_NOCLEAR" val="0"/>
+  <p:tag name="KSO_WM_UNIT_SHOW_EDIT_AREA_INDICATION" val="1"/>
+  <p:tag name="KSO_WM_UNIT_VALUE" val="26"/>
+  <p:tag name="KSO_WM_UNIT_HIGHLIGHT" val="0"/>
+  <p:tag name="KSO_WM_UNIT_COMPATIBLE" val="0"/>
+  <p:tag name="KSO_WM_UNIT_DIAGRAM_ISNUMVISUAL" val="0"/>
+  <p:tag name="KSO_WM_UNIT_DIAGRAM_ISREFERUNIT" val="0"/>
+  <p:tag name="KSO_WM_UNIT_TYPE" val="a"/>
+  <p:tag name="KSO_WM_UNIT_INDEX" val="1"/>
+  <p:tag name="KSO_WM_UNIT_ID" val="custom20205176_13*a*1"/>
+  <p:tag name="KSO_WM_TEMPLATE_CATEGORY" val="custom"/>
+  <p:tag name="KSO_WM_TEMPLATE_INDEX" val="20205176"/>
+  <p:tag name="KSO_WM_UNIT_LAYERLEVEL" val="1"/>
+  <p:tag name="KSO_WM_TAG_VERSION" val="1.0"/>
+  <p:tag name="KSO_WM_BEAUTIFY_FLAG" val="#wm#"/>
+  <p:tag name="KSO_WM_UNIT_ISNUMDGMTITLE" val="0"/>
+</p:tagLst>
+</file>
+
+<file path=ppt/tags/tag292.xml><?xml version="1.0" encoding="utf-8"?>
+<p:tagLst xmlns:p="http://schemas.openxmlformats.org/presentationml/2006/main">
+  <p:tag name="KSO_WM_UNIT_ISCONTENTSTITLE" val="0"/>
+  <p:tag name="KSO_WM_UNIT_PRESET_TEXT" val="单击此处添加标题"/>
+  <p:tag name="KSO_WM_UNIT_NOCLEAR" val="0"/>
+  <p:tag name="KSO_WM_UNIT_SHOW_EDIT_AREA_INDICATION" val="1"/>
+  <p:tag name="KSO_WM_UNIT_VALUE" val="26"/>
+  <p:tag name="KSO_WM_UNIT_HIGHLIGHT" val="0"/>
+  <p:tag name="KSO_WM_UNIT_COMPATIBLE" val="0"/>
+  <p:tag name="KSO_WM_UNIT_DIAGRAM_ISNUMVISUAL" val="0"/>
+  <p:tag name="KSO_WM_UNIT_DIAGRAM_ISREFERUNIT" val="0"/>
+  <p:tag name="KSO_WM_UNIT_TYPE" val="a"/>
+  <p:tag name="KSO_WM_UNIT_INDEX" val="1"/>
+  <p:tag name="KSO_WM_UNIT_ID" val="custom20205176_13*a*1"/>
+  <p:tag name="KSO_WM_TEMPLATE_CATEGORY" val="custom"/>
+  <p:tag name="KSO_WM_TEMPLATE_INDEX" val="20205176"/>
+  <p:tag name="KSO_WM_UNIT_LAYERLEVEL" val="1"/>
+  <p:tag name="KSO_WM_TAG_VERSION" val="1.0"/>
+  <p:tag name="KSO_WM_BEAUTIFY_FLAG" val="#wm#"/>
+  <p:tag name="KSO_WM_UNIT_ISNUMDGMTITLE" val="0"/>
+</p:tagLst>
+</file>
+
+<file path=ppt/tags/tag293.xml><?xml version="1.0" encoding="utf-8"?>
+<p:tagLst xmlns:p="http://schemas.openxmlformats.org/presentationml/2006/main">
+  <p:tag name="KSO_WM_UNIT_ISCONTENTSTITLE" val="0"/>
+  <p:tag name="KSO_WM_UNIT_PRESET_TEXT" val="单击此处添加标题"/>
+  <p:tag name="KSO_WM_UNIT_NOCLEAR" val="0"/>
+  <p:tag name="KSO_WM_UNIT_SHOW_EDIT_AREA_INDICATION" val="1"/>
+  <p:tag name="KSO_WM_UNIT_VALUE" val="26"/>
+  <p:tag name="KSO_WM_UNIT_HIGHLIGHT" val="0"/>
+  <p:tag name="KSO_WM_UNIT_COMPATIBLE" val="0"/>
+  <p:tag name="KSO_WM_UNIT_DIAGRAM_ISNUMVISUAL" val="0"/>
+  <p:tag name="KSO_WM_UNIT_DIAGRAM_ISREFERUNIT" val="0"/>
+  <p:tag name="KSO_WM_UNIT_TYPE" val="a"/>
+  <p:tag name="KSO_WM_UNIT_INDEX" val="1"/>
+  <p:tag name="KSO_WM_UNIT_ID" val="custom20205176_13*a*1"/>
+  <p:tag name="KSO_WM_TEMPLATE_CATEGORY" val="custom"/>
+  <p:tag name="KSO_WM_TEMPLATE_INDEX" val="20205176"/>
+  <p:tag name="KSO_WM_UNIT_LAYERLEVEL" val="1"/>
+  <p:tag name="KSO_WM_TAG_VERSION" val="1.0"/>
+  <p:tag name="KSO_WM_BEAUTIFY_FLAG" val="#wm#"/>
+  <p:tag name="KSO_WM_UNIT_ISNUMDGMTITLE" val="0"/>
+</p:tagLst>
+</file>
+
+<file path=ppt/tags/tag294.xml><?xml version="1.0" encoding="utf-8"?>
+<p:tagLst xmlns:p="http://schemas.openxmlformats.org/presentationml/2006/main">
+  <p:tag name="KSO_WM_UNIT_ISCONTENTSTITLE" val="0"/>
+  <p:tag name="KSO_WM_UNIT_PRESET_TEXT" val="单击此处添加标题"/>
+  <p:tag name="KSO_WM_UNIT_NOCLEAR" val="0"/>
+  <p:tag name="KSO_WM_UNIT_SHOW_EDIT_AREA_INDICATION" val="1"/>
+  <p:tag name="KSO_WM_UNIT_VALUE" val="26"/>
+  <p:tag name="KSO_WM_UNIT_HIGHLIGHT" val="0"/>
+  <p:tag name="KSO_WM_UNIT_COMPATIBLE" val="0"/>
+  <p:tag name="KSO_WM_UNIT_DIAGRAM_ISNUMVISUAL" val="0"/>
+  <p:tag name="KSO_WM_UNIT_DIAGRAM_ISREFERUNIT" val="0"/>
+  <p:tag name="KSO_WM_UNIT_TYPE" val="a"/>
+  <p:tag name="KSO_WM_UNIT_INDEX" val="1"/>
+  <p:tag name="KSO_WM_UNIT_ID" val="custom20205176_13*a*1"/>
+  <p:tag name="KSO_WM_TEMPLATE_CATEGORY" val="custom"/>
+  <p:tag name="KSO_WM_TEMPLATE_INDEX" val="20205176"/>
+  <p:tag name="KSO_WM_UNIT_LAYERLEVEL" val="1"/>
+  <p:tag name="KSO_WM_TAG_VERSION" val="1.0"/>
+  <p:tag name="KSO_WM_BEAUTIFY_FLAG" val="#wm#"/>
+  <p:tag name="KSO_WM_UNIT_ISNUMDGMTITLE" val="0"/>
+</p:tagLst>
+</file>
+
+<file path=ppt/tags/tag295.xml><?xml version="1.0" encoding="utf-8"?>
+<p:tagLst xmlns:p="http://schemas.openxmlformats.org/presentationml/2006/main">
+  <p:tag name="KSO_WM_UNIT_ISCONTENTSTITLE" val="0"/>
+  <p:tag name="KSO_WM_UNIT_PRESET_TEXT" val="单击此处添加标题"/>
+  <p:tag name="KSO_WM_UNIT_NOCLEAR" val="0"/>
+  <p:tag name="KSO_WM_UNIT_SHOW_EDIT_AREA_INDICATION" val="1"/>
+  <p:tag name="KSO_WM_UNIT_VALUE" val="26"/>
+  <p:tag name="KSO_WM_UNIT_HIGHLIGHT" val="0"/>
+  <p:tag name="KSO_WM_UNIT_COMPATIBLE" val="0"/>
+  <p:tag name="KSO_WM_UNIT_DIAGRAM_ISNUMVISUAL" val="0"/>
+  <p:tag name="KSO_WM_UNIT_DIAGRAM_ISREFERUNIT" val="0"/>
+  <p:tag name="KSO_WM_UNIT_TYPE" val="a"/>
+  <p:tag name="KSO_WM_UNIT_INDEX" val="1"/>
+  <p:tag name="KSO_WM_UNIT_ID" val="custom20205176_13*a*1"/>
+  <p:tag name="KSO_WM_TEMPLATE_CATEGORY" val="custom"/>
+  <p:tag name="KSO_WM_TEMPLATE_INDEX" val="20205176"/>
+  <p:tag name="KSO_WM_UNIT_LAYERLEVEL" val="1"/>
+  <p:tag name="KSO_WM_TAG_VERSION" val="1.0"/>
+  <p:tag name="KSO_WM_BEAUTIFY_FLAG" val="#wm#"/>
+  <p:tag name="KSO_WM_UNIT_ISNUMDGMTITLE" val="0"/>
+</p:tagLst>
+</file>
+
+<file path=ppt/tags/tag296.xml><?xml version="1.0" encoding="utf-8"?>
+<p:tagLst xmlns:p="http://schemas.openxmlformats.org/presentationml/2006/main">
+  <p:tag name="KSO_WM_UNIT_ISCONTENTSTITLE" val="0"/>
+  <p:tag name="KSO_WM_UNIT_PRESET_TEXT" val="单击此处添加标题"/>
+  <p:tag name="KSO_WM_UNIT_NOCLEAR" val="0"/>
+  <p:tag name="KSO_WM_UNIT_SHOW_EDIT_AREA_INDICATION" val="1"/>
+  <p:tag name="KSO_WM_UNIT_VALUE" val="26"/>
+  <p:tag name="KSO_WM_UNIT_HIGHLIGHT" val="0"/>
+  <p:tag name="KSO_WM_UNIT_COMPATIBLE" val="0"/>
+  <p:tag name="KSO_WM_UNIT_DIAGRAM_ISNUMVISUAL" val="0"/>
+  <p:tag name="KSO_WM_UNIT_DIAGRAM_ISREFERUNIT" val="0"/>
+  <p:tag name="KSO_WM_UNIT_TYPE" val="a"/>
+  <p:tag name="KSO_WM_UNIT_INDEX" val="1"/>
+  <p:tag name="KSO_WM_UNIT_ID" val="custom20205176_13*a*1"/>
+  <p:tag name="KSO_WM_TEMPLATE_CATEGORY" val="custom"/>
+  <p:tag name="KSO_WM_TEMPLATE_INDEX" val="20205176"/>
+  <p:tag name="KSO_WM_UNIT_LAYERLEVEL" val="1"/>
+  <p:tag name="KSO_WM_TAG_VERSION" val="1.0"/>
+  <p:tag name="KSO_WM_BEAUTIFY_FLAG" val="#wm#"/>
+  <p:tag name="KSO_WM_UNIT_ISNUMDGMTITLE" val="0"/>
+</p:tagLst>
+</file>
+
+<file path=ppt/tags/tag297.xml><?xml version="1.0" encoding="utf-8"?>
+<p:tagLst xmlns:p="http://schemas.openxmlformats.org/presentationml/2006/main">
+  <p:tag name="KSO_WM_UNIT_ISCONTENTSTITLE" val="0"/>
+  <p:tag name="KSO_WM_UNIT_PRESET_TEXT" val="单击此处添加标题"/>
+  <p:tag name="KSO_WM_UNIT_NOCLEAR" val="0"/>
+  <p:tag name="KSO_WM_UNIT_SHOW_EDIT_AREA_INDICATION" val="1"/>
+  <p:tag name="KSO_WM_UNIT_VALUE" val="26"/>
+  <p:tag name="KSO_WM_UNIT_HIGHLIGHT" val="0"/>
+  <p:tag name="KSO_WM_UNIT_COMPATIBLE" val="0"/>
+  <p:tag name="KSO_WM_UNIT_DIAGRAM_ISNUMVISUAL" val="0"/>
+  <p:tag name="KSO_WM_UNIT_DIAGRAM_ISREFERUNIT" val="0"/>
+  <p:tag name="KSO_WM_UNIT_TYPE" val="a"/>
+  <p:tag name="KSO_WM_UNIT_INDEX" val="1"/>
+  <p:tag name="KSO_WM_UNIT_ID" val="custom20205176_13*a*1"/>
+  <p:tag name="KSO_WM_TEMPLATE_CATEGORY" val="custom"/>
+  <p:tag name="KSO_WM_TEMPLATE_INDEX" val="20205176"/>
+  <p:tag name="KSO_WM_UNIT_LAYERLEVEL" val="1"/>
+  <p:tag name="KSO_WM_TAG_VERSION" val="1.0"/>
+  <p:tag name="KSO_WM_BEAUTIFY_FLAG" val="#wm#"/>
+  <p:tag name="KSO_WM_UNIT_ISNUMDGMTITLE" val="0"/>
+</p:tagLst>
+</file>
+
+<file path=ppt/tags/tag298.xml><?xml version="1.0" encoding="utf-8"?>
+<p:tagLst xmlns:p="http://schemas.openxmlformats.org/presentationml/2006/main">
+  <p:tag name="KSO_WM_UNIT_ISCONTENTSTITLE" val="0"/>
+  <p:tag name="KSO_WM_UNIT_PRESET_TEXT" val="单击此处添加标题"/>
+  <p:tag name="KSO_WM_UNIT_NOCLEAR" val="0"/>
+  <p:tag name="KSO_WM_UNIT_SHOW_EDIT_AREA_INDICATION" val="1"/>
+  <p:tag name="KSO_WM_UNIT_VALUE" val="26"/>
+  <p:tag name="KSO_WM_UNIT_HIGHLIGHT" val="0"/>
+  <p:tag name="KSO_WM_UNIT_COMPATIBLE" val="0"/>
+  <p:tag name="KSO_WM_UNIT_DIAGRAM_ISNUMVISUAL" val="0"/>
+  <p:tag name="KSO_WM_UNIT_DIAGRAM_ISREFERUNIT" val="0"/>
+  <p:tag name="KSO_WM_UNIT_TYPE" val="a"/>
+  <p:tag name="KSO_WM_UNIT_INDEX" val="1"/>
+  <p:tag name="KSO_WM_UNIT_ID" val="custom20205176_13*a*1"/>
+  <p:tag name="KSO_WM_TEMPLATE_CATEGORY" val="custom"/>
+  <p:tag name="KSO_WM_TEMPLATE_INDEX" val="20205176"/>
+  <p:tag name="KSO_WM_UNIT_LAYERLEVEL" val="1"/>
+  <p:tag name="KSO_WM_TAG_VERSION" val="1.0"/>
+  <p:tag name="KSO_WM_BEAUTIFY_FLAG" val="#wm#"/>
+  <p:tag name="KSO_WM_UNIT_ISNUMDGMTITLE" val="0"/>
+</p:tagLst>
+</file>
+
+<file path=ppt/tags/tag299.xml><?xml version="1.0" encoding="utf-8"?>
+<p:tagLst xmlns:p="http://schemas.openxmlformats.org/presentationml/2006/main">
+  <p:tag name="KSO_WM_UNIT_ISCONTENTSTITLE" val="0"/>
+  <p:tag name="KSO_WM_UNIT_PRESET_TEXT" val="单击此处添加标题"/>
+  <p:tag name="KSO_WM_UNIT_NOCLEAR" val="0"/>
+  <p:tag name="KSO_WM_UNIT_SHOW_EDIT_AREA_INDICATION" val="1"/>
+  <p:tag name="KSO_WM_UNIT_VALUE" val="26"/>
+  <p:tag name="KSO_WM_UNIT_HIGHLIGHT" val="0"/>
+  <p:tag name="KSO_WM_UNIT_COMPATIBLE" val="0"/>
+  <p:tag name="KSO_WM_UNIT_DIAGRAM_ISNUMVISUAL" val="0"/>
+  <p:tag name="KSO_WM_UNIT_DIAGRAM_ISREFERUNIT" val="0"/>
+  <p:tag name="KSO_WM_UNIT_TYPE" val="a"/>
+  <p:tag name="KSO_WM_UNIT_INDEX" val="1"/>
+  <p:tag name="KSO_WM_UNIT_ID" val="custom20205176_13*a*1"/>
+  <p:tag name="KSO_WM_TEMPLATE_CATEGORY" val="custom"/>
+  <p:tag name="KSO_WM_TEMPLATE_INDEX" val="20205176"/>
+  <p:tag name="KSO_WM_UNIT_LAYERLEVEL" val="1"/>
+  <p:tag name="KSO_WM_TAG_VERSION" val="1.0"/>
+  <p:tag name="KSO_WM_BEAUTIFY_FLAG" val="#wm#"/>
+  <p:tag name="KSO_WM_UNIT_ISNUMDGMTITLE" val="0"/>
+</p:tagLst>
+</file>
+
+<file path=ppt/tags/tag3.xml><?xml version="1.0" encoding="utf-8"?>
+<p:tagLst xmlns:p="http://schemas.openxmlformats.org/presentationml/2006/main">
+  <p:tag name="KSO_WM_UNIT_HIGHLIGHT" val="0"/>
+  <p:tag name="KSO_WM_UNIT_COMPATIBLE" val="0"/>
+  <p:tag name="KSO_WM_UNIT_DIAGRAM_ISNUMVISUAL" val="0"/>
+  <p:tag name="KSO_WM_UNIT_DIAGRAM_ISREFERUNIT" val="0"/>
+  <p:tag name="KSO_WM_UNIT_ID" val="_1**"/>
+  <p:tag name="KSO_WM_UNIT_LAYERLEVEL" val="1"/>
+  <p:tag name="KSO_WM_TAG_VERSION" val="1.0"/>
+  <p:tag name="KSO_WM_BEAUTIFY_FLAG" val="#wm#"/>
+</p:tagLst>
+</file>
+
+<file path=ppt/tags/tag30.xml><?xml version="1.0" encoding="utf-8"?>
+<p:tagLst xmlns:p="http://schemas.openxmlformats.org/presentationml/2006/main">
+  <p:tag name="KSO_WM_UNIT_HIGHLIGHT" val="0"/>
+  <p:tag name="KSO_WM_UNIT_COMPATIBLE" val="0"/>
+  <p:tag name="KSO_WM_UNIT_DIAGRAM_ISNUMVISUAL" val="0"/>
+  <p:tag name="KSO_WM_UNIT_DIAGRAM_ISREFERUNIT" val="0"/>
+  <p:tag name="KSO_WM_UNIT_ID" val="_6**"/>
+  <p:tag name="KSO_WM_UNIT_LAYERLEVEL" val="1"/>
+  <p:tag name="KSO_WM_TAG_VERSION" val="1.0"/>
+  <p:tag name="KSO_WM_BEAUTIFY_FLAG" val="#wm#"/>
+</p:tagLst>
+</file>
+
+<file path=ppt/tags/tag300.xml><?xml version="1.0" encoding="utf-8"?>
+<p:tagLst xmlns:p="http://schemas.openxmlformats.org/presentationml/2006/main">
+  <p:tag name="KSO_WM_UNIT_ISCONTENTSTITLE" val="0"/>
+  <p:tag name="KSO_WM_UNIT_PRESET_TEXT" val="单击此处添加标题"/>
+  <p:tag name="KSO_WM_UNIT_NOCLEAR" val="0"/>
+  <p:tag name="KSO_WM_UNIT_SHOW_EDIT_AREA_INDICATION" val="1"/>
+  <p:tag name="KSO_WM_UNIT_VALUE" val="26"/>
+  <p:tag name="KSO_WM_UNIT_HIGHLIGHT" val="0"/>
+  <p:tag name="KSO_WM_UNIT_COMPATIBLE" val="0"/>
+  <p:tag name="KSO_WM_UNIT_DIAGRAM_ISNUMVISUAL" val="0"/>
+  <p:tag name="KSO_WM_UNIT_DIAGRAM_ISREFERUNIT" val="0"/>
+  <p:tag name="KSO_WM_UNIT_TYPE" val="a"/>
+  <p:tag name="KSO_WM_UNIT_INDEX" val="1"/>
+  <p:tag name="KSO_WM_UNIT_ID" val="custom20205176_13*a*1"/>
+  <p:tag name="KSO_WM_TEMPLATE_CATEGORY" val="custom"/>
+  <p:tag name="KSO_WM_TEMPLATE_INDEX" val="20205176"/>
+  <p:tag name="KSO_WM_UNIT_LAYERLEVEL" val="1"/>
+  <p:tag name="KSO_WM_TAG_VERSION" val="1.0"/>
+  <p:tag name="KSO_WM_BEAUTIFY_FLAG" val="#wm#"/>
+  <p:tag name="KSO_WM_UNIT_ISNUMDGMTITLE" val="0"/>
+</p:tagLst>
+</file>
+
+<file path=ppt/tags/tag301.xml><?xml version="1.0" encoding="utf-8"?>
+<p:tagLst xmlns:p="http://schemas.openxmlformats.org/presentationml/2006/main">
+  <p:tag name="KSO_WM_UNIT_ISCONTENTSTITLE" val="0"/>
+  <p:tag name="KSO_WM_UNIT_PRESET_TEXT" val="单击此处添加标题"/>
+  <p:tag name="KSO_WM_UNIT_NOCLEAR" val="0"/>
+  <p:tag name="KSO_WM_UNIT_SHOW_EDIT_AREA_INDICATION" val="1"/>
+  <p:tag name="KSO_WM_UNIT_VALUE" val="26"/>
+  <p:tag name="KSO_WM_UNIT_HIGHLIGHT" val="0"/>
+  <p:tag name="KSO_WM_UNIT_COMPATIBLE" val="0"/>
+  <p:tag name="KSO_WM_UNIT_DIAGRAM_ISNUMVISUAL" val="0"/>
+  <p:tag name="KSO_WM_UNIT_DIAGRAM_ISREFERUNIT" val="0"/>
+  <p:tag name="KSO_WM_UNIT_TYPE" val="a"/>
+  <p:tag name="KSO_WM_UNIT_INDEX" val="1"/>
+  <p:tag name="KSO_WM_UNIT_ID" val="custom20205176_13*a*1"/>
+  <p:tag name="KSO_WM_TEMPLATE_CATEGORY" val="custom"/>
+  <p:tag name="KSO_WM_TEMPLATE_INDEX" val="20205176"/>
+  <p:tag name="KSO_WM_UNIT_LAYERLEVEL" val="1"/>
+  <p:tag name="KSO_WM_TAG_VERSION" val="1.0"/>
+  <p:tag name="KSO_WM_BEAUTIFY_FLAG" val="#wm#"/>
+  <p:tag name="KSO_WM_UNIT_ISNUMDGMTITLE" val="0"/>
+</p:tagLst>
+</file>
+
+<file path=ppt/tags/tag302.xml><?xml version="1.0" encoding="utf-8"?>
+<p:tagLst xmlns:p="http://schemas.openxmlformats.org/presentationml/2006/main">
+  <p:tag name="KSO_WM_UNIT_ISCONTENTSTITLE" val="0"/>
+  <p:tag name="KSO_WM_UNIT_PRESET_TEXT" val="单击此处添加标题"/>
+  <p:tag name="KSO_WM_UNIT_NOCLEAR" val="0"/>
+  <p:tag name="KSO_WM_UNIT_SHOW_EDIT_AREA_INDICATION" val="1"/>
+  <p:tag name="KSO_WM_UNIT_VALUE" val="26"/>
+  <p:tag name="KSO_WM_UNIT_HIGHLIGHT" val="0"/>
+  <p:tag name="KSO_WM_UNIT_COMPATIBLE" val="0"/>
+  <p:tag name="KSO_WM_UNIT_DIAGRAM_ISNUMVISUAL" val="0"/>
+  <p:tag name="KSO_WM_UNIT_DIAGRAM_ISREFERUNIT" val="0"/>
+  <p:tag name="KSO_WM_UNIT_TYPE" val="a"/>
+  <p:tag name="KSO_WM_UNIT_INDEX" val="1"/>
+  <p:tag name="KSO_WM_UNIT_ID" val="custom20205176_13*a*1"/>
+  <p:tag name="KSO_WM_TEMPLATE_CATEGORY" val="custom"/>
+  <p:tag name="KSO_WM_TEMPLATE_INDEX" val="20205176"/>
+  <p:tag name="KSO_WM_UNIT_LAYERLEVEL" val="1"/>
+  <p:tag name="KSO_WM_TAG_VERSION" val="1.0"/>
+  <p:tag name="KSO_WM_BEAUTIFY_FLAG" val="#wm#"/>
+  <p:tag name="KSO_WM_UNIT_ISNUMDGMTITLE" val="0"/>
+</p:tagLst>
+</file>
+
+<file path=ppt/tags/tag303.xml><?xml version="1.0" encoding="utf-8"?>
+<p:tagLst xmlns:p="http://schemas.openxmlformats.org/presentationml/2006/main">
+  <p:tag name="KSO_WM_UNIT_ISCONTENTSTITLE" val="0"/>
+  <p:tag name="KSO_WM_UNIT_PRESET_TEXT" val="单击此处添加标题"/>
+  <p:tag name="KSO_WM_UNIT_NOCLEAR" val="0"/>
+  <p:tag name="KSO_WM_UNIT_SHOW_EDIT_AREA_INDICATION" val="1"/>
+  <p:tag name="KSO_WM_UNIT_VALUE" val="26"/>
+  <p:tag name="KSO_WM_UNIT_HIGHLIGHT" val="0"/>
+  <p:tag name="KSO_WM_UNIT_COMPATIBLE" val="0"/>
+  <p:tag name="KSO_WM_UNIT_DIAGRAM_ISNUMVISUAL" val="0"/>
+  <p:tag name="KSO_WM_UNIT_DIAGRAM_ISREFERUNIT" val="0"/>
+  <p:tag name="KSO_WM_UNIT_TYPE" val="a"/>
+  <p:tag name="KSO_WM_UNIT_INDEX" val="1"/>
+  <p:tag name="KSO_WM_UNIT_ID" val="custom20205176_13*a*1"/>
+  <p:tag name="KSO_WM_TEMPLATE_CATEGORY" val="custom"/>
+  <p:tag name="KSO_WM_TEMPLATE_INDEX" val="20205176"/>
+  <p:tag name="KSO_WM_UNIT_LAYERLEVEL" val="1"/>
+  <p:tag name="KSO_WM_TAG_VERSION" val="1.0"/>
+  <p:tag name="KSO_WM_BEAUTIFY_FLAG" val="#wm#"/>
+  <p:tag name="KSO_WM_UNIT_ISNUMDGMTITLE" val="0"/>
+</p:tagLst>
+</file>
+
+<file path=ppt/tags/tag304.xml><?xml version="1.0" encoding="utf-8"?>
+<p:tagLst xmlns:p="http://schemas.openxmlformats.org/presentationml/2006/main">
+  <p:tag name="KSO_WM_UNIT_ISCONTENTSTITLE" val="0"/>
+  <p:tag name="KSO_WM_UNIT_PRESET_TEXT" val="单击此处添加标题"/>
+  <p:tag name="KSO_WM_UNIT_NOCLEAR" val="0"/>
+  <p:tag name="KSO_WM_UNIT_SHOW_EDIT_AREA_INDICATION" val="1"/>
+  <p:tag name="KSO_WM_UNIT_VALUE" val="26"/>
+  <p:tag name="KSO_WM_UNIT_HIGHLIGHT" val="0"/>
+  <p:tag name="KSO_WM_UNIT_COMPATIBLE" val="0"/>
+  <p:tag name="KSO_WM_UNIT_DIAGRAM_ISNUMVISUAL" val="0"/>
+  <p:tag name="KSO_WM_UNIT_DIAGRAM_ISREFERUNIT" val="0"/>
+  <p:tag name="KSO_WM_UNIT_TYPE" val="a"/>
+  <p:tag name="KSO_WM_UNIT_INDEX" val="1"/>
+  <p:tag name="KSO_WM_UNIT_ID" val="custom20205176_13*a*1"/>
+  <p:tag name="KSO_WM_TEMPLATE_CATEGORY" val="custom"/>
+  <p:tag name="KSO_WM_TEMPLATE_INDEX" val="20205176"/>
+  <p:tag name="KSO_WM_UNIT_LAYERLEVEL" val="1"/>
+  <p:tag name="KSO_WM_TAG_VERSION" val="1.0"/>
+  <p:tag name="KSO_WM_BEAUTIFY_FLAG" val="#wm#"/>
+  <p:tag name="KSO_WM_UNIT_ISNUMDGMTITLE" val="0"/>
+</p:tagLst>
+</file>
+
+<file path=ppt/tags/tag305.xml><?xml version="1.0" encoding="utf-8"?>
+<p:tagLst xmlns:p="http://schemas.openxmlformats.org/presentationml/2006/main">
+  <p:tag name="KSO_WM_UNIT_ISCONTENTSTITLE" val="0"/>
+  <p:tag name="KSO_WM_UNIT_PRESET_TEXT" val="单击此处添加标题"/>
+  <p:tag name="KSO_WM_UNIT_NOCLEAR" val="0"/>
+  <p:tag name="KSO_WM_UNIT_SHOW_EDIT_AREA_INDICATION" val="1"/>
+  <p:tag name="KSO_WM_UNIT_VALUE" val="26"/>
+  <p:tag name="KSO_WM_UNIT_HIGHLIGHT" val="0"/>
+  <p:tag name="KSO_WM_UNIT_COMPATIBLE" val="0"/>
+  <p:tag name="KSO_WM_UNIT_DIAGRAM_ISNUMVISUAL" val="0"/>
+  <p:tag name="KSO_WM_UNIT_DIAGRAM_ISREFERUNIT" val="0"/>
+  <p:tag name="KSO_WM_UNIT_TYPE" val="a"/>
+  <p:tag name="KSO_WM_UNIT_INDEX" val="1"/>
+  <p:tag name="KSO_WM_UNIT_ID" val="custom20205176_13*a*1"/>
+  <p:tag name="KSO_WM_TEMPLATE_CATEGORY" val="custom"/>
+  <p:tag name="KSO_WM_TEMPLATE_INDEX" val="20205176"/>
+  <p:tag name="KSO_WM_UNIT_LAYERLEVEL" val="1"/>
+  <p:tag name="KSO_WM_TAG_VERSION" val="1.0"/>
+  <p:tag name="KSO_WM_BEAUTIFY_FLAG" val="#wm#"/>
+  <p:tag name="KSO_WM_UNIT_ISNUMDGMTITLE" val="0"/>
+</p:tagLst>
+</file>
+
+<file path=ppt/tags/tag306.xml><?xml version="1.0" encoding="utf-8"?>
+<p:tagLst xmlns:p="http://schemas.openxmlformats.org/presentationml/2006/main">
+  <p:tag name="KSO_WM_UNIT_ISCONTENTSTITLE" val="0"/>
+  <p:tag name="KSO_WM_UNIT_PRESET_TEXT" val="单击此处添加标题"/>
+  <p:tag name="KSO_WM_UNIT_NOCLEAR" val="0"/>
+  <p:tag name="KSO_WM_UNIT_SHOW_EDIT_AREA_INDICATION" val="1"/>
+  <p:tag name="KSO_WM_UNIT_VALUE" val="26"/>
+  <p:tag name="KSO_WM_UNIT_HIGHLIGHT" val="0"/>
+  <p:tag name="KSO_WM_UNIT_COMPATIBLE" val="0"/>
+  <p:tag name="KSO_WM_UNIT_DIAGRAM_ISNUMVISUAL" val="0"/>
+  <p:tag name="KSO_WM_UNIT_DIAGRAM_ISREFERUNIT" val="0"/>
+  <p:tag name="KSO_WM_UNIT_TYPE" val="a"/>
+  <p:tag name="KSO_WM_UNIT_INDEX" val="1"/>
+  <p:tag name="KSO_WM_UNIT_ID" val="custom20205176_13*a*1"/>
+  <p:tag name="KSO_WM_TEMPLATE_CATEGORY" val="custom"/>
+  <p:tag name="KSO_WM_TEMPLATE_INDEX" val="20205176"/>
+  <p:tag name="KSO_WM_UNIT_LAYERLEVEL" val="1"/>
+  <p:tag name="KSO_WM_TAG_VERSION" val="1.0"/>
+  <p:tag name="KSO_WM_BEAUTIFY_FLAG" val="#wm#"/>
+  <p:tag name="KSO_WM_UNIT_ISNUMDGMTITLE" val="0"/>
+</p:tagLst>
+</file>
+
+<file path=ppt/tags/tag307.xml><?xml version="1.0" encoding="utf-8"?>
+<p:tagLst xmlns:p="http://schemas.openxmlformats.org/presentationml/2006/main">
+  <p:tag name="KSO_WM_UNIT_ISCONTENTSTITLE" val="0"/>
+  <p:tag name="KSO_WM_UNIT_PRESET_TEXT" val="单击此处添加标题"/>
+  <p:tag name="KSO_WM_UNIT_NOCLEAR" val="0"/>
+  <p:tag name="KSO_WM_UNIT_SHOW_EDIT_AREA_INDICATION" val="1"/>
+  <p:tag name="KSO_WM_UNIT_VALUE" val="26"/>
+  <p:tag name="KSO_WM_UNIT_HIGHLIGHT" val="0"/>
+  <p:tag name="KSO_WM_UNIT_COMPATIBLE" val="0"/>
+  <p:tag name="KSO_WM_UNIT_DIAGRAM_ISNUMVISUAL" val="0"/>
+  <p:tag name="KSO_WM_UNIT_DIAGRAM_ISREFERUNIT" val="0"/>
+  <p:tag name="KSO_WM_UNIT_TYPE" val="a"/>
+  <p:tag name="KSO_WM_UNIT_INDEX" val="1"/>
+  <p:tag name="KSO_WM_UNIT_ID" val="custom20205176_13*a*1"/>
+  <p:tag name="KSO_WM_TEMPLATE_CATEGORY" val="custom"/>
+  <p:tag name="KSO_WM_TEMPLATE_INDEX" val="20205176"/>
+  <p:tag name="KSO_WM_UNIT_LAYERLEVEL" val="1"/>
+  <p:tag name="KSO_WM_TAG_VERSION" val="1.0"/>
+  <p:tag name="KSO_WM_BEAUTIFY_FLAG" val="#wm#"/>
+  <p:tag name="KSO_WM_UNIT_ISNUMDGMTITLE" val="0"/>
+</p:tagLst>
+</file>
+
+<file path=ppt/tags/tag308.xml><?xml version="1.0" encoding="utf-8"?>
+<p:tagLst xmlns:p="http://schemas.openxmlformats.org/presentationml/2006/main">
+  <p:tag name="KSO_WM_BEAUTIFY_FLAG" val="#wm#"/>
+  <p:tag name="KSO_WM_TEMPLATE_CATEGORY" val="custom"/>
+  <p:tag name="KSO_WM_TEMPLATE_INDEX" val="20205176"/>
+  <p:tag name="KSO_WM_SLIDE_ID" val="custom20205176_13"/>
+  <p:tag name="KSO_WM_TEMPLATE_SUBCATEGORY" val="19"/>
+  <p:tag name="KSO_WM_TEMPLATE_MASTER_TYPE" val="0"/>
+  <p:tag name="KSO_WM_TEMPLATE_COLOR_TYPE" val="1"/>
+  <p:tag name="KSO_WM_SLIDE_ITEM_CNT" val="0"/>
+  <p:tag name="KSO_WM_SLIDE_INDEX" val="13"/>
+  <p:tag name="KSO_WM_TAG_VERSION" val="1.0"/>
+  <p:tag name="KSO_WM_SLIDE_TYPE" val="text"/>
+  <p:tag name="KSO_WM_SLIDE_SUBTYPE" val="pureTxt"/>
+  <p:tag name="KSO_WM_SLIDE_SIZE" val="863*444"/>
+  <p:tag name="KSO_WM_SLIDE_POSITION" val="47*47"/>
+  <p:tag name="KSO_WM_SLIDE_LAYOUT" val="a_f"/>
+  <p:tag name="KSO_WM_SLIDE_LAYOUT_CNT" val="1_1"/>
+  <p:tag name="KSO_WM_UNIT_SHOW_EDIT_AREA_INDICATION" val="1"/>
+  <p:tag name="KSO_WM_SLIDE_BK_DARK_LIGHT" val="2"/>
+  <p:tag name="KSO_WM_SLIDE_BACKGROUND_TYPE" val="general"/>
+</p:tagLst>
+</file>
+
+<file path=ppt/tags/tag309.xml><?xml version="1.0" encoding="utf-8"?>
 <p:tagLst xmlns:p="http://schemas.openxmlformats.org/presentationml/2006/main">
   <p:tag name="KSO_WM_UNIT_ISCONTENTSTITLE" val="0"/>
   <p:tag name="KSO_WM_UNIT_ISNUMDGMTITLE" val="0"/>
@@ -24541,7 +27691,20 @@
 </p:tagLst>
 </file>
 
-<file path=ppt/tags/tag284.xml><?xml version="1.0" encoding="utf-8"?>
+<file path=ppt/tags/tag31.xml><?xml version="1.0" encoding="utf-8"?>
+<p:tagLst xmlns:p="http://schemas.openxmlformats.org/presentationml/2006/main">
+  <p:tag name="KSO_WM_UNIT_HIGHLIGHT" val="0"/>
+  <p:tag name="KSO_WM_UNIT_COMPATIBLE" val="0"/>
+  <p:tag name="KSO_WM_UNIT_DIAGRAM_ISNUMVISUAL" val="0"/>
+  <p:tag name="KSO_WM_UNIT_DIAGRAM_ISREFERUNIT" val="0"/>
+  <p:tag name="KSO_WM_UNIT_ID" val="_6**"/>
+  <p:tag name="KSO_WM_UNIT_LAYERLEVEL" val="1"/>
+  <p:tag name="KSO_WM_TAG_VERSION" val="1.0"/>
+  <p:tag name="KSO_WM_BEAUTIFY_FLAG" val="#wm#"/>
+</p:tagLst>
+</file>
+
+<file path=ppt/tags/tag310.xml><?xml version="1.0" encoding="utf-8"?>
 <p:tagLst xmlns:p="http://schemas.openxmlformats.org/presentationml/2006/main">
   <p:tag name="KSO_WM_SLIDE_ID" val="custom20202545_15"/>
   <p:tag name="KSO_WM_TEMPLATE_SUBCATEGORY" val="0"/>
@@ -24560,61 +27723,9 @@
 </p:tagLst>
 </file>
 
-<file path=ppt/tags/tag285.xml><?xml version="1.0" encoding="utf-8"?>
+<file path=ppt/tags/tag311.xml><?xml version="1.0" encoding="utf-8"?>
 <p:tagLst xmlns:p="http://schemas.openxmlformats.org/presentationml/2006/main">
   <p:tag name="COMMONDATA" val="eyJoZGlkIjoiNjJkNjE0YjhmZjBkYjdlYWE4ZGE4N2Y4ZTlmZjNlN2YifQ=="/>
-</p:tagLst>
-</file>
-
-<file path=ppt/tags/tag29.xml><?xml version="1.0" encoding="utf-8"?>
-<p:tagLst xmlns:p="http://schemas.openxmlformats.org/presentationml/2006/main">
-  <p:tag name="KSO_WM_UNIT_HIGHLIGHT" val="0"/>
-  <p:tag name="KSO_WM_UNIT_COMPATIBLE" val="0"/>
-  <p:tag name="KSO_WM_UNIT_DIAGRAM_ISNUMVISUAL" val="0"/>
-  <p:tag name="KSO_WM_UNIT_DIAGRAM_ISREFERUNIT" val="0"/>
-  <p:tag name="KSO_WM_UNIT_ID" val="_5**"/>
-  <p:tag name="KSO_WM_UNIT_LAYERLEVEL" val="1"/>
-  <p:tag name="KSO_WM_TAG_VERSION" val="1.0"/>
-  <p:tag name="KSO_WM_BEAUTIFY_FLAG" val="#wm#"/>
-</p:tagLst>
-</file>
-
-<file path=ppt/tags/tag3.xml><?xml version="1.0" encoding="utf-8"?>
-<p:tagLst xmlns:p="http://schemas.openxmlformats.org/presentationml/2006/main">
-  <p:tag name="KSO_WM_UNIT_HIGHLIGHT" val="0"/>
-  <p:tag name="KSO_WM_UNIT_COMPATIBLE" val="0"/>
-  <p:tag name="KSO_WM_UNIT_DIAGRAM_ISNUMVISUAL" val="0"/>
-  <p:tag name="KSO_WM_UNIT_DIAGRAM_ISREFERUNIT" val="0"/>
-  <p:tag name="KSO_WM_UNIT_ID" val="_1**"/>
-  <p:tag name="KSO_WM_UNIT_LAYERLEVEL" val="1"/>
-  <p:tag name="KSO_WM_TAG_VERSION" val="1.0"/>
-  <p:tag name="KSO_WM_BEAUTIFY_FLAG" val="#wm#"/>
-</p:tagLst>
-</file>
-
-<file path=ppt/tags/tag30.xml><?xml version="1.0" encoding="utf-8"?>
-<p:tagLst xmlns:p="http://schemas.openxmlformats.org/presentationml/2006/main">
-  <p:tag name="KSO_WM_UNIT_HIGHLIGHT" val="0"/>
-  <p:tag name="KSO_WM_UNIT_COMPATIBLE" val="0"/>
-  <p:tag name="KSO_WM_UNIT_DIAGRAM_ISNUMVISUAL" val="0"/>
-  <p:tag name="KSO_WM_UNIT_DIAGRAM_ISREFERUNIT" val="0"/>
-  <p:tag name="KSO_WM_UNIT_ID" val="_6**"/>
-  <p:tag name="KSO_WM_UNIT_LAYERLEVEL" val="1"/>
-  <p:tag name="KSO_WM_TAG_VERSION" val="1.0"/>
-  <p:tag name="KSO_WM_BEAUTIFY_FLAG" val="#wm#"/>
-</p:tagLst>
-</file>
-
-<file path=ppt/tags/tag31.xml><?xml version="1.0" encoding="utf-8"?>
-<p:tagLst xmlns:p="http://schemas.openxmlformats.org/presentationml/2006/main">
-  <p:tag name="KSO_WM_UNIT_HIGHLIGHT" val="0"/>
-  <p:tag name="KSO_WM_UNIT_COMPATIBLE" val="0"/>
-  <p:tag name="KSO_WM_UNIT_DIAGRAM_ISNUMVISUAL" val="0"/>
-  <p:tag name="KSO_WM_UNIT_DIAGRAM_ISREFERUNIT" val="0"/>
-  <p:tag name="KSO_WM_UNIT_ID" val="_6**"/>
-  <p:tag name="KSO_WM_UNIT_LAYERLEVEL" val="1"/>
-  <p:tag name="KSO_WM_TAG_VERSION" val="1.0"/>
-  <p:tag name="KSO_WM_BEAUTIFY_FLAG" val="#wm#"/>
 </p:tagLst>
 </file>
 

--- a/微前端的技术方案分析.pptx
+++ b/微前端的技术方案分析.pptx
@@ -8,22 +8,21 @@
   <p:sldIdLst>
     <p:sldId id="283" r:id="rId4"/>
     <p:sldId id="284" r:id="rId5"/>
-    <p:sldId id="285" r:id="rId6"/>
-    <p:sldId id="286" r:id="rId7"/>
-    <p:sldId id="287" r:id="rId8"/>
-    <p:sldId id="288" r:id="rId9"/>
-    <p:sldId id="289" r:id="rId10"/>
-    <p:sldId id="298" r:id="rId11"/>
-    <p:sldId id="292" r:id="rId12"/>
-    <p:sldId id="293" r:id="rId13"/>
-    <p:sldId id="294" r:id="rId14"/>
-    <p:sldId id="304" r:id="rId15"/>
-    <p:sldId id="303" r:id="rId16"/>
+    <p:sldId id="286" r:id="rId6"/>
+    <p:sldId id="287" r:id="rId7"/>
+    <p:sldId id="288" r:id="rId8"/>
+    <p:sldId id="289" r:id="rId9"/>
+    <p:sldId id="298" r:id="rId10"/>
+    <p:sldId id="292" r:id="rId11"/>
+    <p:sldId id="293" r:id="rId12"/>
+    <p:sldId id="294" r:id="rId13"/>
+    <p:sldId id="304" r:id="rId14"/>
+    <p:sldId id="303" r:id="rId15"/>
   </p:sldIdLst>
   <p:sldSz cx="12192000" cy="6858000"/>
   <p:notesSz cx="6858000" cy="9144000"/>
   <p:custDataLst>
-    <p:tags r:id="rId20"/>
+    <p:tags r:id="rId19"/>
   </p:custDataLst>
   <p:defaultTextStyle>
     <a:defPPr>
@@ -14991,518 +14990,6 @@
         </p:nvSpPr>
         <p:spPr>
           <a:xfrm>
-            <a:off x="608400" y="596970"/>
-            <a:ext cx="10969200" cy="705600"/>
-          </a:xfrm>
-        </p:spPr>
-        <p:txBody>
-          <a:bodyPr vert="horz" lIns="90000" tIns="46800" rIns="90000" bIns="46800" rtlCol="0" anchor="ctr" anchorCtr="0">
-            <a:normAutofit/>
-          </a:bodyPr>
-          <a:lstStyle>
-            <a:lvl1pPr marL="0" marR="0" algn="l" defTabSz="914400" rtl="0" eaLnBrk="1" fontAlgn="auto" latinLnBrk="0" hangingPunct="1">
-              <a:lnSpc>
-                <a:spcPct val="100000"/>
-              </a:lnSpc>
-              <a:spcBef>
-                <a:spcPct val="0"/>
-              </a:spcBef>
-              <a:buNone/>
-              <a:defRPr kumimoji="0" lang="zh-CN" altLang="en-US" sz="3600" b="1" i="0" u="none" strike="noStrike" kern="1200" cap="none" spc="300" normalizeH="0" baseline="0" noProof="1" dirty="0">
-                <a:solidFill>
-                  <a:schemeClr val="tx1">
-                    <a:lumMod val="85000"/>
-                    <a:lumOff val="15000"/>
-                  </a:schemeClr>
-                </a:solidFill>
-                <a:uFillTx/>
-                <a:latin typeface="Arial" panose="020B0604020202020204" pitchFamily="34" charset="0"/>
-                <a:ea typeface="微软雅黑" panose="020B0503020204020204" charset="-122"/>
-                <a:cs typeface="+mj-cs"/>
-                <a:sym typeface="+mn-ea"/>
-              </a:defRPr>
-            </a:lvl1pPr>
-          </a:lstStyle>
-          <a:p>
-            <a:pPr lvl="0" algn="l">
-              <a:buClrTx/>
-              <a:buSzTx/>
-              <a:buFontTx/>
-            </a:pPr>
-            <a:r>
-              <a:rPr>
-                <a:solidFill>
-                  <a:schemeClr val="accent1"/>
-                </a:solidFill>
-                <a:latin typeface="汉仪旗黑-85S" charset="0"/>
-                <a:cs typeface="汉仪旗黑-85S" charset="0"/>
-                <a:sym typeface="+mn-ea"/>
-              </a:rPr>
-              <a:t>garfish</a:t>
-            </a:r>
-            <a:r>
-              <a:rPr lang="en-US" altLang="zh-CN">
-                <a:solidFill>
-                  <a:schemeClr val="accent1"/>
-                </a:solidFill>
-                <a:latin typeface="汉仪旗黑-85S" charset="0"/>
-                <a:cs typeface="汉仪旗黑-85S" charset="0"/>
-                <a:sym typeface="+mn-ea"/>
-              </a:rPr>
-              <a:t>  </a:t>
-            </a:r>
-            <a:r>
-              <a:rPr lang="en-US" altLang="zh-CN" sz="1780">
-                <a:solidFill>
-                  <a:schemeClr val="accent1"/>
-                </a:solidFill>
-                <a:latin typeface="汉仪旗黑-85S" charset="0"/>
-                <a:cs typeface="汉仪旗黑-85S" charset="0"/>
-                <a:sym typeface="+mn-ea"/>
-                <a:hlinkClick r:id="rId5" action="ppaction://hlinkfile"/>
-              </a:rPr>
-              <a:t>https://www.garfishjs.org/guide/</a:t>
-            </a:r>
-            <a:endParaRPr lang="en-US" altLang="zh-CN" sz="1780">
-              <a:solidFill>
-                <a:schemeClr val="accent1"/>
-              </a:solidFill>
-              <a:latin typeface="汉仪旗黑-85S" charset="0"/>
-              <a:cs typeface="汉仪旗黑-85S" charset="0"/>
-              <a:sym typeface="+mn-ea"/>
-            </a:endParaRPr>
-          </a:p>
-        </p:txBody>
-      </p:sp>
-      <p:sp>
-        <p:nvSpPr>
-          <p:cNvPr id="2" name="文本框 1"/>
-          <p:cNvSpPr txBox="1"/>
-          <p:nvPr/>
-        </p:nvSpPr>
-        <p:spPr>
-          <a:xfrm>
-            <a:off x="686435" y="1458595"/>
-            <a:ext cx="10513060" cy="4916805"/>
-          </a:xfrm>
-          <a:prstGeom prst="rect">
-            <a:avLst/>
-          </a:prstGeom>
-          <a:noFill/>
-        </p:spPr>
-        <p:txBody>
-          <a:bodyPr wrap="square" rtlCol="0">
-            <a:noAutofit/>
-          </a:bodyPr>
-          <a:p>
-            <a:r>
-              <a:rPr lang="zh-CN" altLang="en-US">
-                <a:sym typeface="+mn-ea"/>
-              </a:rPr>
-              <a:t>沙箱：默认情况下使用 VM 沙箱（VM 沙箱支持多实例），不使用快照沙箱。原理同上，但细节场景覆盖得更齐全。VMSandbox - 复制 window, document 等对象，使用 Object.defineProperty 冰冻 native window &amp; document，使用 proxy 拦截并收集。</a:t>
-            </a:r>
-            <a:endParaRPr lang="zh-CN" altLang="en-US">
-              <a:sym typeface="+mn-ea"/>
-            </a:endParaRPr>
-          </a:p>
-          <a:p>
-            <a:br>
-              <a:rPr lang="zh-CN" altLang="en-US">
-                <a:sym typeface="+mn-ea"/>
-              </a:rPr>
-            </a:br>
-            <a:r>
-              <a:rPr lang="zh-CN" altLang="en-US">
-                <a:sym typeface="+mn-ea"/>
-              </a:rPr>
-              <a:t>路由：</a:t>
-            </a:r>
-            <a:r>
-              <a:rPr lang="zh-CN" altLang="en-US">
-                <a:sym typeface="+mn-ea"/>
-              </a:rPr>
-              <a:t>基于EventEmitter2拦截和重写路由，为不同子应用提供不同的 basename 用于隔离应用间的路由抢占问题，路由发生变化时能准确激活并触发应用视图更新</a:t>
-            </a:r>
-            <a:endParaRPr lang="zh-CN" altLang="en-US">
-              <a:sym typeface="+mn-ea"/>
-            </a:endParaRPr>
-          </a:p>
-          <a:p>
-            <a:endParaRPr lang="zh-CN" altLang="en-US"/>
-          </a:p>
-          <a:p>
-            <a:r>
-              <a:rPr lang="zh-CN" altLang="en-US">
-                <a:sym typeface="+mn-ea"/>
-              </a:rPr>
-              <a:t>通信：</a:t>
-            </a:r>
-            <a:r>
-              <a:rPr lang="zh-CN" altLang="en-US">
-                <a:sym typeface="+mn-ea"/>
-              </a:rPr>
-              <a:t>Store 提供了一套简单的通信数据交换机制</a:t>
-            </a:r>
-            <a:endParaRPr lang="zh-CN" altLang="en-US">
-              <a:sym typeface="+mn-ea"/>
-            </a:endParaRPr>
-          </a:p>
-          <a:p>
-            <a:endParaRPr lang="zh-CN" altLang="en-US"/>
-          </a:p>
-          <a:p>
-            <a:r>
-              <a:rPr lang="zh-CN" altLang="en-US"/>
-              <a:t>特性：</a:t>
-            </a:r>
-            <a:endParaRPr lang="zh-CN" altLang="en-US"/>
-          </a:p>
-          <a:p>
-            <a:pPr marL="742950" lvl="1" indent="-285750">
-              <a:buFont typeface="Arial" panose="020B0604020202020204" pitchFamily="34" charset="0"/>
-              <a:buChar char="•"/>
-            </a:pPr>
-            <a:r>
-              <a:rPr lang="zh-CN" altLang="en-US"/>
-              <a:t>预加载能力，自动记录用户应用加载习惯增加加载权重，应用切换时间极大缩短</a:t>
-            </a:r>
-            <a:endParaRPr lang="zh-CN" altLang="en-US"/>
-          </a:p>
-          <a:p>
-            <a:pPr marL="742950" lvl="1" indent="-285750">
-              <a:buFont typeface="Arial" panose="020B0604020202020204" pitchFamily="34" charset="0"/>
-              <a:buChar char="•"/>
-            </a:pPr>
-            <a:r>
-              <a:rPr lang="zh-CN" altLang="en-US"/>
-              <a:t>支持依赖共享，减少依赖的重复加载</a:t>
-            </a:r>
-            <a:endParaRPr lang="zh-CN" altLang="en-US"/>
-          </a:p>
-          <a:p>
-            <a:pPr marL="742950" lvl="1" indent="-285750">
-              <a:buFont typeface="Arial" panose="020B0604020202020204" pitchFamily="34" charset="0"/>
-              <a:buChar char="•"/>
-            </a:pPr>
-            <a:r>
-              <a:rPr lang="zh-CN" altLang="en-US"/>
-              <a:t>支持多实例能力，可在页面中同时运行多个子应用</a:t>
-            </a:r>
-            <a:endParaRPr lang="zh-CN" altLang="en-US"/>
-          </a:p>
-          <a:p>
-            <a:pPr marL="742950" lvl="1" indent="-285750">
-              <a:buFont typeface="Arial" panose="020B0604020202020204" pitchFamily="34" charset="0"/>
-              <a:buChar char="•"/>
-            </a:pPr>
-            <a:r>
-              <a:rPr lang="zh-CN" altLang="en-US"/>
-              <a:t>通过 Loader 核心模块支持 HTML entry、JS entry 的支持</a:t>
-            </a:r>
-            <a:endParaRPr lang="zh-CN" altLang="en-US"/>
-          </a:p>
-          <a:p>
-            <a:pPr marL="742950" lvl="1" indent="-285750">
-              <a:buFont typeface="Arial" panose="020B0604020202020204" pitchFamily="34" charset="0"/>
-              <a:buChar char="•"/>
-            </a:pPr>
-            <a:r>
-              <a:rPr lang="zh-CN" altLang="en-US">
-                <a:sym typeface="+mn-ea"/>
-              </a:rPr>
-              <a:t>支持插件，</a:t>
-            </a:r>
-            <a:r>
-              <a:rPr lang="en-US" altLang="zh-CN">
-                <a:sym typeface="+mn-ea"/>
-              </a:rPr>
-              <a:t> </a:t>
-            </a:r>
-            <a:r>
-              <a:rPr lang="zh-CN" altLang="en-US">
-                <a:sym typeface="+mn-ea"/>
-              </a:rPr>
-              <a:t>不支持vite3</a:t>
-            </a:r>
-            <a:endParaRPr lang="zh-CN" altLang="en-US">
-              <a:sym typeface="+mn-ea"/>
-            </a:endParaRPr>
-          </a:p>
-          <a:p>
-            <a:pPr marL="742950" lvl="1" indent="-285750">
-              <a:buFont typeface="Arial" panose="020B0604020202020204" pitchFamily="34" charset="0"/>
-              <a:buChar char="•"/>
-            </a:pPr>
-            <a:endParaRPr lang="zh-CN" altLang="en-US"/>
-          </a:p>
-          <a:p>
-            <a:pPr indent="0">
-              <a:buFont typeface="Arial" panose="020B0604020202020204" pitchFamily="34" charset="0"/>
-              <a:buNone/>
-            </a:pPr>
-            <a:r>
-              <a:rPr lang="zh-CN" altLang="en-US">
-                <a:sym typeface="+mn-ea"/>
-              </a:rPr>
-              <a:t>接入成本：子应用需要接入生命周期代码；主应用需要接入注册微应用代码并设置</a:t>
-            </a:r>
-            <a:r>
-              <a:rPr lang="en-US" altLang="zh-CN">
-                <a:sym typeface="+mn-ea"/>
-              </a:rPr>
-              <a:t>garfish</a:t>
-            </a:r>
-            <a:r>
-              <a:rPr lang="zh-CN" altLang="en-US">
-                <a:sym typeface="+mn-ea"/>
-              </a:rPr>
-              <a:t>路由；</a:t>
-            </a:r>
-            <a:endParaRPr lang="zh-CN" altLang="en-US"/>
-          </a:p>
-          <a:p>
-            <a:pPr indent="0">
-              <a:buFont typeface="Arial" panose="020B0604020202020204" pitchFamily="34" charset="0"/>
-              <a:buNone/>
-            </a:pPr>
-            <a:endParaRPr lang="zh-CN" altLang="en-US"/>
-          </a:p>
-          <a:p>
-            <a:endParaRPr lang="zh-CN" altLang="en-US"/>
-          </a:p>
-        </p:txBody>
-      </p:sp>
-    </p:spTree>
-    <p:custDataLst>
-      <p:tags r:id="rId6"/>
-    </p:custDataLst>
-  </p:cSld>
-  <p:clrMapOvr>
-    <a:masterClrMapping/>
-  </p:clrMapOvr>
-</p:sld>
-</file>
-
-<file path=ppt/slides/slide11.xml><?xml version="1.0" encoding="utf-8"?>
-<p:sld xmlns:a="http://schemas.openxmlformats.org/drawingml/2006/main" xmlns:r="http://schemas.openxmlformats.org/officeDocument/2006/relationships" xmlns:p="http://schemas.openxmlformats.org/presentationml/2006/main">
-  <p:cSld>
-    <p:bg>
-      <p:bgPr>
-        <a:solidFill>
-          <a:schemeClr val="bg2"/>
-        </a:solidFill>
-        <a:effectLst/>
-      </p:bgPr>
-    </p:bg>
-    <p:spTree>
-      <p:nvGrpSpPr>
-        <p:cNvPr id="1" name=""/>
-        <p:cNvGrpSpPr/>
-        <p:nvPr/>
-      </p:nvGrpSpPr>
-      <p:grpSpPr>
-        <a:xfrm>
-          <a:off x="0" y="0"/>
-          <a:ext cx="0" cy="0"/>
-          <a:chOff x="0" y="0"/>
-          <a:chExt cx="0" cy="0"/>
-        </a:xfrm>
-      </p:grpSpPr>
-      <p:grpSp>
-        <p:nvGrpSpPr>
-          <p:cNvPr id="8" name="组合 7"/>
-          <p:cNvGrpSpPr/>
-          <p:nvPr userDrawn="1">
-            <p:custDataLst>
-              <p:tags r:id="rId1"/>
-            </p:custDataLst>
-          </p:nvPr>
-        </p:nvGrpSpPr>
-        <p:grpSpPr>
-          <a:xfrm>
-            <a:off x="4001597" y="6045200"/>
-            <a:ext cx="8190403" cy="812800"/>
-            <a:chOff x="4001597" y="5613400"/>
-            <a:chExt cx="8190403" cy="1244600"/>
-          </a:xfrm>
-        </p:grpSpPr>
-        <p:sp>
-          <p:nvSpPr>
-            <p:cNvPr id="9" name="任意多边形: 形状 8"/>
-            <p:cNvSpPr/>
-            <p:nvPr>
-              <p:custDataLst>
-                <p:tags r:id="rId2"/>
-              </p:custDataLst>
-            </p:nvPr>
-          </p:nvSpPr>
-          <p:spPr>
-            <a:xfrm>
-              <a:off x="4001597" y="5613400"/>
-              <a:ext cx="8190402" cy="1244600"/>
-            </a:xfrm>
-            <a:custGeom>
-              <a:avLst/>
-              <a:gdLst>
-                <a:gd name="connsiteX0" fmla="*/ 8190402 w 8190402"/>
-                <a:gd name="connsiteY0" fmla="*/ 0 h 1244600"/>
-                <a:gd name="connsiteX1" fmla="*/ 8190402 w 8190402"/>
-                <a:gd name="connsiteY1" fmla="*/ 1155849 h 1244600"/>
-                <a:gd name="connsiteX2" fmla="*/ 4203232 w 8190402"/>
-                <a:gd name="connsiteY2" fmla="*/ 1244600 h 1244600"/>
-                <a:gd name="connsiteX3" fmla="*/ 0 w 8190402"/>
-                <a:gd name="connsiteY3" fmla="*/ 1244600 h 1244600"/>
-              </a:gdLst>
-              <a:ahLst/>
-              <a:cxnLst>
-                <a:cxn ang="0">
-                  <a:pos x="connsiteX0" y="connsiteY0"/>
-                </a:cxn>
-                <a:cxn ang="0">
-                  <a:pos x="connsiteX1" y="connsiteY1"/>
-                </a:cxn>
-                <a:cxn ang="0">
-                  <a:pos x="connsiteX2" y="connsiteY2"/>
-                </a:cxn>
-                <a:cxn ang="0">
-                  <a:pos x="connsiteX3" y="connsiteY3"/>
-                </a:cxn>
-              </a:cxnLst>
-              <a:rect l="l" t="t" r="r" b="b"/>
-              <a:pathLst>
-                <a:path w="8190402" h="1244600">
-                  <a:moveTo>
-                    <a:pt x="8190402" y="0"/>
-                  </a:moveTo>
-                  <a:lnTo>
-                    <a:pt x="8190402" y="1155849"/>
-                  </a:lnTo>
-                  <a:lnTo>
-                    <a:pt x="4203232" y="1244600"/>
-                  </a:lnTo>
-                  <a:lnTo>
-                    <a:pt x="0" y="1244600"/>
-                  </a:lnTo>
-                  <a:close/>
-                </a:path>
-              </a:pathLst>
-            </a:custGeom>
-            <a:solidFill>
-              <a:schemeClr val="accent1">
-                <a:lumMod val="40000"/>
-                <a:lumOff val="60000"/>
-              </a:schemeClr>
-            </a:solidFill>
-            <a:ln>
-              <a:noFill/>
-            </a:ln>
-          </p:spPr>
-          <p:style>
-            <a:lnRef idx="2">
-              <a:schemeClr val="accent1">
-                <a:shade val="50000"/>
-              </a:schemeClr>
-            </a:lnRef>
-            <a:fillRef idx="1">
-              <a:schemeClr val="accent1"/>
-            </a:fillRef>
-            <a:effectRef idx="0">
-              <a:schemeClr val="accent1"/>
-            </a:effectRef>
-            <a:fontRef idx="minor">
-              <a:schemeClr val="lt1"/>
-            </a:fontRef>
-          </p:style>
-          <p:txBody>
-            <a:bodyPr rtlCol="0" anchor="ctr"/>
-            <a:p>
-              <a:pPr algn="ctr"/>
-              <a:endParaRPr lang="zh-CN" altLang="en-US">
-                <a:solidFill>
-                  <a:schemeClr val="lt1"/>
-                </a:solidFill>
-                <a:latin typeface="微软雅黑" panose="020B0503020204020204" charset="-122"/>
-                <a:ea typeface="微软雅黑" panose="020B0503020204020204" charset="-122"/>
-              </a:endParaRPr>
-            </a:p>
-          </p:txBody>
-        </p:sp>
-        <p:sp>
-          <p:nvSpPr>
-            <p:cNvPr id="10" name="等腰三角形 9"/>
-            <p:cNvSpPr/>
-            <p:nvPr>
-              <p:custDataLst>
-                <p:tags r:id="rId3"/>
-              </p:custDataLst>
-            </p:nvPr>
-          </p:nvSpPr>
-          <p:spPr>
-            <a:xfrm>
-              <a:off x="5816600" y="5949254"/>
-              <a:ext cx="6375400" cy="908746"/>
-            </a:xfrm>
-            <a:prstGeom prst="triangle">
-              <a:avLst>
-                <a:gd name="adj" fmla="val 100000"/>
-              </a:avLst>
-            </a:prstGeom>
-            <a:solidFill>
-              <a:schemeClr val="accent1">
-                <a:lumMod val="60000"/>
-                <a:lumOff val="40000"/>
-              </a:schemeClr>
-            </a:solidFill>
-            <a:ln>
-              <a:noFill/>
-            </a:ln>
-          </p:spPr>
-          <p:style>
-            <a:lnRef idx="2">
-              <a:schemeClr val="accent1">
-                <a:shade val="50000"/>
-              </a:schemeClr>
-            </a:lnRef>
-            <a:fillRef idx="1">
-              <a:schemeClr val="accent1"/>
-            </a:fillRef>
-            <a:effectRef idx="0">
-              <a:schemeClr val="accent1"/>
-            </a:effectRef>
-            <a:fontRef idx="minor">
-              <a:schemeClr val="lt1"/>
-            </a:fontRef>
-          </p:style>
-          <p:txBody>
-            <a:bodyPr rtlCol="0" anchor="ctr"/>
-            <a:p>
-              <a:pPr algn="ctr"/>
-              <a:endParaRPr lang="zh-CN" altLang="en-US">
-                <a:solidFill>
-                  <a:schemeClr val="lt1"/>
-                </a:solidFill>
-                <a:latin typeface="微软雅黑" panose="020B0503020204020204" charset="-122"/>
-                <a:ea typeface="微软雅黑" panose="020B0503020204020204" charset="-122"/>
-              </a:endParaRPr>
-            </a:p>
-          </p:txBody>
-        </p:sp>
-      </p:grpSp>
-      <p:sp>
-        <p:nvSpPr>
-          <p:cNvPr id="3" name="标题 2"/>
-          <p:cNvSpPr>
-            <a:spLocks noGrp="1"/>
-          </p:cNvSpPr>
-          <p:nvPr>
-            <p:ph type="title" idx="4294967295"/>
-            <p:custDataLst>
-              <p:tags r:id="rId4"/>
-            </p:custDataLst>
-          </p:nvPr>
-        </p:nvSpPr>
-        <p:spPr>
-          <a:xfrm>
             <a:off x="608400" y="608400"/>
             <a:ext cx="10969200" cy="705600"/>
           </a:xfrm>
@@ -15849,7 +15336,7 @@
 </p:sld>
 </file>
 
-<file path=ppt/slides/slide12.xml><?xml version="1.0" encoding="utf-8"?>
+<file path=ppt/slides/slide11.xml><?xml version="1.0" encoding="utf-8"?>
 <p:sld xmlns:a="http://schemas.openxmlformats.org/drawingml/2006/main" xmlns:r="http://schemas.openxmlformats.org/officeDocument/2006/relationships" xmlns:p="http://schemas.openxmlformats.org/presentationml/2006/main">
   <p:cSld>
     <p:bg>
@@ -17140,7 +16627,7 @@
         </p:spPr>
         <p:txBody>
           <a:bodyPr vert="horz" lIns="90000" tIns="46800" rIns="90000" bIns="46800" rtlCol="0" anchor="ctr" anchorCtr="0">
-            <a:normAutofit/>
+            <a:normAutofit fontScale="90000" lnSpcReduction="10000"/>
           </a:bodyPr>
           <a:lstStyle>
             <a:lvl1pPr marL="0" marR="0" algn="l" defTabSz="914400" rtl="0" eaLnBrk="1" fontAlgn="auto" latinLnBrk="0" hangingPunct="1">
@@ -17172,13 +16659,38 @@
             </a:pPr>
             <a:r>
               <a:rPr lang="en-US" altLang="zh-CN" sz="1600" b="0">
+                <a:solidFill>
+                  <a:schemeClr val="tx1"/>
+                </a:solidFill>
                 <a:sym typeface="+mn-ea"/>
               </a:rPr>
               <a:t>vm sandBox</a:t>
             </a:r>
-            <a:endParaRPr sz="1600" b="0">
+            <a:endParaRPr lang="en-US" altLang="zh-CN" sz="1600" b="0">
               <a:solidFill>
-                <a:schemeClr val="accent1"/>
+                <a:schemeClr val="tx1"/>
+              </a:solidFill>
+              <a:sym typeface="+mn-ea"/>
+            </a:endParaRPr>
+          </a:p>
+          <a:p>
+            <a:pPr algn="ctr" fontAlgn="auto">
+              <a:buNone/>
+            </a:pPr>
+            <a:r>
+              <a:rPr lang="en-US" altLang="zh-CN" sz="1600" b="0">
+                <a:solidFill>
+                  <a:schemeClr val="tx1"/>
+                </a:solidFill>
+                <a:latin typeface="汉仪旗黑-85S" charset="0"/>
+                <a:cs typeface="汉仪旗黑-85S" charset="0"/>
+                <a:sym typeface="+mn-ea"/>
+              </a:rPr>
+              <a:t>webcomp</a:t>
+            </a:r>
+            <a:endParaRPr lang="en-US" altLang="zh-CN" sz="1600" b="0">
+              <a:solidFill>
+                <a:schemeClr val="tx1"/>
               </a:solidFill>
               <a:latin typeface="汉仪旗黑-85S" charset="0"/>
               <a:cs typeface="汉仪旗黑-85S" charset="0"/>
@@ -18274,7 +17786,7 @@
 </p:sld>
 </file>
 
-<file path=ppt/slides/slide13.xml><?xml version="1.0" encoding="utf-8"?>
+<file path=ppt/slides/slide12.xml><?xml version="1.0" encoding="utf-8"?>
 <p:sld xmlns:a="http://schemas.openxmlformats.org/drawingml/2006/main" xmlns:r="http://schemas.openxmlformats.org/officeDocument/2006/relationships" xmlns:p="http://schemas.openxmlformats.org/presentationml/2006/main">
   <p:cSld>
     <p:spTree>
@@ -19361,18 +18873,7 @@
                 <a:ea typeface="汉仪旗黑-85S" charset="0"/>
                 <a:sym typeface="+mn-ea"/>
               </a:rPr>
-              <a:t>微前端的</a:t>
-            </a:r>
-            <a:r>
-              <a:rPr>
-                <a:solidFill>
-                  <a:schemeClr val="accent1"/>
-                </a:solidFill>
-                <a:latin typeface="汉仪旗黑-85S" charset="0"/>
-                <a:ea typeface="汉仪旗黑-85S" charset="0"/>
-                <a:sym typeface="+mn-ea"/>
-              </a:rPr>
-              <a:t>优势</a:t>
+              <a:t>微前端的缺点</a:t>
             </a:r>
             <a:endParaRPr>
               <a:solidFill>
@@ -19405,342 +18906,222 @@
           </a:xfrm>
         </p:spPr>
         <p:txBody>
-          <a:bodyPr vert="horz" lIns="90000" tIns="46800" rIns="90000" bIns="46800" rtlCol="0">
-            <a:normAutofit/>
-          </a:bodyPr>
-          <a:lstStyle>
-            <a:lvl1pPr marL="228600" marR="0" lvl="0" indent="-228600" algn="l" defTabSz="914400" rtl="0" eaLnBrk="1" fontAlgn="auto" latinLnBrk="0" hangingPunct="1">
-              <a:lnSpc>
-                <a:spcPct val="130000"/>
-              </a:lnSpc>
-              <a:spcBef>
-                <a:spcPts val="0"/>
-              </a:spcBef>
-              <a:spcAft>
-                <a:spcPts val="1000"/>
-              </a:spcAft>
-              <a:buFont typeface="Arial" panose="020B0604020202020204" pitchFamily="34" charset="0"/>
-              <a:buChar char="●"/>
-              <a:defRPr kumimoji="0" lang="zh-CN" altLang="en-US" sz="1800" b="0" i="0" u="none" strike="noStrike" kern="1200" cap="none" spc="150" normalizeH="0" baseline="0" noProof="1" dirty="0">
-                <a:solidFill>
-                  <a:schemeClr val="tx1">
-                    <a:lumMod val="65000"/>
-                    <a:lumOff val="35000"/>
-                  </a:schemeClr>
-                </a:solidFill>
-                <a:uFillTx/>
-                <a:latin typeface="Arial" panose="020B0604020202020204" pitchFamily="34" charset="0"/>
-                <a:ea typeface="微软雅黑" panose="020B0503020204020204" charset="-122"/>
-                <a:cs typeface="+mn-cs"/>
-                <a:sym typeface="+mn-ea"/>
-              </a:defRPr>
-            </a:lvl1pPr>
-            <a:lvl2pPr marL="685800" marR="0" lvl="1" indent="-228600" algn="l" defTabSz="914400" rtl="0" eaLnBrk="1" fontAlgn="auto" latinLnBrk="0" hangingPunct="1">
-              <a:lnSpc>
-                <a:spcPct val="120000"/>
-              </a:lnSpc>
-              <a:spcBef>
-                <a:spcPts val="0"/>
-              </a:spcBef>
-              <a:spcAft>
-                <a:spcPts val="600"/>
-              </a:spcAft>
-              <a:buFont typeface="Arial" panose="020B0604020202020204" pitchFamily="34" charset="0"/>
-              <a:buChar char="●"/>
-              <a:tabLst>
-                <a:tab pos="1609725" algn="l"/>
-              </a:tabLst>
-              <a:defRPr kumimoji="0" lang="zh-CN" altLang="en-US" sz="1600" b="0" i="0" u="none" strike="noStrike" kern="1200" cap="none" spc="150" normalizeH="0" baseline="0" noProof="1" dirty="0">
-                <a:solidFill>
-                  <a:schemeClr val="tx1">
-                    <a:lumMod val="65000"/>
-                    <a:lumOff val="35000"/>
-                  </a:schemeClr>
-                </a:solidFill>
-                <a:uFillTx/>
-                <a:latin typeface="Arial" panose="020B0604020202020204" pitchFamily="34" charset="0"/>
-                <a:ea typeface="微软雅黑" panose="020B0503020204020204" charset="-122"/>
-                <a:cs typeface="+mn-cs"/>
-                <a:sym typeface="+mn-ea"/>
-              </a:defRPr>
-            </a:lvl2pPr>
-            <a:lvl3pPr marL="1143000" marR="0" lvl="2" indent="-228600" algn="l" defTabSz="914400" rtl="0" eaLnBrk="1" fontAlgn="auto" latinLnBrk="0" hangingPunct="1">
-              <a:lnSpc>
-                <a:spcPct val="120000"/>
-              </a:lnSpc>
-              <a:spcBef>
-                <a:spcPts val="0"/>
-              </a:spcBef>
-              <a:spcAft>
-                <a:spcPts val="600"/>
-              </a:spcAft>
-              <a:buFont typeface="Arial" panose="020B0604020202020204" pitchFamily="34" charset="0"/>
-              <a:buChar char="●"/>
-              <a:defRPr kumimoji="0" lang="zh-CN" altLang="en-US" sz="1600" b="0" i="0" u="none" strike="noStrike" kern="1200" cap="none" spc="150" normalizeH="0" baseline="0" noProof="1" dirty="0">
-                <a:solidFill>
-                  <a:schemeClr val="tx1">
-                    <a:lumMod val="65000"/>
-                    <a:lumOff val="35000"/>
-                  </a:schemeClr>
-                </a:solidFill>
-                <a:uFillTx/>
-                <a:latin typeface="Arial" panose="020B0604020202020204" pitchFamily="34" charset="0"/>
-                <a:ea typeface="微软雅黑" panose="020B0503020204020204" charset="-122"/>
-                <a:cs typeface="+mn-cs"/>
-                <a:sym typeface="+mn-ea"/>
-              </a:defRPr>
-            </a:lvl3pPr>
-            <a:lvl4pPr marL="1600200" marR="0" lvl="3" indent="-228600" algn="l" defTabSz="914400" rtl="0" eaLnBrk="1" fontAlgn="auto" latinLnBrk="0" hangingPunct="1">
-              <a:lnSpc>
-                <a:spcPct val="120000"/>
-              </a:lnSpc>
-              <a:spcBef>
-                <a:spcPts val="0"/>
-              </a:spcBef>
-              <a:spcAft>
-                <a:spcPts val="300"/>
-              </a:spcAft>
-              <a:buFont typeface="Wingdings" panose="05000000000000000000" charset="0"/>
-              <a:buChar char=""/>
-              <a:defRPr kumimoji="0" lang="zh-CN" altLang="en-US" sz="1400" b="0" i="0" u="none" strike="noStrike" kern="1200" cap="none" spc="150" normalizeH="0" baseline="0" noProof="1" dirty="0">
-                <a:solidFill>
-                  <a:schemeClr val="tx1">
-                    <a:lumMod val="65000"/>
-                    <a:lumOff val="35000"/>
-                  </a:schemeClr>
-                </a:solidFill>
-                <a:uFillTx/>
-                <a:latin typeface="Arial" panose="020B0604020202020204" pitchFamily="34" charset="0"/>
-                <a:ea typeface="微软雅黑" panose="020B0503020204020204" charset="-122"/>
-                <a:cs typeface="+mn-cs"/>
-                <a:sym typeface="+mn-ea"/>
-              </a:defRPr>
-            </a:lvl4pPr>
-            <a:lvl5pPr marL="2057400" marR="0" lvl="4" indent="-228600" algn="l" defTabSz="914400" rtl="0" eaLnBrk="1" fontAlgn="auto" latinLnBrk="0" hangingPunct="1">
-              <a:lnSpc>
-                <a:spcPct val="120000"/>
-              </a:lnSpc>
-              <a:spcBef>
-                <a:spcPts val="0"/>
-              </a:spcBef>
-              <a:spcAft>
-                <a:spcPts val="300"/>
-              </a:spcAft>
-              <a:buFont typeface="Arial" panose="020B0604020202020204" pitchFamily="34" charset="0"/>
-              <a:buChar char="•"/>
-              <a:defRPr kumimoji="0" lang="zh-CN" altLang="en-US" sz="1400" b="0" i="0" u="none" strike="noStrike" kern="1200" cap="none" spc="150" normalizeH="0" baseline="0" noProof="1" dirty="0">
-                <a:solidFill>
-                  <a:schemeClr val="tx1">
-                    <a:lumMod val="65000"/>
-                    <a:lumOff val="35000"/>
-                  </a:schemeClr>
-                </a:solidFill>
-                <a:uFillTx/>
-                <a:latin typeface="Arial" panose="020B0604020202020204" pitchFamily="34" charset="0"/>
-                <a:ea typeface="微软雅黑" panose="020B0503020204020204" charset="-122"/>
-                <a:cs typeface="+mn-cs"/>
-                <a:sym typeface="+mn-ea"/>
-              </a:defRPr>
-            </a:lvl5pPr>
-            <a:lvl6pPr marL="2514600" indent="-228600" algn="l" defTabSz="914400" rtl="0" eaLnBrk="1" latinLnBrk="0" hangingPunct="1">
-              <a:lnSpc>
-                <a:spcPct val="90000"/>
-              </a:lnSpc>
-              <a:spcBef>
-                <a:spcPts val="500"/>
-              </a:spcBef>
-              <a:buFont typeface="Arial" panose="020B0604020202020204" pitchFamily="34" charset="0"/>
-              <a:buChar char="•"/>
-              <a:defRPr sz="1800" kern="1200">
-                <a:solidFill>
-                  <a:schemeClr val="tx1"/>
-                </a:solidFill>
-                <a:latin typeface="+mn-lt"/>
-                <a:ea typeface="+mn-ea"/>
-                <a:cs typeface="+mn-cs"/>
-              </a:defRPr>
-            </a:lvl6pPr>
-            <a:lvl7pPr marL="2971800" indent="-228600" algn="l" defTabSz="914400" rtl="0" eaLnBrk="1" latinLnBrk="0" hangingPunct="1">
-              <a:lnSpc>
-                <a:spcPct val="90000"/>
-              </a:lnSpc>
-              <a:spcBef>
-                <a:spcPts val="500"/>
-              </a:spcBef>
-              <a:buFont typeface="Arial" panose="020B0604020202020204" pitchFamily="34" charset="0"/>
-              <a:buChar char="•"/>
-              <a:defRPr sz="1800" kern="1200">
-                <a:solidFill>
-                  <a:schemeClr val="tx1"/>
-                </a:solidFill>
-                <a:latin typeface="+mn-lt"/>
-                <a:ea typeface="+mn-ea"/>
-                <a:cs typeface="+mn-cs"/>
-              </a:defRPr>
-            </a:lvl7pPr>
-            <a:lvl8pPr marL="3429000" indent="-228600" algn="l" defTabSz="914400" rtl="0" eaLnBrk="1" latinLnBrk="0" hangingPunct="1">
-              <a:lnSpc>
-                <a:spcPct val="90000"/>
-              </a:lnSpc>
-              <a:spcBef>
-                <a:spcPts val="500"/>
-              </a:spcBef>
-              <a:buFont typeface="Arial" panose="020B0604020202020204" pitchFamily="34" charset="0"/>
-              <a:buChar char="•"/>
-              <a:defRPr sz="1800" kern="1200">
-                <a:solidFill>
-                  <a:schemeClr val="tx1"/>
-                </a:solidFill>
-                <a:latin typeface="+mn-lt"/>
-                <a:ea typeface="+mn-ea"/>
-                <a:cs typeface="+mn-cs"/>
-              </a:defRPr>
-            </a:lvl8pPr>
-            <a:lvl9pPr marL="3886200" indent="-228600" algn="l" defTabSz="914400" rtl="0" eaLnBrk="1" latinLnBrk="0" hangingPunct="1">
-              <a:lnSpc>
-                <a:spcPct val="90000"/>
-              </a:lnSpc>
-              <a:spcBef>
-                <a:spcPts val="500"/>
-              </a:spcBef>
-              <a:buFont typeface="Arial" panose="020B0604020202020204" pitchFamily="34" charset="0"/>
-              <a:buChar char="•"/>
-              <a:defRPr sz="1800" kern="1200">
-                <a:solidFill>
-                  <a:schemeClr val="tx1"/>
-                </a:solidFill>
-                <a:latin typeface="+mn-lt"/>
-                <a:ea typeface="+mn-ea"/>
-                <a:cs typeface="+mn-cs"/>
-              </a:defRPr>
-            </a:lvl9pPr>
-          </a:lstStyle>
-          <a:p>
-            <a:pPr marL="342900" lvl="0" indent="-342900" algn="l">
-              <a:buClrTx/>
-              <a:buSzTx/>
+          <a:bodyPr/>
+          <a:lstStyle/>
+          <a:p>
+            <a:pPr marL="342900" indent="-342900">
               <a:buAutoNum type="arabicPeriod"/>
             </a:pPr>
             <a:r>
-              <a:rPr>
+              <a:rPr lang="zh-CN" altLang="en-US" dirty="0">
                 <a:solidFill>
                   <a:schemeClr val="dk1">
-                    <a:lumMod val="65000"/>
-                    <a:lumOff val="35000"/>
+                    <a:lumMod val="75000"/>
+                    <a:lumOff val="25000"/>
                   </a:schemeClr>
                 </a:solidFill>
                 <a:latin typeface="微软雅黑" panose="020B0503020204020204" charset="-122"/>
                 <a:cs typeface="微软雅黑" panose="020B0503020204020204" charset="-122"/>
-                <a:sym typeface="+mn-ea"/>
               </a:rPr>
-              <a:t>技术栈无关： 主框架不限制接入应用的技术栈，微应用具备完全自主权</a:t>
-            </a:r>
-            <a:endParaRPr>
+              <a:t>复杂度从代码转向基础设施</a:t>
+            </a:r>
+            <a:endParaRPr lang="zh-CN" altLang="en-US" dirty="0">
               <a:solidFill>
                 <a:schemeClr val="dk1">
-                  <a:lumMod val="65000"/>
-                  <a:lumOff val="35000"/>
+                  <a:lumMod val="75000"/>
+                  <a:lumOff val="25000"/>
                 </a:schemeClr>
               </a:solidFill>
               <a:latin typeface="微软雅黑" panose="020B0503020204020204" charset="-122"/>
               <a:cs typeface="微软雅黑" panose="020B0503020204020204" charset="-122"/>
-              <a:sym typeface="+mn-ea"/>
             </a:endParaRPr>
           </a:p>
           <a:p>
-            <a:pPr marL="342900" lvl="0" indent="-342900" algn="l">
-              <a:buClrTx/>
-              <a:buSzTx/>
+            <a:pPr marL="342900" indent="-342900">
               <a:buAutoNum type="arabicPeriod"/>
             </a:pPr>
             <a:r>
-              <a:rPr>
+              <a:rPr lang="zh-CN" altLang="en-US" dirty="0">
                 <a:solidFill>
                   <a:schemeClr val="dk1">
-                    <a:lumMod val="65000"/>
-                    <a:lumOff val="35000"/>
+                    <a:lumMod val="75000"/>
+                    <a:lumOff val="25000"/>
                   </a:schemeClr>
                 </a:solidFill>
                 <a:latin typeface="微软雅黑" panose="020B0503020204020204" charset="-122"/>
                 <a:cs typeface="微软雅黑" panose="020B0503020204020204" charset="-122"/>
-                <a:sym typeface="+mn-ea"/>
               </a:rPr>
-              <a:t> 独立开发、独立部署： 微应用仓库独立，前后端可独立开发，部署完成后主框架自动完成同步更新</a:t>
-            </a:r>
-            <a:endParaRPr>
+              <a:t>整个应用的稳定性和安全性变得更加不可控</a:t>
+            </a:r>
+            <a:endParaRPr lang="zh-CN" altLang="en-US" dirty="0">
               <a:solidFill>
                 <a:schemeClr val="dk1">
-                  <a:lumMod val="65000"/>
-                  <a:lumOff val="35000"/>
+                  <a:lumMod val="75000"/>
+                  <a:lumOff val="25000"/>
                 </a:schemeClr>
               </a:solidFill>
               <a:latin typeface="微软雅黑" panose="020B0503020204020204" charset="-122"/>
               <a:cs typeface="微软雅黑" panose="020B0503020204020204" charset="-122"/>
-              <a:sym typeface="+mn-ea"/>
             </a:endParaRPr>
           </a:p>
           <a:p>
-            <a:pPr marL="342900" lvl="0" indent="-342900" algn="l">
-              <a:buClrTx/>
-              <a:buSzTx/>
+            <a:pPr marL="342900" indent="-342900">
               <a:buAutoNum type="arabicPeriod"/>
             </a:pPr>
             <a:r>
-              <a:rPr>
+              <a:rPr lang="zh-CN" altLang="en-US" dirty="0">
                 <a:solidFill>
                   <a:schemeClr val="dk1">
-                    <a:lumMod val="65000"/>
-                    <a:lumOff val="35000"/>
+                    <a:lumMod val="75000"/>
+                    <a:lumOff val="25000"/>
                   </a:schemeClr>
                 </a:solidFill>
                 <a:latin typeface="微软雅黑" panose="020B0503020204020204" charset="-122"/>
                 <a:cs typeface="微软雅黑" panose="020B0503020204020204" charset="-122"/>
-                <a:sym typeface="+mn-ea"/>
               </a:rPr>
-              <a:t>增量升级：在面对各种复杂场景时，我们通常很难对一个已经存在的系统做全量的技术栈升级或重构，而微前端是一种非常好的实施渐进式重构的手段和策略</a:t>
-            </a:r>
-            <a:endParaRPr>
+              <a:t>具备一定的学习和了解成本</a:t>
+            </a:r>
+            <a:endParaRPr lang="zh-CN" altLang="en-US" dirty="0">
               <a:solidFill>
                 <a:schemeClr val="dk1">
-                  <a:lumMod val="65000"/>
-                  <a:lumOff val="35000"/>
+                  <a:lumMod val="75000"/>
+                  <a:lumOff val="25000"/>
                 </a:schemeClr>
               </a:solidFill>
               <a:latin typeface="微软雅黑" panose="020B0503020204020204" charset="-122"/>
               <a:cs typeface="微软雅黑" panose="020B0503020204020204" charset="-122"/>
-              <a:sym typeface="+mn-ea"/>
             </a:endParaRPr>
           </a:p>
           <a:p>
-            <a:pPr marL="342900" lvl="0" indent="-342900" algn="l">
-              <a:buClrTx/>
-              <a:buSzTx/>
+            <a:pPr marL="342900" indent="-342900">
               <a:buAutoNum type="arabicPeriod"/>
             </a:pPr>
             <a:r>
-              <a:rPr>
+              <a:rPr lang="zh-CN" altLang="en-US" dirty="0">
                 <a:solidFill>
                   <a:schemeClr val="dk1">
-                    <a:lumMod val="65000"/>
-                    <a:lumOff val="35000"/>
+                    <a:lumMod val="75000"/>
+                    <a:lumOff val="25000"/>
                   </a:schemeClr>
                 </a:solidFill>
                 <a:latin typeface="微软雅黑" panose="020B0503020204020204" charset="-122"/>
                 <a:cs typeface="微软雅黑" panose="020B0503020204020204" charset="-122"/>
-                <a:sym typeface="+mn-ea"/>
               </a:rPr>
-              <a:t>独立运行： 每个微应用之间状态隔离，运行时状态不共享</a:t>
-            </a:r>
-            <a:endParaRPr>
+              <a:t>需要建立全面的微前端周边设施，才能充分发挥其架构的优势</a:t>
+            </a:r>
+            <a:endParaRPr lang="zh-CN" altLang="en-US" dirty="0">
               <a:solidFill>
                 <a:schemeClr val="dk1">
-                  <a:lumMod val="65000"/>
-                  <a:lumOff val="35000"/>
+                  <a:lumMod val="75000"/>
+                  <a:lumOff val="25000"/>
                 </a:schemeClr>
               </a:solidFill>
               <a:latin typeface="微软雅黑" panose="020B0503020204020204" charset="-122"/>
               <a:cs typeface="微软雅黑" panose="020B0503020204020204" charset="-122"/>
-              <a:sym typeface="+mn-ea"/>
+            </a:endParaRPr>
+          </a:p>
+          <a:p>
+            <a:pPr lvl="1"/>
+            <a:r>
+              <a:rPr lang="zh-CN" altLang="en-US" dirty="0">
+                <a:solidFill>
+                  <a:schemeClr val="dk1">
+                    <a:lumMod val="75000"/>
+                    <a:lumOff val="25000"/>
+                  </a:schemeClr>
+                </a:solidFill>
+                <a:latin typeface="微软雅黑" panose="020B0503020204020204" charset="-122"/>
+                <a:cs typeface="微软雅黑" panose="020B0503020204020204" charset="-122"/>
+              </a:rPr>
+              <a:t>调试工具</a:t>
+            </a:r>
+            <a:endParaRPr lang="zh-CN" altLang="en-US" dirty="0">
+              <a:solidFill>
+                <a:schemeClr val="dk1">
+                  <a:lumMod val="75000"/>
+                  <a:lumOff val="25000"/>
+                </a:schemeClr>
+              </a:solidFill>
+              <a:latin typeface="微软雅黑" panose="020B0503020204020204" charset="-122"/>
+              <a:cs typeface="微软雅黑" panose="020B0503020204020204" charset="-122"/>
+            </a:endParaRPr>
+          </a:p>
+          <a:p>
+            <a:pPr lvl="1"/>
+            <a:r>
+              <a:rPr lang="zh-CN" altLang="en-US" dirty="0">
+                <a:solidFill>
+                  <a:schemeClr val="dk1">
+                    <a:lumMod val="75000"/>
+                    <a:lumOff val="25000"/>
+                  </a:schemeClr>
+                </a:solidFill>
+                <a:latin typeface="微软雅黑" panose="020B0503020204020204" charset="-122"/>
+                <a:cs typeface="微软雅黑" panose="020B0503020204020204" charset="-122"/>
+              </a:rPr>
+              <a:t>监控系统</a:t>
+            </a:r>
+            <a:endParaRPr lang="zh-CN" altLang="en-US" dirty="0">
+              <a:solidFill>
+                <a:schemeClr val="dk1">
+                  <a:lumMod val="75000"/>
+                  <a:lumOff val="25000"/>
+                </a:schemeClr>
+              </a:solidFill>
+              <a:latin typeface="微软雅黑" panose="020B0503020204020204" charset="-122"/>
+              <a:cs typeface="微软雅黑" panose="020B0503020204020204" charset="-122"/>
+            </a:endParaRPr>
+          </a:p>
+          <a:p>
+            <a:pPr lvl="1"/>
+            <a:r>
+              <a:rPr lang="zh-CN" altLang="en-US" dirty="0">
+                <a:solidFill>
+                  <a:schemeClr val="dk1">
+                    <a:lumMod val="75000"/>
+                    <a:lumOff val="25000"/>
+                  </a:schemeClr>
+                </a:solidFill>
+                <a:latin typeface="微软雅黑" panose="020B0503020204020204" charset="-122"/>
+                <a:cs typeface="微软雅黑" panose="020B0503020204020204" charset="-122"/>
+              </a:rPr>
+              <a:t>上层 Web 框架</a:t>
+            </a:r>
+            <a:endParaRPr lang="zh-CN" altLang="en-US" dirty="0">
+              <a:solidFill>
+                <a:schemeClr val="dk1">
+                  <a:lumMod val="75000"/>
+                  <a:lumOff val="25000"/>
+                </a:schemeClr>
+              </a:solidFill>
+              <a:latin typeface="微软雅黑" panose="020B0503020204020204" charset="-122"/>
+              <a:cs typeface="微软雅黑" panose="020B0503020204020204" charset="-122"/>
+            </a:endParaRPr>
+          </a:p>
+          <a:p>
+            <a:pPr lvl="1"/>
+            <a:r>
+              <a:rPr lang="zh-CN" altLang="en-US" dirty="0">
+                <a:solidFill>
+                  <a:schemeClr val="dk1">
+                    <a:lumMod val="75000"/>
+                    <a:lumOff val="25000"/>
+                  </a:schemeClr>
+                </a:solidFill>
+                <a:latin typeface="微软雅黑" panose="020B0503020204020204" charset="-122"/>
+                <a:cs typeface="微软雅黑" panose="020B0503020204020204" charset="-122"/>
+              </a:rPr>
+              <a:t>部署平台</a:t>
+            </a:r>
+            <a:endParaRPr lang="zh-CN" altLang="en-US" dirty="0">
+              <a:solidFill>
+                <a:schemeClr val="dk1">
+                  <a:lumMod val="75000"/>
+                  <a:lumOff val="25000"/>
+                </a:schemeClr>
+              </a:solidFill>
+              <a:latin typeface="微软雅黑" panose="020B0503020204020204" charset="-122"/>
+              <a:cs typeface="微软雅黑" panose="020B0503020204020204" charset="-122"/>
             </a:endParaRPr>
           </a:p>
         </p:txBody>
@@ -20023,7 +19404,7 @@
                 <a:ea typeface="汉仪旗黑-85S" charset="0"/>
                 <a:sym typeface="+mn-ea"/>
               </a:rPr>
-              <a:t>微前端的缺点</a:t>
+              <a:t>何时使用微前端</a:t>
             </a:r>
             <a:endParaRPr>
               <a:solidFill>
@@ -20056,222 +19437,468 @@
           </a:xfrm>
         </p:spPr>
         <p:txBody>
-          <a:bodyPr/>
-          <a:lstStyle/>
-          <a:p>
-            <a:pPr marL="342900" indent="-342900">
+          <a:bodyPr vert="horz" lIns="90000" tIns="46800" rIns="90000" bIns="46800" rtlCol="0">
+            <a:normAutofit/>
+          </a:bodyPr>
+          <a:lstStyle>
+            <a:lvl1pPr marL="228600" marR="0" lvl="0" indent="-228600" algn="l" defTabSz="914400" rtl="0" eaLnBrk="1" fontAlgn="auto" latinLnBrk="0" hangingPunct="1">
+              <a:lnSpc>
+                <a:spcPct val="130000"/>
+              </a:lnSpc>
+              <a:spcBef>
+                <a:spcPts val="0"/>
+              </a:spcBef>
+              <a:spcAft>
+                <a:spcPts val="1000"/>
+              </a:spcAft>
+              <a:buFont typeface="Arial" panose="020B0604020202020204" pitchFamily="34" charset="0"/>
+              <a:buChar char="●"/>
+              <a:defRPr kumimoji="0" lang="zh-CN" altLang="en-US" sz="1800" b="0" i="0" u="none" strike="noStrike" kern="1200" cap="none" spc="150" normalizeH="0" baseline="0" noProof="1" dirty="0">
+                <a:solidFill>
+                  <a:schemeClr val="tx1">
+                    <a:lumMod val="65000"/>
+                    <a:lumOff val="35000"/>
+                  </a:schemeClr>
+                </a:solidFill>
+                <a:uFillTx/>
+                <a:latin typeface="Arial" panose="020B0604020202020204" pitchFamily="34" charset="0"/>
+                <a:ea typeface="微软雅黑" panose="020B0503020204020204" charset="-122"/>
+                <a:cs typeface="+mn-cs"/>
+                <a:sym typeface="+mn-ea"/>
+              </a:defRPr>
+            </a:lvl1pPr>
+            <a:lvl2pPr marL="685800" marR="0" lvl="1" indent="-228600" algn="l" defTabSz="914400" rtl="0" eaLnBrk="1" fontAlgn="auto" latinLnBrk="0" hangingPunct="1">
+              <a:lnSpc>
+                <a:spcPct val="120000"/>
+              </a:lnSpc>
+              <a:spcBef>
+                <a:spcPts val="0"/>
+              </a:spcBef>
+              <a:spcAft>
+                <a:spcPts val="600"/>
+              </a:spcAft>
+              <a:buFont typeface="Arial" panose="020B0604020202020204" pitchFamily="34" charset="0"/>
+              <a:buChar char="●"/>
+              <a:tabLst>
+                <a:tab pos="1609725" algn="l"/>
+              </a:tabLst>
+              <a:defRPr kumimoji="0" lang="zh-CN" altLang="en-US" sz="1600" b="0" i="0" u="none" strike="noStrike" kern="1200" cap="none" spc="150" normalizeH="0" baseline="0" noProof="1" dirty="0">
+                <a:solidFill>
+                  <a:schemeClr val="tx1">
+                    <a:lumMod val="65000"/>
+                    <a:lumOff val="35000"/>
+                  </a:schemeClr>
+                </a:solidFill>
+                <a:uFillTx/>
+                <a:latin typeface="Arial" panose="020B0604020202020204" pitchFamily="34" charset="0"/>
+                <a:ea typeface="微软雅黑" panose="020B0503020204020204" charset="-122"/>
+                <a:cs typeface="+mn-cs"/>
+                <a:sym typeface="+mn-ea"/>
+              </a:defRPr>
+            </a:lvl2pPr>
+            <a:lvl3pPr marL="1143000" marR="0" lvl="2" indent="-228600" algn="l" defTabSz="914400" rtl="0" eaLnBrk="1" fontAlgn="auto" latinLnBrk="0" hangingPunct="1">
+              <a:lnSpc>
+                <a:spcPct val="120000"/>
+              </a:lnSpc>
+              <a:spcBef>
+                <a:spcPts val="0"/>
+              </a:spcBef>
+              <a:spcAft>
+                <a:spcPts val="600"/>
+              </a:spcAft>
+              <a:buFont typeface="Arial" panose="020B0604020202020204" pitchFamily="34" charset="0"/>
+              <a:buChar char="●"/>
+              <a:defRPr kumimoji="0" lang="zh-CN" altLang="en-US" sz="1600" b="0" i="0" u="none" strike="noStrike" kern="1200" cap="none" spc="150" normalizeH="0" baseline="0" noProof="1" dirty="0">
+                <a:solidFill>
+                  <a:schemeClr val="tx1">
+                    <a:lumMod val="65000"/>
+                    <a:lumOff val="35000"/>
+                  </a:schemeClr>
+                </a:solidFill>
+                <a:uFillTx/>
+                <a:latin typeface="Arial" panose="020B0604020202020204" pitchFamily="34" charset="0"/>
+                <a:ea typeface="微软雅黑" panose="020B0503020204020204" charset="-122"/>
+                <a:cs typeface="+mn-cs"/>
+                <a:sym typeface="+mn-ea"/>
+              </a:defRPr>
+            </a:lvl3pPr>
+            <a:lvl4pPr marL="1600200" marR="0" lvl="3" indent="-228600" algn="l" defTabSz="914400" rtl="0" eaLnBrk="1" fontAlgn="auto" latinLnBrk="0" hangingPunct="1">
+              <a:lnSpc>
+                <a:spcPct val="120000"/>
+              </a:lnSpc>
+              <a:spcBef>
+                <a:spcPts val="0"/>
+              </a:spcBef>
+              <a:spcAft>
+                <a:spcPts val="300"/>
+              </a:spcAft>
+              <a:buFont typeface="Wingdings" panose="05000000000000000000" charset="0"/>
+              <a:buChar char=""/>
+              <a:defRPr kumimoji="0" lang="zh-CN" altLang="en-US" sz="1400" b="0" i="0" u="none" strike="noStrike" kern="1200" cap="none" spc="150" normalizeH="0" baseline="0" noProof="1" dirty="0">
+                <a:solidFill>
+                  <a:schemeClr val="tx1">
+                    <a:lumMod val="65000"/>
+                    <a:lumOff val="35000"/>
+                  </a:schemeClr>
+                </a:solidFill>
+                <a:uFillTx/>
+                <a:latin typeface="Arial" panose="020B0604020202020204" pitchFamily="34" charset="0"/>
+                <a:ea typeface="微软雅黑" panose="020B0503020204020204" charset="-122"/>
+                <a:cs typeface="+mn-cs"/>
+                <a:sym typeface="+mn-ea"/>
+              </a:defRPr>
+            </a:lvl4pPr>
+            <a:lvl5pPr marL="2057400" marR="0" lvl="4" indent="-228600" algn="l" defTabSz="914400" rtl="0" eaLnBrk="1" fontAlgn="auto" latinLnBrk="0" hangingPunct="1">
+              <a:lnSpc>
+                <a:spcPct val="120000"/>
+              </a:lnSpc>
+              <a:spcBef>
+                <a:spcPts val="0"/>
+              </a:spcBef>
+              <a:spcAft>
+                <a:spcPts val="300"/>
+              </a:spcAft>
+              <a:buFont typeface="Arial" panose="020B0604020202020204" pitchFamily="34" charset="0"/>
+              <a:buChar char="•"/>
+              <a:defRPr kumimoji="0" lang="zh-CN" altLang="en-US" sz="1400" b="0" i="0" u="none" strike="noStrike" kern="1200" cap="none" spc="150" normalizeH="0" baseline="0" noProof="1" dirty="0">
+                <a:solidFill>
+                  <a:schemeClr val="tx1">
+                    <a:lumMod val="65000"/>
+                    <a:lumOff val="35000"/>
+                  </a:schemeClr>
+                </a:solidFill>
+                <a:uFillTx/>
+                <a:latin typeface="Arial" panose="020B0604020202020204" pitchFamily="34" charset="0"/>
+                <a:ea typeface="微软雅黑" panose="020B0503020204020204" charset="-122"/>
+                <a:cs typeface="+mn-cs"/>
+                <a:sym typeface="+mn-ea"/>
+              </a:defRPr>
+            </a:lvl5pPr>
+            <a:lvl6pPr marL="2514600" indent="-228600" algn="l" defTabSz="914400" rtl="0" eaLnBrk="1" latinLnBrk="0" hangingPunct="1">
+              <a:lnSpc>
+                <a:spcPct val="90000"/>
+              </a:lnSpc>
+              <a:spcBef>
+                <a:spcPts val="500"/>
+              </a:spcBef>
+              <a:buFont typeface="Arial" panose="020B0604020202020204" pitchFamily="34" charset="0"/>
+              <a:buChar char="•"/>
+              <a:defRPr sz="1800" kern="1200">
+                <a:solidFill>
+                  <a:schemeClr val="tx1"/>
+                </a:solidFill>
+                <a:latin typeface="+mn-lt"/>
+                <a:ea typeface="+mn-ea"/>
+                <a:cs typeface="+mn-cs"/>
+              </a:defRPr>
+            </a:lvl6pPr>
+            <a:lvl7pPr marL="2971800" indent="-228600" algn="l" defTabSz="914400" rtl="0" eaLnBrk="1" latinLnBrk="0" hangingPunct="1">
+              <a:lnSpc>
+                <a:spcPct val="90000"/>
+              </a:lnSpc>
+              <a:spcBef>
+                <a:spcPts val="500"/>
+              </a:spcBef>
+              <a:buFont typeface="Arial" panose="020B0604020202020204" pitchFamily="34" charset="0"/>
+              <a:buChar char="•"/>
+              <a:defRPr sz="1800" kern="1200">
+                <a:solidFill>
+                  <a:schemeClr val="tx1"/>
+                </a:solidFill>
+                <a:latin typeface="+mn-lt"/>
+                <a:ea typeface="+mn-ea"/>
+                <a:cs typeface="+mn-cs"/>
+              </a:defRPr>
+            </a:lvl7pPr>
+            <a:lvl8pPr marL="3429000" indent="-228600" algn="l" defTabSz="914400" rtl="0" eaLnBrk="1" latinLnBrk="0" hangingPunct="1">
+              <a:lnSpc>
+                <a:spcPct val="90000"/>
+              </a:lnSpc>
+              <a:spcBef>
+                <a:spcPts val="500"/>
+              </a:spcBef>
+              <a:buFont typeface="Arial" panose="020B0604020202020204" pitchFamily="34" charset="0"/>
+              <a:buChar char="•"/>
+              <a:defRPr sz="1800" kern="1200">
+                <a:solidFill>
+                  <a:schemeClr val="tx1"/>
+                </a:solidFill>
+                <a:latin typeface="+mn-lt"/>
+                <a:ea typeface="+mn-ea"/>
+                <a:cs typeface="+mn-cs"/>
+              </a:defRPr>
+            </a:lvl8pPr>
+            <a:lvl9pPr marL="3886200" indent="-228600" algn="l" defTabSz="914400" rtl="0" eaLnBrk="1" latinLnBrk="0" hangingPunct="1">
+              <a:lnSpc>
+                <a:spcPct val="90000"/>
+              </a:lnSpc>
+              <a:spcBef>
+                <a:spcPts val="500"/>
+              </a:spcBef>
+              <a:buFont typeface="Arial" panose="020B0604020202020204" pitchFamily="34" charset="0"/>
+              <a:buChar char="•"/>
+              <a:defRPr sz="1800" kern="1200">
+                <a:solidFill>
+                  <a:schemeClr val="tx1"/>
+                </a:solidFill>
+                <a:latin typeface="+mn-lt"/>
+                <a:ea typeface="+mn-ea"/>
+                <a:cs typeface="+mn-cs"/>
+              </a:defRPr>
+            </a:lvl9pPr>
+          </a:lstStyle>
+          <a:p>
+            <a:pPr marL="342900" lvl="0" indent="-342900" algn="l">
+              <a:buClrTx/>
+              <a:buSzTx/>
               <a:buAutoNum type="arabicPeriod"/>
             </a:pPr>
             <a:r>
-              <a:rPr lang="zh-CN" altLang="en-US" dirty="0">
+              <a:rPr>
                 <a:solidFill>
                   <a:schemeClr val="dk1">
-                    <a:lumMod val="75000"/>
-                    <a:lumOff val="25000"/>
+                    <a:lumMod val="65000"/>
+                    <a:lumOff val="35000"/>
                   </a:schemeClr>
                 </a:solidFill>
                 <a:latin typeface="微软雅黑" panose="020B0503020204020204" charset="-122"/>
                 <a:cs typeface="微软雅黑" panose="020B0503020204020204" charset="-122"/>
+                <a:sym typeface="+mn-ea"/>
               </a:rPr>
-              <a:t>复杂度从代码转向基础设施</a:t>
-            </a:r>
-            <a:endParaRPr lang="zh-CN" altLang="en-US" dirty="0">
+              <a:t>大规模企业级 Web 应用开发</a:t>
+            </a:r>
+            <a:endParaRPr>
               <a:solidFill>
                 <a:schemeClr val="dk1">
-                  <a:lumMod val="75000"/>
-                  <a:lumOff val="25000"/>
+                  <a:lumMod val="65000"/>
+                  <a:lumOff val="35000"/>
                 </a:schemeClr>
               </a:solidFill>
               <a:latin typeface="微软雅黑" panose="020B0503020204020204" charset="-122"/>
               <a:cs typeface="微软雅黑" panose="020B0503020204020204" charset="-122"/>
+              <a:sym typeface="+mn-ea"/>
             </a:endParaRPr>
           </a:p>
           <a:p>
-            <a:pPr marL="342900" indent="-342900">
+            <a:pPr marL="342900" lvl="0" indent="-342900" algn="l">
+              <a:buClrTx/>
+              <a:buSzTx/>
               <a:buAutoNum type="arabicPeriod"/>
             </a:pPr>
             <a:r>
-              <a:rPr lang="zh-CN" altLang="en-US" dirty="0">
+              <a:rPr>
                 <a:solidFill>
                   <a:schemeClr val="dk1">
-                    <a:lumMod val="75000"/>
-                    <a:lumOff val="25000"/>
+                    <a:lumMod val="65000"/>
+                    <a:lumOff val="35000"/>
                   </a:schemeClr>
                 </a:solidFill>
                 <a:latin typeface="微软雅黑" panose="020B0503020204020204" charset="-122"/>
                 <a:cs typeface="微软雅黑" panose="020B0503020204020204" charset="-122"/>
+                <a:sym typeface="+mn-ea"/>
               </a:rPr>
-              <a:t>整个应用的稳定性和安全性变得更加不可控</a:t>
-            </a:r>
-            <a:endParaRPr lang="zh-CN" altLang="en-US" dirty="0">
+              <a:t>跨团队及企业级应用协作开发</a:t>
+            </a:r>
+            <a:endParaRPr>
               <a:solidFill>
                 <a:schemeClr val="dk1">
-                  <a:lumMod val="75000"/>
-                  <a:lumOff val="25000"/>
+                  <a:lumMod val="65000"/>
+                  <a:lumOff val="35000"/>
                 </a:schemeClr>
               </a:solidFill>
               <a:latin typeface="微软雅黑" panose="020B0503020204020204" charset="-122"/>
               <a:cs typeface="微软雅黑" panose="020B0503020204020204" charset="-122"/>
+              <a:sym typeface="+mn-ea"/>
             </a:endParaRPr>
           </a:p>
           <a:p>
-            <a:pPr marL="342900" indent="-342900">
+            <a:pPr marL="342900" lvl="0" indent="-342900" algn="l">
+              <a:buClrTx/>
+              <a:buSzTx/>
               <a:buAutoNum type="arabicPeriod"/>
             </a:pPr>
             <a:r>
-              <a:rPr lang="zh-CN" altLang="en-US" dirty="0">
+              <a:rPr>
                 <a:solidFill>
                   <a:schemeClr val="dk1">
-                    <a:lumMod val="75000"/>
-                    <a:lumOff val="25000"/>
+                    <a:lumMod val="65000"/>
+                    <a:lumOff val="35000"/>
                   </a:schemeClr>
                 </a:solidFill>
                 <a:latin typeface="微软雅黑" panose="020B0503020204020204" charset="-122"/>
                 <a:cs typeface="微软雅黑" panose="020B0503020204020204" charset="-122"/>
+                <a:sym typeface="+mn-ea"/>
               </a:rPr>
-              <a:t>具备一定的学习和了解成本</a:t>
-            </a:r>
-            <a:endParaRPr lang="zh-CN" altLang="en-US" dirty="0">
+              <a:t>长期收益高于短期收益</a:t>
+            </a:r>
+            <a:endParaRPr>
               <a:solidFill>
                 <a:schemeClr val="dk1">
-                  <a:lumMod val="75000"/>
-                  <a:lumOff val="25000"/>
+                  <a:lumMod val="65000"/>
+                  <a:lumOff val="35000"/>
                 </a:schemeClr>
               </a:solidFill>
               <a:latin typeface="微软雅黑" panose="020B0503020204020204" charset="-122"/>
               <a:cs typeface="微软雅黑" panose="020B0503020204020204" charset="-122"/>
+              <a:sym typeface="+mn-ea"/>
             </a:endParaRPr>
           </a:p>
           <a:p>
-            <a:pPr marL="342900" indent="-342900">
+            <a:pPr marL="342900" lvl="0" indent="-342900" algn="l">
+              <a:buClrTx/>
+              <a:buSzTx/>
               <a:buAutoNum type="arabicPeriod"/>
             </a:pPr>
             <a:r>
-              <a:rPr lang="zh-CN" altLang="en-US" dirty="0">
+              <a:rPr>
                 <a:solidFill>
                   <a:schemeClr val="dk1">
-                    <a:lumMod val="75000"/>
-                    <a:lumOff val="25000"/>
+                    <a:lumMod val="65000"/>
+                    <a:lumOff val="35000"/>
                   </a:schemeClr>
                 </a:solidFill>
                 <a:latin typeface="微软雅黑" panose="020B0503020204020204" charset="-122"/>
                 <a:cs typeface="微软雅黑" panose="020B0503020204020204" charset="-122"/>
+                <a:sym typeface="+mn-ea"/>
               </a:rPr>
-              <a:t>需要建立全面的微前端周边设施，才能充分发挥其架构的优势</a:t>
-            </a:r>
-            <a:endParaRPr lang="zh-CN" altLang="en-US" dirty="0">
+              <a:t>不同技术选型的项目</a:t>
+            </a:r>
+            <a:endParaRPr>
               <a:solidFill>
                 <a:schemeClr val="dk1">
-                  <a:lumMod val="75000"/>
-                  <a:lumOff val="25000"/>
+                  <a:lumMod val="65000"/>
+                  <a:lumOff val="35000"/>
                 </a:schemeClr>
               </a:solidFill>
               <a:latin typeface="微软雅黑" panose="020B0503020204020204" charset="-122"/>
               <a:cs typeface="微软雅黑" panose="020B0503020204020204" charset="-122"/>
+              <a:sym typeface="+mn-ea"/>
             </a:endParaRPr>
           </a:p>
           <a:p>
-            <a:pPr lvl="1"/>
-            <a:r>
-              <a:rPr lang="zh-CN" altLang="en-US" dirty="0">
+            <a:pPr marL="342900" lvl="0" indent="-342900" algn="l">
+              <a:buClrTx/>
+              <a:buSzTx/>
+              <a:buAutoNum type="arabicPeriod"/>
+            </a:pPr>
+            <a:r>
+              <a:rPr>
                 <a:solidFill>
                   <a:schemeClr val="dk1">
-                    <a:lumMod val="75000"/>
-                    <a:lumOff val="25000"/>
+                    <a:lumMod val="65000"/>
+                    <a:lumOff val="35000"/>
                   </a:schemeClr>
                 </a:solidFill>
                 <a:latin typeface="微软雅黑" panose="020B0503020204020204" charset="-122"/>
                 <a:cs typeface="微软雅黑" panose="020B0503020204020204" charset="-122"/>
+                <a:sym typeface="+mn-ea"/>
               </a:rPr>
-              <a:t>调试工具</a:t>
-            </a:r>
-            <a:endParaRPr lang="zh-CN" altLang="en-US" dirty="0">
+              <a:t>内聚的单个产品中部分需要独立发布、灰度等能力</a:t>
+            </a:r>
+            <a:endParaRPr>
               <a:solidFill>
                 <a:schemeClr val="dk1">
-                  <a:lumMod val="75000"/>
-                  <a:lumOff val="25000"/>
+                  <a:lumMod val="65000"/>
+                  <a:lumOff val="35000"/>
                 </a:schemeClr>
               </a:solidFill>
               <a:latin typeface="微软雅黑" panose="020B0503020204020204" charset="-122"/>
               <a:cs typeface="微软雅黑" panose="020B0503020204020204" charset="-122"/>
+              <a:sym typeface="+mn-ea"/>
             </a:endParaRPr>
           </a:p>
           <a:p>
-            <a:pPr lvl="1"/>
-            <a:r>
-              <a:rPr lang="zh-CN" altLang="en-US" dirty="0">
+            <a:pPr marL="342900" lvl="0" indent="-342900" algn="l">
+              <a:buClrTx/>
+              <a:buSzTx/>
+              <a:buAutoNum type="arabicPeriod"/>
+            </a:pPr>
+            <a:r>
+              <a:rPr>
                 <a:solidFill>
                   <a:schemeClr val="dk1">
-                    <a:lumMod val="75000"/>
-                    <a:lumOff val="25000"/>
+                    <a:lumMod val="65000"/>
+                    <a:lumOff val="35000"/>
                   </a:schemeClr>
                 </a:solidFill>
                 <a:latin typeface="微软雅黑" panose="020B0503020204020204" charset="-122"/>
                 <a:cs typeface="微软雅黑" panose="020B0503020204020204" charset="-122"/>
+                <a:sym typeface="+mn-ea"/>
               </a:rPr>
-              <a:t>监控系统</a:t>
-            </a:r>
-            <a:endParaRPr lang="zh-CN" altLang="en-US" dirty="0">
+              <a:t>微前端的目标并非用于取代 Iframe</a:t>
+            </a:r>
+            <a:endParaRPr>
               <a:solidFill>
                 <a:schemeClr val="dk1">
-                  <a:lumMod val="75000"/>
-                  <a:lumOff val="25000"/>
+                  <a:lumMod val="65000"/>
+                  <a:lumOff val="35000"/>
                 </a:schemeClr>
               </a:solidFill>
               <a:latin typeface="微软雅黑" panose="020B0503020204020204" charset="-122"/>
               <a:cs typeface="微软雅黑" panose="020B0503020204020204" charset="-122"/>
+              <a:sym typeface="+mn-ea"/>
             </a:endParaRPr>
           </a:p>
           <a:p>
-            <a:pPr lvl="1"/>
-            <a:r>
-              <a:rPr lang="zh-CN" altLang="en-US" dirty="0">
+            <a:pPr lvl="1" algn="l">
+              <a:buClrTx/>
+              <a:buSzTx/>
+            </a:pPr>
+            <a:r>
+              <a:rPr>
                 <a:solidFill>
                   <a:schemeClr val="dk1">
-                    <a:lumMod val="75000"/>
-                    <a:lumOff val="25000"/>
+                    <a:lumMod val="65000"/>
+                    <a:lumOff val="35000"/>
                   </a:schemeClr>
                 </a:solidFill>
                 <a:latin typeface="微软雅黑" panose="020B0503020204020204" charset="-122"/>
                 <a:cs typeface="微软雅黑" panose="020B0503020204020204" charset="-122"/>
+                <a:sym typeface="+mn-ea"/>
               </a:rPr>
-              <a:t>上层 Web 框架</a:t>
-            </a:r>
-            <a:endParaRPr lang="zh-CN" altLang="en-US" dirty="0">
+              <a:t>应用的来源必须可信</a:t>
+            </a:r>
+            <a:endParaRPr>
               <a:solidFill>
                 <a:schemeClr val="dk1">
-                  <a:lumMod val="75000"/>
-                  <a:lumOff val="25000"/>
+                  <a:lumMod val="65000"/>
+                  <a:lumOff val="35000"/>
                 </a:schemeClr>
               </a:solidFill>
               <a:latin typeface="微软雅黑" panose="020B0503020204020204" charset="-122"/>
               <a:cs typeface="微软雅黑" panose="020B0503020204020204" charset="-122"/>
+              <a:sym typeface="+mn-ea"/>
             </a:endParaRPr>
           </a:p>
           <a:p>
-            <a:pPr lvl="1"/>
-            <a:r>
-              <a:rPr lang="zh-CN" altLang="en-US" dirty="0">
+            <a:pPr lvl="1" algn="l">
+              <a:buClrTx/>
+              <a:buSzTx/>
+            </a:pPr>
+            <a:r>
+              <a:rPr>
                 <a:solidFill>
                   <a:schemeClr val="dk1">
-                    <a:lumMod val="75000"/>
-                    <a:lumOff val="25000"/>
+                    <a:lumMod val="65000"/>
+                    <a:lumOff val="35000"/>
                   </a:schemeClr>
                 </a:solidFill>
                 <a:latin typeface="微软雅黑" panose="020B0503020204020204" charset="-122"/>
                 <a:cs typeface="微软雅黑" panose="020B0503020204020204" charset="-122"/>
+                <a:sym typeface="+mn-ea"/>
               </a:rPr>
-              <a:t>部署平台</a:t>
-            </a:r>
-            <a:endParaRPr lang="zh-CN" altLang="en-US" dirty="0">
+              <a:t>用户体验要求更高</a:t>
+            </a:r>
+            <a:endParaRPr>
               <a:solidFill>
                 <a:schemeClr val="dk1">
-                  <a:lumMod val="75000"/>
-                  <a:lumOff val="25000"/>
+                  <a:lumMod val="65000"/>
+                  <a:lumOff val="35000"/>
                 </a:schemeClr>
               </a:solidFill>
               <a:latin typeface="微软雅黑" panose="020B0503020204020204" charset="-122"/>
               <a:cs typeface="微软雅黑" panose="020B0503020204020204" charset="-122"/>
+              <a:sym typeface="+mn-ea"/>
             </a:endParaRPr>
           </a:p>
         </p:txBody>
@@ -20314,7 +19941,7 @@
       </p:grpSpPr>
       <p:grpSp>
         <p:nvGrpSpPr>
-          <p:cNvPr id="8" name="组合 7"/>
+          <p:cNvPr id="9" name="组合 8"/>
           <p:cNvGrpSpPr/>
           <p:nvPr userDrawn="1">
             <p:custDataLst>
@@ -20332,7 +19959,7 @@
         </p:grpSpPr>
         <p:sp>
           <p:nvSpPr>
-            <p:cNvPr id="9" name="任意多边形: 形状 8"/>
+            <p:cNvPr id="10" name="任意多边形: 形状 8"/>
             <p:cNvSpPr/>
             <p:nvPr>
               <p:custDataLst>
@@ -20433,7 +20060,7 @@
         </p:sp>
         <p:sp>
           <p:nvSpPr>
-            <p:cNvPr id="10" name="等腰三角形 9"/>
+            <p:cNvPr id="11" name="等腰三角形 10"/>
             <p:cNvSpPr/>
             <p:nvPr>
               <p:custDataLst>
@@ -20554,7 +20181,18 @@
                 <a:ea typeface="汉仪旗黑-85S" charset="0"/>
                 <a:sym typeface="+mn-ea"/>
               </a:rPr>
-              <a:t>何时使用微前端</a:t>
+              <a:t>微前端的</a:t>
+            </a:r>
+            <a:r>
+              <a:rPr>
+                <a:solidFill>
+                  <a:schemeClr val="accent1"/>
+                </a:solidFill>
+                <a:latin typeface="汉仪旗黑-85S" charset="0"/>
+                <a:ea typeface="汉仪旗黑-85S" charset="0"/>
+                <a:sym typeface="+mn-ea"/>
+              </a:rPr>
+              <a:t>目的</a:t>
             </a:r>
             <a:endParaRPr>
               <a:solidFill>
@@ -20582,16 +20220,16 @@
         </p:nvSpPr>
         <p:spPr>
           <a:xfrm>
-            <a:off x="608400" y="1490400"/>
-            <a:ext cx="10969200" cy="4759200"/>
+            <a:off x="608330" y="1502410"/>
+            <a:ext cx="3392805" cy="4747260"/>
           </a:xfrm>
         </p:spPr>
         <p:txBody>
-          <a:bodyPr vert="horz" lIns="90000" tIns="46800" rIns="90000" bIns="46800" rtlCol="0">
+          <a:bodyPr vert="horz" lIns="101600" tIns="0" rIns="82550" bIns="0" rtlCol="0">
             <a:normAutofit/>
           </a:bodyPr>
           <a:lstStyle>
-            <a:lvl1pPr marL="228600" marR="0" lvl="0" indent="-228600" algn="l" defTabSz="914400" rtl="0" eaLnBrk="1" fontAlgn="auto" latinLnBrk="0" hangingPunct="1">
+            <a:lvl1pPr marL="228600" indent="-228600" algn="l" defTabSz="914400" rtl="0" eaLnBrk="1" fontAlgn="auto" latinLnBrk="0" hangingPunct="1">
               <a:lnSpc>
                 <a:spcPct val="130000"/>
               </a:lnSpc>
@@ -20602,126 +20240,121 @@
                 <a:spcPts val="1000"/>
               </a:spcAft>
               <a:buFont typeface="Arial" panose="020B0604020202020204" pitchFamily="34" charset="0"/>
-              <a:buChar char="●"/>
-              <a:defRPr kumimoji="0" lang="zh-CN" altLang="en-US" sz="1800" b="0" i="0" u="none" strike="noStrike" kern="1200" cap="none" spc="150" normalizeH="0" baseline="0" noProof="1" dirty="0">
+              <a:buChar char="•"/>
+              <a:defRPr sz="1600" u="none" strike="noStrike" kern="1200" cap="none" spc="150" normalizeH="0" baseline="0">
                 <a:solidFill>
                   <a:schemeClr val="tx1">
-                    <a:lumMod val="65000"/>
-                    <a:lumOff val="35000"/>
+                    <a:lumMod val="75000"/>
+                    <a:lumOff val="25000"/>
                   </a:schemeClr>
                 </a:solidFill>
                 <a:uFillTx/>
                 <a:latin typeface="Arial" panose="020B0604020202020204" pitchFamily="34" charset="0"/>
                 <a:ea typeface="微软雅黑" panose="020B0503020204020204" charset="-122"/>
                 <a:cs typeface="+mn-cs"/>
-                <a:sym typeface="+mn-ea"/>
               </a:defRPr>
             </a:lvl1pPr>
-            <a:lvl2pPr marL="685800" marR="0" lvl="1" indent="-228600" algn="l" defTabSz="914400" rtl="0" eaLnBrk="1" fontAlgn="auto" latinLnBrk="0" hangingPunct="1">
+            <a:lvl2pPr marL="685800" indent="-228600" algn="l" defTabSz="914400" rtl="0" eaLnBrk="1" fontAlgn="auto" latinLnBrk="0" hangingPunct="1">
               <a:lnSpc>
-                <a:spcPct val="120000"/>
+                <a:spcPct val="130000"/>
               </a:lnSpc>
               <a:spcBef>
                 <a:spcPts val="0"/>
               </a:spcBef>
               <a:spcAft>
-                <a:spcPts val="600"/>
+                <a:spcPts val="1000"/>
               </a:spcAft>
               <a:buFont typeface="Arial" panose="020B0604020202020204" pitchFamily="34" charset="0"/>
-              <a:buChar char="●"/>
+              <a:buChar char="•"/>
               <a:tabLst>
                 <a:tab pos="1609725" algn="l"/>
               </a:tabLst>
-              <a:defRPr kumimoji="0" lang="zh-CN" altLang="en-US" sz="1600" b="0" i="0" u="none" strike="noStrike" kern="1200" cap="none" spc="150" normalizeH="0" baseline="0" noProof="1" dirty="0">
+              <a:defRPr sz="1600" u="none" strike="noStrike" kern="1200" cap="none" spc="150" normalizeH="0" baseline="0">
                 <a:solidFill>
                   <a:schemeClr val="tx1">
-                    <a:lumMod val="65000"/>
-                    <a:lumOff val="35000"/>
+                    <a:lumMod val="75000"/>
+                    <a:lumOff val="25000"/>
                   </a:schemeClr>
                 </a:solidFill>
                 <a:uFillTx/>
                 <a:latin typeface="Arial" panose="020B0604020202020204" pitchFamily="34" charset="0"/>
                 <a:ea typeface="微软雅黑" panose="020B0503020204020204" charset="-122"/>
                 <a:cs typeface="+mn-cs"/>
-                <a:sym typeface="+mn-ea"/>
               </a:defRPr>
             </a:lvl2pPr>
-            <a:lvl3pPr marL="1143000" marR="0" lvl="2" indent="-228600" algn="l" defTabSz="914400" rtl="0" eaLnBrk="1" fontAlgn="auto" latinLnBrk="0" hangingPunct="1">
+            <a:lvl3pPr marL="1143000" indent="-228600" algn="l" defTabSz="914400" rtl="0" eaLnBrk="1" fontAlgn="auto" latinLnBrk="0" hangingPunct="1">
               <a:lnSpc>
-                <a:spcPct val="120000"/>
+                <a:spcPct val="130000"/>
               </a:lnSpc>
               <a:spcBef>
                 <a:spcPts val="0"/>
               </a:spcBef>
               <a:spcAft>
-                <a:spcPts val="600"/>
+                <a:spcPts val="1000"/>
               </a:spcAft>
               <a:buFont typeface="Arial" panose="020B0604020202020204" pitchFamily="34" charset="0"/>
-              <a:buChar char="●"/>
-              <a:defRPr kumimoji="0" lang="zh-CN" altLang="en-US" sz="1600" b="0" i="0" u="none" strike="noStrike" kern="1200" cap="none" spc="150" normalizeH="0" baseline="0" noProof="1" dirty="0">
+              <a:buChar char="•"/>
+              <a:defRPr sz="1600" u="none" strike="noStrike" kern="1200" cap="none" spc="150" normalizeH="0" baseline="0">
                 <a:solidFill>
                   <a:schemeClr val="tx1">
-                    <a:lumMod val="65000"/>
-                    <a:lumOff val="35000"/>
+                    <a:lumMod val="75000"/>
+                    <a:lumOff val="25000"/>
                   </a:schemeClr>
                 </a:solidFill>
                 <a:uFillTx/>
                 <a:latin typeface="Arial" panose="020B0604020202020204" pitchFamily="34" charset="0"/>
                 <a:ea typeface="微软雅黑" panose="020B0503020204020204" charset="-122"/>
                 <a:cs typeface="+mn-cs"/>
-                <a:sym typeface="+mn-ea"/>
               </a:defRPr>
             </a:lvl3pPr>
-            <a:lvl4pPr marL="1600200" marR="0" lvl="3" indent="-228600" algn="l" defTabSz="914400" rtl="0" eaLnBrk="1" fontAlgn="auto" latinLnBrk="0" hangingPunct="1">
+            <a:lvl4pPr marL="1600200" indent="-228600" algn="l" defTabSz="914400" rtl="0" eaLnBrk="1" fontAlgn="auto" latinLnBrk="0" hangingPunct="1">
               <a:lnSpc>
-                <a:spcPct val="120000"/>
+                <a:spcPct val="130000"/>
               </a:lnSpc>
               <a:spcBef>
                 <a:spcPts val="0"/>
               </a:spcBef>
               <a:spcAft>
-                <a:spcPts val="300"/>
+                <a:spcPts val="1000"/>
               </a:spcAft>
-              <a:buFont typeface="Wingdings" panose="05000000000000000000" charset="0"/>
-              <a:buChar char=""/>
-              <a:defRPr kumimoji="0" lang="zh-CN" altLang="en-US" sz="1400" b="0" i="0" u="none" strike="noStrike" kern="1200" cap="none" spc="150" normalizeH="0" baseline="0" noProof="1" dirty="0">
+              <a:buFont typeface="Arial" panose="020B0604020202020204" pitchFamily="34" charset="0"/>
+              <a:buChar char="•"/>
+              <a:defRPr sz="1600" u="none" strike="noStrike" kern="1200" cap="none" spc="150" normalizeH="0" baseline="0">
                 <a:solidFill>
                   <a:schemeClr val="tx1">
-                    <a:lumMod val="65000"/>
-                    <a:lumOff val="35000"/>
+                    <a:lumMod val="75000"/>
+                    <a:lumOff val="25000"/>
                   </a:schemeClr>
                 </a:solidFill>
                 <a:uFillTx/>
                 <a:latin typeface="Arial" panose="020B0604020202020204" pitchFamily="34" charset="0"/>
                 <a:ea typeface="微软雅黑" panose="020B0503020204020204" charset="-122"/>
                 <a:cs typeface="+mn-cs"/>
-                <a:sym typeface="+mn-ea"/>
               </a:defRPr>
             </a:lvl4pPr>
-            <a:lvl5pPr marL="2057400" marR="0" lvl="4" indent="-228600" algn="l" defTabSz="914400" rtl="0" eaLnBrk="1" fontAlgn="auto" latinLnBrk="0" hangingPunct="1">
+            <a:lvl5pPr marL="2057400" indent="-228600" algn="l" defTabSz="914400" rtl="0" eaLnBrk="1" fontAlgn="auto" latinLnBrk="0" hangingPunct="1">
               <a:lnSpc>
-                <a:spcPct val="120000"/>
+                <a:spcPct val="130000"/>
               </a:lnSpc>
               <a:spcBef>
                 <a:spcPts val="0"/>
               </a:spcBef>
               <a:spcAft>
-                <a:spcPts val="300"/>
+                <a:spcPts val="1000"/>
               </a:spcAft>
               <a:buFont typeface="Arial" panose="020B0604020202020204" pitchFamily="34" charset="0"/>
               <a:buChar char="•"/>
-              <a:defRPr kumimoji="0" lang="zh-CN" altLang="en-US" sz="1400" b="0" i="0" u="none" strike="noStrike" kern="1200" cap="none" spc="150" normalizeH="0" baseline="0" noProof="1" dirty="0">
+              <a:defRPr sz="1600" u="none" strike="noStrike" kern="1200" cap="none" spc="150" normalizeH="0" baseline="0">
                 <a:solidFill>
                   <a:schemeClr val="tx1">
-                    <a:lumMod val="65000"/>
-                    <a:lumOff val="35000"/>
+                    <a:lumMod val="75000"/>
+                    <a:lumOff val="25000"/>
                   </a:schemeClr>
                 </a:solidFill>
                 <a:uFillTx/>
                 <a:latin typeface="Arial" panose="020B0604020202020204" pitchFamily="34" charset="0"/>
                 <a:ea typeface="微软雅黑" panose="020B0503020204020204" charset="-122"/>
                 <a:cs typeface="+mn-cs"/>
-                <a:sym typeface="+mn-ea"/>
               </a:defRPr>
             </a:lvl5pPr>
             <a:lvl6pPr marL="2514600" indent="-228600" algn="l" defTabSz="914400" rtl="0" eaLnBrk="1" latinLnBrk="0" hangingPunct="1">
@@ -20798,30 +20431,30 @@
             </a:lvl9pPr>
           </a:lstStyle>
           <a:p>
-            <a:pPr marL="342900" lvl="0" indent="-342900" algn="l">
+            <a:pPr marL="0" lvl="0" indent="457200" algn="l">
               <a:buClrTx/>
               <a:buSzTx/>
-              <a:buAutoNum type="arabicPeriod"/>
+              <a:buNone/>
             </a:pPr>
             <a:r>
-              <a:rPr>
+              <a:rPr lang="zh-CN" altLang="en-US" dirty="0">
                 <a:solidFill>
                   <a:schemeClr val="dk1">
-                    <a:lumMod val="65000"/>
-                    <a:lumOff val="35000"/>
+                    <a:lumMod val="75000"/>
+                    <a:lumOff val="25000"/>
                   </a:schemeClr>
                 </a:solidFill>
                 <a:latin typeface="微软雅黑" panose="020B0503020204020204" charset="-122"/>
                 <a:cs typeface="微软雅黑" panose="020B0503020204020204" charset="-122"/>
                 <a:sym typeface="+mn-ea"/>
               </a:rPr>
-              <a:t>大规模企业级 Web 应用开发</a:t>
-            </a:r>
-            <a:endParaRPr>
+              <a:t>在微前端方案中需要实现的目标有:</a:t>
+            </a:r>
+            <a:endParaRPr lang="zh-CN" altLang="en-US" dirty="0">
               <a:solidFill>
                 <a:schemeClr val="dk1">
-                  <a:lumMod val="65000"/>
-                  <a:lumOff val="35000"/>
+                  <a:lumMod val="75000"/>
+                  <a:lumOff val="25000"/>
                 </a:schemeClr>
               </a:solidFill>
               <a:latin typeface="微软雅黑" panose="020B0503020204020204" charset="-122"/>
@@ -20830,30 +20463,29 @@
             </a:endParaRPr>
           </a:p>
           <a:p>
-            <a:pPr marL="342900" lvl="0" indent="-342900" algn="l">
+            <a:pPr lvl="0" algn="l">
               <a:buClrTx/>
               <a:buSzTx/>
-              <a:buAutoNum type="arabicPeriod"/>
             </a:pPr>
             <a:r>
-              <a:rPr>
+              <a:rPr lang="zh-CN" altLang="en-US" dirty="0">
                 <a:solidFill>
                   <a:schemeClr val="dk1">
-                    <a:lumMod val="65000"/>
-                    <a:lumOff val="35000"/>
+                    <a:lumMod val="75000"/>
+                    <a:lumOff val="25000"/>
                   </a:schemeClr>
                 </a:solidFill>
                 <a:latin typeface="微软雅黑" panose="020B0503020204020204" charset="-122"/>
                 <a:cs typeface="微软雅黑" panose="020B0503020204020204" charset="-122"/>
                 <a:sym typeface="+mn-ea"/>
               </a:rPr>
-              <a:t>跨团队及企业级应用协作开发</a:t>
-            </a:r>
-            <a:endParaRPr>
+              <a:t>1. 程序低入侵</a:t>
+            </a:r>
+            <a:endParaRPr lang="zh-CN" altLang="en-US" dirty="0">
               <a:solidFill>
                 <a:schemeClr val="dk1">
-                  <a:lumMod val="65000"/>
-                  <a:lumOff val="35000"/>
+                  <a:lumMod val="75000"/>
+                  <a:lumOff val="25000"/>
                 </a:schemeClr>
               </a:solidFill>
               <a:latin typeface="微软雅黑" panose="020B0503020204020204" charset="-122"/>
@@ -20862,30 +20494,29 @@
             </a:endParaRPr>
           </a:p>
           <a:p>
-            <a:pPr marL="342900" lvl="0" indent="-342900" algn="l">
+            <a:pPr lvl="0" algn="l">
               <a:buClrTx/>
               <a:buSzTx/>
-              <a:buAutoNum type="arabicPeriod"/>
             </a:pPr>
             <a:r>
-              <a:rPr>
+              <a:rPr lang="zh-CN" altLang="en-US" dirty="0">
                 <a:solidFill>
                   <a:schemeClr val="dk1">
-                    <a:lumMod val="65000"/>
-                    <a:lumOff val="35000"/>
+                    <a:lumMod val="75000"/>
+                    <a:lumOff val="25000"/>
                   </a:schemeClr>
                 </a:solidFill>
                 <a:latin typeface="微软雅黑" panose="020B0503020204020204" charset="-122"/>
                 <a:cs typeface="微软雅黑" panose="020B0503020204020204" charset="-122"/>
                 <a:sym typeface="+mn-ea"/>
               </a:rPr>
-              <a:t>长期收益高于短期收益</a:t>
-            </a:r>
-            <a:endParaRPr>
+              <a:t>2. 开发体验好</a:t>
+            </a:r>
+            <a:endParaRPr lang="zh-CN" altLang="en-US" dirty="0">
               <a:solidFill>
                 <a:schemeClr val="dk1">
-                  <a:lumMod val="65000"/>
-                  <a:lumOff val="35000"/>
+                  <a:lumMod val="75000"/>
+                  <a:lumOff val="25000"/>
                 </a:schemeClr>
               </a:solidFill>
               <a:latin typeface="微软雅黑" panose="020B0503020204020204" charset="-122"/>
@@ -20894,30 +20525,29 @@
             </a:endParaRPr>
           </a:p>
           <a:p>
-            <a:pPr marL="342900" lvl="0" indent="-342900" algn="l">
+            <a:pPr lvl="0" algn="l">
               <a:buClrTx/>
               <a:buSzTx/>
-              <a:buAutoNum type="arabicPeriod"/>
             </a:pPr>
             <a:r>
-              <a:rPr>
+              <a:rPr lang="zh-CN" altLang="en-US" dirty="0">
                 <a:solidFill>
                   <a:schemeClr val="dk1">
-                    <a:lumMod val="65000"/>
-                    <a:lumOff val="35000"/>
+                    <a:lumMod val="75000"/>
+                    <a:lumOff val="25000"/>
                   </a:schemeClr>
                 </a:solidFill>
                 <a:latin typeface="微软雅黑" panose="020B0503020204020204" charset="-122"/>
                 <a:cs typeface="微软雅黑" panose="020B0503020204020204" charset="-122"/>
                 <a:sym typeface="+mn-ea"/>
               </a:rPr>
-              <a:t>不同技术选型的项目</a:t>
-            </a:r>
-            <a:endParaRPr>
+              <a:t>3. 用户体验快</a:t>
+            </a:r>
+            <a:endParaRPr lang="zh-CN" altLang="en-US" dirty="0">
               <a:solidFill>
                 <a:schemeClr val="dk1">
-                  <a:lumMod val="65000"/>
-                  <a:lumOff val="35000"/>
+                  <a:lumMod val="75000"/>
+                  <a:lumOff val="25000"/>
                 </a:schemeClr>
               </a:solidFill>
               <a:latin typeface="微软雅黑" panose="020B0503020204020204" charset="-122"/>
@@ -20926,30 +20556,29 @@
             </a:endParaRPr>
           </a:p>
           <a:p>
-            <a:pPr marL="342900" lvl="0" indent="-342900" algn="l">
+            <a:pPr lvl="0" algn="l">
               <a:buClrTx/>
               <a:buSzTx/>
-              <a:buAutoNum type="arabicPeriod"/>
             </a:pPr>
             <a:r>
-              <a:rPr>
+              <a:rPr lang="zh-CN" altLang="en-US" dirty="0">
                 <a:solidFill>
                   <a:schemeClr val="dk1">
-                    <a:lumMod val="65000"/>
-                    <a:lumOff val="35000"/>
+                    <a:lumMod val="75000"/>
+                    <a:lumOff val="25000"/>
                   </a:schemeClr>
                 </a:solidFill>
                 <a:latin typeface="微软雅黑" panose="020B0503020204020204" charset="-122"/>
                 <a:cs typeface="微软雅黑" panose="020B0503020204020204" charset="-122"/>
                 <a:sym typeface="+mn-ea"/>
               </a:rPr>
-              <a:t>内聚的单个产品中部分需要独立发布、灰度等能力</a:t>
-            </a:r>
-            <a:endParaRPr>
+              <a:t>4. 理解成本低</a:t>
+            </a:r>
+            <a:endParaRPr lang="zh-CN" altLang="en-US" dirty="0">
               <a:solidFill>
                 <a:schemeClr val="dk1">
-                  <a:lumMod val="65000"/>
-                  <a:lumOff val="35000"/>
+                  <a:lumMod val="75000"/>
+                  <a:lumOff val="25000"/>
                 </a:schemeClr>
               </a:solidFill>
               <a:latin typeface="微软雅黑" panose="020B0503020204020204" charset="-122"/>
@@ -20958,30 +20587,15 @@
             </a:endParaRPr>
           </a:p>
           <a:p>
-            <a:pPr marL="342900" lvl="0" indent="-342900" algn="l">
+            <a:pPr lvl="0" algn="l">
               <a:buClrTx/>
               <a:buSzTx/>
-              <a:buAutoNum type="arabicPeriod"/>
             </a:pPr>
-            <a:r>
-              <a:rPr>
-                <a:solidFill>
-                  <a:schemeClr val="dk1">
-                    <a:lumMod val="65000"/>
-                    <a:lumOff val="35000"/>
-                  </a:schemeClr>
-                </a:solidFill>
-                <a:latin typeface="微软雅黑" panose="020B0503020204020204" charset="-122"/>
-                <a:cs typeface="微软雅黑" panose="020B0503020204020204" charset="-122"/>
-                <a:sym typeface="+mn-ea"/>
-              </a:rPr>
-              <a:t>微前端的目标并非用于取代 Iframe</a:t>
-            </a:r>
-            <a:endParaRPr>
+            <a:endParaRPr lang="zh-CN" altLang="en-US" dirty="0">
               <a:solidFill>
                 <a:schemeClr val="dk1">
-                  <a:lumMod val="65000"/>
-                  <a:lumOff val="35000"/>
+                  <a:lumMod val="75000"/>
+                  <a:lumOff val="25000"/>
                 </a:schemeClr>
               </a:solidFill>
               <a:latin typeface="微软雅黑" panose="020B0503020204020204" charset="-122"/>
@@ -20989,73 +20603,39 @@
               <a:sym typeface="+mn-ea"/>
             </a:endParaRPr>
           </a:p>
-          <a:p>
-            <a:pPr lvl="1" algn="l">
-              <a:buClrTx/>
-              <a:buSzTx/>
-            </a:pPr>
-            <a:r>
-              <a:rPr>
-                <a:solidFill>
-                  <a:schemeClr val="dk1">
-                    <a:lumMod val="65000"/>
-                    <a:lumOff val="35000"/>
-                  </a:schemeClr>
-                </a:solidFill>
-                <a:latin typeface="微软雅黑" panose="020B0503020204020204" charset="-122"/>
-                <a:cs typeface="微软雅黑" panose="020B0503020204020204" charset="-122"/>
-                <a:sym typeface="+mn-ea"/>
-              </a:rPr>
-              <a:t>应用的来源必须可信</a:t>
-            </a:r>
-            <a:endParaRPr>
-              <a:solidFill>
-                <a:schemeClr val="dk1">
-                  <a:lumMod val="65000"/>
-                  <a:lumOff val="35000"/>
-                </a:schemeClr>
-              </a:solidFill>
-              <a:latin typeface="微软雅黑" panose="020B0503020204020204" charset="-122"/>
-              <a:cs typeface="微软雅黑" panose="020B0503020204020204" charset="-122"/>
-              <a:sym typeface="+mn-ea"/>
-            </a:endParaRPr>
-          </a:p>
-          <a:p>
-            <a:pPr lvl="1" algn="l">
-              <a:buClrTx/>
-              <a:buSzTx/>
-            </a:pPr>
-            <a:r>
-              <a:rPr>
-                <a:solidFill>
-                  <a:schemeClr val="dk1">
-                    <a:lumMod val="65000"/>
-                    <a:lumOff val="35000"/>
-                  </a:schemeClr>
-                </a:solidFill>
-                <a:latin typeface="微软雅黑" panose="020B0503020204020204" charset="-122"/>
-                <a:cs typeface="微软雅黑" panose="020B0503020204020204" charset="-122"/>
-                <a:sym typeface="+mn-ea"/>
-              </a:rPr>
-              <a:t>用户体验要求更高</a:t>
-            </a:r>
-            <a:endParaRPr>
-              <a:solidFill>
-                <a:schemeClr val="dk1">
-                  <a:lumMod val="65000"/>
-                  <a:lumOff val="35000"/>
-                </a:schemeClr>
-              </a:solidFill>
-              <a:latin typeface="微软雅黑" panose="020B0503020204020204" charset="-122"/>
-              <a:cs typeface="微软雅黑" panose="020B0503020204020204" charset="-122"/>
-              <a:sym typeface="+mn-ea"/>
-            </a:endParaRPr>
-          </a:p>
         </p:txBody>
       </p:sp>
+      <p:pic>
+        <p:nvPicPr>
+          <p:cNvPr id="4" name="图片 3"/>
+          <p:cNvPicPr>
+            <a:picLocks noChangeAspect="1"/>
+          </p:cNvPicPr>
+          <p:nvPr>
+            <p:custDataLst>
+              <p:tags r:id="rId6"/>
+            </p:custDataLst>
+          </p:nvPr>
+        </p:nvPicPr>
+        <p:blipFill>
+          <a:blip r:embed="rId7"/>
+          <a:stretch>
+            <a:fillRect/>
+          </a:stretch>
+        </p:blipFill>
+        <p:spPr>
+          <a:xfrm>
+            <a:off x="3928110" y="1643380"/>
+            <a:ext cx="7738110" cy="3959225"/>
+          </a:xfrm>
+          <a:prstGeom prst="rect">
+            <a:avLst/>
+          </a:prstGeom>
+        </p:spPr>
+      </p:pic>
     </p:spTree>
     <p:custDataLst>
-      <p:tags r:id="rId6"/>
+      <p:tags r:id="rId8"/>
     </p:custDataLst>
   </p:cSld>
   <p:clrMapOvr>
@@ -21331,7 +20911,7 @@
                 <a:ea typeface="汉仪旗黑-85S" charset="0"/>
                 <a:sym typeface="+mn-ea"/>
               </a:rPr>
-              <a:t>微前端技术</a:t>
+              <a:t>微前端的关键</a:t>
             </a:r>
             <a:r>
               <a:rPr>
@@ -21342,7 +20922,7 @@
                 <a:ea typeface="汉仪旗黑-85S" charset="0"/>
                 <a:sym typeface="+mn-ea"/>
               </a:rPr>
-              <a:t>架构</a:t>
+              <a:t>技术</a:t>
             </a:r>
             <a:endParaRPr>
               <a:solidFill>
@@ -21370,16 +20950,16 @@
         </p:nvSpPr>
         <p:spPr>
           <a:xfrm>
-            <a:off x="608330" y="1502410"/>
-            <a:ext cx="3392805" cy="4747260"/>
+            <a:off x="608330" y="1595755"/>
+            <a:ext cx="4791710" cy="4936490"/>
           </a:xfrm>
         </p:spPr>
         <p:txBody>
-          <a:bodyPr vert="horz" lIns="101600" tIns="0" rIns="82550" bIns="0" rtlCol="0">
+          <a:bodyPr vert="horz" lIns="90000" tIns="46800" rIns="90000" bIns="46800" rtlCol="0">
             <a:normAutofit/>
           </a:bodyPr>
           <a:lstStyle>
-            <a:lvl1pPr marL="228600" indent="-228600" algn="l" defTabSz="914400" rtl="0" eaLnBrk="1" fontAlgn="auto" latinLnBrk="0" hangingPunct="1">
+            <a:lvl1pPr marL="228600" marR="0" lvl="0" indent="-228600" algn="l" defTabSz="914400" rtl="0" eaLnBrk="1" fontAlgn="auto" latinLnBrk="0" hangingPunct="1">
               <a:lnSpc>
                 <a:spcPct val="130000"/>
               </a:lnSpc>
@@ -21390,121 +20970,126 @@
                 <a:spcPts val="1000"/>
               </a:spcAft>
               <a:buFont typeface="Arial" panose="020B0604020202020204" pitchFamily="34" charset="0"/>
-              <a:buChar char="•"/>
-              <a:defRPr sz="1600" u="none" strike="noStrike" kern="1200" cap="none" spc="150" normalizeH="0" baseline="0">
+              <a:buChar char="●"/>
+              <a:defRPr kumimoji="0" lang="zh-CN" altLang="en-US" sz="1800" b="0" i="0" u="none" strike="noStrike" kern="1200" cap="none" spc="150" normalizeH="0" baseline="0" noProof="1" dirty="0">
                 <a:solidFill>
                   <a:schemeClr val="tx1">
-                    <a:lumMod val="75000"/>
-                    <a:lumOff val="25000"/>
+                    <a:lumMod val="65000"/>
+                    <a:lumOff val="35000"/>
                   </a:schemeClr>
                 </a:solidFill>
                 <a:uFillTx/>
                 <a:latin typeface="Arial" panose="020B0604020202020204" pitchFamily="34" charset="0"/>
                 <a:ea typeface="微软雅黑" panose="020B0503020204020204" charset="-122"/>
                 <a:cs typeface="+mn-cs"/>
+                <a:sym typeface="+mn-ea"/>
               </a:defRPr>
             </a:lvl1pPr>
-            <a:lvl2pPr marL="685800" indent="-228600" algn="l" defTabSz="914400" rtl="0" eaLnBrk="1" fontAlgn="auto" latinLnBrk="0" hangingPunct="1">
+            <a:lvl2pPr marL="685800" marR="0" lvl="1" indent="-228600" algn="l" defTabSz="914400" rtl="0" eaLnBrk="1" fontAlgn="auto" latinLnBrk="0" hangingPunct="1">
               <a:lnSpc>
-                <a:spcPct val="130000"/>
+                <a:spcPct val="120000"/>
               </a:lnSpc>
               <a:spcBef>
                 <a:spcPts val="0"/>
               </a:spcBef>
               <a:spcAft>
-                <a:spcPts val="1000"/>
+                <a:spcPts val="600"/>
               </a:spcAft>
               <a:buFont typeface="Arial" panose="020B0604020202020204" pitchFamily="34" charset="0"/>
-              <a:buChar char="•"/>
+              <a:buChar char="●"/>
               <a:tabLst>
                 <a:tab pos="1609725" algn="l"/>
               </a:tabLst>
-              <a:defRPr sz="1600" u="none" strike="noStrike" kern="1200" cap="none" spc="150" normalizeH="0" baseline="0">
+              <a:defRPr kumimoji="0" lang="zh-CN" altLang="en-US" sz="1600" b="0" i="0" u="none" strike="noStrike" kern="1200" cap="none" spc="150" normalizeH="0" baseline="0" noProof="1" dirty="0">
                 <a:solidFill>
                   <a:schemeClr val="tx1">
-                    <a:lumMod val="75000"/>
-                    <a:lumOff val="25000"/>
+                    <a:lumMod val="65000"/>
+                    <a:lumOff val="35000"/>
                   </a:schemeClr>
                 </a:solidFill>
                 <a:uFillTx/>
                 <a:latin typeface="Arial" panose="020B0604020202020204" pitchFamily="34" charset="0"/>
                 <a:ea typeface="微软雅黑" panose="020B0503020204020204" charset="-122"/>
                 <a:cs typeface="+mn-cs"/>
+                <a:sym typeface="+mn-ea"/>
               </a:defRPr>
             </a:lvl2pPr>
-            <a:lvl3pPr marL="1143000" indent="-228600" algn="l" defTabSz="914400" rtl="0" eaLnBrk="1" fontAlgn="auto" latinLnBrk="0" hangingPunct="1">
+            <a:lvl3pPr marL="1143000" marR="0" lvl="2" indent="-228600" algn="l" defTabSz="914400" rtl="0" eaLnBrk="1" fontAlgn="auto" latinLnBrk="0" hangingPunct="1">
               <a:lnSpc>
-                <a:spcPct val="130000"/>
+                <a:spcPct val="120000"/>
               </a:lnSpc>
               <a:spcBef>
                 <a:spcPts val="0"/>
               </a:spcBef>
               <a:spcAft>
-                <a:spcPts val="1000"/>
+                <a:spcPts val="600"/>
               </a:spcAft>
               <a:buFont typeface="Arial" panose="020B0604020202020204" pitchFamily="34" charset="0"/>
-              <a:buChar char="•"/>
-              <a:defRPr sz="1600" u="none" strike="noStrike" kern="1200" cap="none" spc="150" normalizeH="0" baseline="0">
+              <a:buChar char="●"/>
+              <a:defRPr kumimoji="0" lang="zh-CN" altLang="en-US" sz="1600" b="0" i="0" u="none" strike="noStrike" kern="1200" cap="none" spc="150" normalizeH="0" baseline="0" noProof="1" dirty="0">
                 <a:solidFill>
                   <a:schemeClr val="tx1">
-                    <a:lumMod val="75000"/>
-                    <a:lumOff val="25000"/>
+                    <a:lumMod val="65000"/>
+                    <a:lumOff val="35000"/>
                   </a:schemeClr>
                 </a:solidFill>
                 <a:uFillTx/>
                 <a:latin typeface="Arial" panose="020B0604020202020204" pitchFamily="34" charset="0"/>
                 <a:ea typeface="微软雅黑" panose="020B0503020204020204" charset="-122"/>
                 <a:cs typeface="+mn-cs"/>
+                <a:sym typeface="+mn-ea"/>
               </a:defRPr>
             </a:lvl3pPr>
-            <a:lvl4pPr marL="1600200" indent="-228600" algn="l" defTabSz="914400" rtl="0" eaLnBrk="1" fontAlgn="auto" latinLnBrk="0" hangingPunct="1">
+            <a:lvl4pPr marL="1600200" marR="0" lvl="3" indent="-228600" algn="l" defTabSz="914400" rtl="0" eaLnBrk="1" fontAlgn="auto" latinLnBrk="0" hangingPunct="1">
               <a:lnSpc>
-                <a:spcPct val="130000"/>
+                <a:spcPct val="120000"/>
               </a:lnSpc>
               <a:spcBef>
                 <a:spcPts val="0"/>
               </a:spcBef>
               <a:spcAft>
-                <a:spcPts val="1000"/>
+                <a:spcPts val="300"/>
               </a:spcAft>
-              <a:buFont typeface="Arial" panose="020B0604020202020204" pitchFamily="34" charset="0"/>
-              <a:buChar char="•"/>
-              <a:defRPr sz="1600" u="none" strike="noStrike" kern="1200" cap="none" spc="150" normalizeH="0" baseline="0">
+              <a:buFont typeface="Wingdings" panose="05000000000000000000" charset="0"/>
+              <a:buChar char=""/>
+              <a:defRPr kumimoji="0" lang="zh-CN" altLang="en-US" sz="1400" b="0" i="0" u="none" strike="noStrike" kern="1200" cap="none" spc="150" normalizeH="0" baseline="0" noProof="1" dirty="0">
                 <a:solidFill>
                   <a:schemeClr val="tx1">
-                    <a:lumMod val="75000"/>
-                    <a:lumOff val="25000"/>
+                    <a:lumMod val="65000"/>
+                    <a:lumOff val="35000"/>
                   </a:schemeClr>
                 </a:solidFill>
                 <a:uFillTx/>
                 <a:latin typeface="Arial" panose="020B0604020202020204" pitchFamily="34" charset="0"/>
                 <a:ea typeface="微软雅黑" panose="020B0503020204020204" charset="-122"/>
                 <a:cs typeface="+mn-cs"/>
+                <a:sym typeface="+mn-ea"/>
               </a:defRPr>
             </a:lvl4pPr>
-            <a:lvl5pPr marL="2057400" indent="-228600" algn="l" defTabSz="914400" rtl="0" eaLnBrk="1" fontAlgn="auto" latinLnBrk="0" hangingPunct="1">
+            <a:lvl5pPr marL="2057400" marR="0" lvl="4" indent="-228600" algn="l" defTabSz="914400" rtl="0" eaLnBrk="1" fontAlgn="auto" latinLnBrk="0" hangingPunct="1">
               <a:lnSpc>
-                <a:spcPct val="130000"/>
+                <a:spcPct val="120000"/>
               </a:lnSpc>
               <a:spcBef>
                 <a:spcPts val="0"/>
               </a:spcBef>
               <a:spcAft>
-                <a:spcPts val="1000"/>
+                <a:spcPts val="300"/>
               </a:spcAft>
               <a:buFont typeface="Arial" panose="020B0604020202020204" pitchFamily="34" charset="0"/>
               <a:buChar char="•"/>
-              <a:defRPr sz="1600" u="none" strike="noStrike" kern="1200" cap="none" spc="150" normalizeH="0" baseline="0">
+              <a:defRPr kumimoji="0" lang="zh-CN" altLang="en-US" sz="1400" b="0" i="0" u="none" strike="noStrike" kern="1200" cap="none" spc="150" normalizeH="0" baseline="0" noProof="1" dirty="0">
                 <a:solidFill>
                   <a:schemeClr val="tx1">
-                    <a:lumMod val="75000"/>
-                    <a:lumOff val="25000"/>
+                    <a:lumMod val="65000"/>
+                    <a:lumOff val="35000"/>
                   </a:schemeClr>
                 </a:solidFill>
                 <a:uFillTx/>
                 <a:latin typeface="Arial" panose="020B0604020202020204" pitchFamily="34" charset="0"/>
                 <a:ea typeface="微软雅黑" panose="020B0503020204020204" charset="-122"/>
                 <a:cs typeface="+mn-cs"/>
+                <a:sym typeface="+mn-ea"/>
               </a:defRPr>
             </a:lvl5pPr>
             <a:lvl6pPr marL="2514600" indent="-228600" algn="l" defTabSz="914400" rtl="0" eaLnBrk="1" latinLnBrk="0" hangingPunct="1">
@@ -21581,30 +21166,29 @@
             </a:lvl9pPr>
           </a:lstStyle>
           <a:p>
-            <a:pPr marL="0" lvl="0" indent="457200" algn="l">
+            <a:pPr lvl="0" algn="l">
               <a:buClrTx/>
               <a:buSzTx/>
-              <a:buNone/>
             </a:pPr>
             <a:r>
-              <a:rPr lang="zh-CN" altLang="en-US" dirty="0">
+              <a:rPr lang="en-US" altLang="zh-CN">
                 <a:solidFill>
                   <a:schemeClr val="dk1">
-                    <a:lumMod val="75000"/>
-                    <a:lumOff val="25000"/>
+                    <a:lumMod val="65000"/>
+                    <a:lumOff val="35000"/>
                   </a:schemeClr>
                 </a:solidFill>
                 <a:latin typeface="微软雅黑" panose="020B0503020204020204" charset="-122"/>
                 <a:cs typeface="微软雅黑" panose="020B0503020204020204" charset="-122"/>
                 <a:sym typeface="+mn-ea"/>
               </a:rPr>
-              <a:t>在微前端方案中需要实现的目标有:</a:t>
-            </a:r>
-            <a:endParaRPr lang="zh-CN" altLang="en-US" dirty="0">
+              <a:t>1. Sandbox - 隔离沙盒	</a:t>
+            </a:r>
+            <a:endParaRPr lang="en-US" altLang="zh-CN">
               <a:solidFill>
                 <a:schemeClr val="dk1">
-                  <a:lumMod val="75000"/>
-                  <a:lumOff val="25000"/>
+                  <a:lumMod val="65000"/>
+                  <a:lumOff val="35000"/>
                 </a:schemeClr>
               </a:solidFill>
               <a:latin typeface="微软雅黑" panose="020B0503020204020204" charset="-122"/>
@@ -21618,24 +21202,24 @@
               <a:buSzTx/>
             </a:pPr>
             <a:r>
-              <a:rPr lang="zh-CN" altLang="en-US" dirty="0">
+              <a:rPr lang="en-US" altLang="zh-CN">
                 <a:solidFill>
                   <a:schemeClr val="dk1">
-                    <a:lumMod val="75000"/>
-                    <a:lumOff val="25000"/>
+                    <a:lumMod val="65000"/>
+                    <a:lumOff val="35000"/>
                   </a:schemeClr>
                 </a:solidFill>
                 <a:latin typeface="微软雅黑" panose="020B0503020204020204" charset="-122"/>
                 <a:cs typeface="微软雅黑" panose="020B0503020204020204" charset="-122"/>
                 <a:sym typeface="+mn-ea"/>
               </a:rPr>
-              <a:t>1. 程序低入侵</a:t>
-            </a:r>
-            <a:endParaRPr lang="zh-CN" altLang="en-US" dirty="0">
+              <a:t>2. Router - 中心化路由</a:t>
+            </a:r>
+            <a:endParaRPr lang="en-US" altLang="zh-CN">
               <a:solidFill>
                 <a:schemeClr val="dk1">
-                  <a:lumMod val="75000"/>
-                  <a:lumOff val="25000"/>
+                  <a:lumMod val="65000"/>
+                  <a:lumOff val="35000"/>
                 </a:schemeClr>
               </a:solidFill>
               <a:latin typeface="微软雅黑" panose="020B0503020204020204" charset="-122"/>
@@ -21649,24 +21233,24 @@
               <a:buSzTx/>
             </a:pPr>
             <a:r>
-              <a:rPr lang="zh-CN" altLang="en-US" dirty="0">
+              <a:rPr lang="en-US" altLang="zh-CN">
                 <a:solidFill>
                   <a:schemeClr val="dk1">
-                    <a:lumMod val="75000"/>
-                    <a:lumOff val="25000"/>
+                    <a:lumMod val="65000"/>
+                    <a:lumOff val="35000"/>
                   </a:schemeClr>
                 </a:solidFill>
                 <a:latin typeface="微软雅黑" panose="020B0503020204020204" charset="-122"/>
                 <a:cs typeface="微软雅黑" panose="020B0503020204020204" charset="-122"/>
                 <a:sym typeface="+mn-ea"/>
               </a:rPr>
-              <a:t>2. 开发体验好</a:t>
-            </a:r>
-            <a:endParaRPr lang="zh-CN" altLang="en-US" dirty="0">
+              <a:t>3. Loader - 模块加载器	</a:t>
+            </a:r>
+            <a:endParaRPr lang="en-US" altLang="zh-CN">
               <a:solidFill>
                 <a:schemeClr val="dk1">
-                  <a:lumMod val="75000"/>
-                  <a:lumOff val="25000"/>
+                  <a:lumMod val="65000"/>
+                  <a:lumOff val="35000"/>
                 </a:schemeClr>
               </a:solidFill>
               <a:latin typeface="微软雅黑" panose="020B0503020204020204" charset="-122"/>
@@ -21680,24 +21264,24 @@
               <a:buSzTx/>
             </a:pPr>
             <a:r>
-              <a:rPr lang="zh-CN" altLang="en-US" dirty="0">
+              <a:rPr lang="en-US" altLang="zh-CN">
                 <a:solidFill>
                   <a:schemeClr val="dk1">
-                    <a:lumMod val="75000"/>
-                    <a:lumOff val="25000"/>
+                    <a:lumMod val="65000"/>
+                    <a:lumOff val="35000"/>
                   </a:schemeClr>
                 </a:solidFill>
                 <a:latin typeface="微软雅黑" panose="020B0503020204020204" charset="-122"/>
                 <a:cs typeface="微软雅黑" panose="020B0503020204020204" charset="-122"/>
                 <a:sym typeface="+mn-ea"/>
               </a:rPr>
-              <a:t>3. 用户体验快</a:t>
-            </a:r>
-            <a:endParaRPr lang="zh-CN" altLang="en-US" dirty="0">
+              <a:t>4. State/EventCommunication跨应用数据通信</a:t>
+            </a:r>
+            <a:endParaRPr lang="en-US" altLang="zh-CN">
               <a:solidFill>
                 <a:schemeClr val="dk1">
-                  <a:lumMod val="75000"/>
-                  <a:lumOff val="25000"/>
+                  <a:lumMod val="65000"/>
+                  <a:lumOff val="35000"/>
                 </a:schemeClr>
               </a:solidFill>
               <a:latin typeface="微软雅黑" panose="020B0503020204020204" charset="-122"/>
@@ -21711,24 +21295,24 @@
               <a:buSzTx/>
             </a:pPr>
             <a:r>
-              <a:rPr lang="zh-CN" altLang="en-US" dirty="0">
+              <a:rPr lang="en-US" altLang="zh-CN">
                 <a:solidFill>
                   <a:schemeClr val="dk1">
-                    <a:lumMod val="75000"/>
-                    <a:lumOff val="25000"/>
+                    <a:lumMod val="65000"/>
+                    <a:lumOff val="35000"/>
                   </a:schemeClr>
                 </a:solidFill>
                 <a:latin typeface="微软雅黑" panose="020B0503020204020204" charset="-122"/>
                 <a:cs typeface="微软雅黑" panose="020B0503020204020204" charset="-122"/>
                 <a:sym typeface="+mn-ea"/>
               </a:rPr>
-              <a:t>4. 理解成本低</a:t>
-            </a:r>
-            <a:endParaRPr lang="zh-CN" altLang="en-US" dirty="0">
+              <a:t>5. Registry - 应用注册中心	</a:t>
+            </a:r>
+            <a:endParaRPr lang="en-US" altLang="zh-CN">
               <a:solidFill>
                 <a:schemeClr val="dk1">
-                  <a:lumMod val="75000"/>
-                  <a:lumOff val="25000"/>
+                  <a:lumMod val="65000"/>
+                  <a:lumOff val="35000"/>
                 </a:schemeClr>
               </a:solidFill>
               <a:latin typeface="微软雅黑" panose="020B0503020204020204" charset="-122"/>
@@ -21741,11 +21325,25 @@
               <a:buClrTx/>
               <a:buSzTx/>
             </a:pPr>
-            <a:endParaRPr lang="zh-CN" altLang="en-US" dirty="0">
+            <a:r>
+              <a:rPr lang="en-US" altLang="zh-CN">
+                <a:solidFill>
+                  <a:schemeClr val="dk1">
+                    <a:lumMod val="65000"/>
+                    <a:lumOff val="35000"/>
+                  </a:schemeClr>
+                </a:solidFill>
+                <a:latin typeface="微软雅黑" panose="020B0503020204020204" charset="-122"/>
+                <a:cs typeface="微软雅黑" panose="020B0503020204020204" charset="-122"/>
+                <a:sym typeface="+mn-ea"/>
+              </a:rPr>
+              <a:t>6. Lifecycles - 应用生命周期	</a:t>
+            </a:r>
+            <a:endParaRPr lang="en-US" altLang="zh-CN">
               <a:solidFill>
                 <a:schemeClr val="dk1">
-                  <a:lumMod val="75000"/>
-                  <a:lumOff val="25000"/>
+                  <a:lumMod val="65000"/>
+                  <a:lumOff val="35000"/>
                 </a:schemeClr>
               </a:solidFill>
               <a:latin typeface="微软雅黑" panose="020B0503020204020204" charset="-122"/>
@@ -21753,30 +21351,88 @@
               <a:sym typeface="+mn-ea"/>
             </a:endParaRPr>
           </a:p>
+          <a:p>
+            <a:pPr lvl="0" algn="l">
+              <a:buClrTx/>
+              <a:buSzTx/>
+            </a:pPr>
+            <a:r>
+              <a:rPr lang="en-US" altLang="zh-CN">
+                <a:solidFill>
+                  <a:schemeClr val="dk1">
+                    <a:lumMod val="65000"/>
+                    <a:lumOff val="35000"/>
+                  </a:schemeClr>
+                </a:solidFill>
+                <a:latin typeface="微软雅黑" panose="020B0503020204020204" charset="-122"/>
+                <a:cs typeface="微软雅黑" panose="020B0503020204020204" charset="-122"/>
+                <a:sym typeface="+mn-ea"/>
+              </a:rPr>
+              <a:t>7. Module&amp;Plugin</a:t>
+            </a:r>
+            <a:endParaRPr lang="en-US" altLang="zh-CN">
+              <a:solidFill>
+                <a:schemeClr val="dk1">
+                  <a:lumMod val="65000"/>
+                  <a:lumOff val="35000"/>
+                </a:schemeClr>
+              </a:solidFill>
+              <a:latin typeface="微软雅黑" panose="020B0503020204020204" charset="-122"/>
+              <a:cs typeface="微软雅黑" panose="020B0503020204020204" charset="-122"/>
+              <a:sym typeface="+mn-ea"/>
+            </a:endParaRPr>
+          </a:p>
+          <a:p>
+            <a:pPr lvl="0" algn="l">
+              <a:buClrTx/>
+              <a:buSzTx/>
+            </a:pPr>
+            <a:r>
+              <a:rPr lang="en-US" altLang="zh-CN">
+                <a:solidFill>
+                  <a:schemeClr val="dk1">
+                    <a:lumMod val="65000"/>
+                    <a:lumOff val="35000"/>
+                  </a:schemeClr>
+                </a:solidFill>
+                <a:latin typeface="微软雅黑" panose="020B0503020204020204" charset="-122"/>
+                <a:cs typeface="微软雅黑" panose="020B0503020204020204" charset="-122"/>
+                <a:sym typeface="+mn-ea"/>
+              </a:rPr>
+              <a:t>8. Builder - 构建与部署 	</a:t>
+            </a:r>
+            <a:endParaRPr lang="en-US" altLang="zh-CN">
+              <a:solidFill>
+                <a:schemeClr val="dk1">
+                  <a:lumMod val="65000"/>
+                  <a:lumOff val="35000"/>
+                </a:schemeClr>
+              </a:solidFill>
+              <a:latin typeface="微软雅黑" panose="020B0503020204020204" charset="-122"/>
+              <a:cs typeface="微软雅黑" panose="020B0503020204020204" charset="-122"/>
+              <a:sym typeface="+mn-ea"/>
+            </a:endParaRPr>
+          </a:p>
         </p:txBody>
       </p:sp>
       <p:pic>
         <p:nvPicPr>
-          <p:cNvPr id="4" name="图片 3"/>
+          <p:cNvPr id="5" name="图片 4"/>
           <p:cNvPicPr>
             <a:picLocks noChangeAspect="1"/>
           </p:cNvPicPr>
-          <p:nvPr>
-            <p:custDataLst>
-              <p:tags r:id="rId6"/>
-            </p:custDataLst>
-          </p:nvPr>
+          <p:nvPr/>
         </p:nvPicPr>
         <p:blipFill>
-          <a:blip r:embed="rId7"/>
+          <a:blip r:embed="rId6"/>
           <a:stretch>
             <a:fillRect/>
           </a:stretch>
         </p:blipFill>
         <p:spPr>
           <a:xfrm>
-            <a:off x="3928110" y="1643380"/>
-            <a:ext cx="7738110" cy="3959225"/>
+            <a:off x="5979795" y="1480820"/>
+            <a:ext cx="5847715" cy="4768850"/>
           </a:xfrm>
           <a:prstGeom prst="rect">
             <a:avLst/>
@@ -21785,7 +21441,7 @@
       </p:pic>
     </p:spTree>
     <p:custDataLst>
-      <p:tags r:id="rId8"/>
+      <p:tags r:id="rId7"/>
     </p:custDataLst>
   </p:cSld>
   <p:clrMapOvr>
@@ -21821,7 +21477,7 @@
       </p:grpSpPr>
       <p:grpSp>
         <p:nvGrpSpPr>
-          <p:cNvPr id="9" name="组合 8"/>
+          <p:cNvPr id="8" name="组合 7"/>
           <p:cNvGrpSpPr/>
           <p:nvPr userDrawn="1">
             <p:custDataLst>
@@ -21839,7 +21495,7 @@
         </p:grpSpPr>
         <p:sp>
           <p:nvSpPr>
-            <p:cNvPr id="10" name="任意多边形: 形状 8"/>
+            <p:cNvPr id="9" name="任意多边形: 形状 8"/>
             <p:cNvSpPr/>
             <p:nvPr>
               <p:custDataLst>
@@ -21940,7 +21596,7 @@
         </p:sp>
         <p:sp>
           <p:nvSpPr>
-            <p:cNvPr id="11" name="等腰三角形 10"/>
+            <p:cNvPr id="10" name="等腰三角形 9"/>
             <p:cNvSpPr/>
             <p:nvPr>
               <p:custDataLst>
@@ -22014,8 +21670,8 @@
         </p:nvSpPr>
         <p:spPr>
           <a:xfrm>
-            <a:off x="608400" y="608400"/>
-            <a:ext cx="10969200" cy="705600"/>
+            <a:off x="608330" y="608330"/>
+            <a:ext cx="8415655" cy="705485"/>
           </a:xfrm>
         </p:spPr>
         <p:txBody>
@@ -22053,33 +21709,58 @@
               <a:buFontTx/>
             </a:pPr>
             <a:r>
+              <a:rPr lang="en-US" altLang="zh-CN">
+                <a:solidFill>
+                  <a:schemeClr val="accent1"/>
+                </a:solidFill>
+                <a:latin typeface="汉仪旗黑-85S" charset="0"/>
+                <a:cs typeface="汉仪旗黑-85S" charset="0"/>
+                <a:sym typeface="+mn-ea"/>
+              </a:rPr>
+              <a:t>qiankun</a:t>
+            </a:r>
+            <a:r>
               <a:rPr>
                 <a:solidFill>
                   <a:schemeClr val="accent1"/>
                 </a:solidFill>
                 <a:latin typeface="汉仪旗黑-85S" charset="0"/>
-                <a:ea typeface="汉仪旗黑-85S" charset="0"/>
+                <a:cs typeface="汉仪旗黑-85S" charset="0"/>
                 <a:sym typeface="+mn-ea"/>
               </a:rPr>
-              <a:t>微前端的关键</a:t>
-            </a:r>
-            <a:r>
-              <a:rPr>
+              <a:t>乾坤</a:t>
+            </a:r>
+            <a:r>
+              <a:rPr lang="en-US" altLang="zh-CN">
                 <a:solidFill>
                   <a:schemeClr val="accent1"/>
                 </a:solidFill>
                 <a:latin typeface="汉仪旗黑-85S" charset="0"/>
-                <a:ea typeface="汉仪旗黑-85S" charset="0"/>
+                <a:cs typeface="汉仪旗黑-85S" charset="0"/>
                 <a:sym typeface="+mn-ea"/>
               </a:rPr>
-              <a:t>技术</a:t>
-            </a:r>
-            <a:endParaRPr>
+              <a:t> </a:t>
+            </a:r>
+            <a:r>
+              <a:rPr lang="en-US" altLang="zh-CN" sz="1200">
+                <a:solidFill>
+                  <a:schemeClr val="accent1"/>
+                </a:solidFill>
+                <a:latin typeface="+mn-ea"/>
+                <a:ea typeface="+mn-ea"/>
+                <a:cs typeface="汉仪旗黑-85S" charset="0"/>
+                <a:sym typeface="+mn-ea"/>
+                <a:hlinkClick r:id="rId5" action="ppaction://hlinkfile"/>
+              </a:rPr>
+              <a:t>https://qiankun.umijs.org/zh/guide</a:t>
+            </a:r>
+            <a:endParaRPr lang="en-US" altLang="zh-CN" sz="1200">
               <a:solidFill>
                 <a:schemeClr val="accent1"/>
               </a:solidFill>
-              <a:latin typeface="汉仪旗黑-85S" charset="0"/>
-              <a:ea typeface="汉仪旗黑-85S" charset="0"/>
+              <a:latin typeface="+mn-ea"/>
+              <a:ea typeface="+mn-ea"/>
+              <a:cs typeface="汉仪旗黑-85S" charset="0"/>
               <a:sym typeface="+mn-ea"/>
             </a:endParaRPr>
           </a:p>
@@ -22087,511 +21768,263 @@
       </p:sp>
       <p:sp>
         <p:nvSpPr>
-          <p:cNvPr id="2" name="内容占位符 1"/>
-          <p:cNvSpPr>
-            <a:spLocks noGrp="1"/>
-          </p:cNvSpPr>
-          <p:nvPr>
-            <p:ph idx="4294967295"/>
-            <p:custDataLst>
-              <p:tags r:id="rId5"/>
-            </p:custDataLst>
-          </p:nvPr>
+          <p:cNvPr id="2" name="文本框 1"/>
+          <p:cNvSpPr txBox="1"/>
+          <p:nvPr/>
         </p:nvSpPr>
         <p:spPr>
           <a:xfrm>
-            <a:off x="608330" y="1595755"/>
-            <a:ext cx="4791710" cy="4936490"/>
+            <a:off x="811530" y="1680845"/>
+            <a:ext cx="10513060" cy="4582795"/>
           </a:xfrm>
+          <a:prstGeom prst="rect">
+            <a:avLst/>
+          </a:prstGeom>
+          <a:noFill/>
         </p:spPr>
         <p:txBody>
-          <a:bodyPr vert="horz" lIns="90000" tIns="46800" rIns="90000" bIns="46800" rtlCol="0">
-            <a:normAutofit/>
+          <a:bodyPr wrap="square" rtlCol="0">
+            <a:noAutofit/>
           </a:bodyPr>
-          <a:lstStyle>
-            <a:lvl1pPr marL="228600" marR="0" lvl="0" indent="-228600" algn="l" defTabSz="914400" rtl="0" eaLnBrk="1" fontAlgn="auto" latinLnBrk="0" hangingPunct="1">
+          <a:p>
+            <a:pPr>
               <a:lnSpc>
-                <a:spcPct val="130000"/>
+                <a:spcPct val="100000"/>
               </a:lnSpc>
               <a:spcBef>
                 <a:spcPts val="0"/>
               </a:spcBef>
               <a:spcAft>
-                <a:spcPts val="1000"/>
+                <a:spcPts val="0"/>
               </a:spcAft>
-              <a:buFont typeface="Arial" panose="020B0604020202020204" pitchFamily="34" charset="0"/>
-              <a:buChar char="●"/>
-              <a:defRPr kumimoji="0" lang="zh-CN" altLang="en-US" sz="1800" b="0" i="0" u="none" strike="noStrike" kern="1200" cap="none" spc="150" normalizeH="0" baseline="0" noProof="1" dirty="0">
-                <a:solidFill>
-                  <a:schemeClr val="tx1">
-                    <a:lumMod val="65000"/>
-                    <a:lumOff val="35000"/>
-                  </a:schemeClr>
-                </a:solidFill>
-                <a:uFillTx/>
-                <a:latin typeface="Arial" panose="020B0604020202020204" pitchFamily="34" charset="0"/>
-                <a:ea typeface="微软雅黑" panose="020B0503020204020204" charset="-122"/>
-                <a:cs typeface="+mn-cs"/>
-                <a:sym typeface="+mn-ea"/>
-              </a:defRPr>
-            </a:lvl1pPr>
-            <a:lvl2pPr marL="685800" marR="0" lvl="1" indent="-228600" algn="l" defTabSz="914400" rtl="0" eaLnBrk="1" fontAlgn="auto" latinLnBrk="0" hangingPunct="1">
+            </a:pPr>
+            <a:r>
+              <a:rPr lang="zh-CN" altLang="en-US">
+                <a:sym typeface="+mn-ea"/>
+              </a:rPr>
+              <a:t>乾坤微前端架构基于single-spa方案并进行完善：</a:t>
+            </a:r>
+            <a:endParaRPr lang="zh-CN" altLang="en-US">
+              <a:sym typeface="+mn-ea"/>
+            </a:endParaRPr>
+          </a:p>
+          <a:p>
+            <a:pPr>
               <a:lnSpc>
-                <a:spcPct val="120000"/>
+                <a:spcPct val="100000"/>
               </a:lnSpc>
               <a:spcBef>
                 <a:spcPts val="0"/>
               </a:spcBef>
               <a:spcAft>
-                <a:spcPts val="600"/>
+                <a:spcPts val="0"/>
               </a:spcAft>
-              <a:buFont typeface="Arial" panose="020B0604020202020204" pitchFamily="34" charset="0"/>
-              <a:buChar char="●"/>
-              <a:tabLst>
-                <a:tab pos="1609725" algn="l"/>
-              </a:tabLst>
-              <a:defRPr kumimoji="0" lang="zh-CN" altLang="en-US" sz="1600" b="0" i="0" u="none" strike="noStrike" kern="1200" cap="none" spc="150" normalizeH="0" baseline="0" noProof="1" dirty="0">
-                <a:solidFill>
-                  <a:schemeClr val="tx1">
-                    <a:lumMod val="65000"/>
-                    <a:lumOff val="35000"/>
-                  </a:schemeClr>
-                </a:solidFill>
-                <a:uFillTx/>
-                <a:latin typeface="Arial" panose="020B0604020202020204" pitchFamily="34" charset="0"/>
-                <a:ea typeface="微软雅黑" panose="020B0503020204020204" charset="-122"/>
-                <a:cs typeface="+mn-cs"/>
-                <a:sym typeface="+mn-ea"/>
-              </a:defRPr>
-            </a:lvl2pPr>
-            <a:lvl3pPr marL="1143000" marR="0" lvl="2" indent="-228600" algn="l" defTabSz="914400" rtl="0" eaLnBrk="1" fontAlgn="auto" latinLnBrk="0" hangingPunct="1">
+            </a:pPr>
+            <a:endParaRPr lang="zh-CN" altLang="en-US"/>
+          </a:p>
+          <a:p>
+            <a:pPr>
               <a:lnSpc>
-                <a:spcPct val="120000"/>
+                <a:spcPct val="100000"/>
               </a:lnSpc>
               <a:spcBef>
                 <a:spcPts val="0"/>
               </a:spcBef>
               <a:spcAft>
-                <a:spcPts val="600"/>
+                <a:spcPts val="0"/>
               </a:spcAft>
-              <a:buFont typeface="Arial" panose="020B0604020202020204" pitchFamily="34" charset="0"/>
-              <a:buChar char="●"/>
-              <a:defRPr kumimoji="0" lang="zh-CN" altLang="en-US" sz="1600" b="0" i="0" u="none" strike="noStrike" kern="1200" cap="none" spc="150" normalizeH="0" baseline="0" noProof="1" dirty="0">
-                <a:solidFill>
-                  <a:schemeClr val="tx1">
-                    <a:lumMod val="65000"/>
-                    <a:lumOff val="35000"/>
-                  </a:schemeClr>
-                </a:solidFill>
-                <a:uFillTx/>
-                <a:latin typeface="Arial" panose="020B0604020202020204" pitchFamily="34" charset="0"/>
-                <a:ea typeface="微软雅黑" panose="020B0503020204020204" charset="-122"/>
-                <a:cs typeface="+mn-cs"/>
-                <a:sym typeface="+mn-ea"/>
-              </a:defRPr>
-            </a:lvl3pPr>
-            <a:lvl4pPr marL="1600200" marR="0" lvl="3" indent="-228600" algn="l" defTabSz="914400" rtl="0" eaLnBrk="1" fontAlgn="auto" latinLnBrk="0" hangingPunct="1">
+            </a:pPr>
+            <a:r>
+              <a:rPr lang="zh-CN" altLang="en-US"/>
+              <a:t>沙箱：ProxySandbox - 使用 proxy 拦截，并在 active/inActive 时分别从缓存的 map 中 set/delete 相关 </a:t>
+            </a:r>
+            <a:r>
+              <a:rPr lang="en-US" altLang="zh-CN"/>
+              <a:t>   </a:t>
+            </a:r>
+            <a:r>
+              <a:rPr lang="zh-CN" altLang="en-US"/>
+              <a:t>modified/added 属性。</a:t>
+            </a:r>
+            <a:r>
+              <a:rPr lang="zh-CN" altLang="en-US">
+                <a:sym typeface="+mn-ea"/>
+              </a:rPr>
+              <a:t>SnapshotSandbox - 基于 diff 方式实现的沙箱，用于不支持 Proxy 的低版本浏览器，</a:t>
+            </a:r>
+            <a:r>
+              <a:rPr lang="zh-CN" altLang="en-US">
+                <a:sym typeface="+mn-ea"/>
+              </a:rPr>
+              <a:t>css 沙箱无法绝对的隔离，js 沙箱在某些场景下执行性能下降严重</a:t>
+            </a:r>
+            <a:endParaRPr lang="zh-CN" altLang="en-US">
+              <a:sym typeface="+mn-ea"/>
+            </a:endParaRPr>
+          </a:p>
+          <a:p>
+            <a:pPr>
               <a:lnSpc>
-                <a:spcPct val="120000"/>
+                <a:spcPct val="100000"/>
               </a:lnSpc>
               <a:spcBef>
                 <a:spcPts val="0"/>
               </a:spcBef>
               <a:spcAft>
-                <a:spcPts val="300"/>
+                <a:spcPts val="0"/>
               </a:spcAft>
-              <a:buFont typeface="Wingdings" panose="05000000000000000000" charset="0"/>
-              <a:buChar char=""/>
-              <a:defRPr kumimoji="0" lang="zh-CN" altLang="en-US" sz="1400" b="0" i="0" u="none" strike="noStrike" kern="1200" cap="none" spc="150" normalizeH="0" baseline="0" noProof="1" dirty="0">
-                <a:solidFill>
-                  <a:schemeClr val="tx1">
-                    <a:lumMod val="65000"/>
-                    <a:lumOff val="35000"/>
-                  </a:schemeClr>
-                </a:solidFill>
-                <a:uFillTx/>
-                <a:latin typeface="Arial" panose="020B0604020202020204" pitchFamily="34" charset="0"/>
-                <a:ea typeface="微软雅黑" panose="020B0503020204020204" charset="-122"/>
-                <a:cs typeface="+mn-cs"/>
-                <a:sym typeface="+mn-ea"/>
-              </a:defRPr>
-            </a:lvl4pPr>
-            <a:lvl5pPr marL="2057400" marR="0" lvl="4" indent="-228600" algn="l" defTabSz="914400" rtl="0" eaLnBrk="1" fontAlgn="auto" latinLnBrk="0" hangingPunct="1">
+            </a:pPr>
+            <a:endParaRPr lang="zh-CN" altLang="en-US">
+              <a:sym typeface="+mn-ea"/>
+            </a:endParaRPr>
+          </a:p>
+          <a:p>
+            <a:pPr>
               <a:lnSpc>
-                <a:spcPct val="120000"/>
+                <a:spcPct val="100000"/>
               </a:lnSpc>
               <a:spcBef>
                 <a:spcPts val="0"/>
               </a:spcBef>
               <a:spcAft>
-                <a:spcPts val="300"/>
+                <a:spcPts val="0"/>
+              </a:spcAft>
+            </a:pPr>
+            <a:r>
+              <a:rPr lang="zh-CN" altLang="en-US">
+                <a:sym typeface="+mn-ea"/>
+              </a:rPr>
+              <a:t>路由：</a:t>
+            </a:r>
+            <a:r>
+              <a:rPr lang="zh-CN" altLang="en-US">
+                <a:sym typeface="+mn-ea"/>
+              </a:rPr>
+              <a:t>监听路由对当前路由对应的子应用进行加载和卸载，无法同时激活多个子应用，不支持子应用保活</a:t>
+            </a:r>
+            <a:endParaRPr lang="zh-CN" altLang="en-US">
+              <a:sym typeface="+mn-ea"/>
+            </a:endParaRPr>
+          </a:p>
+          <a:p>
+            <a:pPr>
+              <a:lnSpc>
+                <a:spcPct val="100000"/>
+              </a:lnSpc>
+              <a:spcBef>
+                <a:spcPts val="0"/>
+              </a:spcBef>
+              <a:spcAft>
+                <a:spcPts val="0"/>
+              </a:spcAft>
+            </a:pPr>
+            <a:endParaRPr lang="zh-CN" altLang="en-US"/>
+          </a:p>
+          <a:p>
+            <a:pPr>
+              <a:lnSpc>
+                <a:spcPct val="100000"/>
+              </a:lnSpc>
+              <a:spcBef>
+                <a:spcPts val="0"/>
+              </a:spcBef>
+              <a:spcAft>
+                <a:spcPts val="0"/>
+              </a:spcAft>
+            </a:pPr>
+            <a:r>
+              <a:rPr lang="zh-CN" altLang="en-US"/>
+              <a:t>通信：使用全局注入，</a:t>
+            </a:r>
+            <a:r>
+              <a:rPr lang="zh-CN" altLang="en-US">
+                <a:sym typeface="+mn-ea"/>
+              </a:rPr>
+              <a:t>window.dispatchEvent, CustomEvent</a:t>
+            </a:r>
+            <a:endParaRPr lang="zh-CN" altLang="en-US">
+              <a:sym typeface="+mn-ea"/>
+            </a:endParaRPr>
+          </a:p>
+          <a:p>
+            <a:pPr>
+              <a:lnSpc>
+                <a:spcPct val="100000"/>
+              </a:lnSpc>
+              <a:spcBef>
+                <a:spcPts val="0"/>
+              </a:spcBef>
+              <a:spcAft>
+                <a:spcPts val="0"/>
+              </a:spcAft>
+            </a:pPr>
+            <a:endParaRPr lang="zh-CN" altLang="en-US"/>
+          </a:p>
+          <a:p>
+            <a:pPr indent="0">
+              <a:lnSpc>
+                <a:spcPct val="100000"/>
+              </a:lnSpc>
+              <a:spcBef>
+                <a:spcPts val="0"/>
+              </a:spcBef>
+              <a:spcAft>
+                <a:spcPts val="0"/>
+              </a:spcAft>
+              <a:buFont typeface="Arial" panose="020B0604020202020204" pitchFamily="34" charset="0"/>
+              <a:buNone/>
+            </a:pPr>
+            <a:r>
+              <a:rPr lang="zh-CN" altLang="en-US"/>
+              <a:t>缺点</a:t>
+            </a:r>
+            <a:endParaRPr lang="zh-CN" altLang="en-US"/>
+          </a:p>
+          <a:p>
+            <a:pPr marL="285750" indent="-285750">
+              <a:lnSpc>
+                <a:spcPct val="100000"/>
+              </a:lnSpc>
+              <a:spcBef>
+                <a:spcPts val="0"/>
+              </a:spcBef>
+              <a:spcAft>
+                <a:spcPts val="0"/>
               </a:spcAft>
               <a:buFont typeface="Arial" panose="020B0604020202020204" pitchFamily="34" charset="0"/>
               <a:buChar char="•"/>
-              <a:defRPr kumimoji="0" lang="zh-CN" altLang="en-US" sz="1400" b="0" i="0" u="none" strike="noStrike" kern="1200" cap="none" spc="150" normalizeH="0" baseline="0" noProof="1" dirty="0">
-                <a:solidFill>
-                  <a:schemeClr val="tx1">
-                    <a:lumMod val="65000"/>
-                    <a:lumOff val="35000"/>
-                  </a:schemeClr>
-                </a:solidFill>
-                <a:uFillTx/>
-                <a:latin typeface="Arial" panose="020B0604020202020204" pitchFamily="34" charset="0"/>
-                <a:ea typeface="微软雅黑" panose="020B0503020204020204" charset="-122"/>
-                <a:cs typeface="+mn-cs"/>
-                <a:sym typeface="+mn-ea"/>
-              </a:defRPr>
-            </a:lvl5pPr>
-            <a:lvl6pPr marL="2514600" indent="-228600" algn="l" defTabSz="914400" rtl="0" eaLnBrk="1" latinLnBrk="0" hangingPunct="1">
+            </a:pPr>
+            <a:r>
+              <a:rPr lang="zh-CN" altLang="en-US"/>
+              <a:t>改造成本较大，从 webpack、代码、路由等等都要做一系列的适配</a:t>
+            </a:r>
+            <a:endParaRPr lang="zh-CN" altLang="en-US"/>
+          </a:p>
+          <a:p>
+            <a:pPr marL="285750" indent="-285750">
               <a:lnSpc>
-                <a:spcPct val="90000"/>
+                <a:spcPct val="100000"/>
               </a:lnSpc>
               <a:spcBef>
-                <a:spcPts val="500"/>
+                <a:spcPts val="0"/>
               </a:spcBef>
+              <a:spcAft>
+                <a:spcPts val="0"/>
+              </a:spcAft>
               <a:buFont typeface="Arial" panose="020B0604020202020204" pitchFamily="34" charset="0"/>
               <a:buChar char="•"/>
-              <a:defRPr sz="1800" kern="1200">
-                <a:solidFill>
-                  <a:schemeClr val="tx1"/>
-                </a:solidFill>
-                <a:latin typeface="+mn-lt"/>
-                <a:ea typeface="+mn-ea"/>
-                <a:cs typeface="+mn-cs"/>
-              </a:defRPr>
-            </a:lvl6pPr>
-            <a:lvl7pPr marL="2971800" indent="-228600" algn="l" defTabSz="914400" rtl="0" eaLnBrk="1" latinLnBrk="0" hangingPunct="1">
-              <a:lnSpc>
-                <a:spcPct val="90000"/>
-              </a:lnSpc>
-              <a:spcBef>
-                <a:spcPts val="500"/>
-              </a:spcBef>
-              <a:buFont typeface="Arial" panose="020B0604020202020204" pitchFamily="34" charset="0"/>
-              <a:buChar char="•"/>
-              <a:defRPr sz="1800" kern="1200">
-                <a:solidFill>
-                  <a:schemeClr val="tx1"/>
-                </a:solidFill>
-                <a:latin typeface="+mn-lt"/>
-                <a:ea typeface="+mn-ea"/>
-                <a:cs typeface="+mn-cs"/>
-              </a:defRPr>
-            </a:lvl7pPr>
-            <a:lvl8pPr marL="3429000" indent="-228600" algn="l" defTabSz="914400" rtl="0" eaLnBrk="1" latinLnBrk="0" hangingPunct="1">
-              <a:lnSpc>
-                <a:spcPct val="90000"/>
-              </a:lnSpc>
-              <a:spcBef>
-                <a:spcPts val="500"/>
-              </a:spcBef>
-              <a:buFont typeface="Arial" panose="020B0604020202020204" pitchFamily="34" charset="0"/>
-              <a:buChar char="•"/>
-              <a:defRPr sz="1800" kern="1200">
-                <a:solidFill>
-                  <a:schemeClr val="tx1"/>
-                </a:solidFill>
-                <a:latin typeface="+mn-lt"/>
-                <a:ea typeface="+mn-ea"/>
-                <a:cs typeface="+mn-cs"/>
-              </a:defRPr>
-            </a:lvl8pPr>
-            <a:lvl9pPr marL="3886200" indent="-228600" algn="l" defTabSz="914400" rtl="0" eaLnBrk="1" latinLnBrk="0" hangingPunct="1">
-              <a:lnSpc>
-                <a:spcPct val="90000"/>
-              </a:lnSpc>
-              <a:spcBef>
-                <a:spcPts val="500"/>
-              </a:spcBef>
-              <a:buFont typeface="Arial" panose="020B0604020202020204" pitchFamily="34" charset="0"/>
-              <a:buChar char="•"/>
-              <a:defRPr sz="1800" kern="1200">
-                <a:solidFill>
-                  <a:schemeClr val="tx1"/>
-                </a:solidFill>
-                <a:latin typeface="+mn-lt"/>
-                <a:ea typeface="+mn-ea"/>
-                <a:cs typeface="+mn-cs"/>
-              </a:defRPr>
-            </a:lvl9pPr>
-          </a:lstStyle>
-          <a:p>
-            <a:pPr lvl="0" algn="l">
-              <a:buClrTx/>
-              <a:buSzTx/>
             </a:pPr>
             <a:r>
-              <a:rPr lang="en-US" altLang="zh-CN">
-                <a:solidFill>
-                  <a:schemeClr val="dk1">
-                    <a:lumMod val="65000"/>
-                    <a:lumOff val="35000"/>
-                  </a:schemeClr>
-                </a:solidFill>
-                <a:latin typeface="微软雅黑" panose="020B0503020204020204" charset="-122"/>
-                <a:cs typeface="微软雅黑" panose="020B0503020204020204" charset="-122"/>
-                <a:sym typeface="+mn-ea"/>
-              </a:rPr>
-              <a:t>1. Sandbox - 隔离沙盒	</a:t>
-            </a:r>
-            <a:endParaRPr lang="en-US" altLang="zh-CN">
-              <a:solidFill>
-                <a:schemeClr val="dk1">
-                  <a:lumMod val="65000"/>
-                  <a:lumOff val="35000"/>
-                </a:schemeClr>
-              </a:solidFill>
-              <a:latin typeface="微软雅黑" panose="020B0503020204020204" charset="-122"/>
-              <a:cs typeface="微软雅黑" panose="020B0503020204020204" charset="-122"/>
-              <a:sym typeface="+mn-ea"/>
-            </a:endParaRPr>
-          </a:p>
-          <a:p>
-            <a:pPr lvl="0" algn="l">
-              <a:buClrTx/>
-              <a:buSzTx/>
-            </a:pPr>
-            <a:r>
-              <a:rPr lang="en-US" altLang="zh-CN">
-                <a:solidFill>
-                  <a:schemeClr val="dk1">
-                    <a:lumMod val="65000"/>
-                    <a:lumOff val="35000"/>
-                  </a:schemeClr>
-                </a:solidFill>
-                <a:latin typeface="微软雅黑" panose="020B0503020204020204" charset="-122"/>
-                <a:cs typeface="微软雅黑" panose="020B0503020204020204" charset="-122"/>
-                <a:sym typeface="+mn-ea"/>
-              </a:rPr>
-              <a:t>2. Router - 中心化路由</a:t>
-            </a:r>
-            <a:endParaRPr lang="en-US" altLang="zh-CN">
-              <a:solidFill>
-                <a:schemeClr val="dk1">
-                  <a:lumMod val="65000"/>
-                  <a:lumOff val="35000"/>
-                </a:schemeClr>
-              </a:solidFill>
-              <a:latin typeface="微软雅黑" panose="020B0503020204020204" charset="-122"/>
-              <a:cs typeface="微软雅黑" panose="020B0503020204020204" charset="-122"/>
-              <a:sym typeface="+mn-ea"/>
-            </a:endParaRPr>
-          </a:p>
-          <a:p>
-            <a:pPr lvl="0" algn="l">
-              <a:buClrTx/>
-              <a:buSzTx/>
-            </a:pPr>
-            <a:r>
-              <a:rPr lang="en-US" altLang="zh-CN">
-                <a:solidFill>
-                  <a:schemeClr val="dk1">
-                    <a:lumMod val="65000"/>
-                    <a:lumOff val="35000"/>
-                  </a:schemeClr>
-                </a:solidFill>
-                <a:latin typeface="微软雅黑" panose="020B0503020204020204" charset="-122"/>
-                <a:cs typeface="微软雅黑" panose="020B0503020204020204" charset="-122"/>
-                <a:sym typeface="+mn-ea"/>
-              </a:rPr>
-              <a:t>3. Loader - 模块加载器	</a:t>
-            </a:r>
-            <a:endParaRPr lang="en-US" altLang="zh-CN">
-              <a:solidFill>
-                <a:schemeClr val="dk1">
-                  <a:lumMod val="65000"/>
-                  <a:lumOff val="35000"/>
-                </a:schemeClr>
-              </a:solidFill>
-              <a:latin typeface="微软雅黑" panose="020B0503020204020204" charset="-122"/>
-              <a:cs typeface="微软雅黑" panose="020B0503020204020204" charset="-122"/>
-              <a:sym typeface="+mn-ea"/>
-            </a:endParaRPr>
-          </a:p>
-          <a:p>
-            <a:pPr lvl="0" algn="l">
-              <a:buClrTx/>
-              <a:buSzTx/>
-            </a:pPr>
-            <a:r>
-              <a:rPr lang="en-US" altLang="zh-CN">
-                <a:solidFill>
-                  <a:schemeClr val="dk1">
-                    <a:lumMod val="65000"/>
-                    <a:lumOff val="35000"/>
-                  </a:schemeClr>
-                </a:solidFill>
-                <a:latin typeface="微软雅黑" panose="020B0503020204020204" charset="-122"/>
-                <a:cs typeface="微软雅黑" panose="020B0503020204020204" charset="-122"/>
-                <a:sym typeface="+mn-ea"/>
-              </a:rPr>
-              <a:t>4. State/EventCommunication跨应用数据通信</a:t>
-            </a:r>
-            <a:endParaRPr lang="en-US" altLang="zh-CN">
-              <a:solidFill>
-                <a:schemeClr val="dk1">
-                  <a:lumMod val="65000"/>
-                  <a:lumOff val="35000"/>
-                </a:schemeClr>
-              </a:solidFill>
-              <a:latin typeface="微软雅黑" panose="020B0503020204020204" charset="-122"/>
-              <a:cs typeface="微软雅黑" panose="020B0503020204020204" charset="-122"/>
-              <a:sym typeface="+mn-ea"/>
-            </a:endParaRPr>
-          </a:p>
-          <a:p>
-            <a:pPr lvl="0" algn="l">
-              <a:buClrTx/>
-              <a:buSzTx/>
-            </a:pPr>
-            <a:r>
-              <a:rPr lang="en-US" altLang="zh-CN">
-                <a:solidFill>
-                  <a:schemeClr val="dk1">
-                    <a:lumMod val="65000"/>
-                    <a:lumOff val="35000"/>
-                  </a:schemeClr>
-                </a:solidFill>
-                <a:latin typeface="微软雅黑" panose="020B0503020204020204" charset="-122"/>
-                <a:cs typeface="微软雅黑" panose="020B0503020204020204" charset="-122"/>
-                <a:sym typeface="+mn-ea"/>
-              </a:rPr>
-              <a:t>5. Registry - 应用注册中心	</a:t>
-            </a:r>
-            <a:endParaRPr lang="en-US" altLang="zh-CN">
-              <a:solidFill>
-                <a:schemeClr val="dk1">
-                  <a:lumMod val="65000"/>
-                  <a:lumOff val="35000"/>
-                </a:schemeClr>
-              </a:solidFill>
-              <a:latin typeface="微软雅黑" panose="020B0503020204020204" charset="-122"/>
-              <a:cs typeface="微软雅黑" panose="020B0503020204020204" charset="-122"/>
-              <a:sym typeface="+mn-ea"/>
-            </a:endParaRPr>
-          </a:p>
-          <a:p>
-            <a:pPr lvl="0" algn="l">
-              <a:buClrTx/>
-              <a:buSzTx/>
-            </a:pPr>
-            <a:r>
-              <a:rPr lang="en-US" altLang="zh-CN">
-                <a:solidFill>
-                  <a:schemeClr val="dk1">
-                    <a:lumMod val="65000"/>
-                    <a:lumOff val="35000"/>
-                  </a:schemeClr>
-                </a:solidFill>
-                <a:latin typeface="微软雅黑" panose="020B0503020204020204" charset="-122"/>
-                <a:cs typeface="微软雅黑" panose="020B0503020204020204" charset="-122"/>
-                <a:sym typeface="+mn-ea"/>
-              </a:rPr>
-              <a:t>6. Lifecycles - 应用生命周期	</a:t>
-            </a:r>
-            <a:endParaRPr lang="en-US" altLang="zh-CN">
-              <a:solidFill>
-                <a:schemeClr val="dk1">
-                  <a:lumMod val="65000"/>
-                  <a:lumOff val="35000"/>
-                </a:schemeClr>
-              </a:solidFill>
-              <a:latin typeface="微软雅黑" panose="020B0503020204020204" charset="-122"/>
-              <a:cs typeface="微软雅黑" panose="020B0503020204020204" charset="-122"/>
-              <a:sym typeface="+mn-ea"/>
-            </a:endParaRPr>
-          </a:p>
-          <a:p>
-            <a:pPr lvl="0" algn="l">
-              <a:buClrTx/>
-              <a:buSzTx/>
-            </a:pPr>
-            <a:r>
-              <a:rPr lang="en-US" altLang="zh-CN">
-                <a:solidFill>
-                  <a:schemeClr val="dk1">
-                    <a:lumMod val="65000"/>
-                    <a:lumOff val="35000"/>
-                  </a:schemeClr>
-                </a:solidFill>
-                <a:latin typeface="微软雅黑" panose="020B0503020204020204" charset="-122"/>
-                <a:cs typeface="微软雅黑" panose="020B0503020204020204" charset="-122"/>
-                <a:sym typeface="+mn-ea"/>
-              </a:rPr>
-              <a:t>7. Module&amp;Plugin</a:t>
-            </a:r>
-            <a:endParaRPr lang="en-US" altLang="zh-CN">
-              <a:solidFill>
-                <a:schemeClr val="dk1">
-                  <a:lumMod val="65000"/>
-                  <a:lumOff val="35000"/>
-                </a:schemeClr>
-              </a:solidFill>
-              <a:latin typeface="微软雅黑" panose="020B0503020204020204" charset="-122"/>
-              <a:cs typeface="微软雅黑" panose="020B0503020204020204" charset="-122"/>
-              <a:sym typeface="+mn-ea"/>
-            </a:endParaRPr>
-          </a:p>
-          <a:p>
-            <a:pPr lvl="0" algn="l">
-              <a:buClrTx/>
-              <a:buSzTx/>
-            </a:pPr>
-            <a:r>
-              <a:rPr lang="en-US" altLang="zh-CN">
-                <a:solidFill>
-                  <a:schemeClr val="dk1">
-                    <a:lumMod val="65000"/>
-                    <a:lumOff val="35000"/>
-                  </a:schemeClr>
-                </a:solidFill>
-                <a:latin typeface="微软雅黑" panose="020B0503020204020204" charset="-122"/>
-                <a:cs typeface="微软雅黑" panose="020B0503020204020204" charset="-122"/>
-                <a:sym typeface="+mn-ea"/>
-              </a:rPr>
-              <a:t>8. Builder - 构建与部署 	</a:t>
-            </a:r>
-            <a:endParaRPr lang="en-US" altLang="zh-CN">
-              <a:solidFill>
-                <a:schemeClr val="dk1">
-                  <a:lumMod val="65000"/>
-                  <a:lumOff val="35000"/>
-                </a:schemeClr>
-              </a:solidFill>
-              <a:latin typeface="微软雅黑" panose="020B0503020204020204" charset="-122"/>
-              <a:cs typeface="微软雅黑" panose="020B0503020204020204" charset="-122"/>
-              <a:sym typeface="+mn-ea"/>
-            </a:endParaRPr>
+              <a:rPr lang="zh-CN" altLang="en-US"/>
+              <a:t>无法支持 vite 等 ESM 脚本运行</a:t>
+            </a:r>
+            <a:endParaRPr lang="zh-CN" altLang="en-US"/>
           </a:p>
         </p:txBody>
       </p:sp>
-      <p:pic>
-        <p:nvPicPr>
-          <p:cNvPr id="5" name="图片 4"/>
-          <p:cNvPicPr>
-            <a:picLocks noChangeAspect="1"/>
-          </p:cNvPicPr>
-          <p:nvPr/>
-        </p:nvPicPr>
-        <p:blipFill>
-          <a:blip r:embed="rId6"/>
-          <a:stretch>
-            <a:fillRect/>
-          </a:stretch>
-        </p:blipFill>
-        <p:spPr>
-          <a:xfrm>
-            <a:off x="5979795" y="1480820"/>
-            <a:ext cx="5847715" cy="4768850"/>
-          </a:xfrm>
-          <a:prstGeom prst="rect">
-            <a:avLst/>
-          </a:prstGeom>
-        </p:spPr>
-      </p:pic>
     </p:spTree>
     <p:custDataLst>
-      <p:tags r:id="rId7"/>
+      <p:tags r:id="rId6"/>
     </p:custDataLst>
   </p:cSld>
   <p:clrMapOvr>
@@ -22820,8 +22253,8 @@
         </p:nvSpPr>
         <p:spPr>
           <a:xfrm>
-            <a:off x="608330" y="608330"/>
-            <a:ext cx="8415655" cy="705485"/>
+            <a:off x="608400" y="608400"/>
+            <a:ext cx="10969200" cy="705600"/>
           </a:xfrm>
         </p:spPr>
         <p:txBody>
@@ -22867,49 +22300,25 @@
                 <a:cs typeface="汉仪旗黑-85S" charset="0"/>
                 <a:sym typeface="+mn-ea"/>
               </a:rPr>
-              <a:t>qiankun</a:t>
-            </a:r>
-            <a:r>
-              <a:rPr>
+              <a:t>microApp  </a:t>
+            </a:r>
+            <a:r>
+              <a:rPr lang="en-US" altLang="zh-CN" sz="1780">
                 <a:solidFill>
                   <a:schemeClr val="accent1"/>
                 </a:solidFill>
                 <a:latin typeface="汉仪旗黑-85S" charset="0"/>
                 <a:cs typeface="汉仪旗黑-85S" charset="0"/>
                 <a:sym typeface="+mn-ea"/>
-              </a:rPr>
-              <a:t>乾坤</a:t>
-            </a:r>
-            <a:r>
-              <a:rPr lang="en-US" altLang="zh-CN">
-                <a:solidFill>
-                  <a:schemeClr val="accent1"/>
-                </a:solidFill>
-                <a:latin typeface="汉仪旗黑-85S" charset="0"/>
-                <a:cs typeface="汉仪旗黑-85S" charset="0"/>
-                <a:sym typeface="+mn-ea"/>
-              </a:rPr>
-              <a:t> </a:t>
-            </a:r>
-            <a:r>
-              <a:rPr lang="en-US" altLang="zh-CN" sz="1200">
-                <a:solidFill>
-                  <a:schemeClr val="accent1"/>
-                </a:solidFill>
-                <a:latin typeface="+mn-ea"/>
-                <a:ea typeface="+mn-ea"/>
-                <a:cs typeface="汉仪旗黑-85S" charset="0"/>
-                <a:sym typeface="+mn-ea"/>
                 <a:hlinkClick r:id="rId5" action="ppaction://hlinkfile"/>
               </a:rPr>
-              <a:t>https://qiankun.umijs.org/zh/guide</a:t>
-            </a:r>
-            <a:endParaRPr lang="en-US" altLang="zh-CN" sz="1200">
+              <a:t>https://micro-zoe.github.io/micro-app/docs.html</a:t>
+            </a:r>
+            <a:endParaRPr lang="en-US" altLang="zh-CN" sz="1780">
               <a:solidFill>
                 <a:schemeClr val="accent1"/>
               </a:solidFill>
-              <a:latin typeface="+mn-ea"/>
-              <a:ea typeface="+mn-ea"/>
+              <a:latin typeface="汉仪旗黑-85S" charset="0"/>
               <a:cs typeface="汉仪旗黑-85S" charset="0"/>
               <a:sym typeface="+mn-ea"/>
             </a:endParaRPr>
@@ -22924,7 +22333,7 @@
         </p:nvSpPr>
         <p:spPr>
           <a:xfrm>
-            <a:off x="811530" y="1680845"/>
+            <a:off x="700405" y="1602740"/>
             <a:ext cx="10513060" cy="4582795"/>
           </a:xfrm>
           <a:prstGeom prst="rect">
@@ -22937,237 +22346,198 @@
             <a:noAutofit/>
           </a:bodyPr>
           <a:p>
-            <a:pPr>
-              <a:lnSpc>
-                <a:spcPct val="100000"/>
-              </a:lnSpc>
-              <a:spcBef>
-                <a:spcPts val="0"/>
-              </a:spcBef>
-              <a:spcAft>
-                <a:spcPts val="0"/>
-              </a:spcAft>
+            <a:pPr indent="0">
+              <a:buFont typeface="Arial" panose="020B0604020202020204" pitchFamily="34" charset="0"/>
+              <a:buNone/>
             </a:pPr>
             <a:r>
               <a:rPr lang="zh-CN" altLang="en-US">
                 <a:sym typeface="+mn-ea"/>
               </a:rPr>
-              <a:t>乾坤微前端架构基于single-spa方案并进行完善：</a:t>
+              <a:t>沙箱：通过CustomElement结合自定义的ShadowDom，将微前端封装成一个类WebComponent组件，</a:t>
+            </a:r>
+            <a:r>
+              <a:rPr lang="en-US" altLang="zh-CN">
+                <a:sym typeface="+mn-ea"/>
+              </a:rPr>
+              <a:t>        </a:t>
+            </a:r>
+            <a:r>
+              <a:rPr lang="zh-CN" altLang="en-US">
+                <a:sym typeface="+mn-ea"/>
+              </a:rPr>
+              <a:t>从而实现微前端的组件化渲染</a:t>
+            </a:r>
+            <a:r>
+              <a:rPr lang="en-US" altLang="zh-CN">
+                <a:sym typeface="+mn-ea"/>
+              </a:rPr>
+              <a:t>,</a:t>
+            </a:r>
+            <a:r>
+              <a:rPr lang="zh-CN" altLang="en-US">
+                <a:sym typeface="+mn-ea"/>
+              </a:rPr>
+              <a:t>基于CustomElement和样式隔离、js隔离来实现微应用的加载，所以子应用无需改动就可以接入</a:t>
             </a:r>
             <a:endParaRPr lang="zh-CN" altLang="en-US">
               <a:sym typeface="+mn-ea"/>
             </a:endParaRPr>
           </a:p>
           <a:p>
-            <a:pPr>
-              <a:lnSpc>
-                <a:spcPct val="100000"/>
-              </a:lnSpc>
-              <a:spcBef>
-                <a:spcPts val="0"/>
-              </a:spcBef>
-              <a:spcAft>
-                <a:spcPts val="0"/>
-              </a:spcAft>
+            <a:pPr indent="0">
+              <a:buFont typeface="Arial" panose="020B0604020202020204" pitchFamily="34" charset="0"/>
+              <a:buNone/>
+            </a:pPr>
+            <a:br>
+              <a:rPr lang="zh-CN" altLang="en-US">
+                <a:sym typeface="+mn-ea"/>
+              </a:rPr>
+            </a:br>
+            <a:r>
+              <a:rPr lang="zh-CN" altLang="en-US">
+                <a:sym typeface="+mn-ea"/>
+              </a:rPr>
+              <a:t>路由：</a:t>
+            </a:r>
+            <a:r>
+              <a:rPr lang="zh-CN" altLang="en-US">
+                <a:sym typeface="+mn-ea"/>
+              </a:rPr>
+              <a:t>类似</a:t>
+            </a:r>
+            <a:r>
+              <a:rPr lang="en-US" altLang="zh-CN">
+                <a:sym typeface="+mn-ea"/>
+              </a:rPr>
+              <a:t>qiankun, 路由依然存在依赖；多应用激活后无法保持各子应用的路由状态，刷新后全部丢失</a:t>
+            </a:r>
+            <a:endParaRPr lang="en-US" altLang="zh-CN">
+              <a:sym typeface="+mn-ea"/>
+            </a:endParaRPr>
+          </a:p>
+          <a:p>
+            <a:pPr indent="0">
+              <a:buFont typeface="Arial" panose="020B0604020202020204" pitchFamily="34" charset="0"/>
+              <a:buNone/>
             </a:pPr>
             <a:endParaRPr lang="zh-CN" altLang="en-US"/>
           </a:p>
           <a:p>
-            <a:pPr>
-              <a:lnSpc>
-                <a:spcPct val="100000"/>
-              </a:lnSpc>
-              <a:spcBef>
-                <a:spcPts val="0"/>
-              </a:spcBef>
-              <a:spcAft>
-                <a:spcPts val="0"/>
-              </a:spcAft>
+            <a:pPr indent="0">
+              <a:buFont typeface="Arial" panose="020B0604020202020204" pitchFamily="34" charset="0"/>
+              <a:buNone/>
             </a:pPr>
             <a:r>
-              <a:rPr lang="zh-CN" altLang="en-US"/>
-              <a:t>沙箱：ProxySandbox - 使用 proxy 拦截，并在 active/inActive 时分别从缓存的 map 中 set/delete 相关 </a:t>
-            </a:r>
-            <a:r>
-              <a:rPr lang="en-US" altLang="zh-CN"/>
-              <a:t>   </a:t>
-            </a:r>
-            <a:r>
-              <a:rPr lang="zh-CN" altLang="en-US"/>
-              <a:t>modified/added 属性。</a:t>
-            </a:r>
-            <a:r>
               <a:rPr lang="zh-CN" altLang="en-US">
                 <a:sym typeface="+mn-ea"/>
               </a:rPr>
-              <a:t>SnapshotSandbox - 基于 diff 方式实现的沙箱，用于不支持 Proxy 的低版本浏览器，</a:t>
+              <a:t>通信：</a:t>
+            </a:r>
+            <a:r>
+              <a:rPr lang="en-US" altLang="zh-CN">
+                <a:sym typeface="+mn-ea"/>
+              </a:rPr>
+              <a:t>props, </a:t>
             </a:r>
             <a:r>
               <a:rPr lang="zh-CN" altLang="en-US">
                 <a:sym typeface="+mn-ea"/>
               </a:rPr>
-              <a:t>css 沙箱无法绝对的隔离，js 沙箱在某些场景下执行性能下降严重</a:t>
+              <a:t>window.dispatchEvent, CustomEvent</a:t>
             </a:r>
             <a:endParaRPr lang="zh-CN" altLang="en-US">
               <a:sym typeface="+mn-ea"/>
             </a:endParaRPr>
           </a:p>
           <a:p>
-            <a:pPr>
-              <a:lnSpc>
-                <a:spcPct val="100000"/>
-              </a:lnSpc>
-              <a:spcBef>
-                <a:spcPts val="0"/>
-              </a:spcBef>
-              <a:spcAft>
-                <a:spcPts val="0"/>
-              </a:spcAft>
-            </a:pPr>
-            <a:endParaRPr lang="zh-CN" altLang="en-US">
-              <a:sym typeface="+mn-ea"/>
-            </a:endParaRPr>
-          </a:p>
-          <a:p>
-            <a:pPr>
-              <a:lnSpc>
-                <a:spcPct val="100000"/>
-              </a:lnSpc>
-              <a:spcBef>
-                <a:spcPts val="0"/>
-              </a:spcBef>
-              <a:spcAft>
-                <a:spcPts val="0"/>
-              </a:spcAft>
-            </a:pPr>
-            <a:r>
-              <a:rPr lang="zh-CN" altLang="en-US">
-                <a:sym typeface="+mn-ea"/>
-              </a:rPr>
-              <a:t>路由：</a:t>
-            </a:r>
-            <a:r>
-              <a:rPr lang="zh-CN" altLang="en-US">
-                <a:sym typeface="+mn-ea"/>
-              </a:rPr>
-              <a:t>监听路由对当前路由对应的子应用进行加载和卸载，无法同时激活多个子应用，不支持子应用保活</a:t>
-            </a:r>
-            <a:endParaRPr lang="zh-CN" altLang="en-US">
-              <a:sym typeface="+mn-ea"/>
-            </a:endParaRPr>
-          </a:p>
-          <a:p>
-            <a:pPr>
-              <a:lnSpc>
-                <a:spcPct val="100000"/>
-              </a:lnSpc>
-              <a:spcBef>
-                <a:spcPts val="0"/>
-              </a:spcBef>
-              <a:spcAft>
-                <a:spcPts val="0"/>
-              </a:spcAft>
-            </a:pPr>
-            <a:endParaRPr lang="zh-CN" altLang="en-US"/>
-          </a:p>
-          <a:p>
-            <a:pPr>
-              <a:lnSpc>
-                <a:spcPct val="100000"/>
-              </a:lnSpc>
-              <a:spcBef>
-                <a:spcPts val="0"/>
-              </a:spcBef>
-              <a:spcAft>
-                <a:spcPts val="0"/>
-              </a:spcAft>
-            </a:pPr>
-            <a:r>
-              <a:rPr lang="zh-CN" altLang="en-US"/>
-              <a:t>通信：使用全局注入，</a:t>
-            </a:r>
-            <a:r>
-              <a:rPr lang="zh-CN" altLang="en-US">
-                <a:sym typeface="+mn-ea"/>
-              </a:rPr>
-              <a:t>window.dispatchEvent, CustomEvent</a:t>
-            </a:r>
-            <a:endParaRPr lang="zh-CN" altLang="en-US">
-              <a:sym typeface="+mn-ea"/>
-            </a:endParaRPr>
-          </a:p>
-          <a:p>
-            <a:pPr>
-              <a:lnSpc>
-                <a:spcPct val="100000"/>
-              </a:lnSpc>
-              <a:spcBef>
-                <a:spcPts val="0"/>
-              </a:spcBef>
-              <a:spcAft>
-                <a:spcPts val="0"/>
-              </a:spcAft>
-            </a:pPr>
-            <a:endParaRPr lang="zh-CN" altLang="en-US"/>
-          </a:p>
-          <a:p>
             <a:pPr indent="0">
-              <a:lnSpc>
-                <a:spcPct val="100000"/>
-              </a:lnSpc>
-              <a:spcBef>
-                <a:spcPts val="0"/>
-              </a:spcBef>
-              <a:spcAft>
-                <a:spcPts val="0"/>
-              </a:spcAft>
               <a:buFont typeface="Arial" panose="020B0604020202020204" pitchFamily="34" charset="0"/>
               <a:buNone/>
             </a:pPr>
+            <a:endParaRPr lang="zh-CN" altLang="en-US"/>
+          </a:p>
+          <a:p>
+            <a:pPr indent="0">
+              <a:buFont typeface="Arial" panose="020B0604020202020204" pitchFamily="34" charset="0"/>
+              <a:buNone/>
+            </a:pPr>
             <a:r>
               <a:rPr lang="zh-CN" altLang="en-US"/>
-              <a:t>缺点</a:t>
+              <a:t>特性：</a:t>
             </a:r>
             <a:endParaRPr lang="zh-CN" altLang="en-US"/>
           </a:p>
           <a:p>
-            <a:pPr marL="285750" indent="-285750">
-              <a:lnSpc>
-                <a:spcPct val="100000"/>
-              </a:lnSpc>
-              <a:spcBef>
-                <a:spcPts val="0"/>
-              </a:spcBef>
-              <a:spcAft>
-                <a:spcPts val="0"/>
-              </a:spcAft>
+            <a:pPr marL="742950" lvl="1" indent="-285750">
               <a:buFont typeface="Arial" panose="020B0604020202020204" pitchFamily="34" charset="0"/>
               <a:buChar char="•"/>
             </a:pPr>
             <a:r>
               <a:rPr lang="zh-CN" altLang="en-US"/>
-              <a:t>改造成本较大，从 webpack、代码、路由等等都要做一系列的适配</a:t>
+              <a:t>通过劫持底层接口实现了元素隔离</a:t>
             </a:r>
             <a:endParaRPr lang="zh-CN" altLang="en-US"/>
           </a:p>
           <a:p>
-            <a:pPr marL="285750" indent="-285750">
-              <a:lnSpc>
-                <a:spcPct val="100000"/>
-              </a:lnSpc>
-              <a:spcBef>
-                <a:spcPts val="0"/>
-              </a:spcBef>
-              <a:spcAft>
-                <a:spcPts val="0"/>
-              </a:spcAft>
+            <a:pPr marL="742950" lvl="1" indent="-285750">
               <a:buFont typeface="Arial" panose="020B0604020202020204" pitchFamily="34" charset="0"/>
               <a:buChar char="•"/>
             </a:pPr>
             <a:r>
               <a:rPr lang="zh-CN" altLang="en-US"/>
-              <a:t>无法支持 vite 等 ESM 脚本运行</a:t>
-            </a:r>
+              <a:t>提供了插件系统</a:t>
+            </a:r>
+            <a:endParaRPr lang="zh-CN" altLang="en-US"/>
+          </a:p>
+          <a:p>
+            <a:pPr marL="742950" lvl="1" indent="-285750">
+              <a:buFont typeface="Arial" panose="020B0604020202020204" pitchFamily="34" charset="0"/>
+              <a:buChar char="•"/>
+            </a:pPr>
+            <a:r>
+              <a:rPr lang="zh-CN" altLang="en-US"/>
+              <a:t>支持预加载</a:t>
+            </a:r>
+            <a:endParaRPr lang="zh-CN" altLang="en-US"/>
+          </a:p>
+          <a:p>
+            <a:pPr marL="742950" lvl="1" indent="-285750">
+              <a:buFont typeface="Arial" panose="020B0604020202020204" pitchFamily="34" charset="0"/>
+              <a:buChar char="•"/>
+            </a:pPr>
+            <a:r>
+              <a:rPr lang="zh-CN" altLang="en-US"/>
+              <a:t>没有考虑工程化问题：如公用依赖，组件复用</a:t>
+            </a:r>
+            <a:endParaRPr lang="zh-CN" altLang="en-US"/>
+          </a:p>
+          <a:p>
+            <a:pPr marL="742950" lvl="1" indent="-285750">
+              <a:buFont typeface="Arial" panose="020B0604020202020204" pitchFamily="34" charset="0"/>
+              <a:buChar char="•"/>
+            </a:pPr>
+            <a:r>
+              <a:rPr lang="zh-CN" altLang="en-US"/>
+              <a:t>不支持vite3</a:t>
+            </a:r>
+            <a:endParaRPr lang="zh-CN" altLang="en-US"/>
+          </a:p>
+          <a:p>
+            <a:endParaRPr lang="zh-CN" altLang="en-US"/>
+          </a:p>
+          <a:p>
+            <a:r>
+              <a:rPr lang="zh-CN" altLang="en-US"/>
+              <a:t>接入成本：子应用改动</a:t>
+            </a:r>
+            <a:r>
+              <a:rPr lang="zh-CN" altLang="en-US"/>
+              <a:t>小，主应用需要接入微应用代码</a:t>
+            </a:r>
+            <a:endParaRPr lang="zh-CN" altLang="en-US"/>
+          </a:p>
+          <a:p>
             <a:endParaRPr lang="zh-CN" altLang="en-US"/>
           </a:p>
         </p:txBody>
@@ -23403,7 +22773,7 @@
         </p:nvSpPr>
         <p:spPr>
           <a:xfrm>
-            <a:off x="608400" y="608400"/>
+            <a:off x="608400" y="596970"/>
             <a:ext cx="10969200" cy="705600"/>
           </a:xfrm>
         </p:spPr>
@@ -23442,7 +22812,7 @@
               <a:buFontTx/>
             </a:pPr>
             <a:r>
-              <a:rPr lang="en-US" altLang="zh-CN">
+              <a:rPr>
                 <a:solidFill>
                   <a:schemeClr val="accent1"/>
                 </a:solidFill>
@@ -23450,19 +22820,30 @@
                 <a:cs typeface="汉仪旗黑-85S" charset="0"/>
                 <a:sym typeface="+mn-ea"/>
               </a:rPr>
-              <a:t>microApp  </a:t>
-            </a:r>
-            <a:r>
-              <a:rPr lang="en-US" altLang="zh-CN" sz="1780">
+              <a:t>garfish</a:t>
+            </a:r>
+            <a:r>
+              <a:rPr lang="en-US" altLang="zh-CN">
                 <a:solidFill>
                   <a:schemeClr val="accent1"/>
                 </a:solidFill>
                 <a:latin typeface="汉仪旗黑-85S" charset="0"/>
                 <a:cs typeface="汉仪旗黑-85S" charset="0"/>
                 <a:sym typeface="+mn-ea"/>
+              </a:rPr>
+              <a:t>  </a:t>
+            </a:r>
+            <a:r>
+              <a:rPr lang="en-US" altLang="zh-CN" sz="1780">
+                <a:solidFill>
+                  <a:schemeClr val="accent1"/>
+                </a:solidFill>
+                <a:latin typeface="汉仪旗黑-85S" charset="0"/>
+                <a:cs typeface="汉仪旗黑-85S" charset="0"/>
+                <a:sym typeface="+mn-ea"/>
                 <a:hlinkClick r:id="rId5" action="ppaction://hlinkfile"/>
               </a:rPr>
-              <a:t>https://micro-zoe.github.io/micro-app/docs.html</a:t>
+              <a:t>https://www.garfishjs.org/guide/</a:t>
             </a:r>
             <a:endParaRPr lang="en-US" altLang="zh-CN" sz="1780">
               <a:solidFill>
@@ -23483,8 +22864,8 @@
         </p:nvSpPr>
         <p:spPr>
           <a:xfrm>
-            <a:off x="700405" y="1602740"/>
-            <a:ext cx="10513060" cy="4582795"/>
+            <a:off x="686435" y="1458595"/>
+            <a:ext cx="10513060" cy="4916805"/>
           </a:xfrm>
           <a:prstGeom prst="rect">
             <a:avLst/>
@@ -23496,6 +22877,147 @@
             <a:noAutofit/>
           </a:bodyPr>
           <a:p>
+            <a:r>
+              <a:rPr lang="zh-CN" altLang="en-US">
+                <a:sym typeface="+mn-ea"/>
+              </a:rPr>
+              <a:t>沙箱：默认情况下使用 VM 沙箱（VM 沙箱支持多实例），不使用快照沙箱。原理同上，但细节场景覆盖得更齐全。VMSandbox - 复制 window, document 等对象，使用 Object.defineProperty 冰冻 native window &amp; document，使用 proxy 拦截并收集。</a:t>
+            </a:r>
+            <a:endParaRPr lang="zh-CN" altLang="en-US">
+              <a:sym typeface="+mn-ea"/>
+            </a:endParaRPr>
+          </a:p>
+          <a:p>
+            <a:br>
+              <a:rPr lang="zh-CN" altLang="en-US">
+                <a:sym typeface="+mn-ea"/>
+              </a:rPr>
+            </a:br>
+            <a:r>
+              <a:rPr lang="zh-CN" altLang="en-US">
+                <a:sym typeface="+mn-ea"/>
+              </a:rPr>
+              <a:t>路由：</a:t>
+            </a:r>
+            <a:r>
+              <a:rPr lang="zh-CN" altLang="en-US">
+                <a:sym typeface="+mn-ea"/>
+              </a:rPr>
+              <a:t>基于EventEmitter2拦截和重写路由，为不同子应用提供不同的 basename 用于隔离应用间的路由抢占问题，路由发生变化时能准确激活并触发应用视图更新</a:t>
+            </a:r>
+            <a:endParaRPr lang="zh-CN" altLang="en-US">
+              <a:sym typeface="+mn-ea"/>
+            </a:endParaRPr>
+          </a:p>
+          <a:p>
+            <a:endParaRPr lang="zh-CN" altLang="en-US"/>
+          </a:p>
+          <a:p>
+            <a:r>
+              <a:rPr lang="zh-CN" altLang="en-US">
+                <a:sym typeface="+mn-ea"/>
+              </a:rPr>
+              <a:t>通信：</a:t>
+            </a:r>
+            <a:r>
+              <a:rPr lang="zh-CN" altLang="en-US">
+                <a:sym typeface="+mn-ea"/>
+              </a:rPr>
+              <a:t>Store 提供了一套简单的通信数据交换机制</a:t>
+            </a:r>
+            <a:endParaRPr lang="zh-CN" altLang="en-US">
+              <a:sym typeface="+mn-ea"/>
+            </a:endParaRPr>
+          </a:p>
+          <a:p>
+            <a:endParaRPr lang="zh-CN" altLang="en-US"/>
+          </a:p>
+          <a:p>
+            <a:r>
+              <a:rPr lang="zh-CN" altLang="en-US"/>
+              <a:t>特性：</a:t>
+            </a:r>
+            <a:endParaRPr lang="zh-CN" altLang="en-US"/>
+          </a:p>
+          <a:p>
+            <a:pPr marL="742950" lvl="1" indent="-285750">
+              <a:buFont typeface="Arial" panose="020B0604020202020204" pitchFamily="34" charset="0"/>
+              <a:buChar char="•"/>
+            </a:pPr>
+            <a:r>
+              <a:rPr lang="zh-CN" altLang="en-US"/>
+              <a:t>预加载能力，自动记录用户应用加载习惯增加加载权重，应用切换时间极大缩短</a:t>
+            </a:r>
+            <a:endParaRPr lang="zh-CN" altLang="en-US"/>
+          </a:p>
+          <a:p>
+            <a:pPr marL="742950" lvl="1" indent="-285750">
+              <a:buFont typeface="Arial" panose="020B0604020202020204" pitchFamily="34" charset="0"/>
+              <a:buChar char="•"/>
+            </a:pPr>
+            <a:r>
+              <a:rPr lang="zh-CN" altLang="en-US"/>
+              <a:t>支持依赖共享，减少依赖的重复加载</a:t>
+            </a:r>
+            <a:endParaRPr lang="zh-CN" altLang="en-US"/>
+          </a:p>
+          <a:p>
+            <a:pPr marL="742950" lvl="1" indent="-285750">
+              <a:buFont typeface="Arial" panose="020B0604020202020204" pitchFamily="34" charset="0"/>
+              <a:buChar char="•"/>
+            </a:pPr>
+            <a:r>
+              <a:rPr lang="zh-CN" altLang="en-US"/>
+              <a:t>支持多实例能力，可在页面中同时运行多个子应用</a:t>
+            </a:r>
+            <a:endParaRPr lang="zh-CN" altLang="en-US"/>
+          </a:p>
+          <a:p>
+            <a:pPr marL="742950" lvl="1" indent="-285750">
+              <a:buFont typeface="Arial" panose="020B0604020202020204" pitchFamily="34" charset="0"/>
+              <a:buChar char="•"/>
+            </a:pPr>
+            <a:r>
+              <a:rPr lang="zh-CN" altLang="en-US"/>
+              <a:t>通过 Loader 核心模块支持 HTML entry、JS entry 的支持</a:t>
+            </a:r>
+            <a:endParaRPr lang="zh-CN" altLang="en-US"/>
+          </a:p>
+          <a:p>
+            <a:pPr marL="742950" lvl="1" indent="-285750">
+              <a:buFont typeface="Arial" panose="020B0604020202020204" pitchFamily="34" charset="0"/>
+              <a:buChar char="•"/>
+            </a:pPr>
+            <a:r>
+              <a:rPr lang="zh-CN" altLang="en-US">
+                <a:sym typeface="+mn-ea"/>
+              </a:rPr>
+              <a:t>支持插件，</a:t>
+            </a:r>
+            <a:r>
+              <a:rPr lang="en-US" altLang="zh-CN">
+                <a:sym typeface="+mn-ea"/>
+              </a:rPr>
+              <a:t> </a:t>
+            </a:r>
+            <a:r>
+              <a:rPr lang="zh-CN" altLang="en-US">
+                <a:sym typeface="+mn-ea"/>
+              </a:rPr>
+              <a:t>不支持vite3</a:t>
+            </a:r>
+            <a:endParaRPr lang="zh-CN" altLang="en-US">
+              <a:sym typeface="+mn-ea"/>
+            </a:endParaRPr>
+          </a:p>
+          <a:p>
+            <a:pPr marL="742950" lvl="1" indent="-285750">
+              <a:buFont typeface="Arial" panose="020B0604020202020204" pitchFamily="34" charset="0"/>
+              <a:buChar char="•"/>
+            </a:pPr>
+            <a:endParaRPr lang="zh-CN" altLang="en-US"/>
+          </a:p>
+          <a:p>
             <a:pPr indent="0">
               <a:buFont typeface="Arial" panose="020B0604020202020204" pitchFamily="34" charset="0"/>
               <a:buNone/>
@@ -23504,187 +23026,27 @@
               <a:rPr lang="zh-CN" altLang="en-US">
                 <a:sym typeface="+mn-ea"/>
               </a:rPr>
-              <a:t>沙箱：通过CustomElement结合自定义的ShadowDom，将微前端封装成一个类WebComponent组件，</a:t>
+              <a:t>接入成本：子应用需要接入生命周期代码；主应用需要接入注册微应用代码并设置</a:t>
             </a:r>
             <a:r>
               <a:rPr lang="en-US" altLang="zh-CN">
                 <a:sym typeface="+mn-ea"/>
               </a:rPr>
-              <a:t>        </a:t>
+              <a:t>garfish</a:t>
             </a:r>
             <a:r>
               <a:rPr lang="zh-CN" altLang="en-US">
                 <a:sym typeface="+mn-ea"/>
               </a:rPr>
-              <a:t>从而实现微前端的组件化渲染</a:t>
-            </a:r>
-            <a:r>
-              <a:rPr lang="en-US" altLang="zh-CN">
-                <a:sym typeface="+mn-ea"/>
-              </a:rPr>
-              <a:t>,</a:t>
-            </a:r>
-            <a:r>
-              <a:rPr lang="zh-CN" altLang="en-US">
-                <a:sym typeface="+mn-ea"/>
-              </a:rPr>
-              <a:t>基于CustomElement和样式隔离、js隔离来实现微应用的加载，所以子应用无需改动就可以接入</a:t>
-            </a:r>
-            <a:endParaRPr lang="zh-CN" altLang="en-US">
-              <a:sym typeface="+mn-ea"/>
-            </a:endParaRPr>
+              <a:t>路由；</a:t>
+            </a:r>
+            <a:endParaRPr lang="zh-CN" altLang="en-US"/>
           </a:p>
           <a:p>
             <a:pPr indent="0">
               <a:buFont typeface="Arial" panose="020B0604020202020204" pitchFamily="34" charset="0"/>
               <a:buNone/>
             </a:pPr>
-            <a:br>
-              <a:rPr lang="zh-CN" altLang="en-US">
-                <a:sym typeface="+mn-ea"/>
-              </a:rPr>
-            </a:br>
-            <a:r>
-              <a:rPr lang="zh-CN" altLang="en-US">
-                <a:sym typeface="+mn-ea"/>
-              </a:rPr>
-              <a:t>路由：</a:t>
-            </a:r>
-            <a:r>
-              <a:rPr lang="zh-CN" altLang="en-US">
-                <a:sym typeface="+mn-ea"/>
-              </a:rPr>
-              <a:t>类似</a:t>
-            </a:r>
-            <a:r>
-              <a:rPr lang="en-US" altLang="zh-CN">
-                <a:sym typeface="+mn-ea"/>
-              </a:rPr>
-              <a:t>qiankun, 路由依然存在依赖；多应用激活后无法保持各子应用的路由状态，刷新后全部丢失</a:t>
-            </a:r>
-            <a:endParaRPr lang="en-US" altLang="zh-CN">
-              <a:sym typeface="+mn-ea"/>
-            </a:endParaRPr>
-          </a:p>
-          <a:p>
-            <a:pPr indent="0">
-              <a:buFont typeface="Arial" panose="020B0604020202020204" pitchFamily="34" charset="0"/>
-              <a:buNone/>
-            </a:pPr>
-            <a:endParaRPr lang="zh-CN" altLang="en-US"/>
-          </a:p>
-          <a:p>
-            <a:pPr indent="0">
-              <a:buFont typeface="Arial" panose="020B0604020202020204" pitchFamily="34" charset="0"/>
-              <a:buNone/>
-            </a:pPr>
-            <a:r>
-              <a:rPr lang="zh-CN" altLang="en-US">
-                <a:sym typeface="+mn-ea"/>
-              </a:rPr>
-              <a:t>通信：</a:t>
-            </a:r>
-            <a:r>
-              <a:rPr lang="en-US" altLang="zh-CN">
-                <a:sym typeface="+mn-ea"/>
-              </a:rPr>
-              <a:t>props, </a:t>
-            </a:r>
-            <a:r>
-              <a:rPr lang="zh-CN" altLang="en-US">
-                <a:sym typeface="+mn-ea"/>
-              </a:rPr>
-              <a:t>window.dispatchEvent, CustomEvent</a:t>
-            </a:r>
-            <a:endParaRPr lang="zh-CN" altLang="en-US">
-              <a:sym typeface="+mn-ea"/>
-            </a:endParaRPr>
-          </a:p>
-          <a:p>
-            <a:pPr indent="0">
-              <a:buFont typeface="Arial" panose="020B0604020202020204" pitchFamily="34" charset="0"/>
-              <a:buNone/>
-            </a:pPr>
-            <a:endParaRPr lang="zh-CN" altLang="en-US"/>
-          </a:p>
-          <a:p>
-            <a:pPr indent="0">
-              <a:buFont typeface="Arial" panose="020B0604020202020204" pitchFamily="34" charset="0"/>
-              <a:buNone/>
-            </a:pPr>
-            <a:r>
-              <a:rPr lang="zh-CN" altLang="en-US"/>
-              <a:t>特性：</a:t>
-            </a:r>
-            <a:endParaRPr lang="zh-CN" altLang="en-US"/>
-          </a:p>
-          <a:p>
-            <a:pPr marL="742950" lvl="1" indent="-285750">
-              <a:buFont typeface="Arial" panose="020B0604020202020204" pitchFamily="34" charset="0"/>
-              <a:buChar char="•"/>
-            </a:pPr>
-            <a:r>
-              <a:rPr lang="zh-CN" altLang="en-US"/>
-              <a:t>通过劫持底层接口实现了元素隔离</a:t>
-            </a:r>
-            <a:endParaRPr lang="zh-CN" altLang="en-US"/>
-          </a:p>
-          <a:p>
-            <a:pPr marL="742950" lvl="1" indent="-285750">
-              <a:buFont typeface="Arial" panose="020B0604020202020204" pitchFamily="34" charset="0"/>
-              <a:buChar char="•"/>
-            </a:pPr>
-            <a:r>
-              <a:rPr lang="zh-CN" altLang="en-US"/>
-              <a:t>提供了插件系统</a:t>
-            </a:r>
-            <a:endParaRPr lang="zh-CN" altLang="en-US"/>
-          </a:p>
-          <a:p>
-            <a:pPr marL="742950" lvl="1" indent="-285750">
-              <a:buFont typeface="Arial" panose="020B0604020202020204" pitchFamily="34" charset="0"/>
-              <a:buChar char="•"/>
-            </a:pPr>
-            <a:r>
-              <a:rPr lang="zh-CN" altLang="en-US"/>
-              <a:t>支持预加载</a:t>
-            </a:r>
-            <a:endParaRPr lang="zh-CN" altLang="en-US"/>
-          </a:p>
-          <a:p>
-            <a:pPr marL="742950" lvl="1" indent="-285750">
-              <a:buFont typeface="Arial" panose="020B0604020202020204" pitchFamily="34" charset="0"/>
-              <a:buChar char="•"/>
-            </a:pPr>
-            <a:r>
-              <a:rPr lang="zh-CN" altLang="en-US"/>
-              <a:t>没有考虑工程化问题：如公用依赖，组件复用</a:t>
-            </a:r>
-            <a:endParaRPr lang="zh-CN" altLang="en-US"/>
-          </a:p>
-          <a:p>
-            <a:pPr marL="742950" lvl="1" indent="-285750">
-              <a:buFont typeface="Arial" panose="020B0604020202020204" pitchFamily="34" charset="0"/>
-              <a:buChar char="•"/>
-            </a:pPr>
-            <a:r>
-              <a:rPr lang="zh-CN" altLang="en-US"/>
-              <a:t>不支持vite3</a:t>
-            </a:r>
-            <a:endParaRPr lang="zh-CN" altLang="en-US"/>
-          </a:p>
-          <a:p>
-            <a:endParaRPr lang="zh-CN" altLang="en-US"/>
-          </a:p>
-          <a:p>
-            <a:r>
-              <a:rPr lang="zh-CN" altLang="en-US"/>
-              <a:t>接入成本：子应用改动</a:t>
-            </a:r>
-            <a:r>
-              <a:rPr lang="zh-CN" altLang="en-US"/>
-              <a:t>小，主应用需要接入微应用代码</a:t>
-            </a:r>
             <a:endParaRPr lang="zh-CN" altLang="en-US"/>
           </a:p>
           <a:p>
@@ -25990,7 +25352,7 @@
   <p:tag name="KSO_WM_UNIT_LAYERLEVEL" val="1"/>
   <p:tag name="KSO_WM_TAG_VERSION" val="1.0"/>
   <p:tag name="KSO_WM_BEAUTIFY_FLAG" val="#wm#"/>
-  <p:tag name="KSO_WM_UNIT_TEXT_FILL_FORE_SCHEMECOLOR_INDEX_BRIGHTNESS" val="0.35"/>
+  <p:tag name="KSO_WM_UNIT_TEXT_FILL_FORE_SCHEMECOLOR_INDEX_BRIGHTNESS" val="0.25"/>
   <p:tag name="KSO_WM_UNIT_TEXT_FILL_FORE_SCHEMECOLOR_INDEX" val="13"/>
   <p:tag name="KSO_WM_UNIT_TEXT_FILL_TYPE" val="1"/>
 </p:tagLst>
@@ -26133,7 +25495,7 @@
   <p:tag name="KSO_WM_UNIT_LAYERLEVEL" val="1"/>
   <p:tag name="KSO_WM_TAG_VERSION" val="1.0"/>
   <p:tag name="KSO_WM_BEAUTIFY_FLAG" val="#wm#"/>
-  <p:tag name="KSO_WM_UNIT_TEXT_FILL_FORE_SCHEMECOLOR_INDEX_BRIGHTNESS" val="0.25"/>
+  <p:tag name="KSO_WM_UNIT_TEXT_FILL_FORE_SCHEMECOLOR_INDEX_BRIGHTNESS" val="0.35"/>
   <p:tag name="KSO_WM_UNIT_TEXT_FILL_FORE_SCHEMECOLOR_INDEX" val="13"/>
   <p:tag name="KSO_WM_UNIT_TEXT_FILL_TYPE" val="1"/>
 </p:tagLst>
@@ -26263,13 +25625,19 @@
   <p:tag name="KSO_WM_UNIT_LAYERLEVEL" val="1"/>
   <p:tag name="KSO_WM_TAG_VERSION" val="1.0"/>
   <p:tag name="KSO_WM_BEAUTIFY_FLAG" val="#wm#"/>
-  <p:tag name="KSO_WM_UNIT_TEXT_FILL_FORE_SCHEMECOLOR_INDEX_BRIGHTNESS" val="0.35"/>
+  <p:tag name="KSO_WM_UNIT_TEXT_FILL_FORE_SCHEMECOLOR_INDEX_BRIGHTNESS" val="0.25"/>
   <p:tag name="KSO_WM_UNIT_TEXT_FILL_FORE_SCHEMECOLOR_INDEX" val="13"/>
   <p:tag name="KSO_WM_UNIT_TEXT_FILL_TYPE" val="1"/>
 </p:tagLst>
 </file>
 
 <file path=ppt/tags/tag248.xml><?xml version="1.0" encoding="utf-8"?>
+<p:tagLst xmlns:p="http://schemas.openxmlformats.org/presentationml/2006/main">
+  <p:tag name="KSO_WM_UNIT_PLACING_PICTURE_USER_VIEWPORT" val="{&quot;height&quot;:5175,&quot;width&quot;:12390}"/>
+</p:tagLst>
+</file>
+
+<file path=ppt/tags/tag249.xml><?xml version="1.0" encoding="utf-8"?>
 <p:tagLst xmlns:p="http://schemas.openxmlformats.org/presentationml/2006/main">
   <p:tag name="KSO_WM_BEAUTIFY_FLAG" val="#wm#"/>
   <p:tag name="KSO_WM_TEMPLATE_CATEGORY" val="custom"/>
@@ -26293,7 +25661,20 @@
 </p:tagLst>
 </file>
 
-<file path=ppt/tags/tag249.xml><?xml version="1.0" encoding="utf-8"?>
+<file path=ppt/tags/tag25.xml><?xml version="1.0" encoding="utf-8"?>
+<p:tagLst xmlns:p="http://schemas.openxmlformats.org/presentationml/2006/main">
+  <p:tag name="KSO_WM_UNIT_HIGHLIGHT" val="0"/>
+  <p:tag name="KSO_WM_UNIT_COMPATIBLE" val="0"/>
+  <p:tag name="KSO_WM_UNIT_DIAGRAM_ISNUMVISUAL" val="0"/>
+  <p:tag name="KSO_WM_UNIT_DIAGRAM_ISREFERUNIT" val="0"/>
+  <p:tag name="KSO_WM_UNIT_ID" val="_5**"/>
+  <p:tag name="KSO_WM_UNIT_LAYERLEVEL" val="1"/>
+  <p:tag name="KSO_WM_TAG_VERSION" val="1.0"/>
+  <p:tag name="KSO_WM_BEAUTIFY_FLAG" val="#wm#"/>
+</p:tagLst>
+</file>
+
+<file path=ppt/tags/tag250.xml><?xml version="1.0" encoding="utf-8"?>
 <p:tagLst xmlns:p="http://schemas.openxmlformats.org/presentationml/2006/main">
   <p:tag name="KSO_WM_SLIDE_BACKGROUND_TYPE" val="general"/>
   <p:tag name="KSO_WM_SLIDE_BK_DARK_LIGHT" val="2"/>
@@ -26310,20 +25691,7 @@
 </p:tagLst>
 </file>
 
-<file path=ppt/tags/tag25.xml><?xml version="1.0" encoding="utf-8"?>
-<p:tagLst xmlns:p="http://schemas.openxmlformats.org/presentationml/2006/main">
-  <p:tag name="KSO_WM_UNIT_HIGHLIGHT" val="0"/>
-  <p:tag name="KSO_WM_UNIT_COMPATIBLE" val="0"/>
-  <p:tag name="KSO_WM_UNIT_DIAGRAM_ISNUMVISUAL" val="0"/>
-  <p:tag name="KSO_WM_UNIT_DIAGRAM_ISREFERUNIT" val="0"/>
-  <p:tag name="KSO_WM_UNIT_ID" val="_5**"/>
-  <p:tag name="KSO_WM_UNIT_LAYERLEVEL" val="1"/>
-  <p:tag name="KSO_WM_TAG_VERSION" val="1.0"/>
-  <p:tag name="KSO_WM_BEAUTIFY_FLAG" val="#wm#"/>
-</p:tagLst>
-</file>
-
-<file path=ppt/tags/tag250.xml><?xml version="1.0" encoding="utf-8"?>
+<file path=ppt/tags/tag251.xml><?xml version="1.0" encoding="utf-8"?>
 <p:tagLst xmlns:p="http://schemas.openxmlformats.org/presentationml/2006/main">
   <p:tag name="KSO_WM_SLIDE_BACKGROUND_TYPE" val="general"/>
   <p:tag name="KSO_WM_SLIDE_BK_DARK_LIGHT" val="2"/>
@@ -26344,7 +25712,7 @@
 </p:tagLst>
 </file>
 
-<file path=ppt/tags/tag251.xml><?xml version="1.0" encoding="utf-8"?>
+<file path=ppt/tags/tag252.xml><?xml version="1.0" encoding="utf-8"?>
 <p:tagLst xmlns:p="http://schemas.openxmlformats.org/presentationml/2006/main">
   <p:tag name="KSO_WM_SLIDE_BACKGROUND_TYPE" val="general"/>
   <p:tag name="KSO_WM_SLIDE_BK_DARK_LIGHT" val="2"/>
@@ -26365,7 +25733,7 @@
 </p:tagLst>
 </file>
 
-<file path=ppt/tags/tag252.xml><?xml version="1.0" encoding="utf-8"?>
+<file path=ppt/tags/tag253.xml><?xml version="1.0" encoding="utf-8"?>
 <p:tagLst xmlns:p="http://schemas.openxmlformats.org/presentationml/2006/main">
   <p:tag name="KSO_WM_UNIT_ISCONTENTSTITLE" val="0"/>
   <p:tag name="KSO_WM_UNIT_PRESET_TEXT" val="单击此处添加标题"/>
@@ -26388,7 +25756,7 @@
 </p:tagLst>
 </file>
 
-<file path=ppt/tags/tag253.xml><?xml version="1.0" encoding="utf-8"?>
+<file path=ppt/tags/tag254.xml><?xml version="1.0" encoding="utf-8"?>
 <p:tagLst xmlns:p="http://schemas.openxmlformats.org/presentationml/2006/main">
   <p:tag name="KSO_WM_UNIT_PRESET_TEXT" val="单击此处添加正文"/>
   <p:tag name="KSO_WM_UNIT_NOCLEAR" val="0"/>
@@ -26406,15 +25774,9 @@
   <p:tag name="KSO_WM_UNIT_LAYERLEVEL" val="1"/>
   <p:tag name="KSO_WM_TAG_VERSION" val="1.0"/>
   <p:tag name="KSO_WM_BEAUTIFY_FLAG" val="#wm#"/>
-  <p:tag name="KSO_WM_UNIT_TEXT_FILL_FORE_SCHEMECOLOR_INDEX_BRIGHTNESS" val="0.25"/>
+  <p:tag name="KSO_WM_UNIT_TEXT_FILL_FORE_SCHEMECOLOR_INDEX_BRIGHTNESS" val="0.35"/>
   <p:tag name="KSO_WM_UNIT_TEXT_FILL_FORE_SCHEMECOLOR_INDEX" val="13"/>
   <p:tag name="KSO_WM_UNIT_TEXT_FILL_TYPE" val="1"/>
-</p:tagLst>
-</file>
-
-<file path=ppt/tags/tag254.xml><?xml version="1.0" encoding="utf-8"?>
-<p:tagLst xmlns:p="http://schemas.openxmlformats.org/presentationml/2006/main">
-  <p:tag name="KSO_WM_UNIT_PLACING_PICTURE_USER_VIEWPORT" val="{&quot;height&quot;:5175,&quot;width&quot;:12390}"/>
 </p:tagLst>
 </file>
 
@@ -26539,30 +25901,6 @@
 
 <file path=ppt/tags/tag260.xml><?xml version="1.0" encoding="utf-8"?>
 <p:tagLst xmlns:p="http://schemas.openxmlformats.org/presentationml/2006/main">
-  <p:tag name="KSO_WM_UNIT_PRESET_TEXT" val="单击此处添加正文"/>
-  <p:tag name="KSO_WM_UNIT_NOCLEAR" val="0"/>
-  <p:tag name="KSO_WM_UNIT_SHOW_EDIT_AREA_INDICATION" val="1"/>
-  <p:tag name="KSO_WM_UNIT_VALUE" val="689"/>
-  <p:tag name="KSO_WM_UNIT_HIGHLIGHT" val="0"/>
-  <p:tag name="KSO_WM_UNIT_COMPATIBLE" val="0"/>
-  <p:tag name="KSO_WM_UNIT_DIAGRAM_ISNUMVISUAL" val="0"/>
-  <p:tag name="KSO_WM_UNIT_DIAGRAM_ISREFERUNIT" val="0"/>
-  <p:tag name="KSO_WM_UNIT_TYPE" val="f"/>
-  <p:tag name="KSO_WM_UNIT_INDEX" val="1"/>
-  <p:tag name="KSO_WM_UNIT_ID" val="custom20205176_13*f*1"/>
-  <p:tag name="KSO_WM_TEMPLATE_CATEGORY" val="custom"/>
-  <p:tag name="KSO_WM_TEMPLATE_INDEX" val="20205176"/>
-  <p:tag name="KSO_WM_UNIT_LAYERLEVEL" val="1"/>
-  <p:tag name="KSO_WM_TAG_VERSION" val="1.0"/>
-  <p:tag name="KSO_WM_BEAUTIFY_FLAG" val="#wm#"/>
-  <p:tag name="KSO_WM_UNIT_TEXT_FILL_FORE_SCHEMECOLOR_INDEX_BRIGHTNESS" val="0.35"/>
-  <p:tag name="KSO_WM_UNIT_TEXT_FILL_FORE_SCHEMECOLOR_INDEX" val="13"/>
-  <p:tag name="KSO_WM_UNIT_TEXT_FILL_TYPE" val="1"/>
-</p:tagLst>
-</file>
-
-<file path=ppt/tags/tag261.xml><?xml version="1.0" encoding="utf-8"?>
-<p:tagLst xmlns:p="http://schemas.openxmlformats.org/presentationml/2006/main">
   <p:tag name="KSO_WM_BEAUTIFY_FLAG" val="#wm#"/>
   <p:tag name="KSO_WM_TEMPLATE_CATEGORY" val="custom"/>
   <p:tag name="KSO_WM_TEMPLATE_INDEX" val="20205176"/>
@@ -26585,7 +25923,7 @@
 </p:tagLst>
 </file>
 
-<file path=ppt/tags/tag262.xml><?xml version="1.0" encoding="utf-8"?>
+<file path=ppt/tags/tag261.xml><?xml version="1.0" encoding="utf-8"?>
 <p:tagLst xmlns:p="http://schemas.openxmlformats.org/presentationml/2006/main">
   <p:tag name="KSO_WM_SLIDE_BACKGROUND_TYPE" val="general"/>
   <p:tag name="KSO_WM_SLIDE_BK_DARK_LIGHT" val="2"/>
@@ -26602,7 +25940,7 @@
 </p:tagLst>
 </file>
 
-<file path=ppt/tags/tag263.xml><?xml version="1.0" encoding="utf-8"?>
+<file path=ppt/tags/tag262.xml><?xml version="1.0" encoding="utf-8"?>
 <p:tagLst xmlns:p="http://schemas.openxmlformats.org/presentationml/2006/main">
   <p:tag name="KSO_WM_SLIDE_BACKGROUND_TYPE" val="general"/>
   <p:tag name="KSO_WM_SLIDE_BK_DARK_LIGHT" val="2"/>
@@ -26623,7 +25961,7 @@
 </p:tagLst>
 </file>
 
-<file path=ppt/tags/tag264.xml><?xml version="1.0" encoding="utf-8"?>
+<file path=ppt/tags/tag263.xml><?xml version="1.0" encoding="utf-8"?>
 <p:tagLst xmlns:p="http://schemas.openxmlformats.org/presentationml/2006/main">
   <p:tag name="KSO_WM_SLIDE_BACKGROUND_TYPE" val="general"/>
   <p:tag name="KSO_WM_SLIDE_BK_DARK_LIGHT" val="2"/>
@@ -26644,7 +25982,7 @@
 </p:tagLst>
 </file>
 
-<file path=ppt/tags/tag265.xml><?xml version="1.0" encoding="utf-8"?>
+<file path=ppt/tags/tag264.xml><?xml version="1.0" encoding="utf-8"?>
 <p:tagLst xmlns:p="http://schemas.openxmlformats.org/presentationml/2006/main">
   <p:tag name="KSO_WM_UNIT_ISCONTENTSTITLE" val="0"/>
   <p:tag name="KSO_WM_UNIT_PRESET_TEXT" val="单击此处添加标题"/>
@@ -26667,7 +26005,7 @@
 </p:tagLst>
 </file>
 
-<file path=ppt/tags/tag266.xml><?xml version="1.0" encoding="utf-8"?>
+<file path=ppt/tags/tag265.xml><?xml version="1.0" encoding="utf-8"?>
 <p:tagLst xmlns:p="http://schemas.openxmlformats.org/presentationml/2006/main">
   <p:tag name="KSO_WM_BEAUTIFY_FLAG" val="#wm#"/>
   <p:tag name="KSO_WM_TEMPLATE_CATEGORY" val="custom"/>
@@ -26691,7 +26029,7 @@
 </p:tagLst>
 </file>
 
-<file path=ppt/tags/tag267.xml><?xml version="1.0" encoding="utf-8"?>
+<file path=ppt/tags/tag266.xml><?xml version="1.0" encoding="utf-8"?>
 <p:tagLst xmlns:p="http://schemas.openxmlformats.org/presentationml/2006/main">
   <p:tag name="KSO_WM_SLIDE_BACKGROUND_TYPE" val="general"/>
   <p:tag name="KSO_WM_SLIDE_BK_DARK_LIGHT" val="2"/>
@@ -26708,7 +26046,7 @@
 </p:tagLst>
 </file>
 
-<file path=ppt/tags/tag268.xml><?xml version="1.0" encoding="utf-8"?>
+<file path=ppt/tags/tag267.xml><?xml version="1.0" encoding="utf-8"?>
 <p:tagLst xmlns:p="http://schemas.openxmlformats.org/presentationml/2006/main">
   <p:tag name="KSO_WM_SLIDE_BACKGROUND_TYPE" val="general"/>
   <p:tag name="KSO_WM_SLIDE_BK_DARK_LIGHT" val="2"/>
@@ -26729,7 +26067,7 @@
 </p:tagLst>
 </file>
 
-<file path=ppt/tags/tag269.xml><?xml version="1.0" encoding="utf-8"?>
+<file path=ppt/tags/tag268.xml><?xml version="1.0" encoding="utf-8"?>
 <p:tagLst xmlns:p="http://schemas.openxmlformats.org/presentationml/2006/main">
   <p:tag name="KSO_WM_SLIDE_BACKGROUND_TYPE" val="general"/>
   <p:tag name="KSO_WM_SLIDE_BK_DARK_LIGHT" val="2"/>
@@ -26750,20 +26088,7 @@
 </p:tagLst>
 </file>
 
-<file path=ppt/tags/tag27.xml><?xml version="1.0" encoding="utf-8"?>
-<p:tagLst xmlns:p="http://schemas.openxmlformats.org/presentationml/2006/main">
-  <p:tag name="KSO_WM_UNIT_HIGHLIGHT" val="0"/>
-  <p:tag name="KSO_WM_UNIT_COMPATIBLE" val="0"/>
-  <p:tag name="KSO_WM_UNIT_DIAGRAM_ISNUMVISUAL" val="0"/>
-  <p:tag name="KSO_WM_UNIT_DIAGRAM_ISREFERUNIT" val="0"/>
-  <p:tag name="KSO_WM_UNIT_ID" val="_5**"/>
-  <p:tag name="KSO_WM_UNIT_LAYERLEVEL" val="1"/>
-  <p:tag name="KSO_WM_TAG_VERSION" val="1.0"/>
-  <p:tag name="KSO_WM_BEAUTIFY_FLAG" val="#wm#"/>
-</p:tagLst>
-</file>
-
-<file path=ppt/tags/tag270.xml><?xml version="1.0" encoding="utf-8"?>
+<file path=ppt/tags/tag269.xml><?xml version="1.0" encoding="utf-8"?>
 <p:tagLst xmlns:p="http://schemas.openxmlformats.org/presentationml/2006/main">
   <p:tag name="KSO_WM_UNIT_ISCONTENTSTITLE" val="0"/>
   <p:tag name="KSO_WM_UNIT_PRESET_TEXT" val="单击此处添加标题"/>
@@ -26786,7 +26111,20 @@
 </p:tagLst>
 </file>
 
-<file path=ppt/tags/tag271.xml><?xml version="1.0" encoding="utf-8"?>
+<file path=ppt/tags/tag27.xml><?xml version="1.0" encoding="utf-8"?>
+<p:tagLst xmlns:p="http://schemas.openxmlformats.org/presentationml/2006/main">
+  <p:tag name="KSO_WM_UNIT_HIGHLIGHT" val="0"/>
+  <p:tag name="KSO_WM_UNIT_COMPATIBLE" val="0"/>
+  <p:tag name="KSO_WM_UNIT_DIAGRAM_ISNUMVISUAL" val="0"/>
+  <p:tag name="KSO_WM_UNIT_DIAGRAM_ISREFERUNIT" val="0"/>
+  <p:tag name="KSO_WM_UNIT_ID" val="_5**"/>
+  <p:tag name="KSO_WM_UNIT_LAYERLEVEL" val="1"/>
+  <p:tag name="KSO_WM_TAG_VERSION" val="1.0"/>
+  <p:tag name="KSO_WM_BEAUTIFY_FLAG" val="#wm#"/>
+</p:tagLst>
+</file>
+
+<file path=ppt/tags/tag270.xml><?xml version="1.0" encoding="utf-8"?>
 <p:tagLst xmlns:p="http://schemas.openxmlformats.org/presentationml/2006/main">
   <p:tag name="KSO_WM_BEAUTIFY_FLAG" val="#wm#"/>
   <p:tag name="KSO_WM_TEMPLATE_CATEGORY" val="custom"/>
@@ -26810,7 +26148,7 @@
 </p:tagLst>
 </file>
 
-<file path=ppt/tags/tag272.xml><?xml version="1.0" encoding="utf-8"?>
+<file path=ppt/tags/tag271.xml><?xml version="1.0" encoding="utf-8"?>
 <p:tagLst xmlns:p="http://schemas.openxmlformats.org/presentationml/2006/main">
   <p:tag name="KSO_WM_SLIDE_BACKGROUND_TYPE" val="general"/>
   <p:tag name="KSO_WM_SLIDE_BK_DARK_LIGHT" val="2"/>
@@ -26827,7 +26165,7 @@
 </p:tagLst>
 </file>
 
-<file path=ppt/tags/tag273.xml><?xml version="1.0" encoding="utf-8"?>
+<file path=ppt/tags/tag272.xml><?xml version="1.0" encoding="utf-8"?>
 <p:tagLst xmlns:p="http://schemas.openxmlformats.org/presentationml/2006/main">
   <p:tag name="KSO_WM_SLIDE_BACKGROUND_TYPE" val="general"/>
   <p:tag name="KSO_WM_SLIDE_BK_DARK_LIGHT" val="2"/>
@@ -26848,7 +26186,7 @@
 </p:tagLst>
 </file>
 
-<file path=ppt/tags/tag274.xml><?xml version="1.0" encoding="utf-8"?>
+<file path=ppt/tags/tag273.xml><?xml version="1.0" encoding="utf-8"?>
 <p:tagLst xmlns:p="http://schemas.openxmlformats.org/presentationml/2006/main">
   <p:tag name="KSO_WM_SLIDE_BACKGROUND_TYPE" val="general"/>
   <p:tag name="KSO_WM_SLIDE_BK_DARK_LIGHT" val="2"/>
@@ -26869,7 +26207,7 @@
 </p:tagLst>
 </file>
 
-<file path=ppt/tags/tag275.xml><?xml version="1.0" encoding="utf-8"?>
+<file path=ppt/tags/tag274.xml><?xml version="1.0" encoding="utf-8"?>
 <p:tagLst xmlns:p="http://schemas.openxmlformats.org/presentationml/2006/main">
   <p:tag name="KSO_WM_UNIT_ISCONTENTSTITLE" val="0"/>
   <p:tag name="KSO_WM_UNIT_PRESET_TEXT" val="单击此处添加标题"/>
@@ -26892,7 +26230,7 @@
 </p:tagLst>
 </file>
 
-<file path=ppt/tags/tag276.xml><?xml version="1.0" encoding="utf-8"?>
+<file path=ppt/tags/tag275.xml><?xml version="1.0" encoding="utf-8"?>
 <p:tagLst xmlns:p="http://schemas.openxmlformats.org/presentationml/2006/main">
   <p:tag name="KSO_WM_BEAUTIFY_FLAG" val="#wm#"/>
   <p:tag name="KSO_WM_TEMPLATE_CATEGORY" val="custom"/>
@@ -26916,7 +26254,7 @@
 </p:tagLst>
 </file>
 
-<file path=ppt/tags/tag277.xml><?xml version="1.0" encoding="utf-8"?>
+<file path=ppt/tags/tag276.xml><?xml version="1.0" encoding="utf-8"?>
 <p:tagLst xmlns:p="http://schemas.openxmlformats.org/presentationml/2006/main">
   <p:tag name="KSO_WM_SLIDE_BACKGROUND_TYPE" val="general"/>
   <p:tag name="KSO_WM_SLIDE_BK_DARK_LIGHT" val="2"/>
@@ -26933,7 +26271,7 @@
 </p:tagLst>
 </file>
 
-<file path=ppt/tags/tag278.xml><?xml version="1.0" encoding="utf-8"?>
+<file path=ppt/tags/tag277.xml><?xml version="1.0" encoding="utf-8"?>
 <p:tagLst xmlns:p="http://schemas.openxmlformats.org/presentationml/2006/main">
   <p:tag name="KSO_WM_SLIDE_BACKGROUND_TYPE" val="general"/>
   <p:tag name="KSO_WM_SLIDE_BK_DARK_LIGHT" val="2"/>
@@ -26954,7 +26292,7 @@
 </p:tagLst>
 </file>
 
-<file path=ppt/tags/tag279.xml><?xml version="1.0" encoding="utf-8"?>
+<file path=ppt/tags/tag278.xml><?xml version="1.0" encoding="utf-8"?>
 <p:tagLst xmlns:p="http://schemas.openxmlformats.org/presentationml/2006/main">
   <p:tag name="KSO_WM_SLIDE_BACKGROUND_TYPE" val="general"/>
   <p:tag name="KSO_WM_SLIDE_BK_DARK_LIGHT" val="2"/>
@@ -26975,6 +26313,13 @@
 </p:tagLst>
 </file>
 
+<file path=ppt/tags/tag279.xml><?xml version="1.0" encoding="utf-8"?>
+<p:tagLst xmlns:p="http://schemas.openxmlformats.org/presentationml/2006/main">
+  <p:tag name="TABLE_ENDDRAG_ORIGIN_RECT" val="883*224"/>
+  <p:tag name="TABLE_ENDDRAG_RECT" val="35*161*883*224"/>
+</p:tagLst>
+</file>
+
 <file path=ppt/tags/tag28.xml><?xml version="1.0" encoding="utf-8"?>
 <p:tagLst xmlns:p="http://schemas.openxmlformats.org/presentationml/2006/main">
   <p:tag name="KSO_WM_UNIT_HIGHLIGHT" val="0"/>
@@ -27012,6 +26357,528 @@
 </file>
 
 <file path=ppt/tags/tag281.xml><?xml version="1.0" encoding="utf-8"?>
+<p:tagLst xmlns:p="http://schemas.openxmlformats.org/presentationml/2006/main">
+  <p:tag name="KSO_WM_UNIT_ISCONTENTSTITLE" val="0"/>
+  <p:tag name="KSO_WM_UNIT_PRESET_TEXT" val="单击此处添加标题"/>
+  <p:tag name="KSO_WM_UNIT_NOCLEAR" val="0"/>
+  <p:tag name="KSO_WM_UNIT_SHOW_EDIT_AREA_INDICATION" val="1"/>
+  <p:tag name="KSO_WM_UNIT_VALUE" val="26"/>
+  <p:tag name="KSO_WM_UNIT_HIGHLIGHT" val="0"/>
+  <p:tag name="KSO_WM_UNIT_COMPATIBLE" val="0"/>
+  <p:tag name="KSO_WM_UNIT_DIAGRAM_ISNUMVISUAL" val="0"/>
+  <p:tag name="KSO_WM_UNIT_DIAGRAM_ISREFERUNIT" val="0"/>
+  <p:tag name="KSO_WM_UNIT_TYPE" val="a"/>
+  <p:tag name="KSO_WM_UNIT_INDEX" val="1"/>
+  <p:tag name="KSO_WM_UNIT_ID" val="custom20205176_13*a*1"/>
+  <p:tag name="KSO_WM_TEMPLATE_CATEGORY" val="custom"/>
+  <p:tag name="KSO_WM_TEMPLATE_INDEX" val="20205176"/>
+  <p:tag name="KSO_WM_UNIT_LAYERLEVEL" val="1"/>
+  <p:tag name="KSO_WM_TAG_VERSION" val="1.0"/>
+  <p:tag name="KSO_WM_BEAUTIFY_FLAG" val="#wm#"/>
+  <p:tag name="KSO_WM_UNIT_ISNUMDGMTITLE" val="0"/>
+</p:tagLst>
+</file>
+
+<file path=ppt/tags/tag282.xml><?xml version="1.0" encoding="utf-8"?>
+<p:tagLst xmlns:p="http://schemas.openxmlformats.org/presentationml/2006/main">
+  <p:tag name="KSO_WM_UNIT_ISCONTENTSTITLE" val="0"/>
+  <p:tag name="KSO_WM_UNIT_PRESET_TEXT" val="单击此处添加标题"/>
+  <p:tag name="KSO_WM_UNIT_NOCLEAR" val="0"/>
+  <p:tag name="KSO_WM_UNIT_SHOW_EDIT_AREA_INDICATION" val="1"/>
+  <p:tag name="KSO_WM_UNIT_VALUE" val="26"/>
+  <p:tag name="KSO_WM_UNIT_HIGHLIGHT" val="0"/>
+  <p:tag name="KSO_WM_UNIT_COMPATIBLE" val="0"/>
+  <p:tag name="KSO_WM_UNIT_DIAGRAM_ISNUMVISUAL" val="0"/>
+  <p:tag name="KSO_WM_UNIT_DIAGRAM_ISREFERUNIT" val="0"/>
+  <p:tag name="KSO_WM_UNIT_TYPE" val="a"/>
+  <p:tag name="KSO_WM_UNIT_INDEX" val="1"/>
+  <p:tag name="KSO_WM_UNIT_ID" val="custom20205176_13*a*1"/>
+  <p:tag name="KSO_WM_TEMPLATE_CATEGORY" val="custom"/>
+  <p:tag name="KSO_WM_TEMPLATE_INDEX" val="20205176"/>
+  <p:tag name="KSO_WM_UNIT_LAYERLEVEL" val="1"/>
+  <p:tag name="KSO_WM_TAG_VERSION" val="1.0"/>
+  <p:tag name="KSO_WM_BEAUTIFY_FLAG" val="#wm#"/>
+  <p:tag name="KSO_WM_UNIT_ISNUMDGMTITLE" val="0"/>
+</p:tagLst>
+</file>
+
+<file path=ppt/tags/tag283.xml><?xml version="1.0" encoding="utf-8"?>
+<p:tagLst xmlns:p="http://schemas.openxmlformats.org/presentationml/2006/main">
+  <p:tag name="KSO_WM_UNIT_ISCONTENTSTITLE" val="0"/>
+  <p:tag name="KSO_WM_UNIT_PRESET_TEXT" val="单击此处添加标题"/>
+  <p:tag name="KSO_WM_UNIT_NOCLEAR" val="0"/>
+  <p:tag name="KSO_WM_UNIT_SHOW_EDIT_AREA_INDICATION" val="1"/>
+  <p:tag name="KSO_WM_UNIT_VALUE" val="26"/>
+  <p:tag name="KSO_WM_UNIT_HIGHLIGHT" val="0"/>
+  <p:tag name="KSO_WM_UNIT_COMPATIBLE" val="0"/>
+  <p:tag name="KSO_WM_UNIT_DIAGRAM_ISNUMVISUAL" val="0"/>
+  <p:tag name="KSO_WM_UNIT_DIAGRAM_ISREFERUNIT" val="0"/>
+  <p:tag name="KSO_WM_UNIT_TYPE" val="a"/>
+  <p:tag name="KSO_WM_UNIT_INDEX" val="1"/>
+  <p:tag name="KSO_WM_UNIT_ID" val="custom20205176_13*a*1"/>
+  <p:tag name="KSO_WM_TEMPLATE_CATEGORY" val="custom"/>
+  <p:tag name="KSO_WM_TEMPLATE_INDEX" val="20205176"/>
+  <p:tag name="KSO_WM_UNIT_LAYERLEVEL" val="1"/>
+  <p:tag name="KSO_WM_TAG_VERSION" val="1.0"/>
+  <p:tag name="KSO_WM_BEAUTIFY_FLAG" val="#wm#"/>
+  <p:tag name="KSO_WM_UNIT_ISNUMDGMTITLE" val="0"/>
+</p:tagLst>
+</file>
+
+<file path=ppt/tags/tag284.xml><?xml version="1.0" encoding="utf-8"?>
+<p:tagLst xmlns:p="http://schemas.openxmlformats.org/presentationml/2006/main">
+  <p:tag name="KSO_WM_UNIT_ISCONTENTSTITLE" val="0"/>
+  <p:tag name="KSO_WM_UNIT_PRESET_TEXT" val="单击此处添加标题"/>
+  <p:tag name="KSO_WM_UNIT_NOCLEAR" val="0"/>
+  <p:tag name="KSO_WM_UNIT_SHOW_EDIT_AREA_INDICATION" val="1"/>
+  <p:tag name="KSO_WM_UNIT_VALUE" val="26"/>
+  <p:tag name="KSO_WM_UNIT_HIGHLIGHT" val="0"/>
+  <p:tag name="KSO_WM_UNIT_COMPATIBLE" val="0"/>
+  <p:tag name="KSO_WM_UNIT_DIAGRAM_ISNUMVISUAL" val="0"/>
+  <p:tag name="KSO_WM_UNIT_DIAGRAM_ISREFERUNIT" val="0"/>
+  <p:tag name="KSO_WM_UNIT_TYPE" val="a"/>
+  <p:tag name="KSO_WM_UNIT_INDEX" val="1"/>
+  <p:tag name="KSO_WM_UNIT_ID" val="custom20205176_13*a*1"/>
+  <p:tag name="KSO_WM_TEMPLATE_CATEGORY" val="custom"/>
+  <p:tag name="KSO_WM_TEMPLATE_INDEX" val="20205176"/>
+  <p:tag name="KSO_WM_UNIT_LAYERLEVEL" val="1"/>
+  <p:tag name="KSO_WM_TAG_VERSION" val="1.0"/>
+  <p:tag name="KSO_WM_BEAUTIFY_FLAG" val="#wm#"/>
+  <p:tag name="KSO_WM_UNIT_ISNUMDGMTITLE" val="0"/>
+</p:tagLst>
+</file>
+
+<file path=ppt/tags/tag285.xml><?xml version="1.0" encoding="utf-8"?>
+<p:tagLst xmlns:p="http://schemas.openxmlformats.org/presentationml/2006/main">
+  <p:tag name="KSO_WM_UNIT_ISCONTENTSTITLE" val="0"/>
+  <p:tag name="KSO_WM_UNIT_PRESET_TEXT" val="单击此处添加标题"/>
+  <p:tag name="KSO_WM_UNIT_NOCLEAR" val="0"/>
+  <p:tag name="KSO_WM_UNIT_SHOW_EDIT_AREA_INDICATION" val="1"/>
+  <p:tag name="KSO_WM_UNIT_VALUE" val="26"/>
+  <p:tag name="KSO_WM_UNIT_HIGHLIGHT" val="0"/>
+  <p:tag name="KSO_WM_UNIT_COMPATIBLE" val="0"/>
+  <p:tag name="KSO_WM_UNIT_DIAGRAM_ISNUMVISUAL" val="0"/>
+  <p:tag name="KSO_WM_UNIT_DIAGRAM_ISREFERUNIT" val="0"/>
+  <p:tag name="KSO_WM_UNIT_TYPE" val="a"/>
+  <p:tag name="KSO_WM_UNIT_INDEX" val="1"/>
+  <p:tag name="KSO_WM_UNIT_ID" val="custom20205176_13*a*1"/>
+  <p:tag name="KSO_WM_TEMPLATE_CATEGORY" val="custom"/>
+  <p:tag name="KSO_WM_TEMPLATE_INDEX" val="20205176"/>
+  <p:tag name="KSO_WM_UNIT_LAYERLEVEL" val="1"/>
+  <p:tag name="KSO_WM_TAG_VERSION" val="1.0"/>
+  <p:tag name="KSO_WM_BEAUTIFY_FLAG" val="#wm#"/>
+  <p:tag name="KSO_WM_UNIT_ISNUMDGMTITLE" val="0"/>
+</p:tagLst>
+</file>
+
+<file path=ppt/tags/tag286.xml><?xml version="1.0" encoding="utf-8"?>
+<p:tagLst xmlns:p="http://schemas.openxmlformats.org/presentationml/2006/main">
+  <p:tag name="KSO_WM_UNIT_ISCONTENTSTITLE" val="0"/>
+  <p:tag name="KSO_WM_UNIT_PRESET_TEXT" val="单击此处添加标题"/>
+  <p:tag name="KSO_WM_UNIT_NOCLEAR" val="0"/>
+  <p:tag name="KSO_WM_UNIT_SHOW_EDIT_AREA_INDICATION" val="1"/>
+  <p:tag name="KSO_WM_UNIT_VALUE" val="26"/>
+  <p:tag name="KSO_WM_UNIT_HIGHLIGHT" val="0"/>
+  <p:tag name="KSO_WM_UNIT_COMPATIBLE" val="0"/>
+  <p:tag name="KSO_WM_UNIT_DIAGRAM_ISNUMVISUAL" val="0"/>
+  <p:tag name="KSO_WM_UNIT_DIAGRAM_ISREFERUNIT" val="0"/>
+  <p:tag name="KSO_WM_UNIT_TYPE" val="a"/>
+  <p:tag name="KSO_WM_UNIT_INDEX" val="1"/>
+  <p:tag name="KSO_WM_UNIT_ID" val="custom20205176_13*a*1"/>
+  <p:tag name="KSO_WM_TEMPLATE_CATEGORY" val="custom"/>
+  <p:tag name="KSO_WM_TEMPLATE_INDEX" val="20205176"/>
+  <p:tag name="KSO_WM_UNIT_LAYERLEVEL" val="1"/>
+  <p:tag name="KSO_WM_TAG_VERSION" val="1.0"/>
+  <p:tag name="KSO_WM_BEAUTIFY_FLAG" val="#wm#"/>
+  <p:tag name="KSO_WM_UNIT_ISNUMDGMTITLE" val="0"/>
+</p:tagLst>
+</file>
+
+<file path=ppt/tags/tag287.xml><?xml version="1.0" encoding="utf-8"?>
+<p:tagLst xmlns:p="http://schemas.openxmlformats.org/presentationml/2006/main">
+  <p:tag name="KSO_WM_UNIT_ISCONTENTSTITLE" val="0"/>
+  <p:tag name="KSO_WM_UNIT_PRESET_TEXT" val="单击此处添加标题"/>
+  <p:tag name="KSO_WM_UNIT_NOCLEAR" val="0"/>
+  <p:tag name="KSO_WM_UNIT_SHOW_EDIT_AREA_INDICATION" val="1"/>
+  <p:tag name="KSO_WM_UNIT_VALUE" val="26"/>
+  <p:tag name="KSO_WM_UNIT_HIGHLIGHT" val="0"/>
+  <p:tag name="KSO_WM_UNIT_COMPATIBLE" val="0"/>
+  <p:tag name="KSO_WM_UNIT_DIAGRAM_ISNUMVISUAL" val="0"/>
+  <p:tag name="KSO_WM_UNIT_DIAGRAM_ISREFERUNIT" val="0"/>
+  <p:tag name="KSO_WM_UNIT_TYPE" val="a"/>
+  <p:tag name="KSO_WM_UNIT_INDEX" val="1"/>
+  <p:tag name="KSO_WM_UNIT_ID" val="custom20205176_13*a*1"/>
+  <p:tag name="KSO_WM_TEMPLATE_CATEGORY" val="custom"/>
+  <p:tag name="KSO_WM_TEMPLATE_INDEX" val="20205176"/>
+  <p:tag name="KSO_WM_UNIT_LAYERLEVEL" val="1"/>
+  <p:tag name="KSO_WM_TAG_VERSION" val="1.0"/>
+  <p:tag name="KSO_WM_BEAUTIFY_FLAG" val="#wm#"/>
+  <p:tag name="KSO_WM_UNIT_ISNUMDGMTITLE" val="0"/>
+</p:tagLst>
+</file>
+
+<file path=ppt/tags/tag288.xml><?xml version="1.0" encoding="utf-8"?>
+<p:tagLst xmlns:p="http://schemas.openxmlformats.org/presentationml/2006/main">
+  <p:tag name="KSO_WM_UNIT_ISCONTENTSTITLE" val="0"/>
+  <p:tag name="KSO_WM_UNIT_PRESET_TEXT" val="单击此处添加标题"/>
+  <p:tag name="KSO_WM_UNIT_NOCLEAR" val="0"/>
+  <p:tag name="KSO_WM_UNIT_SHOW_EDIT_AREA_INDICATION" val="1"/>
+  <p:tag name="KSO_WM_UNIT_VALUE" val="26"/>
+  <p:tag name="KSO_WM_UNIT_HIGHLIGHT" val="0"/>
+  <p:tag name="KSO_WM_UNIT_COMPATIBLE" val="0"/>
+  <p:tag name="KSO_WM_UNIT_DIAGRAM_ISNUMVISUAL" val="0"/>
+  <p:tag name="KSO_WM_UNIT_DIAGRAM_ISREFERUNIT" val="0"/>
+  <p:tag name="KSO_WM_UNIT_TYPE" val="a"/>
+  <p:tag name="KSO_WM_UNIT_INDEX" val="1"/>
+  <p:tag name="KSO_WM_UNIT_ID" val="custom20205176_13*a*1"/>
+  <p:tag name="KSO_WM_TEMPLATE_CATEGORY" val="custom"/>
+  <p:tag name="KSO_WM_TEMPLATE_INDEX" val="20205176"/>
+  <p:tag name="KSO_WM_UNIT_LAYERLEVEL" val="1"/>
+  <p:tag name="KSO_WM_TAG_VERSION" val="1.0"/>
+  <p:tag name="KSO_WM_BEAUTIFY_FLAG" val="#wm#"/>
+  <p:tag name="KSO_WM_UNIT_ISNUMDGMTITLE" val="0"/>
+</p:tagLst>
+</file>
+
+<file path=ppt/tags/tag289.xml><?xml version="1.0" encoding="utf-8"?>
+<p:tagLst xmlns:p="http://schemas.openxmlformats.org/presentationml/2006/main">
+  <p:tag name="KSO_WM_UNIT_ISCONTENTSTITLE" val="0"/>
+  <p:tag name="KSO_WM_UNIT_PRESET_TEXT" val="单击此处添加标题"/>
+  <p:tag name="KSO_WM_UNIT_NOCLEAR" val="0"/>
+  <p:tag name="KSO_WM_UNIT_SHOW_EDIT_AREA_INDICATION" val="1"/>
+  <p:tag name="KSO_WM_UNIT_VALUE" val="26"/>
+  <p:tag name="KSO_WM_UNIT_HIGHLIGHT" val="0"/>
+  <p:tag name="KSO_WM_UNIT_COMPATIBLE" val="0"/>
+  <p:tag name="KSO_WM_UNIT_DIAGRAM_ISNUMVISUAL" val="0"/>
+  <p:tag name="KSO_WM_UNIT_DIAGRAM_ISREFERUNIT" val="0"/>
+  <p:tag name="KSO_WM_UNIT_TYPE" val="a"/>
+  <p:tag name="KSO_WM_UNIT_INDEX" val="1"/>
+  <p:tag name="KSO_WM_UNIT_ID" val="custom20205176_13*a*1"/>
+  <p:tag name="KSO_WM_TEMPLATE_CATEGORY" val="custom"/>
+  <p:tag name="KSO_WM_TEMPLATE_INDEX" val="20205176"/>
+  <p:tag name="KSO_WM_UNIT_LAYERLEVEL" val="1"/>
+  <p:tag name="KSO_WM_TAG_VERSION" val="1.0"/>
+  <p:tag name="KSO_WM_BEAUTIFY_FLAG" val="#wm#"/>
+  <p:tag name="KSO_WM_UNIT_ISNUMDGMTITLE" val="0"/>
+</p:tagLst>
+</file>
+
+<file path=ppt/tags/tag29.xml><?xml version="1.0" encoding="utf-8"?>
+<p:tagLst xmlns:p="http://schemas.openxmlformats.org/presentationml/2006/main">
+  <p:tag name="KSO_WM_UNIT_HIGHLIGHT" val="0"/>
+  <p:tag name="KSO_WM_UNIT_COMPATIBLE" val="0"/>
+  <p:tag name="KSO_WM_UNIT_DIAGRAM_ISNUMVISUAL" val="0"/>
+  <p:tag name="KSO_WM_UNIT_DIAGRAM_ISREFERUNIT" val="0"/>
+  <p:tag name="KSO_WM_UNIT_ID" val="_5**"/>
+  <p:tag name="KSO_WM_UNIT_LAYERLEVEL" val="1"/>
+  <p:tag name="KSO_WM_TAG_VERSION" val="1.0"/>
+  <p:tag name="KSO_WM_BEAUTIFY_FLAG" val="#wm#"/>
+</p:tagLst>
+</file>
+
+<file path=ppt/tags/tag290.xml><?xml version="1.0" encoding="utf-8"?>
+<p:tagLst xmlns:p="http://schemas.openxmlformats.org/presentationml/2006/main">
+  <p:tag name="KSO_WM_UNIT_ISCONTENTSTITLE" val="0"/>
+  <p:tag name="KSO_WM_UNIT_PRESET_TEXT" val="单击此处添加标题"/>
+  <p:tag name="KSO_WM_UNIT_NOCLEAR" val="0"/>
+  <p:tag name="KSO_WM_UNIT_SHOW_EDIT_AREA_INDICATION" val="1"/>
+  <p:tag name="KSO_WM_UNIT_VALUE" val="26"/>
+  <p:tag name="KSO_WM_UNIT_HIGHLIGHT" val="0"/>
+  <p:tag name="KSO_WM_UNIT_COMPATIBLE" val="0"/>
+  <p:tag name="KSO_WM_UNIT_DIAGRAM_ISNUMVISUAL" val="0"/>
+  <p:tag name="KSO_WM_UNIT_DIAGRAM_ISREFERUNIT" val="0"/>
+  <p:tag name="KSO_WM_UNIT_TYPE" val="a"/>
+  <p:tag name="KSO_WM_UNIT_INDEX" val="1"/>
+  <p:tag name="KSO_WM_UNIT_ID" val="custom20205176_13*a*1"/>
+  <p:tag name="KSO_WM_TEMPLATE_CATEGORY" val="custom"/>
+  <p:tag name="KSO_WM_TEMPLATE_INDEX" val="20205176"/>
+  <p:tag name="KSO_WM_UNIT_LAYERLEVEL" val="1"/>
+  <p:tag name="KSO_WM_TAG_VERSION" val="1.0"/>
+  <p:tag name="KSO_WM_BEAUTIFY_FLAG" val="#wm#"/>
+  <p:tag name="KSO_WM_UNIT_ISNUMDGMTITLE" val="0"/>
+</p:tagLst>
+</file>
+
+<file path=ppt/tags/tag291.xml><?xml version="1.0" encoding="utf-8"?>
+<p:tagLst xmlns:p="http://schemas.openxmlformats.org/presentationml/2006/main">
+  <p:tag name="KSO_WM_UNIT_ISCONTENTSTITLE" val="0"/>
+  <p:tag name="KSO_WM_UNIT_PRESET_TEXT" val="单击此处添加标题"/>
+  <p:tag name="KSO_WM_UNIT_NOCLEAR" val="0"/>
+  <p:tag name="KSO_WM_UNIT_SHOW_EDIT_AREA_INDICATION" val="1"/>
+  <p:tag name="KSO_WM_UNIT_VALUE" val="26"/>
+  <p:tag name="KSO_WM_UNIT_HIGHLIGHT" val="0"/>
+  <p:tag name="KSO_WM_UNIT_COMPATIBLE" val="0"/>
+  <p:tag name="KSO_WM_UNIT_DIAGRAM_ISNUMVISUAL" val="0"/>
+  <p:tag name="KSO_WM_UNIT_DIAGRAM_ISREFERUNIT" val="0"/>
+  <p:tag name="KSO_WM_UNIT_TYPE" val="a"/>
+  <p:tag name="KSO_WM_UNIT_INDEX" val="1"/>
+  <p:tag name="KSO_WM_UNIT_ID" val="custom20205176_13*a*1"/>
+  <p:tag name="KSO_WM_TEMPLATE_CATEGORY" val="custom"/>
+  <p:tag name="KSO_WM_TEMPLATE_INDEX" val="20205176"/>
+  <p:tag name="KSO_WM_UNIT_LAYERLEVEL" val="1"/>
+  <p:tag name="KSO_WM_TAG_VERSION" val="1.0"/>
+  <p:tag name="KSO_WM_BEAUTIFY_FLAG" val="#wm#"/>
+  <p:tag name="KSO_WM_UNIT_ISNUMDGMTITLE" val="0"/>
+</p:tagLst>
+</file>
+
+<file path=ppt/tags/tag292.xml><?xml version="1.0" encoding="utf-8"?>
+<p:tagLst xmlns:p="http://schemas.openxmlformats.org/presentationml/2006/main">
+  <p:tag name="KSO_WM_UNIT_ISCONTENTSTITLE" val="0"/>
+  <p:tag name="KSO_WM_UNIT_PRESET_TEXT" val="单击此处添加标题"/>
+  <p:tag name="KSO_WM_UNIT_NOCLEAR" val="0"/>
+  <p:tag name="KSO_WM_UNIT_SHOW_EDIT_AREA_INDICATION" val="1"/>
+  <p:tag name="KSO_WM_UNIT_VALUE" val="26"/>
+  <p:tag name="KSO_WM_UNIT_HIGHLIGHT" val="0"/>
+  <p:tag name="KSO_WM_UNIT_COMPATIBLE" val="0"/>
+  <p:tag name="KSO_WM_UNIT_DIAGRAM_ISNUMVISUAL" val="0"/>
+  <p:tag name="KSO_WM_UNIT_DIAGRAM_ISREFERUNIT" val="0"/>
+  <p:tag name="KSO_WM_UNIT_TYPE" val="a"/>
+  <p:tag name="KSO_WM_UNIT_INDEX" val="1"/>
+  <p:tag name="KSO_WM_UNIT_ID" val="custom20205176_13*a*1"/>
+  <p:tag name="KSO_WM_TEMPLATE_CATEGORY" val="custom"/>
+  <p:tag name="KSO_WM_TEMPLATE_INDEX" val="20205176"/>
+  <p:tag name="KSO_WM_UNIT_LAYERLEVEL" val="1"/>
+  <p:tag name="KSO_WM_TAG_VERSION" val="1.0"/>
+  <p:tag name="KSO_WM_BEAUTIFY_FLAG" val="#wm#"/>
+  <p:tag name="KSO_WM_UNIT_ISNUMDGMTITLE" val="0"/>
+</p:tagLst>
+</file>
+
+<file path=ppt/tags/tag293.xml><?xml version="1.0" encoding="utf-8"?>
+<p:tagLst xmlns:p="http://schemas.openxmlformats.org/presentationml/2006/main">
+  <p:tag name="KSO_WM_UNIT_ISCONTENTSTITLE" val="0"/>
+  <p:tag name="KSO_WM_UNIT_PRESET_TEXT" val="单击此处添加标题"/>
+  <p:tag name="KSO_WM_UNIT_NOCLEAR" val="0"/>
+  <p:tag name="KSO_WM_UNIT_SHOW_EDIT_AREA_INDICATION" val="1"/>
+  <p:tag name="KSO_WM_UNIT_VALUE" val="26"/>
+  <p:tag name="KSO_WM_UNIT_HIGHLIGHT" val="0"/>
+  <p:tag name="KSO_WM_UNIT_COMPATIBLE" val="0"/>
+  <p:tag name="KSO_WM_UNIT_DIAGRAM_ISNUMVISUAL" val="0"/>
+  <p:tag name="KSO_WM_UNIT_DIAGRAM_ISREFERUNIT" val="0"/>
+  <p:tag name="KSO_WM_UNIT_TYPE" val="a"/>
+  <p:tag name="KSO_WM_UNIT_INDEX" val="1"/>
+  <p:tag name="KSO_WM_UNIT_ID" val="custom20205176_13*a*1"/>
+  <p:tag name="KSO_WM_TEMPLATE_CATEGORY" val="custom"/>
+  <p:tag name="KSO_WM_TEMPLATE_INDEX" val="20205176"/>
+  <p:tag name="KSO_WM_UNIT_LAYERLEVEL" val="1"/>
+  <p:tag name="KSO_WM_TAG_VERSION" val="1.0"/>
+  <p:tag name="KSO_WM_BEAUTIFY_FLAG" val="#wm#"/>
+  <p:tag name="KSO_WM_UNIT_ISNUMDGMTITLE" val="0"/>
+</p:tagLst>
+</file>
+
+<file path=ppt/tags/tag294.xml><?xml version="1.0" encoding="utf-8"?>
+<p:tagLst xmlns:p="http://schemas.openxmlformats.org/presentationml/2006/main">
+  <p:tag name="KSO_WM_UNIT_ISCONTENTSTITLE" val="0"/>
+  <p:tag name="KSO_WM_UNIT_PRESET_TEXT" val="单击此处添加标题"/>
+  <p:tag name="KSO_WM_UNIT_NOCLEAR" val="0"/>
+  <p:tag name="KSO_WM_UNIT_SHOW_EDIT_AREA_INDICATION" val="1"/>
+  <p:tag name="KSO_WM_UNIT_VALUE" val="26"/>
+  <p:tag name="KSO_WM_UNIT_HIGHLIGHT" val="0"/>
+  <p:tag name="KSO_WM_UNIT_COMPATIBLE" val="0"/>
+  <p:tag name="KSO_WM_UNIT_DIAGRAM_ISNUMVISUAL" val="0"/>
+  <p:tag name="KSO_WM_UNIT_DIAGRAM_ISREFERUNIT" val="0"/>
+  <p:tag name="KSO_WM_UNIT_TYPE" val="a"/>
+  <p:tag name="KSO_WM_UNIT_INDEX" val="1"/>
+  <p:tag name="KSO_WM_UNIT_ID" val="custom20205176_13*a*1"/>
+  <p:tag name="KSO_WM_TEMPLATE_CATEGORY" val="custom"/>
+  <p:tag name="KSO_WM_TEMPLATE_INDEX" val="20205176"/>
+  <p:tag name="KSO_WM_UNIT_LAYERLEVEL" val="1"/>
+  <p:tag name="KSO_WM_TAG_VERSION" val="1.0"/>
+  <p:tag name="KSO_WM_BEAUTIFY_FLAG" val="#wm#"/>
+  <p:tag name="KSO_WM_UNIT_ISNUMDGMTITLE" val="0"/>
+</p:tagLst>
+</file>
+
+<file path=ppt/tags/tag295.xml><?xml version="1.0" encoding="utf-8"?>
+<p:tagLst xmlns:p="http://schemas.openxmlformats.org/presentationml/2006/main">
+  <p:tag name="KSO_WM_UNIT_ISCONTENTSTITLE" val="0"/>
+  <p:tag name="KSO_WM_UNIT_PRESET_TEXT" val="单击此处添加标题"/>
+  <p:tag name="KSO_WM_UNIT_NOCLEAR" val="0"/>
+  <p:tag name="KSO_WM_UNIT_SHOW_EDIT_AREA_INDICATION" val="1"/>
+  <p:tag name="KSO_WM_UNIT_VALUE" val="26"/>
+  <p:tag name="KSO_WM_UNIT_HIGHLIGHT" val="0"/>
+  <p:tag name="KSO_WM_UNIT_COMPATIBLE" val="0"/>
+  <p:tag name="KSO_WM_UNIT_DIAGRAM_ISNUMVISUAL" val="0"/>
+  <p:tag name="KSO_WM_UNIT_DIAGRAM_ISREFERUNIT" val="0"/>
+  <p:tag name="KSO_WM_UNIT_TYPE" val="a"/>
+  <p:tag name="KSO_WM_UNIT_INDEX" val="1"/>
+  <p:tag name="KSO_WM_UNIT_ID" val="custom20205176_13*a*1"/>
+  <p:tag name="KSO_WM_TEMPLATE_CATEGORY" val="custom"/>
+  <p:tag name="KSO_WM_TEMPLATE_INDEX" val="20205176"/>
+  <p:tag name="KSO_WM_UNIT_LAYERLEVEL" val="1"/>
+  <p:tag name="KSO_WM_TAG_VERSION" val="1.0"/>
+  <p:tag name="KSO_WM_BEAUTIFY_FLAG" val="#wm#"/>
+  <p:tag name="KSO_WM_UNIT_ISNUMDGMTITLE" val="0"/>
+</p:tagLst>
+</file>
+
+<file path=ppt/tags/tag296.xml><?xml version="1.0" encoding="utf-8"?>
+<p:tagLst xmlns:p="http://schemas.openxmlformats.org/presentationml/2006/main">
+  <p:tag name="KSO_WM_UNIT_ISCONTENTSTITLE" val="0"/>
+  <p:tag name="KSO_WM_UNIT_PRESET_TEXT" val="单击此处添加标题"/>
+  <p:tag name="KSO_WM_UNIT_NOCLEAR" val="0"/>
+  <p:tag name="KSO_WM_UNIT_SHOW_EDIT_AREA_INDICATION" val="1"/>
+  <p:tag name="KSO_WM_UNIT_VALUE" val="26"/>
+  <p:tag name="KSO_WM_UNIT_HIGHLIGHT" val="0"/>
+  <p:tag name="KSO_WM_UNIT_COMPATIBLE" val="0"/>
+  <p:tag name="KSO_WM_UNIT_DIAGRAM_ISNUMVISUAL" val="0"/>
+  <p:tag name="KSO_WM_UNIT_DIAGRAM_ISREFERUNIT" val="0"/>
+  <p:tag name="KSO_WM_UNIT_TYPE" val="a"/>
+  <p:tag name="KSO_WM_UNIT_INDEX" val="1"/>
+  <p:tag name="KSO_WM_UNIT_ID" val="custom20205176_13*a*1"/>
+  <p:tag name="KSO_WM_TEMPLATE_CATEGORY" val="custom"/>
+  <p:tag name="KSO_WM_TEMPLATE_INDEX" val="20205176"/>
+  <p:tag name="KSO_WM_UNIT_LAYERLEVEL" val="1"/>
+  <p:tag name="KSO_WM_TAG_VERSION" val="1.0"/>
+  <p:tag name="KSO_WM_BEAUTIFY_FLAG" val="#wm#"/>
+  <p:tag name="KSO_WM_UNIT_ISNUMDGMTITLE" val="0"/>
+</p:tagLst>
+</file>
+
+<file path=ppt/tags/tag297.xml><?xml version="1.0" encoding="utf-8"?>
+<p:tagLst xmlns:p="http://schemas.openxmlformats.org/presentationml/2006/main">
+  <p:tag name="KSO_WM_UNIT_ISCONTENTSTITLE" val="0"/>
+  <p:tag name="KSO_WM_UNIT_PRESET_TEXT" val="单击此处添加标题"/>
+  <p:tag name="KSO_WM_UNIT_NOCLEAR" val="0"/>
+  <p:tag name="KSO_WM_UNIT_SHOW_EDIT_AREA_INDICATION" val="1"/>
+  <p:tag name="KSO_WM_UNIT_VALUE" val="26"/>
+  <p:tag name="KSO_WM_UNIT_HIGHLIGHT" val="0"/>
+  <p:tag name="KSO_WM_UNIT_COMPATIBLE" val="0"/>
+  <p:tag name="KSO_WM_UNIT_DIAGRAM_ISNUMVISUAL" val="0"/>
+  <p:tag name="KSO_WM_UNIT_DIAGRAM_ISREFERUNIT" val="0"/>
+  <p:tag name="KSO_WM_UNIT_TYPE" val="a"/>
+  <p:tag name="KSO_WM_UNIT_INDEX" val="1"/>
+  <p:tag name="KSO_WM_UNIT_ID" val="custom20205176_13*a*1"/>
+  <p:tag name="KSO_WM_TEMPLATE_CATEGORY" val="custom"/>
+  <p:tag name="KSO_WM_TEMPLATE_INDEX" val="20205176"/>
+  <p:tag name="KSO_WM_UNIT_LAYERLEVEL" val="1"/>
+  <p:tag name="KSO_WM_TAG_VERSION" val="1.0"/>
+  <p:tag name="KSO_WM_BEAUTIFY_FLAG" val="#wm#"/>
+  <p:tag name="KSO_WM_UNIT_ISNUMDGMTITLE" val="0"/>
+</p:tagLst>
+</file>
+
+<file path=ppt/tags/tag298.xml><?xml version="1.0" encoding="utf-8"?>
+<p:tagLst xmlns:p="http://schemas.openxmlformats.org/presentationml/2006/main">
+  <p:tag name="KSO_WM_UNIT_ISCONTENTSTITLE" val="0"/>
+  <p:tag name="KSO_WM_UNIT_PRESET_TEXT" val="单击此处添加标题"/>
+  <p:tag name="KSO_WM_UNIT_NOCLEAR" val="0"/>
+  <p:tag name="KSO_WM_UNIT_SHOW_EDIT_AREA_INDICATION" val="1"/>
+  <p:tag name="KSO_WM_UNIT_VALUE" val="26"/>
+  <p:tag name="KSO_WM_UNIT_HIGHLIGHT" val="0"/>
+  <p:tag name="KSO_WM_UNIT_COMPATIBLE" val="0"/>
+  <p:tag name="KSO_WM_UNIT_DIAGRAM_ISNUMVISUAL" val="0"/>
+  <p:tag name="KSO_WM_UNIT_DIAGRAM_ISREFERUNIT" val="0"/>
+  <p:tag name="KSO_WM_UNIT_TYPE" val="a"/>
+  <p:tag name="KSO_WM_UNIT_INDEX" val="1"/>
+  <p:tag name="KSO_WM_UNIT_ID" val="custom20205176_13*a*1"/>
+  <p:tag name="KSO_WM_TEMPLATE_CATEGORY" val="custom"/>
+  <p:tag name="KSO_WM_TEMPLATE_INDEX" val="20205176"/>
+  <p:tag name="KSO_WM_UNIT_LAYERLEVEL" val="1"/>
+  <p:tag name="KSO_WM_TAG_VERSION" val="1.0"/>
+  <p:tag name="KSO_WM_BEAUTIFY_FLAG" val="#wm#"/>
+  <p:tag name="KSO_WM_UNIT_ISNUMDGMTITLE" val="0"/>
+</p:tagLst>
+</file>
+
+<file path=ppt/tags/tag299.xml><?xml version="1.0" encoding="utf-8"?>
+<p:tagLst xmlns:p="http://schemas.openxmlformats.org/presentationml/2006/main">
+  <p:tag name="KSO_WM_UNIT_ISCONTENTSTITLE" val="0"/>
+  <p:tag name="KSO_WM_UNIT_PRESET_TEXT" val="单击此处添加标题"/>
+  <p:tag name="KSO_WM_UNIT_NOCLEAR" val="0"/>
+  <p:tag name="KSO_WM_UNIT_SHOW_EDIT_AREA_INDICATION" val="1"/>
+  <p:tag name="KSO_WM_UNIT_VALUE" val="26"/>
+  <p:tag name="KSO_WM_UNIT_HIGHLIGHT" val="0"/>
+  <p:tag name="KSO_WM_UNIT_COMPATIBLE" val="0"/>
+  <p:tag name="KSO_WM_UNIT_DIAGRAM_ISNUMVISUAL" val="0"/>
+  <p:tag name="KSO_WM_UNIT_DIAGRAM_ISREFERUNIT" val="0"/>
+  <p:tag name="KSO_WM_UNIT_TYPE" val="a"/>
+  <p:tag name="KSO_WM_UNIT_INDEX" val="1"/>
+  <p:tag name="KSO_WM_UNIT_ID" val="custom20205176_13*a*1"/>
+  <p:tag name="KSO_WM_TEMPLATE_CATEGORY" val="custom"/>
+  <p:tag name="KSO_WM_TEMPLATE_INDEX" val="20205176"/>
+  <p:tag name="KSO_WM_UNIT_LAYERLEVEL" val="1"/>
+  <p:tag name="KSO_WM_TAG_VERSION" val="1.0"/>
+  <p:tag name="KSO_WM_BEAUTIFY_FLAG" val="#wm#"/>
+  <p:tag name="KSO_WM_UNIT_ISNUMDGMTITLE" val="0"/>
+</p:tagLst>
+</file>
+
+<file path=ppt/tags/tag3.xml><?xml version="1.0" encoding="utf-8"?>
+<p:tagLst xmlns:p="http://schemas.openxmlformats.org/presentationml/2006/main">
+  <p:tag name="KSO_WM_UNIT_HIGHLIGHT" val="0"/>
+  <p:tag name="KSO_WM_UNIT_COMPATIBLE" val="0"/>
+  <p:tag name="KSO_WM_UNIT_DIAGRAM_ISNUMVISUAL" val="0"/>
+  <p:tag name="KSO_WM_UNIT_DIAGRAM_ISREFERUNIT" val="0"/>
+  <p:tag name="KSO_WM_UNIT_ID" val="_1**"/>
+  <p:tag name="KSO_WM_UNIT_LAYERLEVEL" val="1"/>
+  <p:tag name="KSO_WM_TAG_VERSION" val="1.0"/>
+  <p:tag name="KSO_WM_BEAUTIFY_FLAG" val="#wm#"/>
+</p:tagLst>
+</file>
+
+<file path=ppt/tags/tag30.xml><?xml version="1.0" encoding="utf-8"?>
+<p:tagLst xmlns:p="http://schemas.openxmlformats.org/presentationml/2006/main">
+  <p:tag name="KSO_WM_UNIT_HIGHLIGHT" val="0"/>
+  <p:tag name="KSO_WM_UNIT_COMPATIBLE" val="0"/>
+  <p:tag name="KSO_WM_UNIT_DIAGRAM_ISNUMVISUAL" val="0"/>
+  <p:tag name="KSO_WM_UNIT_DIAGRAM_ISREFERUNIT" val="0"/>
+  <p:tag name="KSO_WM_UNIT_ID" val="_6**"/>
+  <p:tag name="KSO_WM_UNIT_LAYERLEVEL" val="1"/>
+  <p:tag name="KSO_WM_TAG_VERSION" val="1.0"/>
+  <p:tag name="KSO_WM_BEAUTIFY_FLAG" val="#wm#"/>
+</p:tagLst>
+</file>
+
+<file path=ppt/tags/tag300.xml><?xml version="1.0" encoding="utf-8"?>
+<p:tagLst xmlns:p="http://schemas.openxmlformats.org/presentationml/2006/main">
+  <p:tag name="KSO_WM_UNIT_ISCONTENTSTITLE" val="0"/>
+  <p:tag name="KSO_WM_UNIT_PRESET_TEXT" val="单击此处添加标题"/>
+  <p:tag name="KSO_WM_UNIT_NOCLEAR" val="0"/>
+  <p:tag name="KSO_WM_UNIT_SHOW_EDIT_AREA_INDICATION" val="1"/>
+  <p:tag name="KSO_WM_UNIT_VALUE" val="26"/>
+  <p:tag name="KSO_WM_UNIT_HIGHLIGHT" val="0"/>
+  <p:tag name="KSO_WM_UNIT_COMPATIBLE" val="0"/>
+  <p:tag name="KSO_WM_UNIT_DIAGRAM_ISNUMVISUAL" val="0"/>
+  <p:tag name="KSO_WM_UNIT_DIAGRAM_ISREFERUNIT" val="0"/>
+  <p:tag name="KSO_WM_UNIT_TYPE" val="a"/>
+  <p:tag name="KSO_WM_UNIT_INDEX" val="1"/>
+  <p:tag name="KSO_WM_UNIT_ID" val="custom20205176_13*a*1"/>
+  <p:tag name="KSO_WM_TEMPLATE_CATEGORY" val="custom"/>
+  <p:tag name="KSO_WM_TEMPLATE_INDEX" val="20205176"/>
+  <p:tag name="KSO_WM_UNIT_LAYERLEVEL" val="1"/>
+  <p:tag name="KSO_WM_TAG_VERSION" val="1.0"/>
+  <p:tag name="KSO_WM_BEAUTIFY_FLAG" val="#wm#"/>
+  <p:tag name="KSO_WM_UNIT_ISNUMDGMTITLE" val="0"/>
+</p:tagLst>
+</file>
+
+<file path=ppt/tags/tag301.xml><?xml version="1.0" encoding="utf-8"?>
+<p:tagLst xmlns:p="http://schemas.openxmlformats.org/presentationml/2006/main">
+  <p:tag name="KSO_WM_UNIT_ISCONTENTSTITLE" val="0"/>
+  <p:tag name="KSO_WM_UNIT_PRESET_TEXT" val="单击此处添加标题"/>
+  <p:tag name="KSO_WM_UNIT_NOCLEAR" val="0"/>
+  <p:tag name="KSO_WM_UNIT_SHOW_EDIT_AREA_INDICATION" val="1"/>
+  <p:tag name="KSO_WM_UNIT_VALUE" val="26"/>
+  <p:tag name="KSO_WM_UNIT_HIGHLIGHT" val="0"/>
+  <p:tag name="KSO_WM_UNIT_COMPATIBLE" val="0"/>
+  <p:tag name="KSO_WM_UNIT_DIAGRAM_ISNUMVISUAL" val="0"/>
+  <p:tag name="KSO_WM_UNIT_DIAGRAM_ISREFERUNIT" val="0"/>
+  <p:tag name="KSO_WM_UNIT_TYPE" val="a"/>
+  <p:tag name="KSO_WM_UNIT_INDEX" val="1"/>
+  <p:tag name="KSO_WM_UNIT_ID" val="custom20205176_13*a*1"/>
+  <p:tag name="KSO_WM_TEMPLATE_CATEGORY" val="custom"/>
+  <p:tag name="KSO_WM_TEMPLATE_INDEX" val="20205176"/>
+  <p:tag name="KSO_WM_UNIT_LAYERLEVEL" val="1"/>
+  <p:tag name="KSO_WM_TAG_VERSION" val="1.0"/>
+  <p:tag name="KSO_WM_BEAUTIFY_FLAG" val="#wm#"/>
+  <p:tag name="KSO_WM_UNIT_ISNUMDGMTITLE" val="0"/>
+</p:tagLst>
+</file>
+
+<file path=ppt/tags/tag302.xml><?xml version="1.0" encoding="utf-8"?>
 <p:tagLst xmlns:p="http://schemas.openxmlformats.org/presentationml/2006/main">
   <p:tag name="KSO_WM_BEAUTIFY_FLAG" val="#wm#"/>
   <p:tag name="KSO_WM_TEMPLATE_CATEGORY" val="custom"/>
@@ -27035,642 +26902,7 @@
 </p:tagLst>
 </file>
 
-<file path=ppt/tags/tag282.xml><?xml version="1.0" encoding="utf-8"?>
-<p:tagLst xmlns:p="http://schemas.openxmlformats.org/presentationml/2006/main">
-  <p:tag name="KSO_WM_SLIDE_BACKGROUND_TYPE" val="general"/>
-  <p:tag name="KSO_WM_SLIDE_BK_DARK_LIGHT" val="2"/>
-  <p:tag name="KSO_WM_UNIT_HIGHLIGHT" val="0"/>
-  <p:tag name="KSO_WM_UNIT_COMPATIBLE" val="0"/>
-  <p:tag name="KSO_WM_UNIT_DIAGRAM_ISNUMVISUAL" val="0"/>
-  <p:tag name="KSO_WM_UNIT_DIAGRAM_ISREFERUNIT" val="0"/>
-  <p:tag name="KSO_WM_UNIT_ID" val="_12**"/>
-  <p:tag name="KSO_WM_UNIT_LAYERLEVEL" val="1"/>
-  <p:tag name="KSO_WM_TAG_VERSION" val="1.0"/>
-  <p:tag name="KSO_WM_BEAUTIFY_FLAG" val="#wm#"/>
-  <p:tag name="WM_BEAUTIFY_SHAPE_IDENTITY" val="{7da68a40-0186-4a83-8e16-7eed7e615ac2}"/>
-  <p:tag name="KSO_WM_UNIT_TYPE" val="i"/>
-</p:tagLst>
-</file>
-
-<file path=ppt/tags/tag283.xml><?xml version="1.0" encoding="utf-8"?>
-<p:tagLst xmlns:p="http://schemas.openxmlformats.org/presentationml/2006/main">
-  <p:tag name="KSO_WM_SLIDE_BACKGROUND_TYPE" val="general"/>
-  <p:tag name="KSO_WM_SLIDE_BK_DARK_LIGHT" val="2"/>
-  <p:tag name="KSO_WM_UNIT_HIGHLIGHT" val="0"/>
-  <p:tag name="KSO_WM_UNIT_COMPATIBLE" val="0"/>
-  <p:tag name="KSO_WM_UNIT_DIAGRAM_ISNUMVISUAL" val="0"/>
-  <p:tag name="KSO_WM_UNIT_DIAGRAM_ISREFERUNIT" val="0"/>
-  <p:tag name="KSO_WM_UNIT_ID" val="_12**"/>
-  <p:tag name="KSO_WM_UNIT_LAYERLEVEL" val="1"/>
-  <p:tag name="KSO_WM_TAG_VERSION" val="1.0"/>
-  <p:tag name="KSO_WM_BEAUTIFY_FLAG" val="#wm#"/>
-  <p:tag name="KSO_WM_UNIT_FILL_FORE_SCHEMECOLOR_INDEX_BRIGHTNESS" val="0.6"/>
-  <p:tag name="KSO_WM_UNIT_FILL_FORE_SCHEMECOLOR_INDEX" val="5"/>
-  <p:tag name="KSO_WM_UNIT_FILL_TYPE" val="1"/>
-  <p:tag name="KSO_WM_UNIT_TEXT_FILL_FORE_SCHEMECOLOR_INDEX_BRIGHTNESS" val="0"/>
-  <p:tag name="KSO_WM_UNIT_TEXT_FILL_FORE_SCHEMECOLOR_INDEX" val="2"/>
-  <p:tag name="KSO_WM_UNIT_TEXT_FILL_TYPE" val="1"/>
-</p:tagLst>
-</file>
-
-<file path=ppt/tags/tag284.xml><?xml version="1.0" encoding="utf-8"?>
-<p:tagLst xmlns:p="http://schemas.openxmlformats.org/presentationml/2006/main">
-  <p:tag name="KSO_WM_SLIDE_BACKGROUND_TYPE" val="general"/>
-  <p:tag name="KSO_WM_SLIDE_BK_DARK_LIGHT" val="2"/>
-  <p:tag name="KSO_WM_UNIT_HIGHLIGHT" val="0"/>
-  <p:tag name="KSO_WM_UNIT_COMPATIBLE" val="0"/>
-  <p:tag name="KSO_WM_UNIT_DIAGRAM_ISNUMVISUAL" val="0"/>
-  <p:tag name="KSO_WM_UNIT_DIAGRAM_ISREFERUNIT" val="0"/>
-  <p:tag name="KSO_WM_UNIT_ID" val="_12**"/>
-  <p:tag name="KSO_WM_UNIT_LAYERLEVEL" val="1"/>
-  <p:tag name="KSO_WM_TAG_VERSION" val="1.0"/>
-  <p:tag name="KSO_WM_BEAUTIFY_FLAG" val="#wm#"/>
-  <p:tag name="KSO_WM_UNIT_FILL_FORE_SCHEMECOLOR_INDEX_BRIGHTNESS" val="0.4"/>
-  <p:tag name="KSO_WM_UNIT_FILL_FORE_SCHEMECOLOR_INDEX" val="5"/>
-  <p:tag name="KSO_WM_UNIT_FILL_TYPE" val="1"/>
-  <p:tag name="KSO_WM_UNIT_TEXT_FILL_FORE_SCHEMECOLOR_INDEX_BRIGHTNESS" val="0"/>
-  <p:tag name="KSO_WM_UNIT_TEXT_FILL_FORE_SCHEMECOLOR_INDEX" val="2"/>
-  <p:tag name="KSO_WM_UNIT_TEXT_FILL_TYPE" val="1"/>
-</p:tagLst>
-</file>
-
-<file path=ppt/tags/tag285.xml><?xml version="1.0" encoding="utf-8"?>
-<p:tagLst xmlns:p="http://schemas.openxmlformats.org/presentationml/2006/main">
-  <p:tag name="TABLE_ENDDRAG_ORIGIN_RECT" val="883*224"/>
-  <p:tag name="TABLE_ENDDRAG_RECT" val="35*161*883*224"/>
-</p:tagLst>
-</file>
-
-<file path=ppt/tags/tag286.xml><?xml version="1.0" encoding="utf-8"?>
-<p:tagLst xmlns:p="http://schemas.openxmlformats.org/presentationml/2006/main">
-  <p:tag name="KSO_WM_UNIT_ISCONTENTSTITLE" val="0"/>
-  <p:tag name="KSO_WM_UNIT_PRESET_TEXT" val="单击此处添加标题"/>
-  <p:tag name="KSO_WM_UNIT_NOCLEAR" val="0"/>
-  <p:tag name="KSO_WM_UNIT_SHOW_EDIT_AREA_INDICATION" val="1"/>
-  <p:tag name="KSO_WM_UNIT_VALUE" val="26"/>
-  <p:tag name="KSO_WM_UNIT_HIGHLIGHT" val="0"/>
-  <p:tag name="KSO_WM_UNIT_COMPATIBLE" val="0"/>
-  <p:tag name="KSO_WM_UNIT_DIAGRAM_ISNUMVISUAL" val="0"/>
-  <p:tag name="KSO_WM_UNIT_DIAGRAM_ISREFERUNIT" val="0"/>
-  <p:tag name="KSO_WM_UNIT_TYPE" val="a"/>
-  <p:tag name="KSO_WM_UNIT_INDEX" val="1"/>
-  <p:tag name="KSO_WM_UNIT_ID" val="custom20205176_13*a*1"/>
-  <p:tag name="KSO_WM_TEMPLATE_CATEGORY" val="custom"/>
-  <p:tag name="KSO_WM_TEMPLATE_INDEX" val="20205176"/>
-  <p:tag name="KSO_WM_UNIT_LAYERLEVEL" val="1"/>
-  <p:tag name="KSO_WM_TAG_VERSION" val="1.0"/>
-  <p:tag name="KSO_WM_BEAUTIFY_FLAG" val="#wm#"/>
-  <p:tag name="KSO_WM_UNIT_ISNUMDGMTITLE" val="0"/>
-</p:tagLst>
-</file>
-
-<file path=ppt/tags/tag287.xml><?xml version="1.0" encoding="utf-8"?>
-<p:tagLst xmlns:p="http://schemas.openxmlformats.org/presentationml/2006/main">
-  <p:tag name="KSO_WM_UNIT_ISCONTENTSTITLE" val="0"/>
-  <p:tag name="KSO_WM_UNIT_PRESET_TEXT" val="单击此处添加标题"/>
-  <p:tag name="KSO_WM_UNIT_NOCLEAR" val="0"/>
-  <p:tag name="KSO_WM_UNIT_SHOW_EDIT_AREA_INDICATION" val="1"/>
-  <p:tag name="KSO_WM_UNIT_VALUE" val="26"/>
-  <p:tag name="KSO_WM_UNIT_HIGHLIGHT" val="0"/>
-  <p:tag name="KSO_WM_UNIT_COMPATIBLE" val="0"/>
-  <p:tag name="KSO_WM_UNIT_DIAGRAM_ISNUMVISUAL" val="0"/>
-  <p:tag name="KSO_WM_UNIT_DIAGRAM_ISREFERUNIT" val="0"/>
-  <p:tag name="KSO_WM_UNIT_TYPE" val="a"/>
-  <p:tag name="KSO_WM_UNIT_INDEX" val="1"/>
-  <p:tag name="KSO_WM_UNIT_ID" val="custom20205176_13*a*1"/>
-  <p:tag name="KSO_WM_TEMPLATE_CATEGORY" val="custom"/>
-  <p:tag name="KSO_WM_TEMPLATE_INDEX" val="20205176"/>
-  <p:tag name="KSO_WM_UNIT_LAYERLEVEL" val="1"/>
-  <p:tag name="KSO_WM_TAG_VERSION" val="1.0"/>
-  <p:tag name="KSO_WM_BEAUTIFY_FLAG" val="#wm#"/>
-  <p:tag name="KSO_WM_UNIT_ISNUMDGMTITLE" val="0"/>
-</p:tagLst>
-</file>
-
-<file path=ppt/tags/tag288.xml><?xml version="1.0" encoding="utf-8"?>
-<p:tagLst xmlns:p="http://schemas.openxmlformats.org/presentationml/2006/main">
-  <p:tag name="KSO_WM_UNIT_ISCONTENTSTITLE" val="0"/>
-  <p:tag name="KSO_WM_UNIT_PRESET_TEXT" val="单击此处添加标题"/>
-  <p:tag name="KSO_WM_UNIT_NOCLEAR" val="0"/>
-  <p:tag name="KSO_WM_UNIT_SHOW_EDIT_AREA_INDICATION" val="1"/>
-  <p:tag name="KSO_WM_UNIT_VALUE" val="26"/>
-  <p:tag name="KSO_WM_UNIT_HIGHLIGHT" val="0"/>
-  <p:tag name="KSO_WM_UNIT_COMPATIBLE" val="0"/>
-  <p:tag name="KSO_WM_UNIT_DIAGRAM_ISNUMVISUAL" val="0"/>
-  <p:tag name="KSO_WM_UNIT_DIAGRAM_ISREFERUNIT" val="0"/>
-  <p:tag name="KSO_WM_UNIT_TYPE" val="a"/>
-  <p:tag name="KSO_WM_UNIT_INDEX" val="1"/>
-  <p:tag name="KSO_WM_UNIT_ID" val="custom20205176_13*a*1"/>
-  <p:tag name="KSO_WM_TEMPLATE_CATEGORY" val="custom"/>
-  <p:tag name="KSO_WM_TEMPLATE_INDEX" val="20205176"/>
-  <p:tag name="KSO_WM_UNIT_LAYERLEVEL" val="1"/>
-  <p:tag name="KSO_WM_TAG_VERSION" val="1.0"/>
-  <p:tag name="KSO_WM_BEAUTIFY_FLAG" val="#wm#"/>
-  <p:tag name="KSO_WM_UNIT_ISNUMDGMTITLE" val="0"/>
-</p:tagLst>
-</file>
-
-<file path=ppt/tags/tag289.xml><?xml version="1.0" encoding="utf-8"?>
-<p:tagLst xmlns:p="http://schemas.openxmlformats.org/presentationml/2006/main">
-  <p:tag name="KSO_WM_UNIT_ISCONTENTSTITLE" val="0"/>
-  <p:tag name="KSO_WM_UNIT_PRESET_TEXT" val="单击此处添加标题"/>
-  <p:tag name="KSO_WM_UNIT_NOCLEAR" val="0"/>
-  <p:tag name="KSO_WM_UNIT_SHOW_EDIT_AREA_INDICATION" val="1"/>
-  <p:tag name="KSO_WM_UNIT_VALUE" val="26"/>
-  <p:tag name="KSO_WM_UNIT_HIGHLIGHT" val="0"/>
-  <p:tag name="KSO_WM_UNIT_COMPATIBLE" val="0"/>
-  <p:tag name="KSO_WM_UNIT_DIAGRAM_ISNUMVISUAL" val="0"/>
-  <p:tag name="KSO_WM_UNIT_DIAGRAM_ISREFERUNIT" val="0"/>
-  <p:tag name="KSO_WM_UNIT_TYPE" val="a"/>
-  <p:tag name="KSO_WM_UNIT_INDEX" val="1"/>
-  <p:tag name="KSO_WM_UNIT_ID" val="custom20205176_13*a*1"/>
-  <p:tag name="KSO_WM_TEMPLATE_CATEGORY" val="custom"/>
-  <p:tag name="KSO_WM_TEMPLATE_INDEX" val="20205176"/>
-  <p:tag name="KSO_WM_UNIT_LAYERLEVEL" val="1"/>
-  <p:tag name="KSO_WM_TAG_VERSION" val="1.0"/>
-  <p:tag name="KSO_WM_BEAUTIFY_FLAG" val="#wm#"/>
-  <p:tag name="KSO_WM_UNIT_ISNUMDGMTITLE" val="0"/>
-</p:tagLst>
-</file>
-
-<file path=ppt/tags/tag29.xml><?xml version="1.0" encoding="utf-8"?>
-<p:tagLst xmlns:p="http://schemas.openxmlformats.org/presentationml/2006/main">
-  <p:tag name="KSO_WM_UNIT_HIGHLIGHT" val="0"/>
-  <p:tag name="KSO_WM_UNIT_COMPATIBLE" val="0"/>
-  <p:tag name="KSO_WM_UNIT_DIAGRAM_ISNUMVISUAL" val="0"/>
-  <p:tag name="KSO_WM_UNIT_DIAGRAM_ISREFERUNIT" val="0"/>
-  <p:tag name="KSO_WM_UNIT_ID" val="_5**"/>
-  <p:tag name="KSO_WM_UNIT_LAYERLEVEL" val="1"/>
-  <p:tag name="KSO_WM_TAG_VERSION" val="1.0"/>
-  <p:tag name="KSO_WM_BEAUTIFY_FLAG" val="#wm#"/>
-</p:tagLst>
-</file>
-
-<file path=ppt/tags/tag290.xml><?xml version="1.0" encoding="utf-8"?>
-<p:tagLst xmlns:p="http://schemas.openxmlformats.org/presentationml/2006/main">
-  <p:tag name="KSO_WM_UNIT_ISCONTENTSTITLE" val="0"/>
-  <p:tag name="KSO_WM_UNIT_PRESET_TEXT" val="单击此处添加标题"/>
-  <p:tag name="KSO_WM_UNIT_NOCLEAR" val="0"/>
-  <p:tag name="KSO_WM_UNIT_SHOW_EDIT_AREA_INDICATION" val="1"/>
-  <p:tag name="KSO_WM_UNIT_VALUE" val="26"/>
-  <p:tag name="KSO_WM_UNIT_HIGHLIGHT" val="0"/>
-  <p:tag name="KSO_WM_UNIT_COMPATIBLE" val="0"/>
-  <p:tag name="KSO_WM_UNIT_DIAGRAM_ISNUMVISUAL" val="0"/>
-  <p:tag name="KSO_WM_UNIT_DIAGRAM_ISREFERUNIT" val="0"/>
-  <p:tag name="KSO_WM_UNIT_TYPE" val="a"/>
-  <p:tag name="KSO_WM_UNIT_INDEX" val="1"/>
-  <p:tag name="KSO_WM_UNIT_ID" val="custom20205176_13*a*1"/>
-  <p:tag name="KSO_WM_TEMPLATE_CATEGORY" val="custom"/>
-  <p:tag name="KSO_WM_TEMPLATE_INDEX" val="20205176"/>
-  <p:tag name="KSO_WM_UNIT_LAYERLEVEL" val="1"/>
-  <p:tag name="KSO_WM_TAG_VERSION" val="1.0"/>
-  <p:tag name="KSO_WM_BEAUTIFY_FLAG" val="#wm#"/>
-  <p:tag name="KSO_WM_UNIT_ISNUMDGMTITLE" val="0"/>
-</p:tagLst>
-</file>
-
-<file path=ppt/tags/tag291.xml><?xml version="1.0" encoding="utf-8"?>
-<p:tagLst xmlns:p="http://schemas.openxmlformats.org/presentationml/2006/main">
-  <p:tag name="KSO_WM_UNIT_ISCONTENTSTITLE" val="0"/>
-  <p:tag name="KSO_WM_UNIT_PRESET_TEXT" val="单击此处添加标题"/>
-  <p:tag name="KSO_WM_UNIT_NOCLEAR" val="0"/>
-  <p:tag name="KSO_WM_UNIT_SHOW_EDIT_AREA_INDICATION" val="1"/>
-  <p:tag name="KSO_WM_UNIT_VALUE" val="26"/>
-  <p:tag name="KSO_WM_UNIT_HIGHLIGHT" val="0"/>
-  <p:tag name="KSO_WM_UNIT_COMPATIBLE" val="0"/>
-  <p:tag name="KSO_WM_UNIT_DIAGRAM_ISNUMVISUAL" val="0"/>
-  <p:tag name="KSO_WM_UNIT_DIAGRAM_ISREFERUNIT" val="0"/>
-  <p:tag name="KSO_WM_UNIT_TYPE" val="a"/>
-  <p:tag name="KSO_WM_UNIT_INDEX" val="1"/>
-  <p:tag name="KSO_WM_UNIT_ID" val="custom20205176_13*a*1"/>
-  <p:tag name="KSO_WM_TEMPLATE_CATEGORY" val="custom"/>
-  <p:tag name="KSO_WM_TEMPLATE_INDEX" val="20205176"/>
-  <p:tag name="KSO_WM_UNIT_LAYERLEVEL" val="1"/>
-  <p:tag name="KSO_WM_TAG_VERSION" val="1.0"/>
-  <p:tag name="KSO_WM_BEAUTIFY_FLAG" val="#wm#"/>
-  <p:tag name="KSO_WM_UNIT_ISNUMDGMTITLE" val="0"/>
-</p:tagLst>
-</file>
-
-<file path=ppt/tags/tag292.xml><?xml version="1.0" encoding="utf-8"?>
-<p:tagLst xmlns:p="http://schemas.openxmlformats.org/presentationml/2006/main">
-  <p:tag name="KSO_WM_UNIT_ISCONTENTSTITLE" val="0"/>
-  <p:tag name="KSO_WM_UNIT_PRESET_TEXT" val="单击此处添加标题"/>
-  <p:tag name="KSO_WM_UNIT_NOCLEAR" val="0"/>
-  <p:tag name="KSO_WM_UNIT_SHOW_EDIT_AREA_INDICATION" val="1"/>
-  <p:tag name="KSO_WM_UNIT_VALUE" val="26"/>
-  <p:tag name="KSO_WM_UNIT_HIGHLIGHT" val="0"/>
-  <p:tag name="KSO_WM_UNIT_COMPATIBLE" val="0"/>
-  <p:tag name="KSO_WM_UNIT_DIAGRAM_ISNUMVISUAL" val="0"/>
-  <p:tag name="KSO_WM_UNIT_DIAGRAM_ISREFERUNIT" val="0"/>
-  <p:tag name="KSO_WM_UNIT_TYPE" val="a"/>
-  <p:tag name="KSO_WM_UNIT_INDEX" val="1"/>
-  <p:tag name="KSO_WM_UNIT_ID" val="custom20205176_13*a*1"/>
-  <p:tag name="KSO_WM_TEMPLATE_CATEGORY" val="custom"/>
-  <p:tag name="KSO_WM_TEMPLATE_INDEX" val="20205176"/>
-  <p:tag name="KSO_WM_UNIT_LAYERLEVEL" val="1"/>
-  <p:tag name="KSO_WM_TAG_VERSION" val="1.0"/>
-  <p:tag name="KSO_WM_BEAUTIFY_FLAG" val="#wm#"/>
-  <p:tag name="KSO_WM_UNIT_ISNUMDGMTITLE" val="0"/>
-</p:tagLst>
-</file>
-
-<file path=ppt/tags/tag293.xml><?xml version="1.0" encoding="utf-8"?>
-<p:tagLst xmlns:p="http://schemas.openxmlformats.org/presentationml/2006/main">
-  <p:tag name="KSO_WM_UNIT_ISCONTENTSTITLE" val="0"/>
-  <p:tag name="KSO_WM_UNIT_PRESET_TEXT" val="单击此处添加标题"/>
-  <p:tag name="KSO_WM_UNIT_NOCLEAR" val="0"/>
-  <p:tag name="KSO_WM_UNIT_SHOW_EDIT_AREA_INDICATION" val="1"/>
-  <p:tag name="KSO_WM_UNIT_VALUE" val="26"/>
-  <p:tag name="KSO_WM_UNIT_HIGHLIGHT" val="0"/>
-  <p:tag name="KSO_WM_UNIT_COMPATIBLE" val="0"/>
-  <p:tag name="KSO_WM_UNIT_DIAGRAM_ISNUMVISUAL" val="0"/>
-  <p:tag name="KSO_WM_UNIT_DIAGRAM_ISREFERUNIT" val="0"/>
-  <p:tag name="KSO_WM_UNIT_TYPE" val="a"/>
-  <p:tag name="KSO_WM_UNIT_INDEX" val="1"/>
-  <p:tag name="KSO_WM_UNIT_ID" val="custom20205176_13*a*1"/>
-  <p:tag name="KSO_WM_TEMPLATE_CATEGORY" val="custom"/>
-  <p:tag name="KSO_WM_TEMPLATE_INDEX" val="20205176"/>
-  <p:tag name="KSO_WM_UNIT_LAYERLEVEL" val="1"/>
-  <p:tag name="KSO_WM_TAG_VERSION" val="1.0"/>
-  <p:tag name="KSO_WM_BEAUTIFY_FLAG" val="#wm#"/>
-  <p:tag name="KSO_WM_UNIT_ISNUMDGMTITLE" val="0"/>
-</p:tagLst>
-</file>
-
-<file path=ppt/tags/tag294.xml><?xml version="1.0" encoding="utf-8"?>
-<p:tagLst xmlns:p="http://schemas.openxmlformats.org/presentationml/2006/main">
-  <p:tag name="KSO_WM_UNIT_ISCONTENTSTITLE" val="0"/>
-  <p:tag name="KSO_WM_UNIT_PRESET_TEXT" val="单击此处添加标题"/>
-  <p:tag name="KSO_WM_UNIT_NOCLEAR" val="0"/>
-  <p:tag name="KSO_WM_UNIT_SHOW_EDIT_AREA_INDICATION" val="1"/>
-  <p:tag name="KSO_WM_UNIT_VALUE" val="26"/>
-  <p:tag name="KSO_WM_UNIT_HIGHLIGHT" val="0"/>
-  <p:tag name="KSO_WM_UNIT_COMPATIBLE" val="0"/>
-  <p:tag name="KSO_WM_UNIT_DIAGRAM_ISNUMVISUAL" val="0"/>
-  <p:tag name="KSO_WM_UNIT_DIAGRAM_ISREFERUNIT" val="0"/>
-  <p:tag name="KSO_WM_UNIT_TYPE" val="a"/>
-  <p:tag name="KSO_WM_UNIT_INDEX" val="1"/>
-  <p:tag name="KSO_WM_UNIT_ID" val="custom20205176_13*a*1"/>
-  <p:tag name="KSO_WM_TEMPLATE_CATEGORY" val="custom"/>
-  <p:tag name="KSO_WM_TEMPLATE_INDEX" val="20205176"/>
-  <p:tag name="KSO_WM_UNIT_LAYERLEVEL" val="1"/>
-  <p:tag name="KSO_WM_TAG_VERSION" val="1.0"/>
-  <p:tag name="KSO_WM_BEAUTIFY_FLAG" val="#wm#"/>
-  <p:tag name="KSO_WM_UNIT_ISNUMDGMTITLE" val="0"/>
-</p:tagLst>
-</file>
-
-<file path=ppt/tags/tag295.xml><?xml version="1.0" encoding="utf-8"?>
-<p:tagLst xmlns:p="http://schemas.openxmlformats.org/presentationml/2006/main">
-  <p:tag name="KSO_WM_UNIT_ISCONTENTSTITLE" val="0"/>
-  <p:tag name="KSO_WM_UNIT_PRESET_TEXT" val="单击此处添加标题"/>
-  <p:tag name="KSO_WM_UNIT_NOCLEAR" val="0"/>
-  <p:tag name="KSO_WM_UNIT_SHOW_EDIT_AREA_INDICATION" val="1"/>
-  <p:tag name="KSO_WM_UNIT_VALUE" val="26"/>
-  <p:tag name="KSO_WM_UNIT_HIGHLIGHT" val="0"/>
-  <p:tag name="KSO_WM_UNIT_COMPATIBLE" val="0"/>
-  <p:tag name="KSO_WM_UNIT_DIAGRAM_ISNUMVISUAL" val="0"/>
-  <p:tag name="KSO_WM_UNIT_DIAGRAM_ISREFERUNIT" val="0"/>
-  <p:tag name="KSO_WM_UNIT_TYPE" val="a"/>
-  <p:tag name="KSO_WM_UNIT_INDEX" val="1"/>
-  <p:tag name="KSO_WM_UNIT_ID" val="custom20205176_13*a*1"/>
-  <p:tag name="KSO_WM_TEMPLATE_CATEGORY" val="custom"/>
-  <p:tag name="KSO_WM_TEMPLATE_INDEX" val="20205176"/>
-  <p:tag name="KSO_WM_UNIT_LAYERLEVEL" val="1"/>
-  <p:tag name="KSO_WM_TAG_VERSION" val="1.0"/>
-  <p:tag name="KSO_WM_BEAUTIFY_FLAG" val="#wm#"/>
-  <p:tag name="KSO_WM_UNIT_ISNUMDGMTITLE" val="0"/>
-</p:tagLst>
-</file>
-
-<file path=ppt/tags/tag296.xml><?xml version="1.0" encoding="utf-8"?>
-<p:tagLst xmlns:p="http://schemas.openxmlformats.org/presentationml/2006/main">
-  <p:tag name="KSO_WM_UNIT_ISCONTENTSTITLE" val="0"/>
-  <p:tag name="KSO_WM_UNIT_PRESET_TEXT" val="单击此处添加标题"/>
-  <p:tag name="KSO_WM_UNIT_NOCLEAR" val="0"/>
-  <p:tag name="KSO_WM_UNIT_SHOW_EDIT_AREA_INDICATION" val="1"/>
-  <p:tag name="KSO_WM_UNIT_VALUE" val="26"/>
-  <p:tag name="KSO_WM_UNIT_HIGHLIGHT" val="0"/>
-  <p:tag name="KSO_WM_UNIT_COMPATIBLE" val="0"/>
-  <p:tag name="KSO_WM_UNIT_DIAGRAM_ISNUMVISUAL" val="0"/>
-  <p:tag name="KSO_WM_UNIT_DIAGRAM_ISREFERUNIT" val="0"/>
-  <p:tag name="KSO_WM_UNIT_TYPE" val="a"/>
-  <p:tag name="KSO_WM_UNIT_INDEX" val="1"/>
-  <p:tag name="KSO_WM_UNIT_ID" val="custom20205176_13*a*1"/>
-  <p:tag name="KSO_WM_TEMPLATE_CATEGORY" val="custom"/>
-  <p:tag name="KSO_WM_TEMPLATE_INDEX" val="20205176"/>
-  <p:tag name="KSO_WM_UNIT_LAYERLEVEL" val="1"/>
-  <p:tag name="KSO_WM_TAG_VERSION" val="1.0"/>
-  <p:tag name="KSO_WM_BEAUTIFY_FLAG" val="#wm#"/>
-  <p:tag name="KSO_WM_UNIT_ISNUMDGMTITLE" val="0"/>
-</p:tagLst>
-</file>
-
-<file path=ppt/tags/tag297.xml><?xml version="1.0" encoding="utf-8"?>
-<p:tagLst xmlns:p="http://schemas.openxmlformats.org/presentationml/2006/main">
-  <p:tag name="KSO_WM_UNIT_ISCONTENTSTITLE" val="0"/>
-  <p:tag name="KSO_WM_UNIT_PRESET_TEXT" val="单击此处添加标题"/>
-  <p:tag name="KSO_WM_UNIT_NOCLEAR" val="0"/>
-  <p:tag name="KSO_WM_UNIT_SHOW_EDIT_AREA_INDICATION" val="1"/>
-  <p:tag name="KSO_WM_UNIT_VALUE" val="26"/>
-  <p:tag name="KSO_WM_UNIT_HIGHLIGHT" val="0"/>
-  <p:tag name="KSO_WM_UNIT_COMPATIBLE" val="0"/>
-  <p:tag name="KSO_WM_UNIT_DIAGRAM_ISNUMVISUAL" val="0"/>
-  <p:tag name="KSO_WM_UNIT_DIAGRAM_ISREFERUNIT" val="0"/>
-  <p:tag name="KSO_WM_UNIT_TYPE" val="a"/>
-  <p:tag name="KSO_WM_UNIT_INDEX" val="1"/>
-  <p:tag name="KSO_WM_UNIT_ID" val="custom20205176_13*a*1"/>
-  <p:tag name="KSO_WM_TEMPLATE_CATEGORY" val="custom"/>
-  <p:tag name="KSO_WM_TEMPLATE_INDEX" val="20205176"/>
-  <p:tag name="KSO_WM_UNIT_LAYERLEVEL" val="1"/>
-  <p:tag name="KSO_WM_TAG_VERSION" val="1.0"/>
-  <p:tag name="KSO_WM_BEAUTIFY_FLAG" val="#wm#"/>
-  <p:tag name="KSO_WM_UNIT_ISNUMDGMTITLE" val="0"/>
-</p:tagLst>
-</file>
-
-<file path=ppt/tags/tag298.xml><?xml version="1.0" encoding="utf-8"?>
-<p:tagLst xmlns:p="http://schemas.openxmlformats.org/presentationml/2006/main">
-  <p:tag name="KSO_WM_UNIT_ISCONTENTSTITLE" val="0"/>
-  <p:tag name="KSO_WM_UNIT_PRESET_TEXT" val="单击此处添加标题"/>
-  <p:tag name="KSO_WM_UNIT_NOCLEAR" val="0"/>
-  <p:tag name="KSO_WM_UNIT_SHOW_EDIT_AREA_INDICATION" val="1"/>
-  <p:tag name="KSO_WM_UNIT_VALUE" val="26"/>
-  <p:tag name="KSO_WM_UNIT_HIGHLIGHT" val="0"/>
-  <p:tag name="KSO_WM_UNIT_COMPATIBLE" val="0"/>
-  <p:tag name="KSO_WM_UNIT_DIAGRAM_ISNUMVISUAL" val="0"/>
-  <p:tag name="KSO_WM_UNIT_DIAGRAM_ISREFERUNIT" val="0"/>
-  <p:tag name="KSO_WM_UNIT_TYPE" val="a"/>
-  <p:tag name="KSO_WM_UNIT_INDEX" val="1"/>
-  <p:tag name="KSO_WM_UNIT_ID" val="custom20205176_13*a*1"/>
-  <p:tag name="KSO_WM_TEMPLATE_CATEGORY" val="custom"/>
-  <p:tag name="KSO_WM_TEMPLATE_INDEX" val="20205176"/>
-  <p:tag name="KSO_WM_UNIT_LAYERLEVEL" val="1"/>
-  <p:tag name="KSO_WM_TAG_VERSION" val="1.0"/>
-  <p:tag name="KSO_WM_BEAUTIFY_FLAG" val="#wm#"/>
-  <p:tag name="KSO_WM_UNIT_ISNUMDGMTITLE" val="0"/>
-</p:tagLst>
-</file>
-
-<file path=ppt/tags/tag299.xml><?xml version="1.0" encoding="utf-8"?>
-<p:tagLst xmlns:p="http://schemas.openxmlformats.org/presentationml/2006/main">
-  <p:tag name="KSO_WM_UNIT_ISCONTENTSTITLE" val="0"/>
-  <p:tag name="KSO_WM_UNIT_PRESET_TEXT" val="单击此处添加标题"/>
-  <p:tag name="KSO_WM_UNIT_NOCLEAR" val="0"/>
-  <p:tag name="KSO_WM_UNIT_SHOW_EDIT_AREA_INDICATION" val="1"/>
-  <p:tag name="KSO_WM_UNIT_VALUE" val="26"/>
-  <p:tag name="KSO_WM_UNIT_HIGHLIGHT" val="0"/>
-  <p:tag name="KSO_WM_UNIT_COMPATIBLE" val="0"/>
-  <p:tag name="KSO_WM_UNIT_DIAGRAM_ISNUMVISUAL" val="0"/>
-  <p:tag name="KSO_WM_UNIT_DIAGRAM_ISREFERUNIT" val="0"/>
-  <p:tag name="KSO_WM_UNIT_TYPE" val="a"/>
-  <p:tag name="KSO_WM_UNIT_INDEX" val="1"/>
-  <p:tag name="KSO_WM_UNIT_ID" val="custom20205176_13*a*1"/>
-  <p:tag name="KSO_WM_TEMPLATE_CATEGORY" val="custom"/>
-  <p:tag name="KSO_WM_TEMPLATE_INDEX" val="20205176"/>
-  <p:tag name="KSO_WM_UNIT_LAYERLEVEL" val="1"/>
-  <p:tag name="KSO_WM_TAG_VERSION" val="1.0"/>
-  <p:tag name="KSO_WM_BEAUTIFY_FLAG" val="#wm#"/>
-  <p:tag name="KSO_WM_UNIT_ISNUMDGMTITLE" val="0"/>
-</p:tagLst>
-</file>
-
-<file path=ppt/tags/tag3.xml><?xml version="1.0" encoding="utf-8"?>
-<p:tagLst xmlns:p="http://schemas.openxmlformats.org/presentationml/2006/main">
-  <p:tag name="KSO_WM_UNIT_HIGHLIGHT" val="0"/>
-  <p:tag name="KSO_WM_UNIT_COMPATIBLE" val="0"/>
-  <p:tag name="KSO_WM_UNIT_DIAGRAM_ISNUMVISUAL" val="0"/>
-  <p:tag name="KSO_WM_UNIT_DIAGRAM_ISREFERUNIT" val="0"/>
-  <p:tag name="KSO_WM_UNIT_ID" val="_1**"/>
-  <p:tag name="KSO_WM_UNIT_LAYERLEVEL" val="1"/>
-  <p:tag name="KSO_WM_TAG_VERSION" val="1.0"/>
-  <p:tag name="KSO_WM_BEAUTIFY_FLAG" val="#wm#"/>
-</p:tagLst>
-</file>
-
-<file path=ppt/tags/tag30.xml><?xml version="1.0" encoding="utf-8"?>
-<p:tagLst xmlns:p="http://schemas.openxmlformats.org/presentationml/2006/main">
-  <p:tag name="KSO_WM_UNIT_HIGHLIGHT" val="0"/>
-  <p:tag name="KSO_WM_UNIT_COMPATIBLE" val="0"/>
-  <p:tag name="KSO_WM_UNIT_DIAGRAM_ISNUMVISUAL" val="0"/>
-  <p:tag name="KSO_WM_UNIT_DIAGRAM_ISREFERUNIT" val="0"/>
-  <p:tag name="KSO_WM_UNIT_ID" val="_6**"/>
-  <p:tag name="KSO_WM_UNIT_LAYERLEVEL" val="1"/>
-  <p:tag name="KSO_WM_TAG_VERSION" val="1.0"/>
-  <p:tag name="KSO_WM_BEAUTIFY_FLAG" val="#wm#"/>
-</p:tagLst>
-</file>
-
-<file path=ppt/tags/tag300.xml><?xml version="1.0" encoding="utf-8"?>
-<p:tagLst xmlns:p="http://schemas.openxmlformats.org/presentationml/2006/main">
-  <p:tag name="KSO_WM_UNIT_ISCONTENTSTITLE" val="0"/>
-  <p:tag name="KSO_WM_UNIT_PRESET_TEXT" val="单击此处添加标题"/>
-  <p:tag name="KSO_WM_UNIT_NOCLEAR" val="0"/>
-  <p:tag name="KSO_WM_UNIT_SHOW_EDIT_AREA_INDICATION" val="1"/>
-  <p:tag name="KSO_WM_UNIT_VALUE" val="26"/>
-  <p:tag name="KSO_WM_UNIT_HIGHLIGHT" val="0"/>
-  <p:tag name="KSO_WM_UNIT_COMPATIBLE" val="0"/>
-  <p:tag name="KSO_WM_UNIT_DIAGRAM_ISNUMVISUAL" val="0"/>
-  <p:tag name="KSO_WM_UNIT_DIAGRAM_ISREFERUNIT" val="0"/>
-  <p:tag name="KSO_WM_UNIT_TYPE" val="a"/>
-  <p:tag name="KSO_WM_UNIT_INDEX" val="1"/>
-  <p:tag name="KSO_WM_UNIT_ID" val="custom20205176_13*a*1"/>
-  <p:tag name="KSO_WM_TEMPLATE_CATEGORY" val="custom"/>
-  <p:tag name="KSO_WM_TEMPLATE_INDEX" val="20205176"/>
-  <p:tag name="KSO_WM_UNIT_LAYERLEVEL" val="1"/>
-  <p:tag name="KSO_WM_TAG_VERSION" val="1.0"/>
-  <p:tag name="KSO_WM_BEAUTIFY_FLAG" val="#wm#"/>
-  <p:tag name="KSO_WM_UNIT_ISNUMDGMTITLE" val="0"/>
-</p:tagLst>
-</file>
-
-<file path=ppt/tags/tag301.xml><?xml version="1.0" encoding="utf-8"?>
-<p:tagLst xmlns:p="http://schemas.openxmlformats.org/presentationml/2006/main">
-  <p:tag name="KSO_WM_UNIT_ISCONTENTSTITLE" val="0"/>
-  <p:tag name="KSO_WM_UNIT_PRESET_TEXT" val="单击此处添加标题"/>
-  <p:tag name="KSO_WM_UNIT_NOCLEAR" val="0"/>
-  <p:tag name="KSO_WM_UNIT_SHOW_EDIT_AREA_INDICATION" val="1"/>
-  <p:tag name="KSO_WM_UNIT_VALUE" val="26"/>
-  <p:tag name="KSO_WM_UNIT_HIGHLIGHT" val="0"/>
-  <p:tag name="KSO_WM_UNIT_COMPATIBLE" val="0"/>
-  <p:tag name="KSO_WM_UNIT_DIAGRAM_ISNUMVISUAL" val="0"/>
-  <p:tag name="KSO_WM_UNIT_DIAGRAM_ISREFERUNIT" val="0"/>
-  <p:tag name="KSO_WM_UNIT_TYPE" val="a"/>
-  <p:tag name="KSO_WM_UNIT_INDEX" val="1"/>
-  <p:tag name="KSO_WM_UNIT_ID" val="custom20205176_13*a*1"/>
-  <p:tag name="KSO_WM_TEMPLATE_CATEGORY" val="custom"/>
-  <p:tag name="KSO_WM_TEMPLATE_INDEX" val="20205176"/>
-  <p:tag name="KSO_WM_UNIT_LAYERLEVEL" val="1"/>
-  <p:tag name="KSO_WM_TAG_VERSION" val="1.0"/>
-  <p:tag name="KSO_WM_BEAUTIFY_FLAG" val="#wm#"/>
-  <p:tag name="KSO_WM_UNIT_ISNUMDGMTITLE" val="0"/>
-</p:tagLst>
-</file>
-
-<file path=ppt/tags/tag302.xml><?xml version="1.0" encoding="utf-8"?>
-<p:tagLst xmlns:p="http://schemas.openxmlformats.org/presentationml/2006/main">
-  <p:tag name="KSO_WM_UNIT_ISCONTENTSTITLE" val="0"/>
-  <p:tag name="KSO_WM_UNIT_PRESET_TEXT" val="单击此处添加标题"/>
-  <p:tag name="KSO_WM_UNIT_NOCLEAR" val="0"/>
-  <p:tag name="KSO_WM_UNIT_SHOW_EDIT_AREA_INDICATION" val="1"/>
-  <p:tag name="KSO_WM_UNIT_VALUE" val="26"/>
-  <p:tag name="KSO_WM_UNIT_HIGHLIGHT" val="0"/>
-  <p:tag name="KSO_WM_UNIT_COMPATIBLE" val="0"/>
-  <p:tag name="KSO_WM_UNIT_DIAGRAM_ISNUMVISUAL" val="0"/>
-  <p:tag name="KSO_WM_UNIT_DIAGRAM_ISREFERUNIT" val="0"/>
-  <p:tag name="KSO_WM_UNIT_TYPE" val="a"/>
-  <p:tag name="KSO_WM_UNIT_INDEX" val="1"/>
-  <p:tag name="KSO_WM_UNIT_ID" val="custom20205176_13*a*1"/>
-  <p:tag name="KSO_WM_TEMPLATE_CATEGORY" val="custom"/>
-  <p:tag name="KSO_WM_TEMPLATE_INDEX" val="20205176"/>
-  <p:tag name="KSO_WM_UNIT_LAYERLEVEL" val="1"/>
-  <p:tag name="KSO_WM_TAG_VERSION" val="1.0"/>
-  <p:tag name="KSO_WM_BEAUTIFY_FLAG" val="#wm#"/>
-  <p:tag name="KSO_WM_UNIT_ISNUMDGMTITLE" val="0"/>
-</p:tagLst>
-</file>
-
 <file path=ppt/tags/tag303.xml><?xml version="1.0" encoding="utf-8"?>
-<p:tagLst xmlns:p="http://schemas.openxmlformats.org/presentationml/2006/main">
-  <p:tag name="KSO_WM_UNIT_ISCONTENTSTITLE" val="0"/>
-  <p:tag name="KSO_WM_UNIT_PRESET_TEXT" val="单击此处添加标题"/>
-  <p:tag name="KSO_WM_UNIT_NOCLEAR" val="0"/>
-  <p:tag name="KSO_WM_UNIT_SHOW_EDIT_AREA_INDICATION" val="1"/>
-  <p:tag name="KSO_WM_UNIT_VALUE" val="26"/>
-  <p:tag name="KSO_WM_UNIT_HIGHLIGHT" val="0"/>
-  <p:tag name="KSO_WM_UNIT_COMPATIBLE" val="0"/>
-  <p:tag name="KSO_WM_UNIT_DIAGRAM_ISNUMVISUAL" val="0"/>
-  <p:tag name="KSO_WM_UNIT_DIAGRAM_ISREFERUNIT" val="0"/>
-  <p:tag name="KSO_WM_UNIT_TYPE" val="a"/>
-  <p:tag name="KSO_WM_UNIT_INDEX" val="1"/>
-  <p:tag name="KSO_WM_UNIT_ID" val="custom20205176_13*a*1"/>
-  <p:tag name="KSO_WM_TEMPLATE_CATEGORY" val="custom"/>
-  <p:tag name="KSO_WM_TEMPLATE_INDEX" val="20205176"/>
-  <p:tag name="KSO_WM_UNIT_LAYERLEVEL" val="1"/>
-  <p:tag name="KSO_WM_TAG_VERSION" val="1.0"/>
-  <p:tag name="KSO_WM_BEAUTIFY_FLAG" val="#wm#"/>
-  <p:tag name="KSO_WM_UNIT_ISNUMDGMTITLE" val="0"/>
-</p:tagLst>
-</file>
-
-<file path=ppt/tags/tag304.xml><?xml version="1.0" encoding="utf-8"?>
-<p:tagLst xmlns:p="http://schemas.openxmlformats.org/presentationml/2006/main">
-  <p:tag name="KSO_WM_UNIT_ISCONTENTSTITLE" val="0"/>
-  <p:tag name="KSO_WM_UNIT_PRESET_TEXT" val="单击此处添加标题"/>
-  <p:tag name="KSO_WM_UNIT_NOCLEAR" val="0"/>
-  <p:tag name="KSO_WM_UNIT_SHOW_EDIT_AREA_INDICATION" val="1"/>
-  <p:tag name="KSO_WM_UNIT_VALUE" val="26"/>
-  <p:tag name="KSO_WM_UNIT_HIGHLIGHT" val="0"/>
-  <p:tag name="KSO_WM_UNIT_COMPATIBLE" val="0"/>
-  <p:tag name="KSO_WM_UNIT_DIAGRAM_ISNUMVISUAL" val="0"/>
-  <p:tag name="KSO_WM_UNIT_DIAGRAM_ISREFERUNIT" val="0"/>
-  <p:tag name="KSO_WM_UNIT_TYPE" val="a"/>
-  <p:tag name="KSO_WM_UNIT_INDEX" val="1"/>
-  <p:tag name="KSO_WM_UNIT_ID" val="custom20205176_13*a*1"/>
-  <p:tag name="KSO_WM_TEMPLATE_CATEGORY" val="custom"/>
-  <p:tag name="KSO_WM_TEMPLATE_INDEX" val="20205176"/>
-  <p:tag name="KSO_WM_UNIT_LAYERLEVEL" val="1"/>
-  <p:tag name="KSO_WM_TAG_VERSION" val="1.0"/>
-  <p:tag name="KSO_WM_BEAUTIFY_FLAG" val="#wm#"/>
-  <p:tag name="KSO_WM_UNIT_ISNUMDGMTITLE" val="0"/>
-</p:tagLst>
-</file>
-
-<file path=ppt/tags/tag305.xml><?xml version="1.0" encoding="utf-8"?>
-<p:tagLst xmlns:p="http://schemas.openxmlformats.org/presentationml/2006/main">
-  <p:tag name="KSO_WM_UNIT_ISCONTENTSTITLE" val="0"/>
-  <p:tag name="KSO_WM_UNIT_PRESET_TEXT" val="单击此处添加标题"/>
-  <p:tag name="KSO_WM_UNIT_NOCLEAR" val="0"/>
-  <p:tag name="KSO_WM_UNIT_SHOW_EDIT_AREA_INDICATION" val="1"/>
-  <p:tag name="KSO_WM_UNIT_VALUE" val="26"/>
-  <p:tag name="KSO_WM_UNIT_HIGHLIGHT" val="0"/>
-  <p:tag name="KSO_WM_UNIT_COMPATIBLE" val="0"/>
-  <p:tag name="KSO_WM_UNIT_DIAGRAM_ISNUMVISUAL" val="0"/>
-  <p:tag name="KSO_WM_UNIT_DIAGRAM_ISREFERUNIT" val="0"/>
-  <p:tag name="KSO_WM_UNIT_TYPE" val="a"/>
-  <p:tag name="KSO_WM_UNIT_INDEX" val="1"/>
-  <p:tag name="KSO_WM_UNIT_ID" val="custom20205176_13*a*1"/>
-  <p:tag name="KSO_WM_TEMPLATE_CATEGORY" val="custom"/>
-  <p:tag name="KSO_WM_TEMPLATE_INDEX" val="20205176"/>
-  <p:tag name="KSO_WM_UNIT_LAYERLEVEL" val="1"/>
-  <p:tag name="KSO_WM_TAG_VERSION" val="1.0"/>
-  <p:tag name="KSO_WM_BEAUTIFY_FLAG" val="#wm#"/>
-  <p:tag name="KSO_WM_UNIT_ISNUMDGMTITLE" val="0"/>
-</p:tagLst>
-</file>
-
-<file path=ppt/tags/tag306.xml><?xml version="1.0" encoding="utf-8"?>
-<p:tagLst xmlns:p="http://schemas.openxmlformats.org/presentationml/2006/main">
-  <p:tag name="KSO_WM_UNIT_ISCONTENTSTITLE" val="0"/>
-  <p:tag name="KSO_WM_UNIT_PRESET_TEXT" val="单击此处添加标题"/>
-  <p:tag name="KSO_WM_UNIT_NOCLEAR" val="0"/>
-  <p:tag name="KSO_WM_UNIT_SHOW_EDIT_AREA_INDICATION" val="1"/>
-  <p:tag name="KSO_WM_UNIT_VALUE" val="26"/>
-  <p:tag name="KSO_WM_UNIT_HIGHLIGHT" val="0"/>
-  <p:tag name="KSO_WM_UNIT_COMPATIBLE" val="0"/>
-  <p:tag name="KSO_WM_UNIT_DIAGRAM_ISNUMVISUAL" val="0"/>
-  <p:tag name="KSO_WM_UNIT_DIAGRAM_ISREFERUNIT" val="0"/>
-  <p:tag name="KSO_WM_UNIT_TYPE" val="a"/>
-  <p:tag name="KSO_WM_UNIT_INDEX" val="1"/>
-  <p:tag name="KSO_WM_UNIT_ID" val="custom20205176_13*a*1"/>
-  <p:tag name="KSO_WM_TEMPLATE_CATEGORY" val="custom"/>
-  <p:tag name="KSO_WM_TEMPLATE_INDEX" val="20205176"/>
-  <p:tag name="KSO_WM_UNIT_LAYERLEVEL" val="1"/>
-  <p:tag name="KSO_WM_TAG_VERSION" val="1.0"/>
-  <p:tag name="KSO_WM_BEAUTIFY_FLAG" val="#wm#"/>
-  <p:tag name="KSO_WM_UNIT_ISNUMDGMTITLE" val="0"/>
-</p:tagLst>
-</file>
-
-<file path=ppt/tags/tag307.xml><?xml version="1.0" encoding="utf-8"?>
-<p:tagLst xmlns:p="http://schemas.openxmlformats.org/presentationml/2006/main">
-  <p:tag name="KSO_WM_UNIT_ISCONTENTSTITLE" val="0"/>
-  <p:tag name="KSO_WM_UNIT_PRESET_TEXT" val="单击此处添加标题"/>
-  <p:tag name="KSO_WM_UNIT_NOCLEAR" val="0"/>
-  <p:tag name="KSO_WM_UNIT_SHOW_EDIT_AREA_INDICATION" val="1"/>
-  <p:tag name="KSO_WM_UNIT_VALUE" val="26"/>
-  <p:tag name="KSO_WM_UNIT_HIGHLIGHT" val="0"/>
-  <p:tag name="KSO_WM_UNIT_COMPATIBLE" val="0"/>
-  <p:tag name="KSO_WM_UNIT_DIAGRAM_ISNUMVISUAL" val="0"/>
-  <p:tag name="KSO_WM_UNIT_DIAGRAM_ISREFERUNIT" val="0"/>
-  <p:tag name="KSO_WM_UNIT_TYPE" val="a"/>
-  <p:tag name="KSO_WM_UNIT_INDEX" val="1"/>
-  <p:tag name="KSO_WM_UNIT_ID" val="custom20205176_13*a*1"/>
-  <p:tag name="KSO_WM_TEMPLATE_CATEGORY" val="custom"/>
-  <p:tag name="KSO_WM_TEMPLATE_INDEX" val="20205176"/>
-  <p:tag name="KSO_WM_UNIT_LAYERLEVEL" val="1"/>
-  <p:tag name="KSO_WM_TAG_VERSION" val="1.0"/>
-  <p:tag name="KSO_WM_BEAUTIFY_FLAG" val="#wm#"/>
-  <p:tag name="KSO_WM_UNIT_ISNUMDGMTITLE" val="0"/>
-</p:tagLst>
-</file>
-
-<file path=ppt/tags/tag308.xml><?xml version="1.0" encoding="utf-8"?>
-<p:tagLst xmlns:p="http://schemas.openxmlformats.org/presentationml/2006/main">
-  <p:tag name="KSO_WM_BEAUTIFY_FLAG" val="#wm#"/>
-  <p:tag name="KSO_WM_TEMPLATE_CATEGORY" val="custom"/>
-  <p:tag name="KSO_WM_TEMPLATE_INDEX" val="20205176"/>
-  <p:tag name="KSO_WM_SLIDE_ID" val="custom20205176_13"/>
-  <p:tag name="KSO_WM_TEMPLATE_SUBCATEGORY" val="19"/>
-  <p:tag name="KSO_WM_TEMPLATE_MASTER_TYPE" val="0"/>
-  <p:tag name="KSO_WM_TEMPLATE_COLOR_TYPE" val="1"/>
-  <p:tag name="KSO_WM_SLIDE_ITEM_CNT" val="0"/>
-  <p:tag name="KSO_WM_SLIDE_INDEX" val="13"/>
-  <p:tag name="KSO_WM_TAG_VERSION" val="1.0"/>
-  <p:tag name="KSO_WM_SLIDE_TYPE" val="text"/>
-  <p:tag name="KSO_WM_SLIDE_SUBTYPE" val="pureTxt"/>
-  <p:tag name="KSO_WM_SLIDE_SIZE" val="863*444"/>
-  <p:tag name="KSO_WM_SLIDE_POSITION" val="47*47"/>
-  <p:tag name="KSO_WM_SLIDE_LAYOUT" val="a_f"/>
-  <p:tag name="KSO_WM_SLIDE_LAYOUT_CNT" val="1_1"/>
-  <p:tag name="KSO_WM_UNIT_SHOW_EDIT_AREA_INDICATION" val="1"/>
-  <p:tag name="KSO_WM_SLIDE_BK_DARK_LIGHT" val="2"/>
-  <p:tag name="KSO_WM_SLIDE_BACKGROUND_TYPE" val="general"/>
-</p:tagLst>
-</file>
-
-<file path=ppt/tags/tag309.xml><?xml version="1.0" encoding="utf-8"?>
 <p:tagLst xmlns:p="http://schemas.openxmlformats.org/presentationml/2006/main">
   <p:tag name="KSO_WM_UNIT_ISCONTENTSTITLE" val="0"/>
   <p:tag name="KSO_WM_UNIT_ISNUMDGMTITLE" val="0"/>
@@ -27691,20 +26923,7 @@
 </p:tagLst>
 </file>
 
-<file path=ppt/tags/tag31.xml><?xml version="1.0" encoding="utf-8"?>
-<p:tagLst xmlns:p="http://schemas.openxmlformats.org/presentationml/2006/main">
-  <p:tag name="KSO_WM_UNIT_HIGHLIGHT" val="0"/>
-  <p:tag name="KSO_WM_UNIT_COMPATIBLE" val="0"/>
-  <p:tag name="KSO_WM_UNIT_DIAGRAM_ISNUMVISUAL" val="0"/>
-  <p:tag name="KSO_WM_UNIT_DIAGRAM_ISREFERUNIT" val="0"/>
-  <p:tag name="KSO_WM_UNIT_ID" val="_6**"/>
-  <p:tag name="KSO_WM_UNIT_LAYERLEVEL" val="1"/>
-  <p:tag name="KSO_WM_TAG_VERSION" val="1.0"/>
-  <p:tag name="KSO_WM_BEAUTIFY_FLAG" val="#wm#"/>
-</p:tagLst>
-</file>
-
-<file path=ppt/tags/tag310.xml><?xml version="1.0" encoding="utf-8"?>
+<file path=ppt/tags/tag304.xml><?xml version="1.0" encoding="utf-8"?>
 <p:tagLst xmlns:p="http://schemas.openxmlformats.org/presentationml/2006/main">
   <p:tag name="KSO_WM_SLIDE_ID" val="custom20202545_15"/>
   <p:tag name="KSO_WM_TEMPLATE_SUBCATEGORY" val="0"/>
@@ -27723,9 +26942,22 @@
 </p:tagLst>
 </file>
 
-<file path=ppt/tags/tag311.xml><?xml version="1.0" encoding="utf-8"?>
+<file path=ppt/tags/tag305.xml><?xml version="1.0" encoding="utf-8"?>
 <p:tagLst xmlns:p="http://schemas.openxmlformats.org/presentationml/2006/main">
   <p:tag name="COMMONDATA" val="eyJoZGlkIjoiNjJkNjE0YjhmZjBkYjdlYWE4ZGE4N2Y4ZTlmZjNlN2YifQ=="/>
+</p:tagLst>
+</file>
+
+<file path=ppt/tags/tag31.xml><?xml version="1.0" encoding="utf-8"?>
+<p:tagLst xmlns:p="http://schemas.openxmlformats.org/presentationml/2006/main">
+  <p:tag name="KSO_WM_UNIT_HIGHLIGHT" val="0"/>
+  <p:tag name="KSO_WM_UNIT_COMPATIBLE" val="0"/>
+  <p:tag name="KSO_WM_UNIT_DIAGRAM_ISNUMVISUAL" val="0"/>
+  <p:tag name="KSO_WM_UNIT_DIAGRAM_ISREFERUNIT" val="0"/>
+  <p:tag name="KSO_WM_UNIT_ID" val="_6**"/>
+  <p:tag name="KSO_WM_UNIT_LAYERLEVEL" val="1"/>
+  <p:tag name="KSO_WM_TAG_VERSION" val="1.0"/>
+  <p:tag name="KSO_WM_BEAUTIFY_FLAG" val="#wm#"/>
 </p:tagLst>
 </file>
 
